--- a/FinalThesis/答辩ppt.pptx
+++ b/FinalThesis/答辩ppt.pptx
@@ -7,6 +7,9 @@
   <p:notesMasterIdLst>
     <p:notesMasterId r:id="rId36"/>
   </p:notesMasterIdLst>
+  <p:handoutMasterIdLst>
+    <p:handoutMasterId r:id="rId37"/>
+  </p:handoutMasterIdLst>
   <p:sldIdLst>
     <p:sldId id="284" r:id="rId2"/>
     <p:sldId id="1148" r:id="rId3"/>
@@ -186,8 +189,201 @@
         </p14:section>
       </p14:sectionLst>
     </p:ext>
+    <p:ext uri="{EFAFB233-063F-42B5-8137-9DF3F51BA10A}">
+      <p15:sldGuideLst xmlns:p15="http://schemas.microsoft.com/office/powerpoint/2012/main"/>
+    </p:ext>
   </p:extLst>
 </p:presentation>
+</file>
+
+<file path=ppt/handoutMasters/handoutMaster1.xml><?xml version="1.0" encoding="utf-8"?>
+<p:handoutMaster xmlns:a="http://schemas.openxmlformats.org/drawingml/2006/main" xmlns:r="http://schemas.openxmlformats.org/officeDocument/2006/relationships" xmlns:p="http://schemas.openxmlformats.org/presentationml/2006/main">
+  <p:cSld>
+    <p:bg>
+      <p:bgRef idx="1001">
+        <a:schemeClr val="bg1"/>
+      </p:bgRef>
+    </p:bg>
+    <p:spTree>
+      <p:nvGrpSpPr>
+        <p:cNvPr id="1" name=""/>
+        <p:cNvGrpSpPr/>
+        <p:nvPr/>
+      </p:nvGrpSpPr>
+      <p:grpSpPr>
+        <a:xfrm>
+          <a:off x="0" y="0"/>
+          <a:ext cx="0" cy="0"/>
+          <a:chOff x="0" y="0"/>
+          <a:chExt cx="0" cy="0"/>
+        </a:xfrm>
+      </p:grpSpPr>
+      <p:sp>
+        <p:nvSpPr>
+          <p:cNvPr id="2" name="页眉占位符 1">
+            <a:extLst>
+              <a:ext uri="{FF2B5EF4-FFF2-40B4-BE49-F238E27FC236}">
+                <a16:creationId xmlns:a16="http://schemas.microsoft.com/office/drawing/2014/main" id="{3B34AA3C-62FF-9241-E96D-3040C5B97884}"/>
+              </a:ext>
+            </a:extLst>
+          </p:cNvPr>
+          <p:cNvSpPr>
+            <a:spLocks noGrp="1"/>
+          </p:cNvSpPr>
+          <p:nvPr>
+            <p:ph type="hdr" sz="quarter"/>
+          </p:nvPr>
+        </p:nvSpPr>
+        <p:spPr>
+          <a:xfrm>
+            <a:off x="0" y="0"/>
+            <a:ext cx="2971800" cy="458788"/>
+          </a:xfrm>
+          <a:prstGeom prst="rect">
+            <a:avLst/>
+          </a:prstGeom>
+        </p:spPr>
+        <p:txBody>
+          <a:bodyPr vert="horz" lIns="91440" tIns="45720" rIns="91440" bIns="45720" rtlCol="0"/>
+          <a:lstStyle>
+            <a:lvl1pPr algn="l">
+              <a:defRPr sz="1200"/>
+            </a:lvl1pPr>
+          </a:lstStyle>
+          <a:p>
+            <a:endParaRPr lang="zh-CN" altLang="en-US"/>
+          </a:p>
+        </p:txBody>
+      </p:sp>
+      <p:sp>
+        <p:nvSpPr>
+          <p:cNvPr id="3" name="日期占位符 2">
+            <a:extLst>
+              <a:ext uri="{FF2B5EF4-FFF2-40B4-BE49-F238E27FC236}">
+                <a16:creationId xmlns:a16="http://schemas.microsoft.com/office/drawing/2014/main" id="{D01FE00D-0D6F-B172-EDD2-4D3A42F9DA70}"/>
+              </a:ext>
+            </a:extLst>
+          </p:cNvPr>
+          <p:cNvSpPr>
+            <a:spLocks noGrp="1"/>
+          </p:cNvSpPr>
+          <p:nvPr>
+            <p:ph type="dt" sz="quarter" idx="1"/>
+          </p:nvPr>
+        </p:nvSpPr>
+        <p:spPr>
+          <a:xfrm>
+            <a:off x="3884613" y="0"/>
+            <a:ext cx="2971800" cy="458788"/>
+          </a:xfrm>
+          <a:prstGeom prst="rect">
+            <a:avLst/>
+          </a:prstGeom>
+        </p:spPr>
+        <p:txBody>
+          <a:bodyPr vert="horz" lIns="91440" tIns="45720" rIns="91440" bIns="45720" rtlCol="0"/>
+          <a:lstStyle>
+            <a:lvl1pPr algn="r">
+              <a:defRPr sz="1200"/>
+            </a:lvl1pPr>
+          </a:lstStyle>
+          <a:p>
+            <a:fld id="{6C6D8DA7-EC50-4B85-8894-30895C4FC0F8}" type="datetimeFigureOut">
+              <a:rPr lang="zh-CN" altLang="en-US" smtClean="0"/>
+              <a:t>2023/6/7</a:t>
+            </a:fld>
+            <a:endParaRPr lang="zh-CN" altLang="en-US"/>
+          </a:p>
+        </p:txBody>
+      </p:sp>
+      <p:sp>
+        <p:nvSpPr>
+          <p:cNvPr id="4" name="页脚占位符 3">
+            <a:extLst>
+              <a:ext uri="{FF2B5EF4-FFF2-40B4-BE49-F238E27FC236}">
+                <a16:creationId xmlns:a16="http://schemas.microsoft.com/office/drawing/2014/main" id="{652A673F-1D6E-5E46-02DA-6050FF046E09}"/>
+              </a:ext>
+            </a:extLst>
+          </p:cNvPr>
+          <p:cNvSpPr>
+            <a:spLocks noGrp="1"/>
+          </p:cNvSpPr>
+          <p:nvPr>
+            <p:ph type="ftr" sz="quarter" idx="2"/>
+          </p:nvPr>
+        </p:nvSpPr>
+        <p:spPr>
+          <a:xfrm>
+            <a:off x="0" y="8685213"/>
+            <a:ext cx="2971800" cy="458787"/>
+          </a:xfrm>
+          <a:prstGeom prst="rect">
+            <a:avLst/>
+          </a:prstGeom>
+        </p:spPr>
+        <p:txBody>
+          <a:bodyPr vert="horz" lIns="91440" tIns="45720" rIns="91440" bIns="45720" rtlCol="0" anchor="b"/>
+          <a:lstStyle>
+            <a:lvl1pPr algn="l">
+              <a:defRPr sz="1200"/>
+            </a:lvl1pPr>
+          </a:lstStyle>
+          <a:p>
+            <a:endParaRPr lang="zh-CN" altLang="en-US"/>
+          </a:p>
+        </p:txBody>
+      </p:sp>
+      <p:sp>
+        <p:nvSpPr>
+          <p:cNvPr id="5" name="灯片编号占位符 4">
+            <a:extLst>
+              <a:ext uri="{FF2B5EF4-FFF2-40B4-BE49-F238E27FC236}">
+                <a16:creationId xmlns:a16="http://schemas.microsoft.com/office/drawing/2014/main" id="{9A07F45F-7D7A-D5C3-8B72-80FBB30C59EF}"/>
+              </a:ext>
+            </a:extLst>
+          </p:cNvPr>
+          <p:cNvSpPr>
+            <a:spLocks noGrp="1"/>
+          </p:cNvSpPr>
+          <p:nvPr>
+            <p:ph type="sldNum" sz="quarter" idx="3"/>
+          </p:nvPr>
+        </p:nvSpPr>
+        <p:spPr>
+          <a:xfrm>
+            <a:off x="3884613" y="8685213"/>
+            <a:ext cx="2971800" cy="458787"/>
+          </a:xfrm>
+          <a:prstGeom prst="rect">
+            <a:avLst/>
+          </a:prstGeom>
+        </p:spPr>
+        <p:txBody>
+          <a:bodyPr vert="horz" lIns="91440" tIns="45720" rIns="91440" bIns="45720" rtlCol="0" anchor="b"/>
+          <a:lstStyle>
+            <a:lvl1pPr algn="r">
+              <a:defRPr sz="1200"/>
+            </a:lvl1pPr>
+          </a:lstStyle>
+          <a:p>
+            <a:fld id="{E921BCD2-EB0F-492A-A20C-593145FB8FE8}" type="slidenum">
+              <a:rPr lang="zh-CN" altLang="en-US" smtClean="0"/>
+              <a:t>‹#›</a:t>
+            </a:fld>
+            <a:endParaRPr lang="zh-CN" altLang="en-US"/>
+          </a:p>
+        </p:txBody>
+      </p:sp>
+    </p:spTree>
+    <p:extLst>
+      <p:ext uri="{BB962C8B-B14F-4D97-AF65-F5344CB8AC3E}">
+        <p14:creationId xmlns:p14="http://schemas.microsoft.com/office/powerpoint/2010/main" val="1105211988"/>
+      </p:ext>
+    </p:extLst>
+  </p:cSld>
+  <p:clrMap bg1="lt1" tx1="dk1" bg2="lt2" tx2="dk2" accent1="accent1" accent2="accent2" accent3="accent3" accent4="accent4" accent5="accent5" accent6="accent6" hlink="hlink" folHlink="folHlink"/>
+  <p:hf hdr="0" ftr="0" dt="0"/>
+</p:handoutMaster>
 </file>
 
 <file path=ppt/notesMasters/notesMaster1.xml><?xml version="1.0" encoding="utf-8"?>
@@ -272,7 +468,7 @@
           <a:p>
             <a:fld id="{4DFD71FF-0F94-42F1-8E6D-8B10E102535F}" type="datetimeFigureOut">
               <a:rPr lang="zh-CN" altLang="en-US" smtClean="0"/>
-              <a:t>2023/6/6</a:t>
+              <a:t>2023/6/7</a:t>
             </a:fld>
             <a:endParaRPr lang="zh-CN" altLang="en-US"/>
           </a:p>
@@ -444,6 +640,7 @@
     </p:extLst>
   </p:cSld>
   <p:clrMap bg1="lt1" tx1="dk1" bg2="lt2" tx2="dk2" accent1="accent1" accent2="accent2" accent3="accent3" accent4="accent4" accent5="accent5" accent6="accent6" hlink="hlink" folHlink="folHlink"/>
+  <p:hf hdr="0" ftr="0" dt="0"/>
   <p:notesStyle>
     <a:lvl1pPr marL="0" algn="l" defTabSz="914400" rtl="0" eaLnBrk="1" latinLnBrk="0" hangingPunct="1">
       <a:defRPr sz="1200" kern="1200">
@@ -589,6 +786,96 @@
       </p:sp>
       <p:sp>
         <p:nvSpPr>
+          <p:cNvPr id="5" name="灯片编号占位符 4">
+            <a:extLst>
+              <a:ext uri="{FF2B5EF4-FFF2-40B4-BE49-F238E27FC236}">
+                <a16:creationId xmlns:a16="http://schemas.microsoft.com/office/drawing/2014/main" id="{D963A367-3ECA-F8A5-53F3-13AAB72A6194}"/>
+              </a:ext>
+            </a:extLst>
+          </p:cNvPr>
+          <p:cNvSpPr>
+            <a:spLocks noGrp="1"/>
+          </p:cNvSpPr>
+          <p:nvPr>
+            <p:ph type="sldNum" sz="quarter" idx="5"/>
+          </p:nvPr>
+        </p:nvSpPr>
+        <p:spPr/>
+        <p:txBody>
+          <a:bodyPr/>
+          <a:lstStyle/>
+          <a:p>
+            <a:fld id="{4106F176-1BA7-4856-A54F-4D0748786C86}" type="slidenum">
+              <a:rPr lang="zh-CN" altLang="en-US" smtClean="0"/>
+              <a:t>1</a:t>
+            </a:fld>
+            <a:endParaRPr lang="zh-CN" altLang="en-US"/>
+          </a:p>
+        </p:txBody>
+      </p:sp>
+    </p:spTree>
+    <p:extLst>
+      <p:ext uri="{BB962C8B-B14F-4D97-AF65-F5344CB8AC3E}">
+        <p14:creationId xmlns:p14="http://schemas.microsoft.com/office/powerpoint/2010/main" val="3963804600"/>
+      </p:ext>
+    </p:extLst>
+  </p:cSld>
+  <p:clrMapOvr>
+    <a:masterClrMapping/>
+  </p:clrMapOvr>
+</p:notes>
+</file>
+
+<file path=ppt/notesSlides/notesSlide10.xml><?xml version="1.0" encoding="utf-8"?>
+<p:notes xmlns:a="http://schemas.openxmlformats.org/drawingml/2006/main" xmlns:r="http://schemas.openxmlformats.org/officeDocument/2006/relationships" xmlns:p="http://schemas.openxmlformats.org/presentationml/2006/main">
+  <p:cSld>
+    <p:spTree>
+      <p:nvGrpSpPr>
+        <p:cNvPr id="1" name=""/>
+        <p:cNvGrpSpPr/>
+        <p:nvPr/>
+      </p:nvGrpSpPr>
+      <p:grpSpPr>
+        <a:xfrm>
+          <a:off x="0" y="0"/>
+          <a:ext cx="0" cy="0"/>
+          <a:chOff x="0" y="0"/>
+          <a:chExt cx="0" cy="0"/>
+        </a:xfrm>
+      </p:grpSpPr>
+      <p:sp>
+        <p:nvSpPr>
+          <p:cNvPr id="2" name="幻灯片图像占位符 1"/>
+          <p:cNvSpPr>
+            <a:spLocks noGrp="1" noRot="1" noChangeAspect="1"/>
+          </p:cNvSpPr>
+          <p:nvPr>
+            <p:ph type="sldImg"/>
+          </p:nvPr>
+        </p:nvSpPr>
+        <p:spPr/>
+      </p:sp>
+      <p:sp>
+        <p:nvSpPr>
+          <p:cNvPr id="3" name="备注占位符 2"/>
+          <p:cNvSpPr>
+            <a:spLocks noGrp="1"/>
+          </p:cNvSpPr>
+          <p:nvPr>
+            <p:ph type="body" idx="1"/>
+          </p:nvPr>
+        </p:nvSpPr>
+        <p:spPr/>
+        <p:txBody>
+          <a:bodyPr/>
+          <a:lstStyle/>
+          <a:p>
+            <a:endParaRPr lang="zh-CN" altLang="en-US" dirty="0"/>
+          </a:p>
+        </p:txBody>
+      </p:sp>
+      <p:sp>
+        <p:nvSpPr>
           <p:cNvPr id="4" name="灯片编号占位符 3"/>
           <p:cNvSpPr>
             <a:spLocks noGrp="1"/>
@@ -602,7 +889,348 @@
           <a:bodyPr/>
           <a:lstStyle/>
           <a:p>
-            <a:pPr marL="0" marR="0" lvl="0" indent="0" algn="r" defTabSz="457200" rtl="0" eaLnBrk="1" fontAlgn="auto" latinLnBrk="0" hangingPunct="1">
+            <a:fld id="{4106F176-1BA7-4856-A54F-4D0748786C86}" type="slidenum">
+              <a:rPr lang="zh-CN" altLang="en-US" smtClean="0"/>
+              <a:t>28</a:t>
+            </a:fld>
+            <a:endParaRPr lang="zh-CN" altLang="en-US"/>
+          </a:p>
+        </p:txBody>
+      </p:sp>
+    </p:spTree>
+    <p:extLst>
+      <p:ext uri="{BB962C8B-B14F-4D97-AF65-F5344CB8AC3E}">
+        <p14:creationId xmlns:p14="http://schemas.microsoft.com/office/powerpoint/2010/main" val="1932090610"/>
+      </p:ext>
+    </p:extLst>
+  </p:cSld>
+  <p:clrMapOvr>
+    <a:masterClrMapping/>
+  </p:clrMapOvr>
+</p:notes>
+</file>
+
+<file path=ppt/notesSlides/notesSlide11.xml><?xml version="1.0" encoding="utf-8"?>
+<p:notes xmlns:a="http://schemas.openxmlformats.org/drawingml/2006/main" xmlns:r="http://schemas.openxmlformats.org/officeDocument/2006/relationships" xmlns:p="http://schemas.openxmlformats.org/presentationml/2006/main">
+  <p:cSld>
+    <p:spTree>
+      <p:nvGrpSpPr>
+        <p:cNvPr id="1" name=""/>
+        <p:cNvGrpSpPr/>
+        <p:nvPr/>
+      </p:nvGrpSpPr>
+      <p:grpSpPr>
+        <a:xfrm>
+          <a:off x="0" y="0"/>
+          <a:ext cx="0" cy="0"/>
+          <a:chOff x="0" y="0"/>
+          <a:chExt cx="0" cy="0"/>
+        </a:xfrm>
+      </p:grpSpPr>
+      <p:sp>
+        <p:nvSpPr>
+          <p:cNvPr id="2" name="幻灯片图像占位符 1"/>
+          <p:cNvSpPr>
+            <a:spLocks noGrp="1" noRot="1" noChangeAspect="1"/>
+          </p:cNvSpPr>
+          <p:nvPr>
+            <p:ph type="sldImg"/>
+          </p:nvPr>
+        </p:nvSpPr>
+        <p:spPr/>
+      </p:sp>
+      <p:sp>
+        <p:nvSpPr>
+          <p:cNvPr id="3" name="备注占位符 2"/>
+          <p:cNvSpPr>
+            <a:spLocks noGrp="1"/>
+          </p:cNvSpPr>
+          <p:nvPr>
+            <p:ph type="body" idx="1"/>
+          </p:nvPr>
+        </p:nvSpPr>
+        <p:spPr/>
+        <p:txBody>
+          <a:bodyPr/>
+          <a:lstStyle/>
+          <a:p>
+            <a:pPr algn="ctr">
+              <a:lnSpc>
+                <a:spcPct val="130000"/>
+              </a:lnSpc>
+            </a:pPr>
+            <a:endParaRPr lang="en-US" altLang="zh-CN" sz="1200" b="1" spc="300" dirty="0">
+              <a:latin typeface="微软雅黑" panose="020B0503020204020204" pitchFamily="34" charset="-122"/>
+              <a:ea typeface="微软雅黑" panose="020B0503020204020204" pitchFamily="34" charset="-122"/>
+            </a:endParaRPr>
+          </a:p>
+        </p:txBody>
+      </p:sp>
+      <p:sp>
+        <p:nvSpPr>
+          <p:cNvPr id="5" name="灯片编号占位符 4">
+            <a:extLst>
+              <a:ext uri="{FF2B5EF4-FFF2-40B4-BE49-F238E27FC236}">
+                <a16:creationId xmlns:a16="http://schemas.microsoft.com/office/drawing/2014/main" id="{5668304D-8716-5BA6-07AA-9F57B92A44C4}"/>
+              </a:ext>
+            </a:extLst>
+          </p:cNvPr>
+          <p:cNvSpPr>
+            <a:spLocks noGrp="1"/>
+          </p:cNvSpPr>
+          <p:nvPr>
+            <p:ph type="sldNum" sz="quarter" idx="5"/>
+          </p:nvPr>
+        </p:nvSpPr>
+        <p:spPr/>
+        <p:txBody>
+          <a:bodyPr/>
+          <a:lstStyle/>
+          <a:p>
+            <a:fld id="{4106F176-1BA7-4856-A54F-4D0748786C86}" type="slidenum">
+              <a:rPr lang="zh-CN" altLang="en-US" smtClean="0"/>
+              <a:t>32</a:t>
+            </a:fld>
+            <a:endParaRPr lang="zh-CN" altLang="en-US"/>
+          </a:p>
+        </p:txBody>
+      </p:sp>
+    </p:spTree>
+    <p:extLst>
+      <p:ext uri="{BB962C8B-B14F-4D97-AF65-F5344CB8AC3E}">
+        <p14:creationId xmlns:p14="http://schemas.microsoft.com/office/powerpoint/2010/main" val="1315827329"/>
+      </p:ext>
+    </p:extLst>
+  </p:cSld>
+  <p:clrMapOvr>
+    <a:masterClrMapping/>
+  </p:clrMapOvr>
+</p:notes>
+</file>
+
+<file path=ppt/notesSlides/notesSlide2.xml><?xml version="1.0" encoding="utf-8"?>
+<p:notes xmlns:a="http://schemas.openxmlformats.org/drawingml/2006/main" xmlns:r="http://schemas.openxmlformats.org/officeDocument/2006/relationships" xmlns:p="http://schemas.openxmlformats.org/presentationml/2006/main">
+  <p:cSld>
+    <p:spTree>
+      <p:nvGrpSpPr>
+        <p:cNvPr id="1" name=""/>
+        <p:cNvGrpSpPr/>
+        <p:nvPr/>
+      </p:nvGrpSpPr>
+      <p:grpSpPr>
+        <a:xfrm>
+          <a:off x="0" y="0"/>
+          <a:ext cx="0" cy="0"/>
+          <a:chOff x="0" y="0"/>
+          <a:chExt cx="0" cy="0"/>
+        </a:xfrm>
+      </p:grpSpPr>
+      <p:sp>
+        <p:nvSpPr>
+          <p:cNvPr id="2" name="幻灯片图像占位符 1"/>
+          <p:cNvSpPr>
+            <a:spLocks noGrp="1" noRot="1" noChangeAspect="1"/>
+          </p:cNvSpPr>
+          <p:nvPr>
+            <p:ph type="sldImg"/>
+          </p:nvPr>
+        </p:nvSpPr>
+        <p:spPr/>
+      </p:sp>
+      <p:sp>
+        <p:nvSpPr>
+          <p:cNvPr id="3" name="备注占位符 2"/>
+          <p:cNvSpPr>
+            <a:spLocks noGrp="1"/>
+          </p:cNvSpPr>
+          <p:nvPr>
+            <p:ph type="body" idx="1"/>
+          </p:nvPr>
+        </p:nvSpPr>
+        <p:spPr/>
+        <p:txBody>
+          <a:bodyPr/>
+          <a:lstStyle/>
+          <a:p>
+            <a:endParaRPr lang="zh-CN" altLang="en-US" dirty="0"/>
+          </a:p>
+        </p:txBody>
+      </p:sp>
+      <p:sp>
+        <p:nvSpPr>
+          <p:cNvPr id="4" name="灯片编号占位符 3"/>
+          <p:cNvSpPr>
+            <a:spLocks noGrp="1"/>
+          </p:cNvSpPr>
+          <p:nvPr>
+            <p:ph type="sldNum" sz="quarter" idx="5"/>
+          </p:nvPr>
+        </p:nvSpPr>
+        <p:spPr/>
+        <p:txBody>
+          <a:bodyPr/>
+          <a:lstStyle/>
+          <a:p>
+            <a:fld id="{4106F176-1BA7-4856-A54F-4D0748786C86}" type="slidenum">
+              <a:rPr lang="zh-CN" altLang="en-US" smtClean="0"/>
+              <a:t>2</a:t>
+            </a:fld>
+            <a:endParaRPr lang="zh-CN" altLang="en-US"/>
+          </a:p>
+        </p:txBody>
+      </p:sp>
+    </p:spTree>
+    <p:extLst>
+      <p:ext uri="{BB962C8B-B14F-4D97-AF65-F5344CB8AC3E}">
+        <p14:creationId xmlns:p14="http://schemas.microsoft.com/office/powerpoint/2010/main" val="1724448192"/>
+      </p:ext>
+    </p:extLst>
+  </p:cSld>
+  <p:clrMapOvr>
+    <a:masterClrMapping/>
+  </p:clrMapOvr>
+</p:notes>
+</file>
+
+<file path=ppt/notesSlides/notesSlide3.xml><?xml version="1.0" encoding="utf-8"?>
+<p:notes xmlns:a="http://schemas.openxmlformats.org/drawingml/2006/main" xmlns:r="http://schemas.openxmlformats.org/officeDocument/2006/relationships" xmlns:p="http://schemas.openxmlformats.org/presentationml/2006/main">
+  <p:cSld>
+    <p:spTree>
+      <p:nvGrpSpPr>
+        <p:cNvPr id="1" name=""/>
+        <p:cNvGrpSpPr/>
+        <p:nvPr/>
+      </p:nvGrpSpPr>
+      <p:grpSpPr>
+        <a:xfrm>
+          <a:off x="0" y="0"/>
+          <a:ext cx="0" cy="0"/>
+          <a:chOff x="0" y="0"/>
+          <a:chExt cx="0" cy="0"/>
+        </a:xfrm>
+      </p:grpSpPr>
+      <p:sp>
+        <p:nvSpPr>
+          <p:cNvPr id="2" name="幻灯片图像占位符 1"/>
+          <p:cNvSpPr>
+            <a:spLocks noGrp="1" noRot="1" noChangeAspect="1"/>
+          </p:cNvSpPr>
+          <p:nvPr>
+            <p:ph type="sldImg"/>
+          </p:nvPr>
+        </p:nvSpPr>
+        <p:spPr/>
+      </p:sp>
+      <p:sp>
+        <p:nvSpPr>
+          <p:cNvPr id="3" name="备注占位符 2"/>
+          <p:cNvSpPr>
+            <a:spLocks noGrp="1"/>
+          </p:cNvSpPr>
+          <p:nvPr>
+            <p:ph type="body" idx="1"/>
+          </p:nvPr>
+        </p:nvSpPr>
+        <p:spPr/>
+        <p:txBody>
+          <a:bodyPr/>
+          <a:lstStyle/>
+          <a:p>
+            <a:r>
+              <a:rPr lang="zh-CN" altLang="en-US" sz="1200" dirty="0">
+                <a:sym typeface="+mn-ea"/>
+              </a:rPr>
+              <a:t>在对地理位置敏感、且网络结构变化频繁的应用场景中，有着相较传统区块链更好的理论性能</a:t>
+            </a:r>
+            <a:r>
+              <a:rPr lang="zh-CN" altLang="en-US" sz="1200" dirty="0"/>
+              <a:t>。</a:t>
+            </a:r>
+            <a:endParaRPr lang="zh-CN" altLang="en-US" dirty="0"/>
+          </a:p>
+        </p:txBody>
+      </p:sp>
+      <p:sp>
+        <p:nvSpPr>
+          <p:cNvPr id="4" name="灯片编号占位符 3"/>
+          <p:cNvSpPr>
+            <a:spLocks noGrp="1"/>
+          </p:cNvSpPr>
+          <p:nvPr>
+            <p:ph type="sldNum" sz="quarter" idx="5"/>
+          </p:nvPr>
+        </p:nvSpPr>
+        <p:spPr/>
+        <p:txBody>
+          <a:bodyPr/>
+          <a:lstStyle/>
+          <a:p>
+            <a:fld id="{4106F176-1BA7-4856-A54F-4D0748786C86}" type="slidenum">
+              <a:rPr lang="zh-CN" altLang="en-US" smtClean="0"/>
+              <a:t>4</a:t>
+            </a:fld>
+            <a:endParaRPr lang="zh-CN" altLang="en-US"/>
+          </a:p>
+        </p:txBody>
+      </p:sp>
+    </p:spTree>
+    <p:extLst>
+      <p:ext uri="{BB962C8B-B14F-4D97-AF65-F5344CB8AC3E}">
+        <p14:creationId xmlns:p14="http://schemas.microsoft.com/office/powerpoint/2010/main" val="3921680594"/>
+      </p:ext>
+    </p:extLst>
+  </p:cSld>
+  <p:clrMapOvr>
+    <a:masterClrMapping/>
+  </p:clrMapOvr>
+</p:notes>
+</file>
+
+<file path=ppt/notesSlides/notesSlide4.xml><?xml version="1.0" encoding="utf-8"?>
+<p:notes xmlns:a="http://schemas.openxmlformats.org/drawingml/2006/main" xmlns:r="http://schemas.openxmlformats.org/officeDocument/2006/relationships" xmlns:p="http://schemas.openxmlformats.org/presentationml/2006/main">
+  <p:cSld>
+    <p:spTree>
+      <p:nvGrpSpPr>
+        <p:cNvPr id="1" name=""/>
+        <p:cNvGrpSpPr/>
+        <p:nvPr/>
+      </p:nvGrpSpPr>
+      <p:grpSpPr>
+        <a:xfrm>
+          <a:off x="0" y="0"/>
+          <a:ext cx="0" cy="0"/>
+          <a:chOff x="0" y="0"/>
+          <a:chExt cx="0" cy="0"/>
+        </a:xfrm>
+      </p:grpSpPr>
+      <p:sp>
+        <p:nvSpPr>
+          <p:cNvPr id="2" name="幻灯片图像占位符 1"/>
+          <p:cNvSpPr>
+            <a:spLocks noGrp="1" noRot="1" noChangeAspect="1"/>
+          </p:cNvSpPr>
+          <p:nvPr>
+            <p:ph type="sldImg"/>
+          </p:nvPr>
+        </p:nvSpPr>
+        <p:spPr/>
+      </p:sp>
+      <p:sp>
+        <p:nvSpPr>
+          <p:cNvPr id="3" name="备注占位符 2"/>
+          <p:cNvSpPr>
+            <a:spLocks noGrp="1"/>
+          </p:cNvSpPr>
+          <p:nvPr>
+            <p:ph type="body" idx="1"/>
+          </p:nvPr>
+        </p:nvSpPr>
+        <p:spPr/>
+        <p:txBody>
+          <a:bodyPr/>
+          <a:lstStyle/>
+          <a:p>
+            <a:pPr marL="0" marR="0" lvl="0" indent="0" algn="l" defTabSz="914400" rtl="0" eaLnBrk="1" fontAlgn="auto" latinLnBrk="0" hangingPunct="1">
               <a:lnSpc>
                 <a:spcPct val="100000"/>
               </a:lnSpc>
@@ -619,61 +1247,562 @@
               <a:tabLst/>
               <a:defRPr/>
             </a:pPr>
-            <a:fld id="{6D18717E-F74C-4246-A795-6577BEDC8382}" type="slidenum">
-              <a:rPr kumimoji="1" lang="zh-CN" altLang="en-US" sz="1200" b="0" i="0" u="none" strike="noStrike" kern="1200" cap="none" spc="0" normalizeH="0" baseline="0" noProof="0" smtClean="0">
-                <a:ln>
-                  <a:noFill/>
-                </a:ln>
-                <a:solidFill>
-                  <a:prstClr val="black"/>
-                </a:solidFill>
-                <a:effectLst/>
-                <a:uLnTx/>
-                <a:uFillTx/>
-                <a:latin typeface="等线" panose="020F0502020204030204"/>
-                <a:ea typeface="等线" panose="02010600030101010101" pitchFamily="2" charset="-122"/>
-                <a:cs typeface="+mn-cs"/>
+            <a:r>
+              <a:rPr lang="zh-CN" altLang="en-US" sz="1600" dirty="0">
+                <a:solidFill>
+                  <a:schemeClr val="tx1"/>
+                </a:solidFill>
+                <a:latin typeface="+mn-ea"/>
+                <a:cs typeface="Times New Roman" panose="02020603050405020304" pitchFamily="18" charset="0"/>
               </a:rPr>
-              <a:pPr marL="0" marR="0" lvl="0" indent="0" algn="r" defTabSz="457200" rtl="0" eaLnBrk="1" fontAlgn="auto" latinLnBrk="0" hangingPunct="1">
-                <a:lnSpc>
-                  <a:spcPct val="100000"/>
-                </a:lnSpc>
-                <a:spcBef>
-                  <a:spcPts val="0"/>
-                </a:spcBef>
-                <a:spcAft>
-                  <a:spcPts val="0"/>
-                </a:spcAft>
-                <a:buClrTx/>
-                <a:buSzTx/>
-                <a:buFontTx/>
-                <a:buNone/>
-                <a:tabLst/>
-                <a:defRPr/>
-              </a:pPr>
-              <a:t>1</a:t>
+              <a:t>在树状区块链中，同一个账户同时只允许在一条子链中有资产余额，此时该链便被称为该账户的活跃链。</a:t>
+            </a:r>
+            <a:endParaRPr lang="en-US" altLang="zh-CN" sz="1600" dirty="0">
+              <a:solidFill>
+                <a:schemeClr val="tx1"/>
+              </a:solidFill>
+              <a:latin typeface="+mn-ea"/>
+              <a:cs typeface="Times New Roman" panose="02020603050405020304" pitchFamily="18" charset="0"/>
+            </a:endParaRPr>
+          </a:p>
+          <a:p>
+            <a:endParaRPr lang="zh-CN" altLang="en-US" dirty="0"/>
+          </a:p>
+        </p:txBody>
+      </p:sp>
+      <p:sp>
+        <p:nvSpPr>
+          <p:cNvPr id="4" name="灯片编号占位符 3"/>
+          <p:cNvSpPr>
+            <a:spLocks noGrp="1"/>
+          </p:cNvSpPr>
+          <p:nvPr>
+            <p:ph type="sldNum" sz="quarter" idx="5"/>
+          </p:nvPr>
+        </p:nvSpPr>
+        <p:spPr/>
+        <p:txBody>
+          <a:bodyPr/>
+          <a:lstStyle/>
+          <a:p>
+            <a:fld id="{4106F176-1BA7-4856-A54F-4D0748786C86}" type="slidenum">
+              <a:rPr lang="zh-CN" altLang="en-US" smtClean="0"/>
+              <a:t>18</a:t>
             </a:fld>
-            <a:endParaRPr kumimoji="1" lang="zh-CN" altLang="en-US" sz="1200" b="0" i="0" u="none" strike="noStrike" kern="1200" cap="none" spc="0" normalizeH="0" baseline="0" noProof="0">
-              <a:ln>
-                <a:noFill/>
-              </a:ln>
-              <a:solidFill>
-                <a:prstClr val="black"/>
-              </a:solidFill>
-              <a:effectLst/>
-              <a:uLnTx/>
-              <a:uFillTx/>
-              <a:latin typeface="等线" panose="020F0502020204030204"/>
-              <a:ea typeface="等线" panose="02010600030101010101" pitchFamily="2" charset="-122"/>
-              <a:cs typeface="+mn-cs"/>
-            </a:endParaRPr>
+            <a:endParaRPr lang="zh-CN" altLang="en-US"/>
           </a:p>
         </p:txBody>
       </p:sp>
     </p:spTree>
     <p:extLst>
       <p:ext uri="{BB962C8B-B14F-4D97-AF65-F5344CB8AC3E}">
-        <p14:creationId xmlns:p14="http://schemas.microsoft.com/office/powerpoint/2010/main" val="3963804600"/>
+        <p14:creationId xmlns:p14="http://schemas.microsoft.com/office/powerpoint/2010/main" val="3936056109"/>
+      </p:ext>
+    </p:extLst>
+  </p:cSld>
+  <p:clrMapOvr>
+    <a:masterClrMapping/>
+  </p:clrMapOvr>
+</p:notes>
+</file>
+
+<file path=ppt/notesSlides/notesSlide5.xml><?xml version="1.0" encoding="utf-8"?>
+<p:notes xmlns:a="http://schemas.openxmlformats.org/drawingml/2006/main" xmlns:r="http://schemas.openxmlformats.org/officeDocument/2006/relationships" xmlns:p="http://schemas.openxmlformats.org/presentationml/2006/main">
+  <p:cSld>
+    <p:spTree>
+      <p:nvGrpSpPr>
+        <p:cNvPr id="1" name=""/>
+        <p:cNvGrpSpPr/>
+        <p:nvPr/>
+      </p:nvGrpSpPr>
+      <p:grpSpPr>
+        <a:xfrm>
+          <a:off x="0" y="0"/>
+          <a:ext cx="0" cy="0"/>
+          <a:chOff x="0" y="0"/>
+          <a:chExt cx="0" cy="0"/>
+        </a:xfrm>
+      </p:grpSpPr>
+      <p:sp>
+        <p:nvSpPr>
+          <p:cNvPr id="2" name="幻灯片图像占位符 1"/>
+          <p:cNvSpPr>
+            <a:spLocks noGrp="1" noRot="1" noChangeAspect="1"/>
+          </p:cNvSpPr>
+          <p:nvPr>
+            <p:ph type="sldImg"/>
+          </p:nvPr>
+        </p:nvSpPr>
+        <p:spPr/>
+      </p:sp>
+      <p:sp>
+        <p:nvSpPr>
+          <p:cNvPr id="3" name="备注占位符 2"/>
+          <p:cNvSpPr>
+            <a:spLocks noGrp="1"/>
+          </p:cNvSpPr>
+          <p:nvPr>
+            <p:ph type="body" idx="1"/>
+          </p:nvPr>
+        </p:nvSpPr>
+        <p:spPr/>
+        <p:txBody>
+          <a:bodyPr/>
+          <a:lstStyle/>
+          <a:p>
+            <a:r>
+              <a:rPr lang="zh-CN" altLang="en-US" sz="1200" dirty="0">
+                <a:solidFill>
+                  <a:schemeClr val="tx1"/>
+                </a:solidFill>
+                <a:latin typeface="+mn-ea"/>
+                <a:cs typeface="Times New Roman" panose="02020603050405020304" pitchFamily="18" charset="0"/>
+              </a:rPr>
+              <a:t>构建一条主链记为 </a:t>
+            </a:r>
+            <a:r>
+              <a:rPr lang="en-US" altLang="zh-CN" sz="1200" dirty="0">
+                <a:solidFill>
+                  <a:schemeClr val="tx1"/>
+                </a:solidFill>
+                <a:latin typeface="+mn-ea"/>
+                <a:cs typeface="Times New Roman" panose="02020603050405020304" pitchFamily="18" charset="0"/>
+              </a:rPr>
+              <a:t>w1</a:t>
+            </a:r>
+            <a:r>
+              <a:rPr lang="zh-CN" altLang="en-US" sz="1200" dirty="0">
+                <a:solidFill>
+                  <a:schemeClr val="tx1"/>
+                </a:solidFill>
+                <a:latin typeface="+mn-ea"/>
+                <a:cs typeface="Times New Roman" panose="02020603050405020304" pitchFamily="18" charset="0"/>
+              </a:rPr>
+              <a:t>，其下有两条子链分别记为 </a:t>
+            </a:r>
+            <a:r>
+              <a:rPr lang="en-US" altLang="zh-CN" sz="1200" dirty="0">
+                <a:solidFill>
+                  <a:schemeClr val="tx1"/>
+                </a:solidFill>
+                <a:latin typeface="+mn-ea"/>
+                <a:cs typeface="Times New Roman" panose="02020603050405020304" pitchFamily="18" charset="0"/>
+              </a:rPr>
+              <a:t>w11 </a:t>
+            </a:r>
+            <a:r>
+              <a:rPr lang="zh-CN" altLang="en-US" sz="1200" dirty="0">
+                <a:solidFill>
+                  <a:schemeClr val="tx1"/>
+                </a:solidFill>
+                <a:latin typeface="+mn-ea"/>
+                <a:cs typeface="Times New Roman" panose="02020603050405020304" pitchFamily="18" charset="0"/>
+              </a:rPr>
+              <a:t>和 </a:t>
+            </a:r>
+            <a:r>
+              <a:rPr lang="en-US" altLang="zh-CN" sz="1200" dirty="0">
+                <a:solidFill>
+                  <a:schemeClr val="tx1"/>
+                </a:solidFill>
+                <a:latin typeface="+mn-ea"/>
+                <a:cs typeface="Times New Roman" panose="02020603050405020304" pitchFamily="18" charset="0"/>
+              </a:rPr>
+              <a:t>w12</a:t>
+            </a:r>
+            <a:r>
+              <a:rPr lang="zh-CN" altLang="en-US" sz="1200" dirty="0">
+                <a:solidFill>
+                  <a:schemeClr val="tx1"/>
+                </a:solidFill>
+                <a:latin typeface="+mn-ea"/>
+                <a:cs typeface="Times New Roman" panose="02020603050405020304" pitchFamily="18" charset="0"/>
+              </a:rPr>
+              <a:t>。</a:t>
+            </a:r>
+            <a:endParaRPr lang="zh-CN" altLang="en-US" dirty="0"/>
+          </a:p>
+        </p:txBody>
+      </p:sp>
+      <p:sp>
+        <p:nvSpPr>
+          <p:cNvPr id="4" name="灯片编号占位符 3"/>
+          <p:cNvSpPr>
+            <a:spLocks noGrp="1"/>
+          </p:cNvSpPr>
+          <p:nvPr>
+            <p:ph type="sldNum" sz="quarter" idx="5"/>
+          </p:nvPr>
+        </p:nvSpPr>
+        <p:spPr/>
+        <p:txBody>
+          <a:bodyPr/>
+          <a:lstStyle/>
+          <a:p>
+            <a:fld id="{4106F176-1BA7-4856-A54F-4D0748786C86}" type="slidenum">
+              <a:rPr lang="zh-CN" altLang="en-US" smtClean="0"/>
+              <a:t>19</a:t>
+            </a:fld>
+            <a:endParaRPr lang="zh-CN" altLang="en-US"/>
+          </a:p>
+        </p:txBody>
+      </p:sp>
+    </p:spTree>
+    <p:extLst>
+      <p:ext uri="{BB962C8B-B14F-4D97-AF65-F5344CB8AC3E}">
+        <p14:creationId xmlns:p14="http://schemas.microsoft.com/office/powerpoint/2010/main" val="2179825916"/>
+      </p:ext>
+    </p:extLst>
+  </p:cSld>
+  <p:clrMapOvr>
+    <a:masterClrMapping/>
+  </p:clrMapOvr>
+</p:notes>
+</file>
+
+<file path=ppt/notesSlides/notesSlide6.xml><?xml version="1.0" encoding="utf-8"?>
+<p:notes xmlns:a="http://schemas.openxmlformats.org/drawingml/2006/main" xmlns:r="http://schemas.openxmlformats.org/officeDocument/2006/relationships" xmlns:p="http://schemas.openxmlformats.org/presentationml/2006/main">
+  <p:cSld>
+    <p:spTree>
+      <p:nvGrpSpPr>
+        <p:cNvPr id="1" name=""/>
+        <p:cNvGrpSpPr/>
+        <p:nvPr/>
+      </p:nvGrpSpPr>
+      <p:grpSpPr>
+        <a:xfrm>
+          <a:off x="0" y="0"/>
+          <a:ext cx="0" cy="0"/>
+          <a:chOff x="0" y="0"/>
+          <a:chExt cx="0" cy="0"/>
+        </a:xfrm>
+      </p:grpSpPr>
+      <p:sp>
+        <p:nvSpPr>
+          <p:cNvPr id="2" name="幻灯片图像占位符 1"/>
+          <p:cNvSpPr>
+            <a:spLocks noGrp="1" noRot="1" noChangeAspect="1"/>
+          </p:cNvSpPr>
+          <p:nvPr>
+            <p:ph type="sldImg"/>
+          </p:nvPr>
+        </p:nvSpPr>
+        <p:spPr/>
+      </p:sp>
+      <p:sp>
+        <p:nvSpPr>
+          <p:cNvPr id="3" name="备注占位符 2"/>
+          <p:cNvSpPr>
+            <a:spLocks noGrp="1"/>
+          </p:cNvSpPr>
+          <p:nvPr>
+            <p:ph type="body" idx="1"/>
+          </p:nvPr>
+        </p:nvSpPr>
+        <p:spPr/>
+        <p:txBody>
+          <a:bodyPr/>
+          <a:lstStyle/>
+          <a:p>
+            <a:endParaRPr lang="zh-CN" altLang="en-US" dirty="0"/>
+          </a:p>
+        </p:txBody>
+      </p:sp>
+      <p:sp>
+        <p:nvSpPr>
+          <p:cNvPr id="4" name="灯片编号占位符 3"/>
+          <p:cNvSpPr>
+            <a:spLocks noGrp="1"/>
+          </p:cNvSpPr>
+          <p:nvPr>
+            <p:ph type="sldNum" sz="quarter" idx="5"/>
+          </p:nvPr>
+        </p:nvSpPr>
+        <p:spPr/>
+        <p:txBody>
+          <a:bodyPr/>
+          <a:lstStyle/>
+          <a:p>
+            <a:fld id="{4106F176-1BA7-4856-A54F-4D0748786C86}" type="slidenum">
+              <a:rPr lang="zh-CN" altLang="en-US" smtClean="0"/>
+              <a:t>20</a:t>
+            </a:fld>
+            <a:endParaRPr lang="zh-CN" altLang="en-US"/>
+          </a:p>
+        </p:txBody>
+      </p:sp>
+    </p:spTree>
+    <p:extLst>
+      <p:ext uri="{BB962C8B-B14F-4D97-AF65-F5344CB8AC3E}">
+        <p14:creationId xmlns:p14="http://schemas.microsoft.com/office/powerpoint/2010/main" val="631736064"/>
+      </p:ext>
+    </p:extLst>
+  </p:cSld>
+  <p:clrMapOvr>
+    <a:masterClrMapping/>
+  </p:clrMapOvr>
+</p:notes>
+</file>
+
+<file path=ppt/notesSlides/notesSlide7.xml><?xml version="1.0" encoding="utf-8"?>
+<p:notes xmlns:a="http://schemas.openxmlformats.org/drawingml/2006/main" xmlns:r="http://schemas.openxmlformats.org/officeDocument/2006/relationships" xmlns:p="http://schemas.openxmlformats.org/presentationml/2006/main">
+  <p:cSld>
+    <p:spTree>
+      <p:nvGrpSpPr>
+        <p:cNvPr id="1" name=""/>
+        <p:cNvGrpSpPr/>
+        <p:nvPr/>
+      </p:nvGrpSpPr>
+      <p:grpSpPr>
+        <a:xfrm>
+          <a:off x="0" y="0"/>
+          <a:ext cx="0" cy="0"/>
+          <a:chOff x="0" y="0"/>
+          <a:chExt cx="0" cy="0"/>
+        </a:xfrm>
+      </p:grpSpPr>
+      <p:sp>
+        <p:nvSpPr>
+          <p:cNvPr id="2" name="幻灯片图像占位符 1"/>
+          <p:cNvSpPr>
+            <a:spLocks noGrp="1" noRot="1" noChangeAspect="1"/>
+          </p:cNvSpPr>
+          <p:nvPr>
+            <p:ph type="sldImg"/>
+          </p:nvPr>
+        </p:nvSpPr>
+        <p:spPr/>
+      </p:sp>
+      <p:sp>
+        <p:nvSpPr>
+          <p:cNvPr id="3" name="备注占位符 2"/>
+          <p:cNvSpPr>
+            <a:spLocks noGrp="1"/>
+          </p:cNvSpPr>
+          <p:nvPr>
+            <p:ph type="body" idx="1"/>
+          </p:nvPr>
+        </p:nvSpPr>
+        <p:spPr/>
+        <p:txBody>
+          <a:bodyPr/>
+          <a:lstStyle/>
+          <a:p>
+            <a:r>
+              <a:rPr lang="zh-CN" altLang="en-US" sz="1200" dirty="0">
+                <a:latin typeface="+mn-ea"/>
+              </a:rPr>
+              <a:t>从原理实现的角度来看，树状区块链的分支区块在处理跨链资产转移请求时，需要串行的处理并验证转账过程中相互通信的交易信息，由于跨链资产转移操作的通信过程所发送的交易信息有着严格的先后顺序，因此整个过程对外可以大致认为是一个原子性操作。</a:t>
+            </a:r>
+            <a:endParaRPr lang="zh-CN" altLang="en-US" dirty="0"/>
+          </a:p>
+        </p:txBody>
+      </p:sp>
+      <p:sp>
+        <p:nvSpPr>
+          <p:cNvPr id="4" name="灯片编号占位符 3"/>
+          <p:cNvSpPr>
+            <a:spLocks noGrp="1"/>
+          </p:cNvSpPr>
+          <p:nvPr>
+            <p:ph type="sldNum" sz="quarter" idx="5"/>
+          </p:nvPr>
+        </p:nvSpPr>
+        <p:spPr/>
+        <p:txBody>
+          <a:bodyPr/>
+          <a:lstStyle/>
+          <a:p>
+            <a:fld id="{4106F176-1BA7-4856-A54F-4D0748786C86}" type="slidenum">
+              <a:rPr lang="zh-CN" altLang="en-US" smtClean="0"/>
+              <a:t>22</a:t>
+            </a:fld>
+            <a:endParaRPr lang="zh-CN" altLang="en-US"/>
+          </a:p>
+        </p:txBody>
+      </p:sp>
+    </p:spTree>
+    <p:extLst>
+      <p:ext uri="{BB962C8B-B14F-4D97-AF65-F5344CB8AC3E}">
+        <p14:creationId xmlns:p14="http://schemas.microsoft.com/office/powerpoint/2010/main" val="1345148597"/>
+      </p:ext>
+    </p:extLst>
+  </p:cSld>
+  <p:clrMapOvr>
+    <a:masterClrMapping/>
+  </p:clrMapOvr>
+</p:notes>
+</file>
+
+<file path=ppt/notesSlides/notesSlide8.xml><?xml version="1.0" encoding="utf-8"?>
+<p:notes xmlns:a="http://schemas.openxmlformats.org/drawingml/2006/main" xmlns:r="http://schemas.openxmlformats.org/officeDocument/2006/relationships" xmlns:p="http://schemas.openxmlformats.org/presentationml/2006/main">
+  <p:cSld>
+    <p:spTree>
+      <p:nvGrpSpPr>
+        <p:cNvPr id="1" name=""/>
+        <p:cNvGrpSpPr/>
+        <p:nvPr/>
+      </p:nvGrpSpPr>
+      <p:grpSpPr>
+        <a:xfrm>
+          <a:off x="0" y="0"/>
+          <a:ext cx="0" cy="0"/>
+          <a:chOff x="0" y="0"/>
+          <a:chExt cx="0" cy="0"/>
+        </a:xfrm>
+      </p:grpSpPr>
+      <p:sp>
+        <p:nvSpPr>
+          <p:cNvPr id="2" name="幻灯片图像占位符 1"/>
+          <p:cNvSpPr>
+            <a:spLocks noGrp="1" noRot="1" noChangeAspect="1"/>
+          </p:cNvSpPr>
+          <p:nvPr>
+            <p:ph type="sldImg"/>
+          </p:nvPr>
+        </p:nvSpPr>
+        <p:spPr/>
+      </p:sp>
+      <p:sp>
+        <p:nvSpPr>
+          <p:cNvPr id="3" name="备注占位符 2"/>
+          <p:cNvSpPr>
+            <a:spLocks noGrp="1"/>
+          </p:cNvSpPr>
+          <p:nvPr>
+            <p:ph type="body" idx="1"/>
+          </p:nvPr>
+        </p:nvSpPr>
+        <p:spPr/>
+        <p:txBody>
+          <a:bodyPr/>
+          <a:lstStyle/>
+          <a:p>
+            <a:r>
+              <a:rPr lang="zh-CN" altLang="en-US" sz="1200" dirty="0">
+                <a:solidFill>
+                  <a:schemeClr val="tx1"/>
+                </a:solidFill>
+                <a:latin typeface="+mn-ea"/>
+                <a:cs typeface="Times New Roman" panose="02020603050405020304" pitchFamily="18" charset="0"/>
+              </a:rPr>
+              <a:t>本章的内容主要就是围绕如何实现出租车调度系统的跨区域（跨子链）交易来展开</a:t>
+            </a:r>
+            <a:endParaRPr lang="zh-CN" altLang="en-US" dirty="0"/>
+          </a:p>
+        </p:txBody>
+      </p:sp>
+      <p:sp>
+        <p:nvSpPr>
+          <p:cNvPr id="4" name="灯片编号占位符 3"/>
+          <p:cNvSpPr>
+            <a:spLocks noGrp="1"/>
+          </p:cNvSpPr>
+          <p:nvPr>
+            <p:ph type="sldNum" sz="quarter" idx="5"/>
+          </p:nvPr>
+        </p:nvSpPr>
+        <p:spPr/>
+        <p:txBody>
+          <a:bodyPr/>
+          <a:lstStyle/>
+          <a:p>
+            <a:fld id="{4106F176-1BA7-4856-A54F-4D0748786C86}" type="slidenum">
+              <a:rPr lang="zh-CN" altLang="en-US" smtClean="0"/>
+              <a:t>24</a:t>
+            </a:fld>
+            <a:endParaRPr lang="zh-CN" altLang="en-US"/>
+          </a:p>
+        </p:txBody>
+      </p:sp>
+    </p:spTree>
+    <p:extLst>
+      <p:ext uri="{BB962C8B-B14F-4D97-AF65-F5344CB8AC3E}">
+        <p14:creationId xmlns:p14="http://schemas.microsoft.com/office/powerpoint/2010/main" val="1833655024"/>
+      </p:ext>
+    </p:extLst>
+  </p:cSld>
+  <p:clrMapOvr>
+    <a:masterClrMapping/>
+  </p:clrMapOvr>
+</p:notes>
+</file>
+
+<file path=ppt/notesSlides/notesSlide9.xml><?xml version="1.0" encoding="utf-8"?>
+<p:notes xmlns:a="http://schemas.openxmlformats.org/drawingml/2006/main" xmlns:r="http://schemas.openxmlformats.org/officeDocument/2006/relationships" xmlns:p="http://schemas.openxmlformats.org/presentationml/2006/main">
+  <p:cSld>
+    <p:spTree>
+      <p:nvGrpSpPr>
+        <p:cNvPr id="1" name=""/>
+        <p:cNvGrpSpPr/>
+        <p:nvPr/>
+      </p:nvGrpSpPr>
+      <p:grpSpPr>
+        <a:xfrm>
+          <a:off x="0" y="0"/>
+          <a:ext cx="0" cy="0"/>
+          <a:chOff x="0" y="0"/>
+          <a:chExt cx="0" cy="0"/>
+        </a:xfrm>
+      </p:grpSpPr>
+      <p:sp>
+        <p:nvSpPr>
+          <p:cNvPr id="2" name="幻灯片图像占位符 1"/>
+          <p:cNvSpPr>
+            <a:spLocks noGrp="1" noRot="1" noChangeAspect="1"/>
+          </p:cNvSpPr>
+          <p:nvPr>
+            <p:ph type="sldImg"/>
+          </p:nvPr>
+        </p:nvSpPr>
+        <p:spPr/>
+      </p:sp>
+      <p:sp>
+        <p:nvSpPr>
+          <p:cNvPr id="3" name="备注占位符 2"/>
+          <p:cNvSpPr>
+            <a:spLocks noGrp="1"/>
+          </p:cNvSpPr>
+          <p:nvPr>
+            <p:ph type="body" idx="1"/>
+          </p:nvPr>
+        </p:nvSpPr>
+        <p:spPr/>
+        <p:txBody>
+          <a:bodyPr/>
+          <a:lstStyle/>
+          <a:p>
+            <a:endParaRPr lang="zh-CN" altLang="en-US" dirty="0"/>
+          </a:p>
+        </p:txBody>
+      </p:sp>
+      <p:sp>
+        <p:nvSpPr>
+          <p:cNvPr id="4" name="灯片编号占位符 3"/>
+          <p:cNvSpPr>
+            <a:spLocks noGrp="1"/>
+          </p:cNvSpPr>
+          <p:nvPr>
+            <p:ph type="sldNum" sz="quarter" idx="5"/>
+          </p:nvPr>
+        </p:nvSpPr>
+        <p:spPr/>
+        <p:txBody>
+          <a:bodyPr/>
+          <a:lstStyle/>
+          <a:p>
+            <a:fld id="{4106F176-1BA7-4856-A54F-4D0748786C86}" type="slidenum">
+              <a:rPr lang="zh-CN" altLang="en-US" smtClean="0"/>
+              <a:t>25</a:t>
+            </a:fld>
+            <a:endParaRPr lang="zh-CN" altLang="en-US"/>
+          </a:p>
+        </p:txBody>
+      </p:sp>
+    </p:spTree>
+    <p:extLst>
+      <p:ext uri="{BB962C8B-B14F-4D97-AF65-F5344CB8AC3E}">
+        <p14:creationId xmlns:p14="http://schemas.microsoft.com/office/powerpoint/2010/main" val="3645902959"/>
       </p:ext>
     </p:extLst>
   </p:cSld>
@@ -1123,9 +2252,9 @@
           <a:bodyPr/>
           <a:lstStyle/>
           <a:p>
-            <a:fld id="{E4551058-E5DB-324A-A8E9-6D3BEF243C3B}" type="datetimeFigureOut">
+            <a:fld id="{CCB1A025-B929-4E70-94A0-852BDAAFA362}" type="datetime1">
               <a:rPr kumimoji="1" lang="zh-CN" altLang="en-US" smtClean="0"/>
-              <a:t>2023/6/6</a:t>
+              <a:t>2023/6/7</a:t>
             </a:fld>
             <a:endParaRPr kumimoji="1" lang="zh-CN" altLang="en-US"/>
           </a:p>
@@ -1175,13 +2304,18 @@
         <p:spPr/>
         <p:txBody>
           <a:bodyPr/>
-          <a:lstStyle/>
+          <a:lstStyle>
+            <a:lvl1pPr>
+              <a:defRPr sz="1800"/>
+            </a:lvl1pPr>
+          </a:lstStyle>
           <a:p>
             <a:fld id="{977BA8E6-E826-B147-AA17-E3D76A29629C}" type="slidenum">
               <a:rPr kumimoji="1" lang="zh-CN" altLang="en-US" smtClean="0"/>
+              <a:pPr/>
               <a:t>‹#›</a:t>
             </a:fld>
-            <a:endParaRPr kumimoji="1" lang="zh-CN" altLang="en-US"/>
+            <a:endParaRPr kumimoji="1" lang="zh-CN" altLang="en-US" dirty="0"/>
           </a:p>
         </p:txBody>
       </p:sp>
@@ -1405,9 +2539,9 @@
           <a:bodyPr/>
           <a:lstStyle/>
           <a:p>
-            <a:fld id="{E4551058-E5DB-324A-A8E9-6D3BEF243C3B}" type="datetimeFigureOut">
+            <a:fld id="{C36AA9D9-E56E-4196-90AA-ADD2FAF586C9}" type="datetime1">
               <a:rPr kumimoji="1" lang="zh-CN" altLang="en-US" smtClean="0"/>
-              <a:t>2023/6/6</a:t>
+              <a:t>2023/6/7</a:t>
             </a:fld>
             <a:endParaRPr kumimoji="1" lang="zh-CN" altLang="en-US"/>
           </a:p>
@@ -1627,9 +2761,9 @@
           <a:bodyPr/>
           <a:lstStyle/>
           <a:p>
-            <a:fld id="{E4551058-E5DB-324A-A8E9-6D3BEF243C3B}" type="datetimeFigureOut">
+            <a:fld id="{7015F165-6FDE-4D1A-B849-02EA50D39C15}" type="datetime1">
               <a:rPr kumimoji="1" lang="zh-CN" altLang="en-US" smtClean="0"/>
-              <a:t>2023/6/6</a:t>
+              <a:t>2023/6/7</a:t>
             </a:fld>
             <a:endParaRPr kumimoji="1" lang="zh-CN" altLang="en-US"/>
           </a:p>
@@ -1901,9 +3035,9 @@
           <a:bodyPr/>
           <a:lstStyle/>
           <a:p>
-            <a:fld id="{E4551058-E5DB-324A-A8E9-6D3BEF243C3B}" type="datetimeFigureOut">
+            <a:fld id="{9F69669E-1334-4F92-917B-0AA693F813AC}" type="datetime1">
               <a:rPr kumimoji="1" lang="zh-CN" altLang="en-US" smtClean="0"/>
-              <a:t>2023/6/6</a:t>
+              <a:t>2023/6/7</a:t>
             </a:fld>
             <a:endParaRPr kumimoji="1" lang="zh-CN" altLang="en-US"/>
           </a:p>
@@ -2158,9 +3292,9 @@
           <a:bodyPr/>
           <a:lstStyle/>
           <a:p>
-            <a:fld id="{E4551058-E5DB-324A-A8E9-6D3BEF243C3B}" type="datetimeFigureOut">
+            <a:fld id="{F2082CAE-0142-49D2-870E-F7A5C723CD4F}" type="datetime1">
               <a:rPr kumimoji="1" lang="zh-CN" altLang="en-US" smtClean="0"/>
-              <a:t>2023/6/6</a:t>
+              <a:t>2023/6/7</a:t>
             </a:fld>
             <a:endParaRPr kumimoji="1" lang="zh-CN" altLang="en-US"/>
           </a:p>
@@ -2210,13 +3344,18 @@
         <p:spPr/>
         <p:txBody>
           <a:bodyPr/>
-          <a:lstStyle/>
+          <a:lstStyle>
+            <a:lvl1pPr>
+              <a:defRPr sz="1800"/>
+            </a:lvl1pPr>
+          </a:lstStyle>
           <a:p>
             <a:fld id="{977BA8E6-E826-B147-AA17-E3D76A29629C}" type="slidenum">
               <a:rPr kumimoji="1" lang="zh-CN" altLang="en-US" smtClean="0"/>
+              <a:pPr/>
               <a:t>‹#›</a:t>
             </a:fld>
-            <a:endParaRPr kumimoji="1" lang="zh-CN" altLang="en-US"/>
+            <a:endParaRPr kumimoji="1" lang="zh-CN" altLang="en-US" dirty="0"/>
           </a:p>
         </p:txBody>
       </p:sp>
@@ -2357,9 +3496,9 @@
           <a:bodyPr/>
           <a:lstStyle/>
           <a:p>
-            <a:fld id="{E4551058-E5DB-324A-A8E9-6D3BEF243C3B}" type="datetimeFigureOut">
+            <a:fld id="{31AC6B7E-06E7-4355-8E88-5FF41C4B7488}" type="datetime1">
               <a:rPr kumimoji="1" lang="zh-CN" altLang="en-US" smtClean="0"/>
-              <a:t>2023/6/6</a:t>
+              <a:t>2023/6/7</a:t>
             </a:fld>
             <a:endParaRPr kumimoji="1" lang="zh-CN" altLang="en-US"/>
           </a:p>
@@ -2419,13 +3558,18 @@
         </p:spPr>
         <p:txBody>
           <a:bodyPr/>
-          <a:lstStyle/>
+          <a:lstStyle>
+            <a:lvl1pPr>
+              <a:defRPr sz="1800"/>
+            </a:lvl1pPr>
+          </a:lstStyle>
           <a:p>
             <a:fld id="{977BA8E6-E826-B147-AA17-E3D76A29629C}" type="slidenum">
               <a:rPr kumimoji="1" lang="zh-CN" altLang="en-US" smtClean="0"/>
+              <a:pPr/>
               <a:t>‹#›</a:t>
             </a:fld>
-            <a:endParaRPr kumimoji="1" lang="zh-CN" altLang="en-US"/>
+            <a:endParaRPr kumimoji="1" lang="zh-CN" altLang="en-US" dirty="0"/>
           </a:p>
         </p:txBody>
       </p:sp>
@@ -2930,9 +4074,9 @@
           <a:bodyPr/>
           <a:lstStyle/>
           <a:p>
-            <a:fld id="{E4551058-E5DB-324A-A8E9-6D3BEF243C3B}" type="datetimeFigureOut">
+            <a:fld id="{055C1B2B-D89E-4046-B97E-FFC670725939}" type="datetime1">
               <a:rPr kumimoji="1" lang="zh-CN" altLang="en-US" smtClean="0"/>
-              <a:t>2023/6/6</a:t>
+              <a:t>2023/6/7</a:t>
             </a:fld>
             <a:endParaRPr kumimoji="1" lang="zh-CN" altLang="en-US"/>
           </a:p>
@@ -2992,13 +4136,18 @@
         </p:spPr>
         <p:txBody>
           <a:bodyPr/>
-          <a:lstStyle/>
+          <a:lstStyle>
+            <a:lvl1pPr>
+              <a:defRPr sz="1800"/>
+            </a:lvl1pPr>
+          </a:lstStyle>
           <a:p>
             <a:fld id="{977BA8E6-E826-B147-AA17-E3D76A29629C}" type="slidenum">
               <a:rPr kumimoji="1" lang="zh-CN" altLang="en-US" smtClean="0"/>
+              <a:pPr/>
               <a:t>‹#›</a:t>
             </a:fld>
-            <a:endParaRPr kumimoji="1" lang="zh-CN" altLang="en-US"/>
+            <a:endParaRPr kumimoji="1" lang="zh-CN" altLang="en-US" dirty="0"/>
           </a:p>
         </p:txBody>
       </p:sp>
@@ -3224,9 +4373,9 @@
           <a:bodyPr/>
           <a:lstStyle/>
           <a:p>
-            <a:fld id="{E4551058-E5DB-324A-A8E9-6D3BEF243C3B}" type="datetimeFigureOut">
+            <a:fld id="{E70E3945-04E1-4BFD-8491-97BBCD07D3FD}" type="datetime1">
               <a:rPr kumimoji="1" lang="zh-CN" altLang="en-US" smtClean="0"/>
-              <a:t>2023/6/6</a:t>
+              <a:t>2023/6/7</a:t>
             </a:fld>
             <a:endParaRPr kumimoji="1" lang="zh-CN" altLang="en-US"/>
           </a:p>
@@ -3607,9 +4756,9 @@
           <a:bodyPr/>
           <a:lstStyle/>
           <a:p>
-            <a:fld id="{E4551058-E5DB-324A-A8E9-6D3BEF243C3B}" type="datetimeFigureOut">
+            <a:fld id="{59216F90-35B2-489C-B9AF-1C22017C8986}" type="datetime1">
               <a:rPr kumimoji="1" lang="zh-CN" altLang="en-US" smtClean="0"/>
-              <a:t>2023/6/6</a:t>
+              <a:t>2023/6/7</a:t>
             </a:fld>
             <a:endParaRPr kumimoji="1" lang="zh-CN" altLang="en-US"/>
           </a:p>
@@ -3730,9 +4879,9 @@
           <a:bodyPr/>
           <a:lstStyle/>
           <a:p>
-            <a:fld id="{E4551058-E5DB-324A-A8E9-6D3BEF243C3B}" type="datetimeFigureOut">
+            <a:fld id="{8636D841-7BC1-4FCC-B259-B5CBD5D65887}" type="datetime1">
               <a:rPr kumimoji="1" lang="zh-CN" altLang="en-US" smtClean="0"/>
-              <a:t>2023/6/6</a:t>
+              <a:t>2023/6/7</a:t>
             </a:fld>
             <a:endParaRPr kumimoji="1" lang="zh-CN" altLang="en-US"/>
           </a:p>
@@ -3770,13 +4919,18 @@
         <p:spPr/>
         <p:txBody>
           <a:bodyPr/>
-          <a:lstStyle/>
+          <a:lstStyle>
+            <a:lvl1pPr>
+              <a:defRPr sz="1800"/>
+            </a:lvl1pPr>
+          </a:lstStyle>
           <a:p>
             <a:fld id="{977BA8E6-E826-B147-AA17-E3D76A29629C}" type="slidenum">
               <a:rPr kumimoji="1" lang="zh-CN" altLang="en-US" smtClean="0"/>
+              <a:pPr/>
               <a:t>‹#›</a:t>
             </a:fld>
-            <a:endParaRPr kumimoji="1" lang="zh-CN" altLang="en-US"/>
+            <a:endParaRPr kumimoji="1" lang="zh-CN" altLang="en-US" dirty="0"/>
           </a:p>
         </p:txBody>
       </p:sp>
@@ -3853,9 +5007,9 @@
           <a:bodyPr/>
           <a:lstStyle/>
           <a:p>
-            <a:fld id="{E4551058-E5DB-324A-A8E9-6D3BEF243C3B}" type="datetimeFigureOut">
+            <a:fld id="{503AEF34-9B3D-4151-ACDC-51C413EDFA41}" type="datetime1">
               <a:rPr kumimoji="1" lang="zh-CN" altLang="en-US" smtClean="0"/>
-              <a:t>2023/6/6</a:t>
+              <a:t>2023/6/7</a:t>
             </a:fld>
             <a:endParaRPr kumimoji="1" lang="zh-CN" altLang="en-US"/>
           </a:p>
@@ -4303,9 +5457,9 @@
             </a:lvl1pPr>
           </a:lstStyle>
           <a:p>
-            <a:fld id="{E4551058-E5DB-324A-A8E9-6D3BEF243C3B}" type="datetimeFigureOut">
+            <a:fld id="{0B03FEB9-A712-45A7-B169-1BAC14E3E91B}" type="datetime1">
               <a:rPr kumimoji="1" lang="zh-CN" altLang="en-US" smtClean="0"/>
-              <a:t>2023/6/6</a:t>
+              <a:t>2023/6/7</a:t>
             </a:fld>
             <a:endParaRPr kumimoji="1" lang="zh-CN" altLang="en-US"/>
           </a:p>
@@ -4610,9 +5764,9 @@
             </a:lvl1pPr>
           </a:lstStyle>
           <a:p>
-            <a:fld id="{E4551058-E5DB-324A-A8E9-6D3BEF243C3B}" type="datetimeFigureOut">
+            <a:fld id="{97C5CE30-2B59-4412-A2E9-7BC53F0F82CE}" type="datetime1">
               <a:rPr kumimoji="1" lang="zh-CN" altLang="en-US" smtClean="0"/>
-              <a:t>2023/6/6</a:t>
+              <a:t>2023/6/7</a:t>
             </a:fld>
             <a:endParaRPr kumimoji="1" lang="zh-CN" altLang="en-US"/>
           </a:p>
@@ -4828,6 +5982,7 @@
     <p:sldLayoutId id="2147483671" r:id="rId11"/>
     <p:sldLayoutId id="2147483672" r:id="rId12"/>
   </p:sldLayoutIdLst>
+  <p:hf hdr="0" ftr="0" dt="0"/>
   <p:txStyles>
     <p:titleStyle>
       <a:lvl1pPr algn="l" defTabSz="457189" rtl="0" eaLnBrk="1" latinLnBrk="0" hangingPunct="1">
@@ -5710,6 +6865,35 @@
           </a:p>
         </p:txBody>
       </p:sp>
+      <p:sp>
+        <p:nvSpPr>
+          <p:cNvPr id="2" name="灯片编号占位符 1">
+            <a:extLst>
+              <a:ext uri="{FF2B5EF4-FFF2-40B4-BE49-F238E27FC236}">
+                <a16:creationId xmlns:a16="http://schemas.microsoft.com/office/drawing/2014/main" id="{C16F949B-06D6-AC36-F372-4891DBE0BA35}"/>
+              </a:ext>
+            </a:extLst>
+          </p:cNvPr>
+          <p:cNvSpPr>
+            <a:spLocks noGrp="1"/>
+          </p:cNvSpPr>
+          <p:nvPr>
+            <p:ph type="sldNum" sz="quarter" idx="12"/>
+          </p:nvPr>
+        </p:nvSpPr>
+        <p:spPr/>
+        <p:txBody>
+          <a:bodyPr/>
+          <a:lstStyle/>
+          <a:p>
+            <a:fld id="{977BA8E6-E826-B147-AA17-E3D76A29629C}" type="slidenum">
+              <a:rPr kumimoji="1" lang="zh-CN" altLang="en-US" smtClean="0"/>
+              <a:t>1</a:t>
+            </a:fld>
+            <a:endParaRPr kumimoji="1" lang="zh-CN" altLang="en-US" dirty="0"/>
+          </a:p>
+        </p:txBody>
+      </p:sp>
     </p:spTree>
     <p:extLst>
       <p:ext uri="{BB962C8B-B14F-4D97-AF65-F5344CB8AC3E}">
@@ -5797,6 +6981,16 @@
                 <a:spcPct val="150000"/>
               </a:lnSpc>
             </a:pPr>
+            <a:endParaRPr lang="en-US" altLang="zh-CN" sz="2200" dirty="0">
+              <a:latin typeface="+mn-ea"/>
+            </a:endParaRPr>
+          </a:p>
+          <a:p>
+            <a:pPr>
+              <a:lnSpc>
+                <a:spcPct val="150000"/>
+              </a:lnSpc>
+            </a:pPr>
             <a:r>
               <a:rPr lang="zh-CN" altLang="en-US" sz="2200" dirty="0">
                 <a:latin typeface="+mn-ea"/>
@@ -5874,6 +7068,35 @@
               </a:rPr>
               <a:t>问题与解决</a:t>
             </a:r>
+          </a:p>
+        </p:txBody>
+      </p:sp>
+      <p:sp>
+        <p:nvSpPr>
+          <p:cNvPr id="2" name="灯片编号占位符 1">
+            <a:extLst>
+              <a:ext uri="{FF2B5EF4-FFF2-40B4-BE49-F238E27FC236}">
+                <a16:creationId xmlns:a16="http://schemas.microsoft.com/office/drawing/2014/main" id="{0F973CFC-4EA9-2D04-1C08-5D55C0C34B7A}"/>
+              </a:ext>
+            </a:extLst>
+          </p:cNvPr>
+          <p:cNvSpPr>
+            <a:spLocks noGrp="1"/>
+          </p:cNvSpPr>
+          <p:nvPr>
+            <p:ph type="sldNum" sz="quarter" idx="12"/>
+          </p:nvPr>
+        </p:nvSpPr>
+        <p:spPr/>
+        <p:txBody>
+          <a:bodyPr/>
+          <a:lstStyle/>
+          <a:p>
+            <a:fld id="{977BA8E6-E826-B147-AA17-E3D76A29629C}" type="slidenum">
+              <a:rPr kumimoji="1" lang="zh-CN" altLang="en-US" smtClean="0"/>
+              <a:t>10</a:t>
+            </a:fld>
+            <a:endParaRPr kumimoji="1" lang="zh-CN" altLang="en-US"/>
           </a:p>
         </p:txBody>
       </p:sp>
@@ -5960,6 +7183,35 @@
           <a:lstStyle/>
           <a:p>
             <a:endParaRPr lang="zh-CN" altLang="en-US" dirty="0"/>
+          </a:p>
+        </p:txBody>
+      </p:sp>
+      <p:sp>
+        <p:nvSpPr>
+          <p:cNvPr id="3" name="灯片编号占位符 2">
+            <a:extLst>
+              <a:ext uri="{FF2B5EF4-FFF2-40B4-BE49-F238E27FC236}">
+                <a16:creationId xmlns:a16="http://schemas.microsoft.com/office/drawing/2014/main" id="{1FA7B65A-1CE2-2167-05A6-7779A677F15A}"/>
+              </a:ext>
+            </a:extLst>
+          </p:cNvPr>
+          <p:cNvSpPr>
+            <a:spLocks noGrp="1"/>
+          </p:cNvSpPr>
+          <p:nvPr>
+            <p:ph type="sldNum" sz="quarter" idx="12"/>
+          </p:nvPr>
+        </p:nvSpPr>
+        <p:spPr/>
+        <p:txBody>
+          <a:bodyPr/>
+          <a:lstStyle/>
+          <a:p>
+            <a:fld id="{977BA8E6-E826-B147-AA17-E3D76A29629C}" type="slidenum">
+              <a:rPr kumimoji="1" lang="zh-CN" altLang="en-US" smtClean="0"/>
+              <a:t>11</a:t>
+            </a:fld>
+            <a:endParaRPr kumimoji="1" lang="zh-CN" altLang="en-US"/>
           </a:p>
         </p:txBody>
       </p:sp>
@@ -6034,7 +7286,31 @@
                 <a:latin typeface="+mn-ea"/>
                 <a:cs typeface="Times New Roman" panose="02020603050405020304" pitchFamily="18" charset="0"/>
               </a:rPr>
-              <a:t>实验构建基于实际地理位置的多链区块链，并运行出租车调度系统，通过设定好乘客和车辆的初始账户数目后进行实验，统计乘客端和司机端在运行整个调度系统中所消耗的时间并将其可视化。旨在测试树状多链区块链多链同时运行相较于单链运行的性能表现，分析对于机器的负载要求。</a:t>
+              <a:t>实验构建基于实际地理位置的多链区块链，并运行出租车调度系统，统计乘客端和司机端在运行整个调度系统中所消耗的时间并将其可视化。</a:t>
+            </a:r>
+            <a:endParaRPr lang="en-US" altLang="zh-CN" sz="2400" dirty="0">
+              <a:solidFill>
+                <a:schemeClr val="tx1"/>
+              </a:solidFill>
+              <a:latin typeface="+mn-ea"/>
+              <a:cs typeface="Times New Roman" panose="02020603050405020304" pitchFamily="18" charset="0"/>
+            </a:endParaRPr>
+          </a:p>
+          <a:p>
+            <a:pPr>
+              <a:lnSpc>
+                <a:spcPct val="150000"/>
+              </a:lnSpc>
+            </a:pPr>
+            <a:r>
+              <a:rPr lang="zh-CN" altLang="en-US" sz="2400" dirty="0">
+                <a:solidFill>
+                  <a:schemeClr val="tx1"/>
+                </a:solidFill>
+                <a:latin typeface="+mn-ea"/>
+                <a:cs typeface="Times New Roman" panose="02020603050405020304" pitchFamily="18" charset="0"/>
+              </a:rPr>
+              <a:t>实验旨在测试树状多链区块链多链同时运行相较于单链运行的性能表现，分析对于机器的负载要求。</a:t>
             </a:r>
             <a:endParaRPr lang="en-US" altLang="zh-CN" sz="2400" dirty="0">
               <a:solidFill>
@@ -6082,6 +7358,35 @@
               <a:t>实验说明</a:t>
             </a:r>
             <a:endParaRPr lang="zh-CN" altLang="en-US" dirty="0"/>
+          </a:p>
+        </p:txBody>
+      </p:sp>
+      <p:sp>
+        <p:nvSpPr>
+          <p:cNvPr id="2" name="灯片编号占位符 1">
+            <a:extLst>
+              <a:ext uri="{FF2B5EF4-FFF2-40B4-BE49-F238E27FC236}">
+                <a16:creationId xmlns:a16="http://schemas.microsoft.com/office/drawing/2014/main" id="{1E4F6AD9-81B4-1FB1-C30E-C761B794BB23}"/>
+              </a:ext>
+            </a:extLst>
+          </p:cNvPr>
+          <p:cNvSpPr>
+            <a:spLocks noGrp="1"/>
+          </p:cNvSpPr>
+          <p:nvPr>
+            <p:ph type="sldNum" sz="quarter" idx="12"/>
+          </p:nvPr>
+        </p:nvSpPr>
+        <p:spPr/>
+        <p:txBody>
+          <a:bodyPr/>
+          <a:lstStyle/>
+          <a:p>
+            <a:fld id="{977BA8E6-E826-B147-AA17-E3D76A29629C}" type="slidenum">
+              <a:rPr kumimoji="1" lang="zh-CN" altLang="en-US" smtClean="0"/>
+              <a:t>12</a:t>
+            </a:fld>
+            <a:endParaRPr kumimoji="1" lang="zh-CN" altLang="en-US"/>
           </a:p>
         </p:txBody>
       </p:sp>
@@ -6176,7 +7481,7 @@
                 <a:latin typeface="+mn-ea"/>
                 <a:cs typeface="Times New Roman" panose="02020603050405020304" pitchFamily="18" charset="0"/>
               </a:rPr>
-              <a:t>条子链分别在真实世界地图中 </a:t>
+              <a:t>条子链分别表示在真实世界地图中 </a:t>
             </a:r>
             <a:r>
               <a:rPr lang="en-US" altLang="zh-CN" sz="2000" dirty="0">
@@ -6276,7 +7581,27 @@
                 <a:latin typeface="+mn-ea"/>
                 <a:cs typeface="Times New Roman" panose="02020603050405020304" pitchFamily="18" charset="0"/>
               </a:rPr>
-              <a:t>的区域下运行调度系统；</a:t>
+              <a:t>的</a:t>
+            </a:r>
+            <a:r>
+              <a:rPr lang="en-US" altLang="zh-CN" sz="2000" dirty="0">
+                <a:solidFill>
+                  <a:schemeClr val="tx1"/>
+                </a:solidFill>
+                <a:latin typeface="+mn-ea"/>
+                <a:cs typeface="Times New Roman" panose="02020603050405020304" pitchFamily="18" charset="0"/>
+              </a:rPr>
+              <a:t>4</a:t>
+            </a:r>
+            <a:r>
+              <a:rPr lang="zh-CN" altLang="en-US" sz="2000" dirty="0">
+                <a:solidFill>
+                  <a:schemeClr val="tx1"/>
+                </a:solidFill>
+                <a:latin typeface="+mn-ea"/>
+                <a:cs typeface="Times New Roman" panose="02020603050405020304" pitchFamily="18" charset="0"/>
+              </a:rPr>
+              <a:t>个区域；</a:t>
             </a:r>
             <a:endParaRPr lang="en-US" altLang="zh-CN" sz="2000" dirty="0">
               <a:solidFill>
@@ -6340,7 +7665,47 @@
                 <a:latin typeface="+mn-ea"/>
                 <a:cs typeface="Times New Roman" panose="02020603050405020304" pitchFamily="18" charset="0"/>
               </a:rPr>
-              <a:t>个乘客账户。确立乘客与司机的初始位置，保证在子链管辖范围内</a:t>
+              <a:t>个乘客账户（共</a:t>
+            </a:r>
+            <a:r>
+              <a:rPr lang="en-US" altLang="zh-CN" sz="2000" dirty="0">
+                <a:solidFill>
+                  <a:schemeClr val="tx1"/>
+                </a:solidFill>
+                <a:latin typeface="+mn-ea"/>
+                <a:cs typeface="Times New Roman" panose="02020603050405020304" pitchFamily="18" charset="0"/>
+              </a:rPr>
+              <a:t>16</a:t>
+            </a:r>
+            <a:r>
+              <a:rPr lang="zh-CN" altLang="en-US" sz="2000" dirty="0">
+                <a:solidFill>
+                  <a:schemeClr val="tx1"/>
+                </a:solidFill>
+                <a:latin typeface="+mn-ea"/>
+                <a:cs typeface="Times New Roman" panose="02020603050405020304" pitchFamily="18" charset="0"/>
+              </a:rPr>
+              <a:t>个司机，</a:t>
+            </a:r>
+            <a:r>
+              <a:rPr lang="en-US" altLang="zh-CN" sz="2000" dirty="0">
+                <a:solidFill>
+                  <a:schemeClr val="tx1"/>
+                </a:solidFill>
+                <a:latin typeface="+mn-ea"/>
+                <a:cs typeface="Times New Roman" panose="02020603050405020304" pitchFamily="18" charset="0"/>
+              </a:rPr>
+              <a:t>32</a:t>
+            </a:r>
+            <a:r>
+              <a:rPr lang="zh-CN" altLang="en-US" sz="2000" dirty="0">
+                <a:solidFill>
+                  <a:schemeClr val="tx1"/>
+                </a:solidFill>
+                <a:latin typeface="+mn-ea"/>
+                <a:cs typeface="Times New Roman" panose="02020603050405020304" pitchFamily="18" charset="0"/>
+              </a:rPr>
+              <a:t>个乘客）。选定乘客与司机的初始位置，保证在子链管辖范围内</a:t>
             </a:r>
             <a:r>
               <a:rPr lang="zh-CN" altLang="en-US" sz="2400" dirty="0">
@@ -6439,6 +7804,35 @@
           </a:prstGeom>
         </p:spPr>
       </p:pic>
+      <p:sp>
+        <p:nvSpPr>
+          <p:cNvPr id="2" name="灯片编号占位符 1">
+            <a:extLst>
+              <a:ext uri="{FF2B5EF4-FFF2-40B4-BE49-F238E27FC236}">
+                <a16:creationId xmlns:a16="http://schemas.microsoft.com/office/drawing/2014/main" id="{42250A0D-0925-ADA2-5EFF-DBFC09BE00C1}"/>
+              </a:ext>
+            </a:extLst>
+          </p:cNvPr>
+          <p:cNvSpPr>
+            <a:spLocks noGrp="1"/>
+          </p:cNvSpPr>
+          <p:nvPr>
+            <p:ph type="sldNum" sz="quarter" idx="12"/>
+          </p:nvPr>
+        </p:nvSpPr>
+        <p:spPr/>
+        <p:txBody>
+          <a:bodyPr/>
+          <a:lstStyle/>
+          <a:p>
+            <a:fld id="{977BA8E6-E826-B147-AA17-E3D76A29629C}" type="slidenum">
+              <a:rPr kumimoji="1" lang="zh-CN" altLang="en-US" smtClean="0"/>
+              <a:t>13</a:t>
+            </a:fld>
+            <a:endParaRPr kumimoji="1" lang="zh-CN" altLang="en-US"/>
+          </a:p>
+        </p:txBody>
+      </p:sp>
     </p:spTree>
     <p:extLst>
       <p:ext uri="{BB962C8B-B14F-4D97-AF65-F5344CB8AC3E}">
@@ -6920,6 +8314,35 @@
           </a:p>
         </p:txBody>
       </p:sp>
+      <p:sp>
+        <p:nvSpPr>
+          <p:cNvPr id="2" name="灯片编号占位符 1">
+            <a:extLst>
+              <a:ext uri="{FF2B5EF4-FFF2-40B4-BE49-F238E27FC236}">
+                <a16:creationId xmlns:a16="http://schemas.microsoft.com/office/drawing/2014/main" id="{929B2C9C-4348-5596-B2D3-A17BE1041CBA}"/>
+              </a:ext>
+            </a:extLst>
+          </p:cNvPr>
+          <p:cNvSpPr>
+            <a:spLocks noGrp="1"/>
+          </p:cNvSpPr>
+          <p:nvPr>
+            <p:ph type="sldNum" sz="quarter" idx="12"/>
+          </p:nvPr>
+        </p:nvSpPr>
+        <p:spPr/>
+        <p:txBody>
+          <a:bodyPr/>
+          <a:lstStyle/>
+          <a:p>
+            <a:fld id="{977BA8E6-E826-B147-AA17-E3D76A29629C}" type="slidenum">
+              <a:rPr kumimoji="1" lang="zh-CN" altLang="en-US" smtClean="0"/>
+              <a:t>14</a:t>
+            </a:fld>
+            <a:endParaRPr kumimoji="1" lang="zh-CN" altLang="en-US"/>
+          </a:p>
+        </p:txBody>
+      </p:sp>
     </p:spTree>
     <p:extLst>
       <p:ext uri="{BB962C8B-B14F-4D97-AF65-F5344CB8AC3E}">
@@ -7096,6 +8519,35 @@
           </a:p>
         </p:txBody>
       </p:sp>
+      <p:sp>
+        <p:nvSpPr>
+          <p:cNvPr id="2" name="灯片编号占位符 1">
+            <a:extLst>
+              <a:ext uri="{FF2B5EF4-FFF2-40B4-BE49-F238E27FC236}">
+                <a16:creationId xmlns:a16="http://schemas.microsoft.com/office/drawing/2014/main" id="{DC4925BE-A8AB-1131-31AA-01792121061D}"/>
+              </a:ext>
+            </a:extLst>
+          </p:cNvPr>
+          <p:cNvSpPr>
+            <a:spLocks noGrp="1"/>
+          </p:cNvSpPr>
+          <p:nvPr>
+            <p:ph type="sldNum" sz="quarter" idx="12"/>
+          </p:nvPr>
+        </p:nvSpPr>
+        <p:spPr/>
+        <p:txBody>
+          <a:bodyPr/>
+          <a:lstStyle/>
+          <a:p>
+            <a:fld id="{977BA8E6-E826-B147-AA17-E3D76A29629C}" type="slidenum">
+              <a:rPr kumimoji="1" lang="zh-CN" altLang="en-US" smtClean="0"/>
+              <a:t>15</a:t>
+            </a:fld>
+            <a:endParaRPr kumimoji="1" lang="zh-CN" altLang="en-US"/>
+          </a:p>
+        </p:txBody>
+      </p:sp>
     </p:spTree>
     <p:extLst>
       <p:ext uri="{BB962C8B-B14F-4D97-AF65-F5344CB8AC3E}">
@@ -7150,7 +8602,7 @@
         </p:spPr>
         <p:txBody>
           <a:bodyPr>
-            <a:normAutofit fontScale="25000" lnSpcReduction="20000"/>
+            <a:noAutofit/>
           </a:bodyPr>
           <a:lstStyle/>
           <a:p>
@@ -7160,50 +8612,71 @@
               </a:lnSpc>
             </a:pPr>
             <a:r>
-              <a:rPr lang="zh-CN" altLang="en-US" sz="7200" dirty="0">
+              <a:rPr lang="zh-CN" altLang="en-US" dirty="0">
                 <a:latin typeface="+mn-ea"/>
               </a:rPr>
-              <a:t>分析图中结果可以看出，虽然并行运作时平均单次调度的耗时相较于单链时增多，但是若考虑是单个链中的 </a:t>
-            </a:r>
-            <a:r>
-              <a:rPr lang="en-US" altLang="zh-CN" sz="7200" dirty="0">
+              <a:t>分析图中结果可以看出，考虑单个链中的 </a:t>
+            </a:r>
+            <a:r>
+              <a:rPr lang="en-US" altLang="zh-CN" dirty="0">
                 <a:latin typeface="+mn-ea"/>
               </a:rPr>
               <a:t>48 </a:t>
             </a:r>
             <a:r>
-              <a:rPr lang="zh-CN" altLang="en-US" sz="7200" dirty="0">
+              <a:rPr lang="zh-CN" altLang="en-US" dirty="0">
                 <a:latin typeface="+mn-ea"/>
               </a:rPr>
               <a:t>个账户（</a:t>
             </a:r>
             <a:r>
-              <a:rPr lang="en-US" altLang="zh-CN" sz="7200" dirty="0">
+              <a:rPr lang="en-US" altLang="zh-CN" dirty="0">
                 <a:latin typeface="+mn-ea"/>
               </a:rPr>
               <a:t>16 </a:t>
             </a:r>
             <a:r>
-              <a:rPr lang="zh-CN" altLang="en-US" sz="7200" dirty="0">
+              <a:rPr lang="zh-CN" altLang="en-US" dirty="0">
                 <a:latin typeface="+mn-ea"/>
               </a:rPr>
               <a:t>个司机与 </a:t>
             </a:r>
             <a:r>
-              <a:rPr lang="en-US" altLang="zh-CN" sz="7200" dirty="0">
+              <a:rPr lang="en-US" altLang="zh-CN" dirty="0">
                 <a:latin typeface="+mn-ea"/>
               </a:rPr>
               <a:t>32 </a:t>
             </a:r>
             <a:r>
-              <a:rPr lang="zh-CN" altLang="en-US" sz="7200" dirty="0">
+              <a:rPr lang="zh-CN" altLang="en-US" dirty="0">
                 <a:latin typeface="+mn-ea"/>
               </a:rPr>
-              <a:t>个乘客账户）的总耗时情况时，此时树状区块链的总耗时要远小于单链结构的情况，证实了树状区块链在车联网应用中可以有着较为良好的前景。</a:t>
-            </a:r>
-            <a:endParaRPr lang="en-US" altLang="zh-CN" sz="7200" dirty="0">
-              <a:latin typeface="+mn-ea"/>
-            </a:endParaRPr>
+              <a:t>个乘客账户）的总耗时情况时，</a:t>
+            </a:r>
+            <a:r>
+              <a:rPr lang="zh-CN" altLang="en-US" dirty="0">
+                <a:solidFill>
+                  <a:srgbClr val="FF0000"/>
+                </a:solidFill>
+                <a:latin typeface="+mn-ea"/>
+              </a:rPr>
+              <a:t>树状区块链的总耗时要远小于单链结构的情况</a:t>
+            </a:r>
+            <a:r>
+              <a:rPr lang="zh-CN" altLang="en-US" dirty="0">
+                <a:solidFill>
+                  <a:schemeClr val="tx1"/>
+                </a:solidFill>
+                <a:latin typeface="+mn-ea"/>
+              </a:rPr>
+              <a:t>，</a:t>
+            </a:r>
+            <a:r>
+              <a:rPr lang="zh-CN" altLang="en-US" dirty="0">
+                <a:latin typeface="+mn-ea"/>
+              </a:rPr>
+              <a:t>证实了树状区块链在车联网应用中可以有着较为良好的前景。</a:t>
+            </a:r>
           </a:p>
           <a:p>
             <a:pPr>
@@ -7211,23 +8684,13 @@
                 <a:spcPct val="170000"/>
               </a:lnSpc>
             </a:pPr>
-            <a:endParaRPr lang="zh-CN" altLang="en-US" sz="7200" dirty="0">
-              <a:latin typeface="+mn-ea"/>
-            </a:endParaRPr>
-          </a:p>
-          <a:p>
-            <a:pPr>
-              <a:lnSpc>
-                <a:spcPct val="170000"/>
-              </a:lnSpc>
-            </a:pPr>
-            <a:r>
-              <a:rPr lang="zh-CN" altLang="en-US" sz="7200" dirty="0">
+            <a:r>
+              <a:rPr lang="zh-CN" altLang="en-US" dirty="0">
                 <a:latin typeface="+mn-ea"/>
               </a:rPr>
-              <a:t>从另一方面来看，多链同时运行所产生的开销，也会制约树状区块链的综合性能，在后续的应用中，需要充分考虑机器的硬件配置、网络带宽、存储能力等方面对系统的影响。</a:t>
-            </a:r>
-            <a:endParaRPr lang="en-US" altLang="zh-CN" sz="2200" dirty="0">
+              <a:t>并行运作时平均单次调度的耗时相较于单链时增多，多链同时运行所产生的开销，也会制约树状区块链的综合性能。在后续的应用中，需要充分考虑机器的硬件配置、网络带宽、存储能力等方面对系统的影响。</a:t>
+            </a:r>
+            <a:endParaRPr lang="en-US" altLang="zh-CN" dirty="0">
               <a:latin typeface="+mn-ea"/>
             </a:endParaRPr>
           </a:p>
@@ -7316,6 +8779,35 @@
           </a:prstGeom>
         </p:spPr>
       </p:pic>
+      <p:sp>
+        <p:nvSpPr>
+          <p:cNvPr id="2" name="灯片编号占位符 1">
+            <a:extLst>
+              <a:ext uri="{FF2B5EF4-FFF2-40B4-BE49-F238E27FC236}">
+                <a16:creationId xmlns:a16="http://schemas.microsoft.com/office/drawing/2014/main" id="{EFB9172E-7AB1-39EE-8CB2-FEDFD136B112}"/>
+              </a:ext>
+            </a:extLst>
+          </p:cNvPr>
+          <p:cNvSpPr>
+            <a:spLocks noGrp="1"/>
+          </p:cNvSpPr>
+          <p:nvPr>
+            <p:ph type="sldNum" sz="quarter" idx="12"/>
+          </p:nvPr>
+        </p:nvSpPr>
+        <p:spPr/>
+        <p:txBody>
+          <a:bodyPr/>
+          <a:lstStyle/>
+          <a:p>
+            <a:fld id="{977BA8E6-E826-B147-AA17-E3D76A29629C}" type="slidenum">
+              <a:rPr kumimoji="1" lang="zh-CN" altLang="en-US" smtClean="0"/>
+              <a:t>16</a:t>
+            </a:fld>
+            <a:endParaRPr kumimoji="1" lang="zh-CN" altLang="en-US"/>
+          </a:p>
+        </p:txBody>
+      </p:sp>
     </p:spTree>
     <p:extLst>
       <p:ext uri="{BB962C8B-B14F-4D97-AF65-F5344CB8AC3E}">
@@ -7402,6 +8894,35 @@
           </a:p>
         </p:txBody>
       </p:sp>
+      <p:sp>
+        <p:nvSpPr>
+          <p:cNvPr id="3" name="灯片编号占位符 2">
+            <a:extLst>
+              <a:ext uri="{FF2B5EF4-FFF2-40B4-BE49-F238E27FC236}">
+                <a16:creationId xmlns:a16="http://schemas.microsoft.com/office/drawing/2014/main" id="{2C41B5F2-E9FD-28CD-8ADA-1DA7D8B90DE2}"/>
+              </a:ext>
+            </a:extLst>
+          </p:cNvPr>
+          <p:cNvSpPr>
+            <a:spLocks noGrp="1"/>
+          </p:cNvSpPr>
+          <p:nvPr>
+            <p:ph type="sldNum" sz="quarter" idx="12"/>
+          </p:nvPr>
+        </p:nvSpPr>
+        <p:spPr/>
+        <p:txBody>
+          <a:bodyPr/>
+          <a:lstStyle/>
+          <a:p>
+            <a:fld id="{977BA8E6-E826-B147-AA17-E3D76A29629C}" type="slidenum">
+              <a:rPr kumimoji="1" lang="zh-CN" altLang="en-US" smtClean="0"/>
+              <a:t>17</a:t>
+            </a:fld>
+            <a:endParaRPr kumimoji="1" lang="zh-CN" altLang="en-US"/>
+          </a:p>
+        </p:txBody>
+      </p:sp>
     </p:spTree>
     <p:extLst>
       <p:ext uri="{BB962C8B-B14F-4D97-AF65-F5344CB8AC3E}">
@@ -7450,13 +8971,13 @@
         </p:nvSpPr>
         <p:spPr>
           <a:xfrm>
-            <a:off x="4227616" y="1608624"/>
+            <a:off x="4227616" y="1603601"/>
             <a:ext cx="7410202" cy="4766934"/>
           </a:xfrm>
         </p:spPr>
         <p:txBody>
           <a:bodyPr>
-            <a:normAutofit fontScale="77500" lnSpcReduction="20000"/>
+            <a:normAutofit/>
           </a:bodyPr>
           <a:lstStyle/>
           <a:p>
@@ -7466,17 +8987,17 @@
               </a:lnSpc>
             </a:pPr>
             <a:r>
-              <a:rPr lang="zh-CN" altLang="en-US" sz="2400" dirty="0">
+              <a:rPr lang="zh-CN" altLang="en-US" sz="2000" dirty="0">
                 <a:solidFill>
                   <a:schemeClr val="tx1"/>
                 </a:solidFill>
                 <a:latin typeface="+mn-ea"/>
                 <a:cs typeface="Times New Roman" panose="02020603050405020304" pitchFamily="18" charset="0"/>
               </a:rPr>
-              <a:t>车辆具有移动性，其不仅仅只是在其所属的区域内部活动，还存在从一个区域进入到另一个子链所管辖的区域的这种实际情况。此时，车辆账户进入到了新的一条子链当中，但是这条新的子链目前并不具备车辆账户的各种信息记录，且车辆账户在新链中资产为 </a:t>
-            </a:r>
-            <a:r>
-              <a:rPr lang="en-US" altLang="zh-CN" sz="2400" dirty="0">
+              <a:t>车辆具有移动性，存在从一个区域进入到另一个子链所管辖的区域的这种实际情况。车辆账户进入到了新的一条子链当中，这条新的子链目前并不具备车辆账户的各种信息记录，且车辆账户在新链中资产为 </a:t>
+            </a:r>
+            <a:r>
+              <a:rPr lang="en-US" altLang="zh-CN" sz="2000" dirty="0">
                 <a:solidFill>
                   <a:schemeClr val="tx1"/>
                 </a:solidFill>
@@ -7486,16 +9007,36 @@
               <a:t>0</a:t>
             </a:r>
             <a:r>
-              <a:rPr lang="zh-CN" altLang="en-US" sz="2400" dirty="0">
+              <a:rPr lang="zh-CN" altLang="en-US" sz="2000" dirty="0">
                 <a:solidFill>
                   <a:schemeClr val="tx1"/>
                 </a:solidFill>
                 <a:latin typeface="+mn-ea"/>
                 <a:cs typeface="Times New Roman" panose="02020603050405020304" pitchFamily="18" charset="0"/>
               </a:rPr>
-              <a:t>，发送交易，便会因为账户余额不足而失败。</a:t>
-            </a:r>
-            <a:endParaRPr lang="en-US" altLang="zh-CN" sz="2400" dirty="0">
+              <a:t>，发送交易，因为</a:t>
+            </a:r>
+            <a:r>
+              <a:rPr lang="zh-CN" altLang="en-US" sz="2000" dirty="0">
+                <a:solidFill>
+                  <a:srgbClr val="FF0000"/>
+                </a:solidFill>
+                <a:latin typeface="+mn-ea"/>
+                <a:cs typeface="Times New Roman" panose="02020603050405020304" pitchFamily="18" charset="0"/>
+              </a:rPr>
+              <a:t>账户余额不足而失败</a:t>
+            </a:r>
+            <a:r>
+              <a:rPr lang="zh-CN" altLang="en-US" sz="2000" dirty="0">
+                <a:solidFill>
+                  <a:schemeClr val="tx1"/>
+                </a:solidFill>
+                <a:latin typeface="+mn-ea"/>
+                <a:cs typeface="Times New Roman" panose="02020603050405020304" pitchFamily="18" charset="0"/>
+              </a:rPr>
+              <a:t>。</a:t>
+            </a:r>
+            <a:endParaRPr lang="en-US" altLang="zh-CN" sz="2000" dirty="0">
               <a:solidFill>
                 <a:schemeClr val="tx1"/>
               </a:solidFill>
@@ -7510,40 +9051,16 @@
               </a:lnSpc>
             </a:pPr>
             <a:r>
-              <a:rPr lang="zh-CN" altLang="en-US" sz="2400" dirty="0">
+              <a:rPr lang="zh-CN" altLang="en-US" sz="2000" dirty="0">
                 <a:solidFill>
                   <a:schemeClr val="tx1"/>
                 </a:solidFill>
                 <a:latin typeface="+mn-ea"/>
                 <a:cs typeface="Times New Roman" panose="02020603050405020304" pitchFamily="18" charset="0"/>
               </a:rPr>
-              <a:t>为了能满足车辆账户的这种可移动性，在树状区块链中，当一个账户位置发生了跨子链（跨区域）的这种移动时，账户需要向一个管理账号发送一种特殊的交易，将账户的资产余额从原先的子链中，转移到目标子链中。之后，账户便可以正常进行交易。</a:t>
-            </a:r>
-            <a:endParaRPr lang="en-US" altLang="zh-CN" sz="2400" dirty="0">
-              <a:solidFill>
-                <a:schemeClr val="tx1"/>
-              </a:solidFill>
-              <a:latin typeface="+mn-ea"/>
-              <a:cs typeface="Times New Roman" panose="02020603050405020304" pitchFamily="18" charset="0"/>
-            </a:endParaRPr>
-          </a:p>
-          <a:p>
-            <a:pPr>
-              <a:lnSpc>
-                <a:spcPct val="150000"/>
-              </a:lnSpc>
-            </a:pPr>
-            <a:r>
-              <a:rPr lang="zh-CN" altLang="en-US" sz="2400" dirty="0">
-                <a:solidFill>
-                  <a:schemeClr val="tx1"/>
-                </a:solidFill>
-                <a:latin typeface="+mn-ea"/>
-                <a:cs typeface="Times New Roman" panose="02020603050405020304" pitchFamily="18" charset="0"/>
-              </a:rPr>
-              <a:t>在树状区块链中，同一个账户同时只允许在一条子链中有资产余额，此时该链便被称为该账户的活跃链。</a:t>
-            </a:r>
-            <a:endParaRPr lang="en-US" altLang="zh-CN" sz="2400" dirty="0">
+              <a:t>为了能满足车辆账户的这种可移动性，在树状区块链中，当一个账户位置发生了跨区域（跨子链）的这种移动时，账户需要向一个管理账号发送一种特殊的交易，即跨子链资产转移交易。</a:t>
+            </a:r>
+            <a:endParaRPr lang="en-US" altLang="zh-CN" sz="2000" dirty="0">
               <a:solidFill>
                 <a:schemeClr val="tx1"/>
               </a:solidFill>
@@ -7607,7 +9124,7 @@
           <p:nvPr/>
         </p:nvPicPr>
         <p:blipFill rotWithShape="1">
-          <a:blip r:embed="rId2"/>
+          <a:blip r:embed="rId3"/>
           <a:srcRect t="5237" r="2072"/>
           <a:stretch/>
         </p:blipFill>
@@ -7636,7 +9153,7 @@
           <p:nvPr/>
         </p:nvPicPr>
         <p:blipFill>
-          <a:blip r:embed="rId3">
+          <a:blip r:embed="rId4">
             <a:extLst>
               <a:ext uri="{28A0092B-C50C-407E-A947-70E740481C1C}">
                 <a14:useLocalDpi xmlns:a14="http://schemas.microsoft.com/office/drawing/2010/main" val="0"/>
@@ -7657,6 +9174,35 @@
           </a:prstGeom>
         </p:spPr>
       </p:pic>
+      <p:sp>
+        <p:nvSpPr>
+          <p:cNvPr id="2" name="灯片编号占位符 1">
+            <a:extLst>
+              <a:ext uri="{FF2B5EF4-FFF2-40B4-BE49-F238E27FC236}">
+                <a16:creationId xmlns:a16="http://schemas.microsoft.com/office/drawing/2014/main" id="{B46349C6-A03C-3D48-4668-74F052F8148A}"/>
+              </a:ext>
+            </a:extLst>
+          </p:cNvPr>
+          <p:cNvSpPr>
+            <a:spLocks noGrp="1"/>
+          </p:cNvSpPr>
+          <p:nvPr>
+            <p:ph type="sldNum" sz="quarter" idx="12"/>
+          </p:nvPr>
+        </p:nvSpPr>
+        <p:spPr/>
+        <p:txBody>
+          <a:bodyPr/>
+          <a:lstStyle/>
+          <a:p>
+            <a:fld id="{977BA8E6-E826-B147-AA17-E3D76A29629C}" type="slidenum">
+              <a:rPr kumimoji="1" lang="zh-CN" altLang="en-US" smtClean="0"/>
+              <a:t>18</a:t>
+            </a:fld>
+            <a:endParaRPr kumimoji="1" lang="zh-CN" altLang="en-US"/>
+          </a:p>
+        </p:txBody>
+      </p:sp>
     </p:spTree>
     <p:extLst>
       <p:ext uri="{BB962C8B-B14F-4D97-AF65-F5344CB8AC3E}">
@@ -7711,7 +9257,7 @@
         </p:spPr>
         <p:txBody>
           <a:bodyPr>
-            <a:normAutofit fontScale="92500" lnSpcReduction="10000"/>
+            <a:normAutofit/>
           </a:bodyPr>
           <a:lstStyle/>
           <a:p>
@@ -7721,37 +9267,77 @@
               </a:lnSpc>
             </a:pPr>
             <a:r>
-              <a:rPr lang="zh-CN" altLang="en-US" sz="2400" dirty="0">
+              <a:rPr lang="zh-CN" altLang="en-US" sz="2000" dirty="0">
                 <a:solidFill>
                   <a:schemeClr val="tx1"/>
                 </a:solidFill>
                 <a:latin typeface="+mn-ea"/>
                 <a:cs typeface="Times New Roman" panose="02020603050405020304" pitchFamily="18" charset="0"/>
               </a:rPr>
-              <a:t>构建一条主链记为 </a:t>
-            </a:r>
-            <a:r>
-              <a:rPr lang="en-US" altLang="zh-CN" sz="2400" dirty="0">
+              <a:t>如图所示，在 </a:t>
+            </a:r>
+            <a:r>
+              <a:rPr lang="en-US" altLang="zh-CN" sz="2000" dirty="0">
                 <a:solidFill>
                   <a:schemeClr val="tx1"/>
                 </a:solidFill>
                 <a:latin typeface="+mn-ea"/>
                 <a:cs typeface="Times New Roman" panose="02020603050405020304" pitchFamily="18" charset="0"/>
               </a:rPr>
-              <a:t>w1</a:t>
-            </a:r>
-            <a:r>
-              <a:rPr lang="zh-CN" altLang="en-US" sz="2400" dirty="0">
+              <a:t>w11</a:t>
+            </a:r>
+            <a:r>
+              <a:rPr lang="zh-CN" altLang="en-US" sz="2000" dirty="0">
                 <a:solidFill>
                   <a:schemeClr val="tx1"/>
                 </a:solidFill>
                 <a:latin typeface="+mn-ea"/>
                 <a:cs typeface="Times New Roman" panose="02020603050405020304" pitchFamily="18" charset="0"/>
               </a:rPr>
-              <a:t>，其下有两条子链分别记为 </a:t>
-            </a:r>
-            <a:r>
-              <a:rPr lang="en-US" altLang="zh-CN" sz="2400" dirty="0">
+              <a:t>、</a:t>
+            </a:r>
+            <a:r>
+              <a:rPr lang="en-US" altLang="zh-CN" sz="2000" dirty="0">
+                <a:solidFill>
+                  <a:schemeClr val="tx1"/>
+                </a:solidFill>
+                <a:latin typeface="+mn-ea"/>
+                <a:cs typeface="Times New Roman" panose="02020603050405020304" pitchFamily="18" charset="0"/>
+              </a:rPr>
+              <a:t>w12 </a:t>
+            </a:r>
+            <a:r>
+              <a:rPr lang="zh-CN" altLang="en-US" sz="2000" dirty="0">
+                <a:solidFill>
+                  <a:schemeClr val="tx1"/>
+                </a:solidFill>
+                <a:latin typeface="+mn-ea"/>
+                <a:cs typeface="Times New Roman" panose="02020603050405020304" pitchFamily="18" charset="0"/>
+              </a:rPr>
+              <a:t>的两条链中初始化相同的账户，各包含三个预分配账户以及 </a:t>
+            </a:r>
+            <a:r>
+              <a:rPr lang="en-US" altLang="zh-CN" sz="2000" dirty="0">
+                <a:solidFill>
+                  <a:schemeClr val="tx1"/>
+                </a:solidFill>
+                <a:latin typeface="+mn-ea"/>
+                <a:cs typeface="Times New Roman" panose="02020603050405020304" pitchFamily="18" charset="0"/>
+              </a:rPr>
+              <a:t>10 </a:t>
+            </a:r>
+            <a:r>
+              <a:rPr lang="zh-CN" altLang="en-US" sz="2000" dirty="0">
+                <a:solidFill>
+                  <a:schemeClr val="tx1"/>
+                </a:solidFill>
+                <a:latin typeface="+mn-ea"/>
+                <a:cs typeface="Times New Roman" panose="02020603050405020304" pitchFamily="18" charset="0"/>
+              </a:rPr>
+              <a:t>个普通账户，实验设计对于 </a:t>
+            </a:r>
+            <a:r>
+              <a:rPr lang="en-US" altLang="zh-CN" sz="2000" dirty="0">
                 <a:solidFill>
                   <a:schemeClr val="tx1"/>
                 </a:solidFill>
@@ -7761,17 +9347,37 @@
               <a:t>w11 </a:t>
             </a:r>
             <a:r>
-              <a:rPr lang="zh-CN" altLang="en-US" sz="2400" dirty="0">
+              <a:rPr lang="zh-CN" altLang="en-US" sz="2000" dirty="0">
                 <a:solidFill>
                   <a:schemeClr val="tx1"/>
                 </a:solidFill>
                 <a:latin typeface="+mn-ea"/>
                 <a:cs typeface="Times New Roman" panose="02020603050405020304" pitchFamily="18" charset="0"/>
               </a:rPr>
-              <a:t>和 </a:t>
-            </a:r>
-            <a:r>
-              <a:rPr lang="en-US" altLang="zh-CN" sz="2400" dirty="0">
+              <a:t>链中的普通账户，初始均分配有 </a:t>
+            </a:r>
+            <a:r>
+              <a:rPr lang="en-US" altLang="zh-CN" sz="2000" dirty="0">
+                <a:solidFill>
+                  <a:schemeClr val="tx1"/>
+                </a:solidFill>
+                <a:latin typeface="+mn-ea"/>
+                <a:cs typeface="Times New Roman" panose="02020603050405020304" pitchFamily="18" charset="0"/>
+              </a:rPr>
+              <a:t>10000 </a:t>
+            </a:r>
+            <a:r>
+              <a:rPr lang="zh-CN" altLang="en-US" sz="2000" dirty="0">
+                <a:solidFill>
+                  <a:schemeClr val="tx1"/>
+                </a:solidFill>
+                <a:latin typeface="+mn-ea"/>
+                <a:cs typeface="Times New Roman" panose="02020603050405020304" pitchFamily="18" charset="0"/>
+              </a:rPr>
+              <a:t>单位的初始资产，</a:t>
+            </a:r>
+            <a:r>
+              <a:rPr lang="en-US" altLang="zh-CN" sz="2000" dirty="0">
                 <a:solidFill>
                   <a:schemeClr val="tx1"/>
                 </a:solidFill>
@@ -7781,116 +9387,36 @@
               <a:t>w12</a:t>
             </a:r>
             <a:r>
-              <a:rPr lang="zh-CN" altLang="en-US" sz="2400" dirty="0">
+              <a:rPr lang="zh-CN" altLang="en-US" sz="2000" dirty="0">
                 <a:solidFill>
                   <a:schemeClr val="tx1"/>
                 </a:solidFill>
                 <a:latin typeface="+mn-ea"/>
                 <a:cs typeface="Times New Roman" panose="02020603050405020304" pitchFamily="18" charset="0"/>
               </a:rPr>
-              <a:t>。表示</a:t>
-            </a:r>
-            <a:r>
-              <a:rPr lang="en-US" altLang="zh-CN" sz="2400" dirty="0">
+              <a:t>链中的普通账户，则初始资产均为 </a:t>
+            </a:r>
+            <a:r>
+              <a:rPr lang="en-US" altLang="zh-CN" sz="2000" dirty="0">
                 <a:solidFill>
                   <a:schemeClr val="tx1"/>
                 </a:solidFill>
                 <a:latin typeface="+mn-ea"/>
                 <a:cs typeface="Times New Roman" panose="02020603050405020304" pitchFamily="18" charset="0"/>
               </a:rPr>
-              <a:t>w11 </a:t>
-            </a:r>
-            <a:r>
-              <a:rPr lang="zh-CN" altLang="en-US" sz="2400" dirty="0">
+              <a:t>0</a:t>
+            </a:r>
+            <a:r>
+              <a:rPr lang="zh-CN" altLang="en-US" sz="2000" dirty="0">
                 <a:solidFill>
                   <a:schemeClr val="tx1"/>
                 </a:solidFill>
                 <a:latin typeface="+mn-ea"/>
                 <a:cs typeface="Times New Roman" panose="02020603050405020304" pitchFamily="18" charset="0"/>
               </a:rPr>
-              <a:t>和 </a:t>
-            </a:r>
-            <a:r>
-              <a:rPr lang="en-US" altLang="zh-CN" sz="2400" dirty="0">
-                <a:solidFill>
-                  <a:schemeClr val="tx1"/>
-                </a:solidFill>
-                <a:latin typeface="+mn-ea"/>
-                <a:cs typeface="Times New Roman" panose="02020603050405020304" pitchFamily="18" charset="0"/>
-              </a:rPr>
-              <a:t>w12 </a:t>
-            </a:r>
-            <a:r>
-              <a:rPr lang="zh-CN" altLang="en-US" sz="2400" dirty="0">
-                <a:solidFill>
-                  <a:schemeClr val="tx1"/>
-                </a:solidFill>
-                <a:latin typeface="+mn-ea"/>
-                <a:cs typeface="Times New Roman" panose="02020603050405020304" pitchFamily="18" charset="0"/>
-              </a:rPr>
-              <a:t>分别管辖 </a:t>
-            </a:r>
-            <a:r>
-              <a:rPr lang="en-US" altLang="zh-CN" sz="2400" dirty="0">
-                <a:solidFill>
-                  <a:schemeClr val="tx1"/>
-                </a:solidFill>
-                <a:latin typeface="+mn-ea"/>
-                <a:cs typeface="Times New Roman" panose="02020603050405020304" pitchFamily="18" charset="0"/>
-              </a:rPr>
-              <a:t>Geohash </a:t>
-            </a:r>
-            <a:r>
-              <a:rPr lang="zh-CN" altLang="en-US" sz="2400" dirty="0">
-                <a:solidFill>
-                  <a:schemeClr val="tx1"/>
-                </a:solidFill>
-                <a:latin typeface="+mn-ea"/>
-                <a:cs typeface="Times New Roman" panose="02020603050405020304" pitchFamily="18" charset="0"/>
-              </a:rPr>
-              <a:t>编码前缀为 </a:t>
-            </a:r>
-            <a:r>
-              <a:rPr lang="en-US" altLang="zh-CN" sz="2400" dirty="0">
-                <a:solidFill>
-                  <a:schemeClr val="tx1"/>
-                </a:solidFill>
-                <a:latin typeface="+mn-ea"/>
-                <a:cs typeface="Times New Roman" panose="02020603050405020304" pitchFamily="18" charset="0"/>
-              </a:rPr>
-              <a:t>w11 </a:t>
-            </a:r>
-            <a:r>
-              <a:rPr lang="zh-CN" altLang="en-US" sz="2400" dirty="0">
-                <a:solidFill>
-                  <a:schemeClr val="tx1"/>
-                </a:solidFill>
-                <a:latin typeface="+mn-ea"/>
-                <a:cs typeface="Times New Roman" panose="02020603050405020304" pitchFamily="18" charset="0"/>
-              </a:rPr>
-              <a:t>的区域和 </a:t>
-            </a:r>
-            <a:r>
-              <a:rPr lang="en-US" altLang="zh-CN" sz="2400" dirty="0">
-                <a:solidFill>
-                  <a:schemeClr val="tx1"/>
-                </a:solidFill>
-                <a:latin typeface="+mn-ea"/>
-                <a:cs typeface="Times New Roman" panose="02020603050405020304" pitchFamily="18" charset="0"/>
-              </a:rPr>
-              <a:t>w12 </a:t>
-            </a:r>
-            <a:r>
-              <a:rPr lang="zh-CN" altLang="en-US" sz="2400" dirty="0">
-                <a:solidFill>
-                  <a:schemeClr val="tx1"/>
-                </a:solidFill>
-                <a:latin typeface="+mn-ea"/>
-                <a:cs typeface="Times New Roman" panose="02020603050405020304" pitchFamily="18" charset="0"/>
-              </a:rPr>
-              <a:t>的区域。</a:t>
-            </a:r>
-            <a:endParaRPr lang="en-US" altLang="zh-CN" sz="2400" dirty="0">
+              <a:t>；</a:t>
+            </a:r>
+            <a:endParaRPr lang="en-US" altLang="zh-CN" sz="2000" dirty="0">
               <a:solidFill>
                 <a:schemeClr val="tx1"/>
               </a:solidFill>
@@ -7905,37 +9431,37 @@
               </a:lnSpc>
             </a:pPr>
             <a:r>
-              <a:rPr lang="zh-CN" altLang="en-US" sz="2400" dirty="0">
+              <a:rPr lang="zh-CN" altLang="en-US" sz="2000" dirty="0">
                 <a:solidFill>
                   <a:schemeClr val="tx1"/>
                 </a:solidFill>
                 <a:latin typeface="+mn-ea"/>
                 <a:cs typeface="Times New Roman" panose="02020603050405020304" pitchFamily="18" charset="0"/>
               </a:rPr>
-              <a:t>在 </a:t>
-            </a:r>
-            <a:r>
-              <a:rPr lang="en-US" altLang="zh-CN" sz="2400" dirty="0">
+              <a:t>希望模拟在账户位置进行从 </a:t>
+            </a:r>
+            <a:r>
+              <a:rPr lang="en-US" altLang="zh-CN" sz="2000" dirty="0">
                 <a:solidFill>
                   <a:schemeClr val="tx1"/>
                 </a:solidFill>
                 <a:latin typeface="+mn-ea"/>
                 <a:cs typeface="Times New Roman" panose="02020603050405020304" pitchFamily="18" charset="0"/>
               </a:rPr>
-              <a:t>w11</a:t>
-            </a:r>
-            <a:r>
-              <a:rPr lang="zh-CN" altLang="en-US" sz="2400" dirty="0">
+              <a:t>w11 </a:t>
+            </a:r>
+            <a:r>
+              <a:rPr lang="zh-CN" altLang="en-US" sz="2000" dirty="0">
                 <a:solidFill>
                   <a:schemeClr val="tx1"/>
                 </a:solidFill>
                 <a:latin typeface="+mn-ea"/>
                 <a:cs typeface="Times New Roman" panose="02020603050405020304" pitchFamily="18" charset="0"/>
               </a:rPr>
-              <a:t>、</a:t>
-            </a:r>
-            <a:r>
-              <a:rPr lang="en-US" altLang="zh-CN" sz="2400" dirty="0">
+              <a:t>到 </a:t>
+            </a:r>
+            <a:r>
+              <a:rPr lang="en-US" altLang="zh-CN" sz="2000" dirty="0">
                 <a:solidFill>
                   <a:schemeClr val="tx1"/>
                 </a:solidFill>
@@ -7945,171 +9471,7 @@
               <a:t>w12 </a:t>
             </a:r>
             <a:r>
-              <a:rPr lang="zh-CN" altLang="en-US" sz="2400" dirty="0">
-                <a:solidFill>
-                  <a:schemeClr val="tx1"/>
-                </a:solidFill>
-                <a:latin typeface="+mn-ea"/>
-                <a:cs typeface="Times New Roman" panose="02020603050405020304" pitchFamily="18" charset="0"/>
-              </a:rPr>
-              <a:t>的两条链中初始化相同的账户，各包含三个预分配账户以及 </a:t>
-            </a:r>
-            <a:r>
-              <a:rPr lang="en-US" altLang="zh-CN" sz="2400" dirty="0">
-                <a:solidFill>
-                  <a:schemeClr val="tx1"/>
-                </a:solidFill>
-                <a:latin typeface="+mn-ea"/>
-                <a:cs typeface="Times New Roman" panose="02020603050405020304" pitchFamily="18" charset="0"/>
-              </a:rPr>
-              <a:t>10 </a:t>
-            </a:r>
-            <a:r>
-              <a:rPr lang="zh-CN" altLang="en-US" sz="2400" dirty="0">
-                <a:solidFill>
-                  <a:schemeClr val="tx1"/>
-                </a:solidFill>
-                <a:latin typeface="+mn-ea"/>
-                <a:cs typeface="Times New Roman" panose="02020603050405020304" pitchFamily="18" charset="0"/>
-              </a:rPr>
-              <a:t>个普通账户，实验设计对于 </a:t>
-            </a:r>
-            <a:r>
-              <a:rPr lang="en-US" altLang="zh-CN" sz="2400" dirty="0">
-                <a:solidFill>
-                  <a:schemeClr val="tx1"/>
-                </a:solidFill>
-                <a:latin typeface="+mn-ea"/>
-                <a:cs typeface="Times New Roman" panose="02020603050405020304" pitchFamily="18" charset="0"/>
-              </a:rPr>
-              <a:t>w11 </a:t>
-            </a:r>
-            <a:r>
-              <a:rPr lang="zh-CN" altLang="en-US" sz="2400" dirty="0">
-                <a:solidFill>
-                  <a:schemeClr val="tx1"/>
-                </a:solidFill>
-                <a:latin typeface="+mn-ea"/>
-                <a:cs typeface="Times New Roman" panose="02020603050405020304" pitchFamily="18" charset="0"/>
-              </a:rPr>
-              <a:t>链中的普通账户，初始均分配有 </a:t>
-            </a:r>
-            <a:r>
-              <a:rPr lang="en-US" altLang="zh-CN" sz="2400" dirty="0">
-                <a:solidFill>
-                  <a:schemeClr val="tx1"/>
-                </a:solidFill>
-                <a:latin typeface="+mn-ea"/>
-                <a:cs typeface="Times New Roman" panose="02020603050405020304" pitchFamily="18" charset="0"/>
-              </a:rPr>
-              <a:t>10000 </a:t>
-            </a:r>
-            <a:r>
-              <a:rPr lang="zh-CN" altLang="en-US" sz="2400" dirty="0">
-                <a:solidFill>
-                  <a:schemeClr val="tx1"/>
-                </a:solidFill>
-                <a:latin typeface="+mn-ea"/>
-                <a:cs typeface="Times New Roman" panose="02020603050405020304" pitchFamily="18" charset="0"/>
-              </a:rPr>
-              <a:t>单位的初始资产，</a:t>
-            </a:r>
-            <a:r>
-              <a:rPr lang="en-US" altLang="zh-CN" sz="2400" dirty="0">
-                <a:solidFill>
-                  <a:schemeClr val="tx1"/>
-                </a:solidFill>
-                <a:latin typeface="+mn-ea"/>
-                <a:cs typeface="Times New Roman" panose="02020603050405020304" pitchFamily="18" charset="0"/>
-              </a:rPr>
-              <a:t>w12</a:t>
-            </a:r>
-            <a:r>
-              <a:rPr lang="zh-CN" altLang="en-US" sz="2400" dirty="0">
-                <a:solidFill>
-                  <a:schemeClr val="tx1"/>
-                </a:solidFill>
-                <a:latin typeface="+mn-ea"/>
-                <a:cs typeface="Times New Roman" panose="02020603050405020304" pitchFamily="18" charset="0"/>
-              </a:rPr>
-              <a:t>链中的普通账户，则初始资产均为 </a:t>
-            </a:r>
-            <a:r>
-              <a:rPr lang="en-US" altLang="zh-CN" sz="2400" dirty="0">
-                <a:solidFill>
-                  <a:schemeClr val="tx1"/>
-                </a:solidFill>
-                <a:latin typeface="+mn-ea"/>
-                <a:cs typeface="Times New Roman" panose="02020603050405020304" pitchFamily="18" charset="0"/>
-              </a:rPr>
-              <a:t>0</a:t>
-            </a:r>
-            <a:r>
-              <a:rPr lang="zh-CN" altLang="en-US" sz="2400" dirty="0">
-                <a:solidFill>
-                  <a:schemeClr val="tx1"/>
-                </a:solidFill>
-                <a:latin typeface="+mn-ea"/>
-                <a:cs typeface="Times New Roman" panose="02020603050405020304" pitchFamily="18" charset="0"/>
-              </a:rPr>
-              <a:t>；</a:t>
-            </a:r>
-            <a:endParaRPr lang="en-US" altLang="zh-CN" sz="2400" dirty="0">
-              <a:solidFill>
-                <a:schemeClr val="tx1"/>
-              </a:solidFill>
-              <a:latin typeface="+mn-ea"/>
-              <a:cs typeface="Times New Roman" panose="02020603050405020304" pitchFamily="18" charset="0"/>
-            </a:endParaRPr>
-          </a:p>
-          <a:p>
-            <a:pPr>
-              <a:lnSpc>
-                <a:spcPct val="150000"/>
-              </a:lnSpc>
-            </a:pPr>
-            <a:r>
-              <a:rPr lang="zh-CN" altLang="en-US" sz="2400" dirty="0">
-                <a:solidFill>
-                  <a:schemeClr val="tx1"/>
-                </a:solidFill>
-                <a:latin typeface="+mn-ea"/>
-                <a:cs typeface="Times New Roman" panose="02020603050405020304" pitchFamily="18" charset="0"/>
-              </a:rPr>
-              <a:t>希望模拟在账户位置进行从 </a:t>
-            </a:r>
-            <a:r>
-              <a:rPr lang="en-US" altLang="zh-CN" sz="2400" dirty="0">
-                <a:solidFill>
-                  <a:schemeClr val="tx1"/>
-                </a:solidFill>
-                <a:latin typeface="+mn-ea"/>
-                <a:cs typeface="Times New Roman" panose="02020603050405020304" pitchFamily="18" charset="0"/>
-              </a:rPr>
-              <a:t>w11 </a:t>
-            </a:r>
-            <a:r>
-              <a:rPr lang="zh-CN" altLang="en-US" sz="2400" dirty="0">
-                <a:solidFill>
-                  <a:schemeClr val="tx1"/>
-                </a:solidFill>
-                <a:latin typeface="+mn-ea"/>
-                <a:cs typeface="Times New Roman" panose="02020603050405020304" pitchFamily="18" charset="0"/>
-              </a:rPr>
-              <a:t>到 </a:t>
-            </a:r>
-            <a:r>
-              <a:rPr lang="en-US" altLang="zh-CN" sz="2400" dirty="0">
-                <a:solidFill>
-                  <a:schemeClr val="tx1"/>
-                </a:solidFill>
-                <a:latin typeface="+mn-ea"/>
-                <a:cs typeface="Times New Roman" panose="02020603050405020304" pitchFamily="18" charset="0"/>
-              </a:rPr>
-              <a:t>w12 </a:t>
-            </a:r>
-            <a:r>
-              <a:rPr lang="zh-CN" altLang="en-US" sz="2400" dirty="0">
+              <a:rPr lang="zh-CN" altLang="en-US" sz="2000" dirty="0">
                 <a:solidFill>
                   <a:schemeClr val="tx1"/>
                 </a:solidFill>
@@ -8118,7 +9480,7 @@
               </a:rPr>
               <a:t>的移动时，所进行的资产转移实验。</a:t>
             </a:r>
-            <a:endParaRPr lang="en-US" altLang="zh-CN" sz="2400" dirty="0">
+            <a:endParaRPr lang="en-US" altLang="zh-CN" sz="2000" dirty="0">
               <a:solidFill>
                 <a:schemeClr val="tx1"/>
               </a:solidFill>
@@ -8184,7 +9546,7 @@
           <p:nvPr/>
         </p:nvPicPr>
         <p:blipFill rotWithShape="1">
-          <a:blip r:embed="rId2"/>
+          <a:blip r:embed="rId3"/>
           <a:srcRect t="5237" r="2072"/>
           <a:stretch/>
         </p:blipFill>
@@ -8213,7 +9575,7 @@
           <p:nvPr/>
         </p:nvPicPr>
         <p:blipFill>
-          <a:blip r:embed="rId3">
+          <a:blip r:embed="rId4">
             <a:extLst>
               <a:ext uri="{28A0092B-C50C-407E-A947-70E740481C1C}">
                 <a14:useLocalDpi xmlns:a14="http://schemas.microsoft.com/office/drawing/2010/main" val="0"/>
@@ -8301,6 +9663,35 @@
               <a:latin typeface="Times New Roman" panose="02020603050405020304" pitchFamily="18" charset="0"/>
               <a:cs typeface="Times New Roman" panose="02020603050405020304" pitchFamily="18" charset="0"/>
             </a:endParaRPr>
+          </a:p>
+        </p:txBody>
+      </p:sp>
+      <p:sp>
+        <p:nvSpPr>
+          <p:cNvPr id="2" name="灯片编号占位符 1">
+            <a:extLst>
+              <a:ext uri="{FF2B5EF4-FFF2-40B4-BE49-F238E27FC236}">
+                <a16:creationId xmlns:a16="http://schemas.microsoft.com/office/drawing/2014/main" id="{2A6152BB-185A-9A46-D901-2142B242726A}"/>
+              </a:ext>
+            </a:extLst>
+          </p:cNvPr>
+          <p:cNvSpPr>
+            <a:spLocks noGrp="1"/>
+          </p:cNvSpPr>
+          <p:nvPr>
+            <p:ph type="sldNum" sz="quarter" idx="12"/>
+          </p:nvPr>
+        </p:nvSpPr>
+        <p:spPr/>
+        <p:txBody>
+          <a:bodyPr/>
+          <a:lstStyle/>
+          <a:p>
+            <a:fld id="{977BA8E6-E826-B147-AA17-E3D76A29629C}" type="slidenum">
+              <a:rPr kumimoji="1" lang="zh-CN" altLang="en-US" smtClean="0"/>
+              <a:t>19</a:t>
+            </a:fld>
+            <a:endParaRPr kumimoji="1" lang="zh-CN" altLang="en-US"/>
           </a:p>
         </p:txBody>
       </p:sp>
@@ -8437,6 +9828,40 @@
           </a:p>
         </p:txBody>
       </p:sp>
+      <p:sp>
+        <p:nvSpPr>
+          <p:cNvPr id="4" name="灯片编号占位符 3">
+            <a:extLst>
+              <a:ext uri="{FF2B5EF4-FFF2-40B4-BE49-F238E27FC236}">
+                <a16:creationId xmlns:a16="http://schemas.microsoft.com/office/drawing/2014/main" id="{CDF960E3-D9F0-FC9D-4FC7-DB646BB160C0}"/>
+              </a:ext>
+            </a:extLst>
+          </p:cNvPr>
+          <p:cNvSpPr>
+            <a:spLocks noGrp="1"/>
+          </p:cNvSpPr>
+          <p:nvPr>
+            <p:ph type="sldNum" sz="quarter" idx="12"/>
+          </p:nvPr>
+        </p:nvSpPr>
+        <p:spPr>
+          <a:xfrm>
+            <a:off x="10309530" y="5597317"/>
+            <a:ext cx="1052508" cy="365125"/>
+          </a:xfrm>
+        </p:spPr>
+        <p:txBody>
+          <a:bodyPr/>
+          <a:lstStyle/>
+          <a:p>
+            <a:fld id="{977BA8E6-E826-B147-AA17-E3D76A29629C}" type="slidenum">
+              <a:rPr kumimoji="1" lang="zh-CN" altLang="en-US" smtClean="0"/>
+              <a:t>2</a:t>
+            </a:fld>
+            <a:endParaRPr kumimoji="1" lang="zh-CN" altLang="en-US" dirty="0"/>
+          </a:p>
+        </p:txBody>
+      </p:sp>
     </p:spTree>
     <p:extLst>
       <p:ext uri="{BB962C8B-B14F-4D97-AF65-F5344CB8AC3E}">
@@ -8528,13 +9953,13 @@
         </p:nvSpPr>
         <p:spPr>
           <a:xfrm>
-            <a:off x="833377" y="1763486"/>
-            <a:ext cx="10521387" cy="4095315"/>
+            <a:off x="835306" y="1487821"/>
+            <a:ext cx="10521387" cy="4776755"/>
           </a:xfrm>
         </p:spPr>
         <p:txBody>
           <a:bodyPr>
-            <a:normAutofit/>
+            <a:normAutofit fontScale="92500" lnSpcReduction="10000"/>
           </a:bodyPr>
           <a:lstStyle/>
           <a:p>
@@ -8544,20 +9969,45 @@
               </a:lnSpc>
             </a:pPr>
             <a:r>
+              <a:rPr lang="en-US" altLang="zh-CN" sz="2000" dirty="0"/>
+              <a:t>1.</a:t>
+            </a:r>
+            <a:r>
+              <a:rPr lang="zh-CN" altLang="en-US" sz="2000" dirty="0"/>
+              <a:t>跨区域资产转移请求交易事件</a:t>
+            </a:r>
+            <a:r>
+              <a:rPr lang="en-US" altLang="zh-CN" sz="2000" dirty="0" err="1"/>
+              <a:t>Tx_request</a:t>
+            </a:r>
+            <a:r>
+              <a:rPr lang="zh-CN" altLang="en-US" sz="2000" dirty="0"/>
+              <a:t>：</a:t>
+            </a:r>
+            <a:endParaRPr lang="en-US" altLang="zh-CN" sz="2000" dirty="0"/>
+          </a:p>
+          <a:p>
+            <a:pPr marL="0" indent="0">
+              <a:lnSpc>
+                <a:spcPct val="150000"/>
+              </a:lnSpc>
+              <a:buNone/>
+            </a:pPr>
+            <a:r>
+              <a:rPr lang="en-US" altLang="zh-CN" sz="2000" dirty="0"/>
+              <a:t>	</a:t>
+            </a:r>
+            <a:r>
+              <a:rPr lang="zh-CN" altLang="en-US" dirty="0"/>
+              <a:t>待转账账户在新进入一个子链后，需要待转入账户主动向父链的资产管理账户发起跨区域资产转移请求</a:t>
+            </a:r>
+            <a:r>
               <a:rPr lang="en-US" altLang="zh-CN" dirty="0"/>
-              <a:t>1.</a:t>
+              <a:t>	</a:t>
             </a:r>
             <a:r>
               <a:rPr lang="zh-CN" altLang="en-US" dirty="0"/>
-              <a:t>跨区域产转移请求交易事件</a:t>
-            </a:r>
-            <a:r>
-              <a:rPr lang="en-US" altLang="zh-CN" dirty="0" err="1"/>
-              <a:t>Tx_request</a:t>
-            </a:r>
-            <a:r>
-              <a:rPr lang="zh-CN" altLang="en-US" dirty="0"/>
-              <a:t>。待转账账户在新进入一个子链后，需要待转入账户主动向父链的资产管理账户发起跨区域资产转移请求交易 </a:t>
+              <a:t>交易 </a:t>
             </a:r>
             <a:endParaRPr lang="en-US" altLang="zh-CN" dirty="0"/>
           </a:p>
@@ -8568,20 +10018,37 @@
               </a:lnSpc>
             </a:pPr>
             <a:r>
+              <a:rPr lang="en-US" altLang="zh-CN" sz="2000" dirty="0"/>
+              <a:t>2. </a:t>
+            </a:r>
+            <a:r>
+              <a:rPr lang="zh-CN" altLang="en-US" sz="2000" dirty="0"/>
+              <a:t>资产转出交易事件</a:t>
+            </a:r>
+            <a:r>
+              <a:rPr lang="en-US" altLang="zh-CN" sz="2000" dirty="0" err="1"/>
+              <a:t>Tx_out</a:t>
+            </a:r>
+            <a:r>
+              <a:rPr lang="zh-CN" altLang="en-US" sz="2000" dirty="0"/>
+              <a:t>：</a:t>
+            </a:r>
+            <a:endParaRPr lang="en-US" altLang="zh-CN" sz="2000" dirty="0"/>
+          </a:p>
+          <a:p>
+            <a:pPr marL="0" indent="0">
+              <a:lnSpc>
+                <a:spcPct val="150000"/>
+              </a:lnSpc>
+              <a:buNone/>
+            </a:pPr>
+            <a:r>
               <a:rPr lang="en-US" altLang="zh-CN" dirty="0"/>
-              <a:t>2. </a:t>
+              <a:t>	</a:t>
             </a:r>
             <a:r>
               <a:rPr lang="zh-CN" altLang="en-US" dirty="0"/>
-              <a:t>资产转出交易事件</a:t>
-            </a:r>
-            <a:r>
-              <a:rPr lang="en-US" altLang="zh-CN" dirty="0" err="1"/>
-              <a:t>Tx_out</a:t>
-            </a:r>
-            <a:r>
-              <a:rPr lang="zh-CN" altLang="en-US" dirty="0"/>
-              <a:t>。账户来源链需要向父链的资产管理账户发出资产转出交易</a:t>
+              <a:t>账户来源链需要向父链的资产管理账户发出资产转出交易</a:t>
             </a:r>
             <a:endParaRPr lang="en-US" altLang="zh-CN" dirty="0"/>
           </a:p>
@@ -8592,20 +10059,37 @@
               </a:lnSpc>
             </a:pPr>
             <a:r>
-              <a:rPr lang="en-US" altLang="zh-CN" dirty="0"/>
+              <a:rPr lang="en-US" altLang="zh-CN" sz="2000" dirty="0"/>
               <a:t>3. </a:t>
             </a:r>
             <a:r>
+              <a:rPr lang="zh-CN" altLang="en-US" sz="2000" dirty="0"/>
+              <a:t>资产转入交易事件</a:t>
+            </a:r>
+            <a:r>
+              <a:rPr lang="en-US" altLang="zh-CN" sz="2000" dirty="0" err="1"/>
+              <a:t>Tx_in</a:t>
+            </a:r>
+            <a:r>
+              <a:rPr lang="zh-CN" altLang="en-US" sz="2000" dirty="0"/>
+              <a:t>：</a:t>
+            </a:r>
+            <a:endParaRPr lang="en-US" altLang="zh-CN" sz="2000" dirty="0"/>
+          </a:p>
+          <a:p>
+            <a:pPr marL="0" indent="0">
+              <a:lnSpc>
+                <a:spcPct val="150000"/>
+              </a:lnSpc>
+              <a:buNone/>
+            </a:pPr>
+            <a:r>
+              <a:rPr lang="en-US" altLang="zh-CN" sz="2000" dirty="0"/>
+              <a:t>	</a:t>
+            </a:r>
+            <a:r>
               <a:rPr lang="zh-CN" altLang="en-US" dirty="0"/>
-              <a:t>资产转入交易事件</a:t>
-            </a:r>
-            <a:r>
-              <a:rPr lang="en-US" altLang="zh-CN" dirty="0" err="1"/>
-              <a:t>Tx_in</a:t>
-            </a:r>
-            <a:r>
-              <a:rPr lang="zh-CN" altLang="en-US" dirty="0"/>
-              <a:t>。在上一步验证成功之后，在新的目标链中，由资产管理账户向该账户发送资产转入交易</a:t>
+              <a:t>在上一步验证成功之后，在新的目标链中，由资产管理账户向该账户发送资产转入交易</a:t>
             </a:r>
             <a:endParaRPr lang="en-US" altLang="zh-CN" dirty="0"/>
           </a:p>
@@ -8616,21 +10100,67 @@
               </a:lnSpc>
             </a:pPr>
             <a:r>
-              <a:rPr lang="en-US" altLang="zh-CN" dirty="0"/>
+              <a:rPr lang="en-US" altLang="zh-CN" sz="2000" dirty="0"/>
               <a:t>4. </a:t>
             </a:r>
             <a:r>
+              <a:rPr lang="zh-CN" altLang="en-US" sz="2000" dirty="0"/>
+              <a:t>资产转移状态记录事件</a:t>
+            </a:r>
+            <a:r>
+              <a:rPr lang="en-US" altLang="zh-CN" sz="2000" dirty="0" err="1"/>
+              <a:t>Tx_result</a:t>
+            </a:r>
+            <a:r>
+              <a:rPr lang="zh-CN" altLang="en-US" sz="2000" dirty="0"/>
+              <a:t>：</a:t>
+            </a:r>
+            <a:endParaRPr lang="en-US" altLang="zh-CN" sz="2000" dirty="0"/>
+          </a:p>
+          <a:p>
+            <a:pPr marL="0" indent="0">
+              <a:lnSpc>
+                <a:spcPct val="150000"/>
+              </a:lnSpc>
+              <a:buNone/>
+            </a:pPr>
+            <a:r>
+              <a:rPr lang="en-US" altLang="zh-CN" sz="2000" dirty="0"/>
+              <a:t>	</a:t>
+            </a:r>
+            <a:r>
               <a:rPr lang="zh-CN" altLang="en-US" dirty="0"/>
-              <a:t>资产转移状态记录事件</a:t>
-            </a:r>
-            <a:r>
-              <a:rPr lang="en-US" altLang="zh-CN" dirty="0" err="1"/>
-              <a:t>Tx_result</a:t>
-            </a:r>
-            <a:r>
-              <a:rPr lang="zh-CN" altLang="en-US" dirty="0"/>
-              <a:t>。若成功完成上述资产转移过程，则此时，在来源链中由资产管理账户向该账户发送交易记录</a:t>
-            </a:r>
+              <a:t>若成功完成上述资产转移过程，则此时，在来源链中由资产管理账户向该账户发送交易记录</a:t>
+            </a:r>
+          </a:p>
+        </p:txBody>
+      </p:sp>
+      <p:sp>
+        <p:nvSpPr>
+          <p:cNvPr id="2" name="灯片编号占位符 1">
+            <a:extLst>
+              <a:ext uri="{FF2B5EF4-FFF2-40B4-BE49-F238E27FC236}">
+                <a16:creationId xmlns:a16="http://schemas.microsoft.com/office/drawing/2014/main" id="{C8E83039-6B0C-7914-CDA9-FA679459E347}"/>
+              </a:ext>
+            </a:extLst>
+          </p:cNvPr>
+          <p:cNvSpPr>
+            <a:spLocks noGrp="1"/>
+          </p:cNvSpPr>
+          <p:nvPr>
+            <p:ph type="sldNum" sz="quarter" idx="12"/>
+          </p:nvPr>
+        </p:nvSpPr>
+        <p:spPr/>
+        <p:txBody>
+          <a:bodyPr/>
+          <a:lstStyle/>
+          <a:p>
+            <a:fld id="{977BA8E6-E826-B147-AA17-E3D76A29629C}" type="slidenum">
+              <a:rPr kumimoji="1" lang="zh-CN" altLang="en-US" smtClean="0"/>
+              <a:t>20</a:t>
+            </a:fld>
+            <a:endParaRPr kumimoji="1" lang="zh-CN" altLang="en-US"/>
           </a:p>
         </p:txBody>
       </p:sp>
@@ -8792,6 +10322,35 @@
           </a:p>
         </p:txBody>
       </p:sp>
+      <p:sp>
+        <p:nvSpPr>
+          <p:cNvPr id="2" name="灯片编号占位符 1">
+            <a:extLst>
+              <a:ext uri="{FF2B5EF4-FFF2-40B4-BE49-F238E27FC236}">
+                <a16:creationId xmlns:a16="http://schemas.microsoft.com/office/drawing/2014/main" id="{49AD7E35-B582-7742-4D69-1F35A5B1197E}"/>
+              </a:ext>
+            </a:extLst>
+          </p:cNvPr>
+          <p:cNvSpPr>
+            <a:spLocks noGrp="1"/>
+          </p:cNvSpPr>
+          <p:nvPr>
+            <p:ph type="sldNum" sz="quarter" idx="12"/>
+          </p:nvPr>
+        </p:nvSpPr>
+        <p:spPr/>
+        <p:txBody>
+          <a:bodyPr/>
+          <a:lstStyle/>
+          <a:p>
+            <a:fld id="{977BA8E6-E826-B147-AA17-E3D76A29629C}" type="slidenum">
+              <a:rPr kumimoji="1" lang="zh-CN" altLang="en-US" smtClean="0"/>
+              <a:t>21</a:t>
+            </a:fld>
+            <a:endParaRPr kumimoji="1" lang="zh-CN" altLang="en-US"/>
+          </a:p>
+        </p:txBody>
+      </p:sp>
     </p:spTree>
     <p:extLst>
       <p:ext uri="{BB962C8B-B14F-4D97-AF65-F5344CB8AC3E}">
@@ -8920,7 +10479,7 @@
               <a:rPr lang="zh-CN" altLang="en-US" sz="7200" dirty="0">
                 <a:latin typeface="+mn-ea"/>
               </a:rPr>
-              <a:t>账户所消耗的时间与账户的数目大致呈线性正相关。从原理实现的角度来看，树状区块链的分支区块在处理跨链资产转移请求时，需要串行的处理并验证转账过程中相互通信的交易信息，由于跨链资产转移操作的通信过程所发送的交易信息有着严格的先后顺序，因此整个过程对外可以大致认为是一个原子性操作。</a:t>
+              <a:t>账户所消耗的时间与账户的数目大致呈线性正相关。树状区块链的分支区块在处理跨链资产转移请求时，需要串行的处理并验证转账过程中相互通信的交易信息，由于跨链资产转移操作的通信过程所发送的交易信息有着严格的先后顺序，因此整个过程对外可以大致认为是一个原子性操作。</a:t>
             </a:r>
             <a:endParaRPr lang="en-US" altLang="zh-CN" sz="2200" dirty="0">
               <a:latin typeface="+mn-ea"/>
@@ -8988,7 +10547,7 @@
           <p:nvPr/>
         </p:nvPicPr>
         <p:blipFill>
-          <a:blip r:embed="rId2">
+          <a:blip r:embed="rId3">
             <a:extLst>
               <a:ext uri="{28A0092B-C50C-407E-A947-70E740481C1C}">
                 <a14:useLocalDpi xmlns:a14="http://schemas.microsoft.com/office/drawing/2010/main" val="0"/>
@@ -9009,6 +10568,35 @@
           </a:prstGeom>
         </p:spPr>
       </p:pic>
+      <p:sp>
+        <p:nvSpPr>
+          <p:cNvPr id="2" name="灯片编号占位符 1">
+            <a:extLst>
+              <a:ext uri="{FF2B5EF4-FFF2-40B4-BE49-F238E27FC236}">
+                <a16:creationId xmlns:a16="http://schemas.microsoft.com/office/drawing/2014/main" id="{6C87D5AB-C0AA-F84D-02EC-5AF4D1013BF2}"/>
+              </a:ext>
+            </a:extLst>
+          </p:cNvPr>
+          <p:cNvSpPr>
+            <a:spLocks noGrp="1"/>
+          </p:cNvSpPr>
+          <p:nvPr>
+            <p:ph type="sldNum" sz="quarter" idx="12"/>
+          </p:nvPr>
+        </p:nvSpPr>
+        <p:spPr/>
+        <p:txBody>
+          <a:bodyPr/>
+          <a:lstStyle/>
+          <a:p>
+            <a:fld id="{977BA8E6-E826-B147-AA17-E3D76A29629C}" type="slidenum">
+              <a:rPr kumimoji="1" lang="zh-CN" altLang="en-US" smtClean="0"/>
+              <a:t>22</a:t>
+            </a:fld>
+            <a:endParaRPr kumimoji="1" lang="zh-CN" altLang="en-US"/>
+          </a:p>
+        </p:txBody>
+      </p:sp>
     </p:spTree>
     <p:extLst>
       <p:ext uri="{BB962C8B-B14F-4D97-AF65-F5344CB8AC3E}">
@@ -9097,6 +10685,35 @@
           <a:lstStyle/>
           <a:p>
             <a:endParaRPr lang="zh-CN" altLang="en-US" dirty="0"/>
+          </a:p>
+        </p:txBody>
+      </p:sp>
+      <p:sp>
+        <p:nvSpPr>
+          <p:cNvPr id="3" name="灯片编号占位符 2">
+            <a:extLst>
+              <a:ext uri="{FF2B5EF4-FFF2-40B4-BE49-F238E27FC236}">
+                <a16:creationId xmlns:a16="http://schemas.microsoft.com/office/drawing/2014/main" id="{CA4FD147-E43D-2CC7-E718-CA0B920FAF35}"/>
+              </a:ext>
+            </a:extLst>
+          </p:cNvPr>
+          <p:cNvSpPr>
+            <a:spLocks noGrp="1"/>
+          </p:cNvSpPr>
+          <p:nvPr>
+            <p:ph type="sldNum" sz="quarter" idx="12"/>
+          </p:nvPr>
+        </p:nvSpPr>
+        <p:spPr/>
+        <p:txBody>
+          <a:bodyPr/>
+          <a:lstStyle/>
+          <a:p>
+            <a:fld id="{977BA8E6-E826-B147-AA17-E3D76A29629C}" type="slidenum">
+              <a:rPr kumimoji="1" lang="zh-CN" altLang="en-US" smtClean="0"/>
+              <a:t>23</a:t>
+            </a:fld>
+            <a:endParaRPr kumimoji="1" lang="zh-CN" altLang="en-US"/>
           </a:p>
         </p:txBody>
       </p:sp>
@@ -9171,7 +10788,7 @@
                 <a:latin typeface="+mn-ea"/>
                 <a:cs typeface="Times New Roman" panose="02020603050405020304" pitchFamily="18" charset="0"/>
               </a:rPr>
-              <a:t>在之前的测试中，相互匹配的乘客与车辆账户均处于树状区块链的同一条子链当中，所有的搜索，导航，以及付款交易的操作均是在一条子链中完成；事实上这并不符合实际应用场景，本章的内容主要就是围绕如何实现出租车调度系统的跨区域（跨子链）交易来展开。</a:t>
+              <a:t>在之前的测试中，相互匹配的乘客与车辆账户均处于树状区块链的同一条子链当中，所有的搜索，导航，以及付款交易的操作均是在一条子链中完成；事实上这并不符合实际应用场景。</a:t>
             </a:r>
             <a:endParaRPr lang="en-US" altLang="zh-CN" sz="2400" dirty="0">
               <a:solidFill>
@@ -9243,6 +10860,35 @@
               <a:t>实验说明</a:t>
             </a:r>
             <a:endParaRPr lang="zh-CN" altLang="en-US" dirty="0"/>
+          </a:p>
+        </p:txBody>
+      </p:sp>
+      <p:sp>
+        <p:nvSpPr>
+          <p:cNvPr id="2" name="灯片编号占位符 1">
+            <a:extLst>
+              <a:ext uri="{FF2B5EF4-FFF2-40B4-BE49-F238E27FC236}">
+                <a16:creationId xmlns:a16="http://schemas.microsoft.com/office/drawing/2014/main" id="{4BC130CC-8500-4208-60AE-B42AED26F309}"/>
+              </a:ext>
+            </a:extLst>
+          </p:cNvPr>
+          <p:cNvSpPr>
+            <a:spLocks noGrp="1"/>
+          </p:cNvSpPr>
+          <p:nvPr>
+            <p:ph type="sldNum" sz="quarter" idx="12"/>
+          </p:nvPr>
+        </p:nvSpPr>
+        <p:spPr/>
+        <p:txBody>
+          <a:bodyPr/>
+          <a:lstStyle/>
+          <a:p>
+            <a:fld id="{977BA8E6-E826-B147-AA17-E3D76A29629C}" type="slidenum">
+              <a:rPr kumimoji="1" lang="zh-CN" altLang="en-US" smtClean="0"/>
+              <a:t>24</a:t>
+            </a:fld>
+            <a:endParaRPr kumimoji="1" lang="zh-CN" altLang="en-US"/>
           </a:p>
         </p:txBody>
       </p:sp>
@@ -9705,7 +11351,7 @@
           <p:nvPr/>
         </p:nvPicPr>
         <p:blipFill>
-          <a:blip r:embed="rId2">
+          <a:blip r:embed="rId3">
             <a:extLst>
               <a:ext uri="{28A0092B-C50C-407E-A947-70E740481C1C}">
                 <a14:useLocalDpi xmlns:a14="http://schemas.microsoft.com/office/drawing/2010/main" val="0"/>
@@ -9726,6 +11372,263 @@
           </a:prstGeom>
         </p:spPr>
       </p:pic>
+      <p:sp>
+        <p:nvSpPr>
+          <p:cNvPr id="2" name="灯片编号占位符 1">
+            <a:extLst>
+              <a:ext uri="{FF2B5EF4-FFF2-40B4-BE49-F238E27FC236}">
+                <a16:creationId xmlns:a16="http://schemas.microsoft.com/office/drawing/2014/main" id="{D8BC8E23-8EB5-7908-6A63-79DA1844F54B}"/>
+              </a:ext>
+            </a:extLst>
+          </p:cNvPr>
+          <p:cNvSpPr>
+            <a:spLocks noGrp="1"/>
+          </p:cNvSpPr>
+          <p:nvPr>
+            <p:ph type="sldNum" sz="quarter" idx="12"/>
+          </p:nvPr>
+        </p:nvSpPr>
+        <p:spPr/>
+        <p:txBody>
+          <a:bodyPr/>
+          <a:lstStyle/>
+          <a:p>
+            <a:fld id="{977BA8E6-E826-B147-AA17-E3D76A29629C}" type="slidenum">
+              <a:rPr kumimoji="1" lang="zh-CN" altLang="en-US" smtClean="0"/>
+              <a:t>25</a:t>
+            </a:fld>
+            <a:endParaRPr kumimoji="1" lang="zh-CN" altLang="en-US"/>
+          </a:p>
+        </p:txBody>
+      </p:sp>
+      <p:sp>
+        <p:nvSpPr>
+          <p:cNvPr id="5" name="矩形 4">
+            <a:extLst>
+              <a:ext uri="{FF2B5EF4-FFF2-40B4-BE49-F238E27FC236}">
+                <a16:creationId xmlns:a16="http://schemas.microsoft.com/office/drawing/2014/main" id="{9A31FB07-B458-B465-F6E9-D2D6FC635383}"/>
+              </a:ext>
+            </a:extLst>
+          </p:cNvPr>
+          <p:cNvSpPr/>
+          <p:nvPr/>
+        </p:nvSpPr>
+        <p:spPr>
+          <a:xfrm>
+            <a:off x="4215653" y="732866"/>
+            <a:ext cx="1035423" cy="571500"/>
+          </a:xfrm>
+          <a:prstGeom prst="rect">
+            <a:avLst/>
+          </a:prstGeom>
+          <a:noFill/>
+          <a:ln>
+            <a:solidFill>
+              <a:srgbClr val="FF0000"/>
+            </a:solidFill>
+          </a:ln>
+        </p:spPr>
+        <p:style>
+          <a:lnRef idx="2">
+            <a:schemeClr val="accent1">
+              <a:shade val="50000"/>
+            </a:schemeClr>
+          </a:lnRef>
+          <a:fillRef idx="1">
+            <a:schemeClr val="accent1"/>
+          </a:fillRef>
+          <a:effectRef idx="0">
+            <a:schemeClr val="accent1"/>
+          </a:effectRef>
+          <a:fontRef idx="minor">
+            <a:schemeClr val="lt1"/>
+          </a:fontRef>
+        </p:style>
+        <p:txBody>
+          <a:bodyPr rtlCol="0" anchor="ctr"/>
+          <a:lstStyle/>
+          <a:p>
+            <a:pPr algn="ctr"/>
+            <a:endParaRPr lang="zh-CN" altLang="en-US"/>
+          </a:p>
+        </p:txBody>
+      </p:sp>
+      <p:cxnSp>
+        <p:nvCxnSpPr>
+          <p:cNvPr id="12" name="连接符: 肘形 11">
+            <a:extLst>
+              <a:ext uri="{FF2B5EF4-FFF2-40B4-BE49-F238E27FC236}">
+                <a16:creationId xmlns:a16="http://schemas.microsoft.com/office/drawing/2014/main" id="{722B56B7-8C62-5C4F-A311-364E7FF80F12}"/>
+              </a:ext>
+            </a:extLst>
+          </p:cNvPr>
+          <p:cNvCxnSpPr>
+            <a:cxnSpLocks/>
+          </p:cNvCxnSpPr>
+          <p:nvPr/>
+        </p:nvCxnSpPr>
+        <p:spPr>
+          <a:xfrm flipV="1">
+            <a:off x="2868133" y="1443808"/>
+            <a:ext cx="4473961" cy="871677"/>
+          </a:xfrm>
+          <a:prstGeom prst="bentConnector3">
+            <a:avLst>
+              <a:gd name="adj1" fmla="val 56913"/>
+            </a:avLst>
+          </a:prstGeom>
+          <a:ln>
+            <a:solidFill>
+              <a:srgbClr val="FF0000"/>
+            </a:solidFill>
+          </a:ln>
+        </p:spPr>
+        <p:style>
+          <a:lnRef idx="1">
+            <a:schemeClr val="accent1"/>
+          </a:lnRef>
+          <a:fillRef idx="0">
+            <a:schemeClr val="accent1"/>
+          </a:fillRef>
+          <a:effectRef idx="0">
+            <a:schemeClr val="accent1"/>
+          </a:effectRef>
+          <a:fontRef idx="minor">
+            <a:schemeClr val="tx1"/>
+          </a:fontRef>
+        </p:style>
+      </p:cxnSp>
+      <p:cxnSp>
+        <p:nvCxnSpPr>
+          <p:cNvPr id="16" name="连接符: 肘形 15">
+            <a:extLst>
+              <a:ext uri="{FF2B5EF4-FFF2-40B4-BE49-F238E27FC236}">
+                <a16:creationId xmlns:a16="http://schemas.microsoft.com/office/drawing/2014/main" id="{FDD8D254-2323-6A15-5D2E-6D2B47C20226}"/>
+              </a:ext>
+            </a:extLst>
+          </p:cNvPr>
+          <p:cNvCxnSpPr>
+            <a:cxnSpLocks/>
+          </p:cNvCxnSpPr>
+          <p:nvPr/>
+        </p:nvCxnSpPr>
+        <p:spPr>
+          <a:xfrm flipV="1">
+            <a:off x="2868133" y="2746372"/>
+            <a:ext cx="4473961" cy="733445"/>
+          </a:xfrm>
+          <a:prstGeom prst="bentConnector3">
+            <a:avLst>
+              <a:gd name="adj1" fmla="val 66982"/>
+            </a:avLst>
+          </a:prstGeom>
+          <a:ln>
+            <a:solidFill>
+              <a:srgbClr val="FF0000"/>
+            </a:solidFill>
+          </a:ln>
+        </p:spPr>
+        <p:style>
+          <a:lnRef idx="1">
+            <a:schemeClr val="accent1"/>
+          </a:lnRef>
+          <a:fillRef idx="0">
+            <a:schemeClr val="accent1"/>
+          </a:fillRef>
+          <a:effectRef idx="0">
+            <a:schemeClr val="accent1"/>
+          </a:effectRef>
+          <a:fontRef idx="minor">
+            <a:schemeClr val="tx1"/>
+          </a:fontRef>
+        </p:style>
+      </p:cxnSp>
+      <p:cxnSp>
+        <p:nvCxnSpPr>
+          <p:cNvPr id="27" name="直接连接符 26">
+            <a:extLst>
+              <a:ext uri="{FF2B5EF4-FFF2-40B4-BE49-F238E27FC236}">
+                <a16:creationId xmlns:a16="http://schemas.microsoft.com/office/drawing/2014/main" id="{14B14B26-E1B7-0143-026F-2C05D2E9F840}"/>
+              </a:ext>
+            </a:extLst>
+          </p:cNvPr>
+          <p:cNvCxnSpPr>
+            <a:cxnSpLocks/>
+          </p:cNvCxnSpPr>
+          <p:nvPr/>
+        </p:nvCxnSpPr>
+        <p:spPr>
+          <a:xfrm>
+            <a:off x="2868133" y="2315485"/>
+            <a:ext cx="0" cy="1164332"/>
+          </a:xfrm>
+          <a:prstGeom prst="line">
+            <a:avLst/>
+          </a:prstGeom>
+          <a:ln>
+            <a:solidFill>
+              <a:srgbClr val="FF0000"/>
+            </a:solidFill>
+          </a:ln>
+        </p:spPr>
+        <p:style>
+          <a:lnRef idx="1">
+            <a:schemeClr val="accent1"/>
+          </a:lnRef>
+          <a:fillRef idx="0">
+            <a:schemeClr val="accent1"/>
+          </a:fillRef>
+          <a:effectRef idx="0">
+            <a:schemeClr val="accent1"/>
+          </a:effectRef>
+          <a:fontRef idx="minor">
+            <a:schemeClr val="tx1"/>
+          </a:fontRef>
+        </p:style>
+      </p:cxnSp>
+      <p:cxnSp>
+        <p:nvCxnSpPr>
+          <p:cNvPr id="29" name="直接连接符 28">
+            <a:extLst>
+              <a:ext uri="{FF2B5EF4-FFF2-40B4-BE49-F238E27FC236}">
+                <a16:creationId xmlns:a16="http://schemas.microsoft.com/office/drawing/2014/main" id="{AC0BB345-B4CE-B4CF-0C2D-93454769AEA9}"/>
+              </a:ext>
+            </a:extLst>
+          </p:cNvPr>
+          <p:cNvCxnSpPr>
+            <a:cxnSpLocks/>
+          </p:cNvCxnSpPr>
+          <p:nvPr/>
+        </p:nvCxnSpPr>
+        <p:spPr>
+          <a:xfrm>
+            <a:off x="7342094" y="1443808"/>
+            <a:ext cx="0" cy="1302564"/>
+          </a:xfrm>
+          <a:prstGeom prst="line">
+            <a:avLst/>
+          </a:prstGeom>
+          <a:ln>
+            <a:solidFill>
+              <a:srgbClr val="FF0000"/>
+            </a:solidFill>
+          </a:ln>
+        </p:spPr>
+        <p:style>
+          <a:lnRef idx="1">
+            <a:schemeClr val="accent1"/>
+          </a:lnRef>
+          <a:fillRef idx="0">
+            <a:schemeClr val="accent1"/>
+          </a:fillRef>
+          <a:effectRef idx="0">
+            <a:schemeClr val="accent1"/>
+          </a:effectRef>
+          <a:fontRef idx="minor">
+            <a:schemeClr val="tx1"/>
+          </a:fontRef>
+        </p:style>
+      </p:cxnSp>
     </p:spTree>
     <p:extLst>
       <p:ext uri="{BB962C8B-B14F-4D97-AF65-F5344CB8AC3E}">
@@ -9774,8 +11677,8 @@
         </p:nvSpPr>
         <p:spPr>
           <a:xfrm>
-            <a:off x="835307" y="1608624"/>
-            <a:ext cx="10357187" cy="3954966"/>
+            <a:off x="835307" y="1608623"/>
+            <a:ext cx="10357187" cy="4086205"/>
           </a:xfrm>
         </p:spPr>
         <p:txBody>
@@ -9817,7 +11720,7 @@
               <a:rPr lang="zh-CN" altLang="en-US" sz="2400" dirty="0">
                 <a:latin typeface="+mn-ea"/>
               </a:rPr>
-              <a:t>圆是否进入了别的邻居区域（此处默认搜索范围进入了相邻区块中），通过邻居的合约地址，按顺序调用合约的 </a:t>
+              <a:t>圆是否进入了别的邻居区域，若进入，通过邻居的合约地址，按顺序调用合约的 </a:t>
             </a:r>
             <a:r>
               <a:rPr lang="en-US" altLang="zh-CN" sz="2400" dirty="0" err="1">
@@ -9835,7 +11738,23 @@
               <a:rPr lang="zh-CN" altLang="en-US" sz="2400" dirty="0">
                 <a:latin typeface="+mn-ea"/>
               </a:rPr>
-              <a:t>函数，汇总结果，得到最近的车辆及其账户。选择车辆等待确认（这一步触发异步机制，同时只有同一个乘客可以选择一个车辆），若车辆已被占用，则等待一段时间后再次重复上述步骤。</a:t>
+              <a:t>函数，得到最近的车辆及其账户。</a:t>
+            </a:r>
+            <a:endParaRPr lang="en-US" altLang="zh-CN" sz="2400" dirty="0">
+              <a:latin typeface="+mn-ea"/>
+            </a:endParaRPr>
+          </a:p>
+          <a:p>
+            <a:pPr>
+              <a:lnSpc>
+                <a:spcPct val="150000"/>
+              </a:lnSpc>
+            </a:pPr>
+            <a:r>
+              <a:rPr lang="zh-CN" altLang="en-US" sz="2400" dirty="0">
+                <a:latin typeface="+mn-ea"/>
+              </a:rPr>
+              <a:t>选择车辆等待确认（这一步触发异步机制，同时只有同一个乘客可以选择一个车辆），若车辆已被占用，则等待一段时间后再次重复上述步骤。</a:t>
             </a:r>
             <a:endParaRPr lang="en-US" altLang="zh-CN" sz="2400" dirty="0">
               <a:latin typeface="+mn-ea"/>
@@ -9898,6 +11817,35 @@
               </a:rPr>
               <a:t>完成跨地区之间的车辆搜索</a:t>
             </a:r>
+          </a:p>
+        </p:txBody>
+      </p:sp>
+      <p:sp>
+        <p:nvSpPr>
+          <p:cNvPr id="2" name="灯片编号占位符 1">
+            <a:extLst>
+              <a:ext uri="{FF2B5EF4-FFF2-40B4-BE49-F238E27FC236}">
+                <a16:creationId xmlns:a16="http://schemas.microsoft.com/office/drawing/2014/main" id="{D882A700-AF91-FAFF-FBEB-6C9A537BEC55}"/>
+              </a:ext>
+            </a:extLst>
+          </p:cNvPr>
+          <p:cNvSpPr>
+            <a:spLocks noGrp="1"/>
+          </p:cNvSpPr>
+          <p:nvPr>
+            <p:ph type="sldNum" sz="quarter" idx="12"/>
+          </p:nvPr>
+        </p:nvSpPr>
+        <p:spPr/>
+        <p:txBody>
+          <a:bodyPr/>
+          <a:lstStyle/>
+          <a:p>
+            <a:fld id="{977BA8E6-E826-B147-AA17-E3D76A29629C}" type="slidenum">
+              <a:rPr kumimoji="1" lang="zh-CN" altLang="en-US" smtClean="0"/>
+              <a:t>26</a:t>
+            </a:fld>
+            <a:endParaRPr kumimoji="1" lang="zh-CN" altLang="en-US"/>
           </a:p>
         </p:txBody>
       </p:sp>
@@ -10282,6 +12230,35 @@
           </a:prstGeom>
         </p:spPr>
       </p:pic>
+      <p:sp>
+        <p:nvSpPr>
+          <p:cNvPr id="2" name="灯片编号占位符 1">
+            <a:extLst>
+              <a:ext uri="{FF2B5EF4-FFF2-40B4-BE49-F238E27FC236}">
+                <a16:creationId xmlns:a16="http://schemas.microsoft.com/office/drawing/2014/main" id="{D4393F36-F497-6C8E-ED95-425EE4792A1C}"/>
+              </a:ext>
+            </a:extLst>
+          </p:cNvPr>
+          <p:cNvSpPr>
+            <a:spLocks noGrp="1"/>
+          </p:cNvSpPr>
+          <p:nvPr>
+            <p:ph type="sldNum" sz="quarter" idx="12"/>
+          </p:nvPr>
+        </p:nvSpPr>
+        <p:spPr/>
+        <p:txBody>
+          <a:bodyPr/>
+          <a:lstStyle/>
+          <a:p>
+            <a:fld id="{977BA8E6-E826-B147-AA17-E3D76A29629C}" type="slidenum">
+              <a:rPr kumimoji="1" lang="zh-CN" altLang="en-US" smtClean="0"/>
+              <a:t>27</a:t>
+            </a:fld>
+            <a:endParaRPr kumimoji="1" lang="zh-CN" altLang="en-US"/>
+          </a:p>
+        </p:txBody>
+      </p:sp>
     </p:spTree>
     <p:extLst>
       <p:ext uri="{BB962C8B-B14F-4D97-AF65-F5344CB8AC3E}">
@@ -10413,12 +12390,41 @@
           </a:p>
         </p:txBody>
       </p:sp>
+      <p:sp>
+        <p:nvSpPr>
+          <p:cNvPr id="2" name="灯片编号占位符 1">
+            <a:extLst>
+              <a:ext uri="{FF2B5EF4-FFF2-40B4-BE49-F238E27FC236}">
+                <a16:creationId xmlns:a16="http://schemas.microsoft.com/office/drawing/2014/main" id="{6150CE32-CD74-DAAC-A00B-1FA09E4E2827}"/>
+              </a:ext>
+            </a:extLst>
+          </p:cNvPr>
+          <p:cNvSpPr>
+            <a:spLocks noGrp="1"/>
+          </p:cNvSpPr>
+          <p:nvPr>
+            <p:ph type="sldNum" sz="quarter" idx="12"/>
+          </p:nvPr>
+        </p:nvSpPr>
+        <p:spPr/>
+        <p:txBody>
+          <a:bodyPr/>
+          <a:lstStyle/>
+          <a:p>
+            <a:fld id="{977BA8E6-E826-B147-AA17-E3D76A29629C}" type="slidenum">
+              <a:rPr kumimoji="1" lang="zh-CN" altLang="en-US" smtClean="0"/>
+              <a:t>28</a:t>
+            </a:fld>
+            <a:endParaRPr kumimoji="1" lang="zh-CN" altLang="en-US"/>
+          </a:p>
+        </p:txBody>
+      </p:sp>
       <p:pic>
         <p:nvPicPr>
-          <p:cNvPr id="3" name="图片 2">
+          <p:cNvPr id="7" name="图片 6">
             <a:extLst>
               <a:ext uri="{FF2B5EF4-FFF2-40B4-BE49-F238E27FC236}">
-                <a16:creationId xmlns:a16="http://schemas.microsoft.com/office/drawing/2014/main" id="{0FA2C1C8-CD66-5D18-2143-EC6BF1BC4DBE}"/>
+                <a16:creationId xmlns:a16="http://schemas.microsoft.com/office/drawing/2014/main" id="{583AD746-581E-4426-CFC8-C68C31CB1192}"/>
               </a:ext>
             </a:extLst>
           </p:cNvPr>
@@ -10427,15 +12433,16 @@
           </p:cNvPicPr>
           <p:nvPr/>
         </p:nvPicPr>
-        <p:blipFill rotWithShape="1">
-          <a:blip r:embed="rId2"/>
-          <a:srcRect t="2066"/>
-          <a:stretch/>
+        <p:blipFill>
+          <a:blip r:embed="rId3"/>
+          <a:stretch>
+            <a:fillRect/>
+          </a:stretch>
         </p:blipFill>
         <p:spPr>
           <a:xfrm>
-            <a:off x="835305" y="1428539"/>
-            <a:ext cx="5916612" cy="4836037"/>
+            <a:off x="835305" y="1294410"/>
+            <a:ext cx="6328970" cy="5160178"/>
           </a:xfrm>
           <a:prstGeom prst="rect">
             <a:avLst/>
@@ -10521,7 +12528,23 @@
               <a:rPr lang="zh-CN" altLang="en-US" dirty="0">
                 <a:latin typeface="+mn-ea"/>
               </a:rPr>
-              <a:t>合约用于跨链转账的过程中进行通信交互，使得整体过程更趋于实际的应用过程。并且将该过程由合约封装后，在实际的高负载应用中可以维护跨链转账交易的原子性；实际转账操作也对用户隐藏，对外仅提供完成转账操作的合约函数接口。</a:t>
+              <a:t>合约用于跨链转账的过程中进行通信交互</a:t>
+            </a:r>
+            <a:endParaRPr lang="en-US" altLang="zh-CN" dirty="0">
+              <a:latin typeface="+mn-ea"/>
+            </a:endParaRPr>
+          </a:p>
+          <a:p>
+            <a:pPr>
+              <a:lnSpc>
+                <a:spcPct val="150000"/>
+              </a:lnSpc>
+            </a:pPr>
+            <a:r>
+              <a:rPr lang="zh-CN" altLang="en-US" dirty="0">
+                <a:latin typeface="+mn-ea"/>
+              </a:rPr>
+              <a:t>使得整体过程更趋于实际的应用过程。在实际的高负载应用中可以维护跨链转账交易的原子性；实际转账操作也对用户隐藏，对外仅提供完成转账操作的合约函数接口。</a:t>
             </a:r>
             <a:endParaRPr lang="en-US" altLang="zh-CN" b="1" dirty="0">
               <a:latin typeface="+mn-ea"/>
@@ -10607,6 +12630,35 @@
           </a:prstGeom>
         </p:spPr>
       </p:pic>
+      <p:sp>
+        <p:nvSpPr>
+          <p:cNvPr id="2" name="灯片编号占位符 1">
+            <a:extLst>
+              <a:ext uri="{FF2B5EF4-FFF2-40B4-BE49-F238E27FC236}">
+                <a16:creationId xmlns:a16="http://schemas.microsoft.com/office/drawing/2014/main" id="{89C775C4-391D-7854-E68D-2BBDC1698F56}"/>
+              </a:ext>
+            </a:extLst>
+          </p:cNvPr>
+          <p:cNvSpPr>
+            <a:spLocks noGrp="1"/>
+          </p:cNvSpPr>
+          <p:nvPr>
+            <p:ph type="sldNum" sz="quarter" idx="12"/>
+          </p:nvPr>
+        </p:nvSpPr>
+        <p:spPr/>
+        <p:txBody>
+          <a:bodyPr/>
+          <a:lstStyle/>
+          <a:p>
+            <a:fld id="{977BA8E6-E826-B147-AA17-E3D76A29629C}" type="slidenum">
+              <a:rPr kumimoji="1" lang="zh-CN" altLang="en-US" smtClean="0"/>
+              <a:t>29</a:t>
+            </a:fld>
+            <a:endParaRPr kumimoji="1" lang="zh-CN" altLang="en-US"/>
+          </a:p>
+        </p:txBody>
+      </p:sp>
     </p:spTree>
     <p:extLst>
       <p:ext uri="{BB962C8B-B14F-4D97-AF65-F5344CB8AC3E}">
@@ -10690,6 +12742,35 @@
           <a:lstStyle/>
           <a:p>
             <a:endParaRPr lang="zh-CN" altLang="en-US" dirty="0"/>
+          </a:p>
+        </p:txBody>
+      </p:sp>
+      <p:sp>
+        <p:nvSpPr>
+          <p:cNvPr id="3" name="灯片编号占位符 2">
+            <a:extLst>
+              <a:ext uri="{FF2B5EF4-FFF2-40B4-BE49-F238E27FC236}">
+                <a16:creationId xmlns:a16="http://schemas.microsoft.com/office/drawing/2014/main" id="{6E0F9D5C-2C12-1F94-B8E3-8D9C0B54A5B2}"/>
+              </a:ext>
+            </a:extLst>
+          </p:cNvPr>
+          <p:cNvSpPr>
+            <a:spLocks noGrp="1"/>
+          </p:cNvSpPr>
+          <p:nvPr>
+            <p:ph type="sldNum" sz="quarter" idx="12"/>
+          </p:nvPr>
+        </p:nvSpPr>
+        <p:spPr/>
+        <p:txBody>
+          <a:bodyPr/>
+          <a:lstStyle/>
+          <a:p>
+            <a:fld id="{977BA8E6-E826-B147-AA17-E3D76A29629C}" type="slidenum">
+              <a:rPr kumimoji="1" lang="zh-CN" altLang="en-US" smtClean="0"/>
+              <a:t>3</a:t>
+            </a:fld>
+            <a:endParaRPr kumimoji="1" lang="zh-CN" altLang="en-US"/>
           </a:p>
         </p:txBody>
       </p:sp>
@@ -10824,66 +12905,6 @@
           </a:p>
         </p:txBody>
       </p:sp>
-      <p:pic>
-        <p:nvPicPr>
-          <p:cNvPr id="8" name="图片 7">
-            <a:extLst>
-              <a:ext uri="{FF2B5EF4-FFF2-40B4-BE49-F238E27FC236}">
-                <a16:creationId xmlns:a16="http://schemas.microsoft.com/office/drawing/2014/main" id="{13BEF6D9-3D8F-C89B-8734-9FC11CAF55C1}"/>
-              </a:ext>
-            </a:extLst>
-          </p:cNvPr>
-          <p:cNvPicPr>
-            <a:picLocks noChangeAspect="1"/>
-          </p:cNvPicPr>
-          <p:nvPr/>
-        </p:nvPicPr>
-        <p:blipFill>
-          <a:blip r:embed="rId2"/>
-          <a:stretch>
-            <a:fillRect/>
-          </a:stretch>
-        </p:blipFill>
-        <p:spPr>
-          <a:xfrm>
-            <a:off x="6655168" y="1608624"/>
-            <a:ext cx="4537326" cy="4188970"/>
-          </a:xfrm>
-          <a:prstGeom prst="rect">
-            <a:avLst/>
-          </a:prstGeom>
-        </p:spPr>
-      </p:pic>
-      <p:pic>
-        <p:nvPicPr>
-          <p:cNvPr id="10" name="图片 9">
-            <a:extLst>
-              <a:ext uri="{FF2B5EF4-FFF2-40B4-BE49-F238E27FC236}">
-                <a16:creationId xmlns:a16="http://schemas.microsoft.com/office/drawing/2014/main" id="{9CC15729-FF86-50EA-AAF6-B8F8432193A9}"/>
-              </a:ext>
-            </a:extLst>
-          </p:cNvPr>
-          <p:cNvPicPr>
-            <a:picLocks noChangeAspect="1"/>
-          </p:cNvPicPr>
-          <p:nvPr/>
-        </p:nvPicPr>
-        <p:blipFill>
-          <a:blip r:embed="rId3"/>
-          <a:stretch>
-            <a:fillRect/>
-          </a:stretch>
-        </p:blipFill>
-        <p:spPr>
-          <a:xfrm>
-            <a:off x="835305" y="1608624"/>
-            <a:ext cx="5087060" cy="3467584"/>
-          </a:xfrm>
-          <a:prstGeom prst="rect">
-            <a:avLst/>
-          </a:prstGeom>
-        </p:spPr>
-      </p:pic>
       <p:sp>
         <p:nvSpPr>
           <p:cNvPr id="13" name="内容占位符 4">
@@ -10900,7 +12921,7 @@
         </p:nvSpPr>
         <p:spPr>
           <a:xfrm>
-            <a:off x="835305" y="5285484"/>
+            <a:off x="835305" y="5214092"/>
             <a:ext cx="5424893" cy="1364698"/>
           </a:xfrm>
           <a:prstGeom prst="rect">
@@ -11129,6 +13150,95 @@
           </a:p>
         </p:txBody>
       </p:sp>
+      <p:sp>
+        <p:nvSpPr>
+          <p:cNvPr id="2" name="灯片编号占位符 1">
+            <a:extLst>
+              <a:ext uri="{FF2B5EF4-FFF2-40B4-BE49-F238E27FC236}">
+                <a16:creationId xmlns:a16="http://schemas.microsoft.com/office/drawing/2014/main" id="{EEA6DFFB-429B-BB0D-59F7-3F3F989C402C}"/>
+              </a:ext>
+            </a:extLst>
+          </p:cNvPr>
+          <p:cNvSpPr>
+            <a:spLocks noGrp="1"/>
+          </p:cNvSpPr>
+          <p:nvPr>
+            <p:ph type="sldNum" sz="quarter" idx="12"/>
+          </p:nvPr>
+        </p:nvSpPr>
+        <p:spPr/>
+        <p:txBody>
+          <a:bodyPr/>
+          <a:lstStyle/>
+          <a:p>
+            <a:fld id="{977BA8E6-E826-B147-AA17-E3D76A29629C}" type="slidenum">
+              <a:rPr kumimoji="1" lang="zh-CN" altLang="en-US" smtClean="0"/>
+              <a:t>30</a:t>
+            </a:fld>
+            <a:endParaRPr kumimoji="1" lang="zh-CN" altLang="en-US"/>
+          </a:p>
+        </p:txBody>
+      </p:sp>
+      <p:pic>
+        <p:nvPicPr>
+          <p:cNvPr id="6" name="图片 5">
+            <a:extLst>
+              <a:ext uri="{FF2B5EF4-FFF2-40B4-BE49-F238E27FC236}">
+                <a16:creationId xmlns:a16="http://schemas.microsoft.com/office/drawing/2014/main" id="{BD678E7F-6344-6E05-0983-F592ABB3B576}"/>
+              </a:ext>
+            </a:extLst>
+          </p:cNvPr>
+          <p:cNvPicPr>
+            <a:picLocks noChangeAspect="1"/>
+          </p:cNvPicPr>
+          <p:nvPr/>
+        </p:nvPicPr>
+        <p:blipFill>
+          <a:blip r:embed="rId2"/>
+          <a:stretch>
+            <a:fillRect/>
+          </a:stretch>
+        </p:blipFill>
+        <p:spPr>
+          <a:xfrm>
+            <a:off x="6370787" y="1349166"/>
+            <a:ext cx="5068007" cy="4334480"/>
+          </a:xfrm>
+          <a:prstGeom prst="rect">
+            <a:avLst/>
+          </a:prstGeom>
+        </p:spPr>
+      </p:pic>
+      <p:pic>
+        <p:nvPicPr>
+          <p:cNvPr id="9" name="图片 8">
+            <a:extLst>
+              <a:ext uri="{FF2B5EF4-FFF2-40B4-BE49-F238E27FC236}">
+                <a16:creationId xmlns:a16="http://schemas.microsoft.com/office/drawing/2014/main" id="{B0EF2419-8CD8-66C7-F9AA-889E5FAC6C11}"/>
+              </a:ext>
+            </a:extLst>
+          </p:cNvPr>
+          <p:cNvPicPr>
+            <a:picLocks noChangeAspect="1"/>
+          </p:cNvPicPr>
+          <p:nvPr/>
+        </p:nvPicPr>
+        <p:blipFill>
+          <a:blip r:embed="rId3"/>
+          <a:stretch>
+            <a:fillRect/>
+          </a:stretch>
+        </p:blipFill>
+        <p:spPr>
+          <a:xfrm>
+            <a:off x="835305" y="1379936"/>
+            <a:ext cx="5010849" cy="3524742"/>
+          </a:xfrm>
+          <a:prstGeom prst="rect">
+            <a:avLst/>
+          </a:prstGeom>
+        </p:spPr>
+      </p:pic>
     </p:spTree>
     <p:extLst>
       <p:ext uri="{BB962C8B-B14F-4D97-AF65-F5344CB8AC3E}">
@@ -11217,6 +13327,35 @@
           <a:lstStyle/>
           <a:p>
             <a:endParaRPr lang="zh-CN" altLang="en-US" dirty="0"/>
+          </a:p>
+        </p:txBody>
+      </p:sp>
+      <p:sp>
+        <p:nvSpPr>
+          <p:cNvPr id="3" name="灯片编号占位符 2">
+            <a:extLst>
+              <a:ext uri="{FF2B5EF4-FFF2-40B4-BE49-F238E27FC236}">
+                <a16:creationId xmlns:a16="http://schemas.microsoft.com/office/drawing/2014/main" id="{1F462FA9-6350-F854-A84F-D376B304BBE5}"/>
+              </a:ext>
+            </a:extLst>
+          </p:cNvPr>
+          <p:cNvSpPr>
+            <a:spLocks noGrp="1"/>
+          </p:cNvSpPr>
+          <p:nvPr>
+            <p:ph type="sldNum" sz="quarter" idx="12"/>
+          </p:nvPr>
+        </p:nvSpPr>
+        <p:spPr/>
+        <p:txBody>
+          <a:bodyPr/>
+          <a:lstStyle/>
+          <a:p>
+            <a:fld id="{977BA8E6-E826-B147-AA17-E3D76A29629C}" type="slidenum">
+              <a:rPr kumimoji="1" lang="zh-CN" altLang="en-US" smtClean="0"/>
+              <a:t>31</a:t>
+            </a:fld>
+            <a:endParaRPr kumimoji="1" lang="zh-CN" altLang="en-US"/>
           </a:p>
         </p:txBody>
       </p:sp>
@@ -15426,6 +17565,35 @@
               </a:rPr>
               <a:t>较好的完成了实现跨区域交易合约服务于跨链转账，通过完善原有的出租车调度系统的逻辑，使其初步满足了跨链之间的出租车调度，丰富了原有调度系统的功能，使其更加切合现实应用。</a:t>
             </a:r>
+          </a:p>
+        </p:txBody>
+      </p:sp>
+      <p:sp>
+        <p:nvSpPr>
+          <p:cNvPr id="2" name="灯片编号占位符 1">
+            <a:extLst>
+              <a:ext uri="{FF2B5EF4-FFF2-40B4-BE49-F238E27FC236}">
+                <a16:creationId xmlns:a16="http://schemas.microsoft.com/office/drawing/2014/main" id="{8E367A97-9C0D-7B67-2F51-E8061B23B6A8}"/>
+              </a:ext>
+            </a:extLst>
+          </p:cNvPr>
+          <p:cNvSpPr>
+            <a:spLocks noGrp="1"/>
+          </p:cNvSpPr>
+          <p:nvPr>
+            <p:ph type="sldNum" sz="quarter" idx="12"/>
+          </p:nvPr>
+        </p:nvSpPr>
+        <p:spPr/>
+        <p:txBody>
+          <a:bodyPr/>
+          <a:lstStyle/>
+          <a:p>
+            <a:fld id="{977BA8E6-E826-B147-AA17-E3D76A29629C}" type="slidenum">
+              <a:rPr kumimoji="1" lang="zh-CN" altLang="en-US" smtClean="0"/>
+              <a:t>32</a:t>
+            </a:fld>
+            <a:endParaRPr kumimoji="1" lang="zh-CN" altLang="en-US"/>
           </a:p>
         </p:txBody>
       </p:sp>
@@ -15695,6 +17863,35 @@
           </a:p>
         </p:txBody>
       </p:sp>
+      <p:sp>
+        <p:nvSpPr>
+          <p:cNvPr id="3" name="灯片编号占位符 2">
+            <a:extLst>
+              <a:ext uri="{FF2B5EF4-FFF2-40B4-BE49-F238E27FC236}">
+                <a16:creationId xmlns:a16="http://schemas.microsoft.com/office/drawing/2014/main" id="{EF15C6E8-95C4-3954-B27B-5CEF40642734}"/>
+              </a:ext>
+            </a:extLst>
+          </p:cNvPr>
+          <p:cNvSpPr>
+            <a:spLocks noGrp="1"/>
+          </p:cNvSpPr>
+          <p:nvPr>
+            <p:ph type="sldNum" sz="quarter" idx="12"/>
+          </p:nvPr>
+        </p:nvSpPr>
+        <p:spPr/>
+        <p:txBody>
+          <a:bodyPr/>
+          <a:lstStyle/>
+          <a:p>
+            <a:fld id="{977BA8E6-E826-B147-AA17-E3D76A29629C}" type="slidenum">
+              <a:rPr kumimoji="1" lang="zh-CN" altLang="en-US" smtClean="0"/>
+              <a:t>33</a:t>
+            </a:fld>
+            <a:endParaRPr kumimoji="1" lang="zh-CN" altLang="en-US"/>
+          </a:p>
+        </p:txBody>
+      </p:sp>
     </p:spTree>
     <p:extLst>
       <p:ext uri="{BB962C8B-B14F-4D97-AF65-F5344CB8AC3E}">
@@ -16290,6 +18487,35 @@
           </a:p>
         </p:txBody>
       </p:sp>
+      <p:sp>
+        <p:nvSpPr>
+          <p:cNvPr id="3" name="灯片编号占位符 2">
+            <a:extLst>
+              <a:ext uri="{FF2B5EF4-FFF2-40B4-BE49-F238E27FC236}">
+                <a16:creationId xmlns:a16="http://schemas.microsoft.com/office/drawing/2014/main" id="{0344F817-4CDE-5AD0-7BA5-9C26BF46D7E1}"/>
+              </a:ext>
+            </a:extLst>
+          </p:cNvPr>
+          <p:cNvSpPr>
+            <a:spLocks noGrp="1"/>
+          </p:cNvSpPr>
+          <p:nvPr>
+            <p:ph type="sldNum" sz="quarter" idx="12"/>
+          </p:nvPr>
+        </p:nvSpPr>
+        <p:spPr/>
+        <p:txBody>
+          <a:bodyPr/>
+          <a:lstStyle/>
+          <a:p>
+            <a:fld id="{977BA8E6-E826-B147-AA17-E3D76A29629C}" type="slidenum">
+              <a:rPr kumimoji="1" lang="zh-CN" altLang="en-US" smtClean="0"/>
+              <a:t>34</a:t>
+            </a:fld>
+            <a:endParaRPr kumimoji="1" lang="zh-CN" altLang="en-US"/>
+          </a:p>
+        </p:txBody>
+      </p:sp>
     </p:spTree>
     <p:extLst>
       <p:ext uri="{BB962C8B-B14F-4D97-AF65-F5344CB8AC3E}">
@@ -16790,28 +19016,6 @@
               </a:rPr>
               <a:t>树状多层级区块链。</a:t>
             </a:r>
-            <a:endParaRPr lang="en-US" altLang="zh-CN" sz="2200" dirty="0"/>
-          </a:p>
-          <a:p>
-            <a:pPr marL="305992" marR="0" lvl="0" indent="-305992" algn="l" defTabSz="457189" rtl="0" eaLnBrk="1" fontAlgn="auto" latinLnBrk="0" hangingPunct="1">
-              <a:lnSpc>
-                <a:spcPct val="150000"/>
-              </a:lnSpc>
-              <a:spcBef>
-                <a:spcPct val="20000"/>
-              </a:spcBef>
-              <a:spcAft>
-                <a:spcPts val="600"/>
-              </a:spcAft>
-              <a:buClr>
-                <a:srgbClr val="5C2F7D"/>
-              </a:buClr>
-              <a:buSzPct val="92000"/>
-              <a:buFont typeface="Wingdings 2" panose="05020102010507070707" pitchFamily="18" charset="2"/>
-              <a:buChar char=""/>
-              <a:tabLst/>
-              <a:defRPr/>
-            </a:pPr>
             <a:r>
               <a:rPr lang="zh-CN" altLang="en-US" sz="2200" dirty="0"/>
               <a:t>其</a:t>
@@ -16848,17 +19052,7 @@
             </a:r>
             <a:r>
               <a:rPr lang="zh-CN" altLang="en-US" sz="2200" dirty="0"/>
-              <a:t>，将区块链原本的单链结构改造为形似字典树的多叉树结构，</a:t>
-            </a:r>
-            <a:r>
-              <a:rPr lang="zh-CN" altLang="en-US" sz="2200" dirty="0">
-                <a:sym typeface="+mn-ea"/>
-              </a:rPr>
-              <a:t>在对地理位置敏感、且网络结构变化频繁的应用场景中，有着相较传统区块链更好的理论性能</a:t>
-            </a:r>
-            <a:r>
-              <a:rPr lang="zh-CN" altLang="en-US" sz="2200" dirty="0"/>
-              <a:t>。</a:t>
+              <a:t>，将区块链原本的单链结构改造为形似字典树的多叉树结构。</a:t>
             </a:r>
             <a:endParaRPr lang="en-US" altLang="zh-CN" sz="2200" dirty="0"/>
           </a:p>
@@ -18125,6 +20319,35 @@
           </a:p>
         </p:txBody>
       </p:sp>
+      <p:sp>
+        <p:nvSpPr>
+          <p:cNvPr id="4" name="灯片编号占位符 3">
+            <a:extLst>
+              <a:ext uri="{FF2B5EF4-FFF2-40B4-BE49-F238E27FC236}">
+                <a16:creationId xmlns:a16="http://schemas.microsoft.com/office/drawing/2014/main" id="{3AC27ACE-933D-5CAE-F77B-D1C8B6EE920F}"/>
+              </a:ext>
+            </a:extLst>
+          </p:cNvPr>
+          <p:cNvSpPr>
+            <a:spLocks noGrp="1"/>
+          </p:cNvSpPr>
+          <p:nvPr>
+            <p:ph type="sldNum" sz="quarter" idx="12"/>
+          </p:nvPr>
+        </p:nvSpPr>
+        <p:spPr/>
+        <p:txBody>
+          <a:bodyPr/>
+          <a:lstStyle/>
+          <a:p>
+            <a:fld id="{977BA8E6-E826-B147-AA17-E3D76A29629C}" type="slidenum">
+              <a:rPr kumimoji="1" lang="zh-CN" altLang="en-US" smtClean="0"/>
+              <a:t>4</a:t>
+            </a:fld>
+            <a:endParaRPr kumimoji="1" lang="zh-CN" altLang="en-US"/>
+          </a:p>
+        </p:txBody>
+      </p:sp>
     </p:spTree>
     <p:extLst>
       <p:ext uri="{BB962C8B-B14F-4D97-AF65-F5344CB8AC3E}">
@@ -18707,7 +20930,7 @@
               <a:rPr lang="zh-CN" altLang="en-US" sz="2200" dirty="0">
                 <a:sym typeface="+mn-ea"/>
               </a:rPr>
-              <a:t>属于物联网的范畴。是互联网、电子、汽车等产业融合创新的产物，其旨在通过实现车辆之间、车辆与行人之间的相互通信，最终构建安全高效智能的交通体系。</a:t>
+              <a:t>属于物联网的范畴。是互联网、电子、汽车等产业融合创新的产物，其旨在通过实现车辆之间的相互通信，最终构建安全高效智能的交通体系。</a:t>
             </a:r>
             <a:endParaRPr lang="en-US" altLang="zh-CN" sz="2200" dirty="0">
               <a:sym typeface="+mn-ea"/>
@@ -19966,6 +22189,35 @@
           </a:p>
         </p:txBody>
       </p:sp>
+      <p:sp>
+        <p:nvSpPr>
+          <p:cNvPr id="2" name="灯片编号占位符 1">
+            <a:extLst>
+              <a:ext uri="{FF2B5EF4-FFF2-40B4-BE49-F238E27FC236}">
+                <a16:creationId xmlns:a16="http://schemas.microsoft.com/office/drawing/2014/main" id="{91619F4C-0917-D8F8-C5A2-FDE13EDA943C}"/>
+              </a:ext>
+            </a:extLst>
+          </p:cNvPr>
+          <p:cNvSpPr>
+            <a:spLocks noGrp="1"/>
+          </p:cNvSpPr>
+          <p:nvPr>
+            <p:ph type="sldNum" sz="quarter" idx="12"/>
+          </p:nvPr>
+        </p:nvSpPr>
+        <p:spPr/>
+        <p:txBody>
+          <a:bodyPr/>
+          <a:lstStyle/>
+          <a:p>
+            <a:fld id="{977BA8E6-E826-B147-AA17-E3D76A29629C}" type="slidenum">
+              <a:rPr kumimoji="1" lang="zh-CN" altLang="en-US" smtClean="0"/>
+              <a:t>5</a:t>
+            </a:fld>
+            <a:endParaRPr kumimoji="1" lang="zh-CN" altLang="en-US"/>
+          </a:p>
+        </p:txBody>
+      </p:sp>
     </p:spTree>
     <p:extLst>
       <p:ext uri="{BB962C8B-B14F-4D97-AF65-F5344CB8AC3E}">
@@ -20216,6 +22468,35 @@
               <a:latin typeface="+mn-ea"/>
               <a:cs typeface="+mn-cs"/>
             </a:endParaRPr>
+          </a:p>
+        </p:txBody>
+      </p:sp>
+      <p:sp>
+        <p:nvSpPr>
+          <p:cNvPr id="3" name="灯片编号占位符 2">
+            <a:extLst>
+              <a:ext uri="{FF2B5EF4-FFF2-40B4-BE49-F238E27FC236}">
+                <a16:creationId xmlns:a16="http://schemas.microsoft.com/office/drawing/2014/main" id="{2F32B719-EB90-7EB8-3C02-AA3B4A66F0EE}"/>
+              </a:ext>
+            </a:extLst>
+          </p:cNvPr>
+          <p:cNvSpPr>
+            <a:spLocks noGrp="1"/>
+          </p:cNvSpPr>
+          <p:nvPr>
+            <p:ph type="sldNum" sz="quarter" idx="12"/>
+          </p:nvPr>
+        </p:nvSpPr>
+        <p:spPr/>
+        <p:txBody>
+          <a:bodyPr/>
+          <a:lstStyle/>
+          <a:p>
+            <a:fld id="{977BA8E6-E826-B147-AA17-E3D76A29629C}" type="slidenum">
+              <a:rPr kumimoji="1" lang="zh-CN" altLang="en-US" smtClean="0"/>
+              <a:t>6</a:t>
+            </a:fld>
+            <a:endParaRPr kumimoji="1" lang="zh-CN" altLang="en-US"/>
           </a:p>
         </p:txBody>
       </p:sp>
@@ -23679,6 +25960,35 @@
           </a:p>
         </p:txBody>
       </p:sp>
+      <p:sp>
+        <p:nvSpPr>
+          <p:cNvPr id="3" name="灯片编号占位符 2">
+            <a:extLst>
+              <a:ext uri="{FF2B5EF4-FFF2-40B4-BE49-F238E27FC236}">
+                <a16:creationId xmlns:a16="http://schemas.microsoft.com/office/drawing/2014/main" id="{CF838AD7-FE66-D76B-DDC6-81490C37F187}"/>
+              </a:ext>
+            </a:extLst>
+          </p:cNvPr>
+          <p:cNvSpPr>
+            <a:spLocks noGrp="1"/>
+          </p:cNvSpPr>
+          <p:nvPr>
+            <p:ph type="sldNum" sz="quarter" idx="12"/>
+          </p:nvPr>
+        </p:nvSpPr>
+        <p:spPr/>
+        <p:txBody>
+          <a:bodyPr/>
+          <a:lstStyle/>
+          <a:p>
+            <a:fld id="{977BA8E6-E826-B147-AA17-E3D76A29629C}" type="slidenum">
+              <a:rPr kumimoji="1" lang="zh-CN" altLang="en-US" smtClean="0"/>
+              <a:t>7</a:t>
+            </a:fld>
+            <a:endParaRPr kumimoji="1" lang="zh-CN" altLang="en-US"/>
+          </a:p>
+        </p:txBody>
+      </p:sp>
     </p:spTree>
     <p:extLst>
       <p:ext uri="{BB962C8B-B14F-4D97-AF65-F5344CB8AC3E}">
@@ -23771,6 +26081,35 @@
           </a:p>
         </p:txBody>
       </p:sp>
+      <p:sp>
+        <p:nvSpPr>
+          <p:cNvPr id="3" name="灯片编号占位符 2">
+            <a:extLst>
+              <a:ext uri="{FF2B5EF4-FFF2-40B4-BE49-F238E27FC236}">
+                <a16:creationId xmlns:a16="http://schemas.microsoft.com/office/drawing/2014/main" id="{23CFAF5D-0BE6-2DA6-4490-830268941751}"/>
+              </a:ext>
+            </a:extLst>
+          </p:cNvPr>
+          <p:cNvSpPr>
+            <a:spLocks noGrp="1"/>
+          </p:cNvSpPr>
+          <p:nvPr>
+            <p:ph type="sldNum" sz="quarter" idx="12"/>
+          </p:nvPr>
+        </p:nvSpPr>
+        <p:spPr/>
+        <p:txBody>
+          <a:bodyPr/>
+          <a:lstStyle/>
+          <a:p>
+            <a:fld id="{977BA8E6-E826-B147-AA17-E3D76A29629C}" type="slidenum">
+              <a:rPr kumimoji="1" lang="zh-CN" altLang="en-US" smtClean="0"/>
+              <a:t>8</a:t>
+            </a:fld>
+            <a:endParaRPr kumimoji="1" lang="zh-CN" altLang="en-US"/>
+          </a:p>
+        </p:txBody>
+      </p:sp>
     </p:spTree>
     <p:extLst>
       <p:ext uri="{BB962C8B-B14F-4D97-AF65-F5344CB8AC3E}">
@@ -23819,7 +26158,7 @@
         </p:nvSpPr>
         <p:spPr>
           <a:xfrm>
-            <a:off x="835307" y="1608624"/>
+            <a:off x="835306" y="1608624"/>
             <a:ext cx="10357187" cy="3954966"/>
           </a:xfrm>
         </p:spPr>
@@ -23944,6 +26283,35 @@
               </a:rPr>
               <a:t>实验流程</a:t>
             </a:r>
+          </a:p>
+        </p:txBody>
+      </p:sp>
+      <p:sp>
+        <p:nvSpPr>
+          <p:cNvPr id="2" name="灯片编号占位符 1">
+            <a:extLst>
+              <a:ext uri="{FF2B5EF4-FFF2-40B4-BE49-F238E27FC236}">
+                <a16:creationId xmlns:a16="http://schemas.microsoft.com/office/drawing/2014/main" id="{70616A24-F0B7-C3ED-AE53-0EE918A9B372}"/>
+              </a:ext>
+            </a:extLst>
+          </p:cNvPr>
+          <p:cNvSpPr>
+            <a:spLocks noGrp="1"/>
+          </p:cNvSpPr>
+          <p:nvPr>
+            <p:ph type="sldNum" sz="quarter" idx="12"/>
+          </p:nvPr>
+        </p:nvSpPr>
+        <p:spPr/>
+        <p:txBody>
+          <a:bodyPr/>
+          <a:lstStyle/>
+          <a:p>
+            <a:fld id="{977BA8E6-E826-B147-AA17-E3D76A29629C}" type="slidenum">
+              <a:rPr kumimoji="1" lang="zh-CN" altLang="en-US" smtClean="0"/>
+              <a:t>9</a:t>
+            </a:fld>
+            <a:endParaRPr kumimoji="1" lang="zh-CN" altLang="en-US"/>
           </a:p>
         </p:txBody>
       </p:sp>
@@ -24522,4 +26890,299 @@
     </a:ext>
   </a:extLst>
 </a:theme>
+</file>
+
+<file path=ppt/theme/theme3.xml><?xml version="1.0" encoding="utf-8"?>
+<a:theme xmlns:a="http://schemas.openxmlformats.org/drawingml/2006/main" name="Office 主题​​">
+  <a:themeElements>
+    <a:clrScheme name="Office">
+      <a:dk1>
+        <a:sysClr val="windowText" lastClr="000000"/>
+      </a:dk1>
+      <a:lt1>
+        <a:sysClr val="window" lastClr="FFFFFF"/>
+      </a:lt1>
+      <a:dk2>
+        <a:srgbClr val="44546A"/>
+      </a:dk2>
+      <a:lt2>
+        <a:srgbClr val="E7E6E6"/>
+      </a:lt2>
+      <a:accent1>
+        <a:srgbClr val="4472C4"/>
+      </a:accent1>
+      <a:accent2>
+        <a:srgbClr val="ED7D31"/>
+      </a:accent2>
+      <a:accent3>
+        <a:srgbClr val="A5A5A5"/>
+      </a:accent3>
+      <a:accent4>
+        <a:srgbClr val="FFC000"/>
+      </a:accent4>
+      <a:accent5>
+        <a:srgbClr val="5B9BD5"/>
+      </a:accent5>
+      <a:accent6>
+        <a:srgbClr val="70AD47"/>
+      </a:accent6>
+      <a:hlink>
+        <a:srgbClr val="0563C1"/>
+      </a:hlink>
+      <a:folHlink>
+        <a:srgbClr val="954F72"/>
+      </a:folHlink>
+    </a:clrScheme>
+    <a:fontScheme name="Office">
+      <a:majorFont>
+        <a:latin typeface="等线 Light" panose="020F0302020204030204"/>
+        <a:ea typeface=""/>
+        <a:cs typeface=""/>
+        <a:font script="Jpan" typeface="游ゴシック Light"/>
+        <a:font script="Hang" typeface="맑은 고딕"/>
+        <a:font script="Hans" typeface="等线 Light"/>
+        <a:font script="Hant" typeface="新細明體"/>
+        <a:font script="Arab" typeface="Times New Roman"/>
+        <a:font script="Hebr" typeface="Times New Roman"/>
+        <a:font script="Thai" typeface="Angsana New"/>
+        <a:font script="Ethi" typeface="Nyala"/>
+        <a:font script="Beng" typeface="Vrinda"/>
+        <a:font script="Gujr" typeface="Shruti"/>
+        <a:font script="Khmr" typeface="MoolBoran"/>
+        <a:font script="Knda" typeface="Tunga"/>
+        <a:font script="Guru" typeface="Raavi"/>
+        <a:font script="Cans" typeface="Euphemia"/>
+        <a:font script="Cher" typeface="Plantagenet Cherokee"/>
+        <a:font script="Yiii" typeface="Microsoft Yi Baiti"/>
+        <a:font script="Tibt" typeface="Microsoft Himalaya"/>
+        <a:font script="Thaa" typeface="MV Boli"/>
+        <a:font script="Deva" typeface="Mangal"/>
+        <a:font script="Telu" typeface="Gautami"/>
+        <a:font script="Taml" typeface="Latha"/>
+        <a:font script="Syrc" typeface="Estrangelo Edessa"/>
+        <a:font script="Orya" typeface="Kalinga"/>
+        <a:font script="Mlym" typeface="Kartika"/>
+        <a:font script="Laoo" typeface="DokChampa"/>
+        <a:font script="Sinh" typeface="Iskoola Pota"/>
+        <a:font script="Mong" typeface="Mongolian Baiti"/>
+        <a:font script="Viet" typeface="Times New Roman"/>
+        <a:font script="Uigh" typeface="Microsoft Uighur"/>
+        <a:font script="Geor" typeface="Sylfaen"/>
+        <a:font script="Armn" typeface="Arial"/>
+        <a:font script="Bugi" typeface="Leelawadee UI"/>
+        <a:font script="Bopo" typeface="Microsoft JhengHei"/>
+        <a:font script="Java" typeface="Javanese Text"/>
+        <a:font script="Lisu" typeface="Segoe UI"/>
+        <a:font script="Mymr" typeface="Myanmar Text"/>
+        <a:font script="Nkoo" typeface="Ebrima"/>
+        <a:font script="Olck" typeface="Nirmala UI"/>
+        <a:font script="Osma" typeface="Ebrima"/>
+        <a:font script="Phag" typeface="Phagspa"/>
+        <a:font script="Syrn" typeface="Estrangelo Edessa"/>
+        <a:font script="Syrj" typeface="Estrangelo Edessa"/>
+        <a:font script="Syre" typeface="Estrangelo Edessa"/>
+        <a:font script="Sora" typeface="Nirmala UI"/>
+        <a:font script="Tale" typeface="Microsoft Tai Le"/>
+        <a:font script="Talu" typeface="Microsoft New Tai Lue"/>
+        <a:font script="Tfng" typeface="Ebrima"/>
+      </a:majorFont>
+      <a:minorFont>
+        <a:latin typeface="等线" panose="020F0502020204030204"/>
+        <a:ea typeface=""/>
+        <a:cs typeface=""/>
+        <a:font script="Jpan" typeface="游ゴシック"/>
+        <a:font script="Hang" typeface="맑은 고딕"/>
+        <a:font script="Hans" typeface="等线"/>
+        <a:font script="Hant" typeface="新細明體"/>
+        <a:font script="Arab" typeface="Arial"/>
+        <a:font script="Hebr" typeface="Arial"/>
+        <a:font script="Thai" typeface="Cordia New"/>
+        <a:font script="Ethi" typeface="Nyala"/>
+        <a:font script="Beng" typeface="Vrinda"/>
+        <a:font script="Gujr" typeface="Shruti"/>
+        <a:font script="Khmr" typeface="DaunPenh"/>
+        <a:font script="Knda" typeface="Tunga"/>
+        <a:font script="Guru" typeface="Raavi"/>
+        <a:font script="Cans" typeface="Euphemia"/>
+        <a:font script="Cher" typeface="Plantagenet Cherokee"/>
+        <a:font script="Yiii" typeface="Microsoft Yi Baiti"/>
+        <a:font script="Tibt" typeface="Microsoft Himalaya"/>
+        <a:font script="Thaa" typeface="MV Boli"/>
+        <a:font script="Deva" typeface="Mangal"/>
+        <a:font script="Telu" typeface="Gautami"/>
+        <a:font script="Taml" typeface="Latha"/>
+        <a:font script="Syrc" typeface="Estrangelo Edessa"/>
+        <a:font script="Orya" typeface="Kalinga"/>
+        <a:font script="Mlym" typeface="Kartika"/>
+        <a:font script="Laoo" typeface="DokChampa"/>
+        <a:font script="Sinh" typeface="Iskoola Pota"/>
+        <a:font script="Mong" typeface="Mongolian Baiti"/>
+        <a:font script="Viet" typeface="Arial"/>
+        <a:font script="Uigh" typeface="Microsoft Uighur"/>
+        <a:font script="Geor" typeface="Sylfaen"/>
+        <a:font script="Armn" typeface="Arial"/>
+        <a:font script="Bugi" typeface="Leelawadee UI"/>
+        <a:font script="Bopo" typeface="Microsoft JhengHei"/>
+        <a:font script="Java" typeface="Javanese Text"/>
+        <a:font script="Lisu" typeface="Segoe UI"/>
+        <a:font script="Mymr" typeface="Myanmar Text"/>
+        <a:font script="Nkoo" typeface="Ebrima"/>
+        <a:font script="Olck" typeface="Nirmala UI"/>
+        <a:font script="Osma" typeface="Ebrima"/>
+        <a:font script="Phag" typeface="Phagspa"/>
+        <a:font script="Syrn" typeface="Estrangelo Edessa"/>
+        <a:font script="Syrj" typeface="Estrangelo Edessa"/>
+        <a:font script="Syre" typeface="Estrangelo Edessa"/>
+        <a:font script="Sora" typeface="Nirmala UI"/>
+        <a:font script="Tale" typeface="Microsoft Tai Le"/>
+        <a:font script="Talu" typeface="Microsoft New Tai Lue"/>
+        <a:font script="Tfng" typeface="Ebrima"/>
+      </a:minorFont>
+    </a:fontScheme>
+    <a:fmtScheme name="Office">
+      <a:fillStyleLst>
+        <a:solidFill>
+          <a:schemeClr val="phClr"/>
+        </a:solidFill>
+        <a:gradFill rotWithShape="1">
+          <a:gsLst>
+            <a:gs pos="0">
+              <a:schemeClr val="phClr">
+                <a:lumMod val="110000"/>
+                <a:satMod val="105000"/>
+                <a:tint val="67000"/>
+              </a:schemeClr>
+            </a:gs>
+            <a:gs pos="50000">
+              <a:schemeClr val="phClr">
+                <a:lumMod val="105000"/>
+                <a:satMod val="103000"/>
+                <a:tint val="73000"/>
+              </a:schemeClr>
+            </a:gs>
+            <a:gs pos="100000">
+              <a:schemeClr val="phClr">
+                <a:lumMod val="105000"/>
+                <a:satMod val="109000"/>
+                <a:tint val="81000"/>
+              </a:schemeClr>
+            </a:gs>
+          </a:gsLst>
+          <a:lin ang="5400000" scaled="0"/>
+        </a:gradFill>
+        <a:gradFill rotWithShape="1">
+          <a:gsLst>
+            <a:gs pos="0">
+              <a:schemeClr val="phClr">
+                <a:satMod val="103000"/>
+                <a:lumMod val="102000"/>
+                <a:tint val="94000"/>
+              </a:schemeClr>
+            </a:gs>
+            <a:gs pos="50000">
+              <a:schemeClr val="phClr">
+                <a:satMod val="110000"/>
+                <a:lumMod val="100000"/>
+                <a:shade val="100000"/>
+              </a:schemeClr>
+            </a:gs>
+            <a:gs pos="100000">
+              <a:schemeClr val="phClr">
+                <a:lumMod val="99000"/>
+                <a:satMod val="120000"/>
+                <a:shade val="78000"/>
+              </a:schemeClr>
+            </a:gs>
+          </a:gsLst>
+          <a:lin ang="5400000" scaled="0"/>
+        </a:gradFill>
+      </a:fillStyleLst>
+      <a:lnStyleLst>
+        <a:ln w="6350" cap="flat" cmpd="sng" algn="ctr">
+          <a:solidFill>
+            <a:schemeClr val="phClr"/>
+          </a:solidFill>
+          <a:prstDash val="solid"/>
+          <a:miter lim="800000"/>
+        </a:ln>
+        <a:ln w="12700" cap="flat" cmpd="sng" algn="ctr">
+          <a:solidFill>
+            <a:schemeClr val="phClr"/>
+          </a:solidFill>
+          <a:prstDash val="solid"/>
+          <a:miter lim="800000"/>
+        </a:ln>
+        <a:ln w="19050" cap="flat" cmpd="sng" algn="ctr">
+          <a:solidFill>
+            <a:schemeClr val="phClr"/>
+          </a:solidFill>
+          <a:prstDash val="solid"/>
+          <a:miter lim="800000"/>
+        </a:ln>
+      </a:lnStyleLst>
+      <a:effectStyleLst>
+        <a:effectStyle>
+          <a:effectLst/>
+        </a:effectStyle>
+        <a:effectStyle>
+          <a:effectLst/>
+        </a:effectStyle>
+        <a:effectStyle>
+          <a:effectLst>
+            <a:outerShdw blurRad="57150" dist="19050" dir="5400000" algn="ctr" rotWithShape="0">
+              <a:srgbClr val="000000">
+                <a:alpha val="63000"/>
+              </a:srgbClr>
+            </a:outerShdw>
+          </a:effectLst>
+        </a:effectStyle>
+      </a:effectStyleLst>
+      <a:bgFillStyleLst>
+        <a:solidFill>
+          <a:schemeClr val="phClr"/>
+        </a:solidFill>
+        <a:solidFill>
+          <a:schemeClr val="phClr">
+            <a:tint val="95000"/>
+            <a:satMod val="170000"/>
+          </a:schemeClr>
+        </a:solidFill>
+        <a:gradFill rotWithShape="1">
+          <a:gsLst>
+            <a:gs pos="0">
+              <a:schemeClr val="phClr">
+                <a:tint val="93000"/>
+                <a:satMod val="150000"/>
+                <a:shade val="98000"/>
+                <a:lumMod val="102000"/>
+              </a:schemeClr>
+            </a:gs>
+            <a:gs pos="50000">
+              <a:schemeClr val="phClr">
+                <a:tint val="98000"/>
+                <a:satMod val="130000"/>
+                <a:shade val="90000"/>
+                <a:lumMod val="103000"/>
+              </a:schemeClr>
+            </a:gs>
+            <a:gs pos="100000">
+              <a:schemeClr val="phClr">
+                <a:shade val="63000"/>
+                <a:satMod val="120000"/>
+              </a:schemeClr>
+            </a:gs>
+          </a:gsLst>
+          <a:lin ang="5400000" scaled="0"/>
+        </a:gradFill>
+      </a:bgFillStyleLst>
+    </a:fmtScheme>
+  </a:themeElements>
+  <a:objectDefaults/>
+  <a:extraClrSchemeLst/>
+  <a:extLst>
+    <a:ext uri="{05A4C25C-085E-4340-85A3-A5531E510DB2}">
+      <thm15:themeFamily xmlns:thm15="http://schemas.microsoft.com/office/thememl/2012/main" name="Office Theme" id="{62F939B6-93AF-4DB8-9C6B-D6C7DFDC589F}" vid="{4A3C46E8-61CC-4603-A589-7422A47A8E4A}"/>
+    </a:ext>
+  </a:extLst>
+</a:theme>
 </file>
--- a/FinalThesis/答辩ppt.pptx
+++ b/FinalThesis/答辩ppt.pptx
@@ -5,10 +5,10 @@
     <p:sldMasterId id="2147483660" r:id="rId1"/>
   </p:sldMasterIdLst>
   <p:notesMasterIdLst>
-    <p:notesMasterId r:id="rId36"/>
+    <p:notesMasterId r:id="rId37"/>
   </p:notesMasterIdLst>
   <p:handoutMasterIdLst>
-    <p:handoutMasterId r:id="rId37"/>
+    <p:handoutMasterId r:id="rId38"/>
   </p:handoutMasterIdLst>
   <p:sldIdLst>
     <p:sldId id="284" r:id="rId2"/>
@@ -30,21 +30,22 @@
     <p:sldId id="1169" r:id="rId18"/>
     <p:sldId id="2389" r:id="rId19"/>
     <p:sldId id="2384" r:id="rId20"/>
-    <p:sldId id="2386" r:id="rId21"/>
-    <p:sldId id="2387" r:id="rId22"/>
-    <p:sldId id="2388" r:id="rId23"/>
-    <p:sldId id="2390" r:id="rId24"/>
-    <p:sldId id="2396" r:id="rId25"/>
-    <p:sldId id="2397" r:id="rId26"/>
-    <p:sldId id="2398" r:id="rId27"/>
-    <p:sldId id="2400" r:id="rId28"/>
-    <p:sldId id="2394" r:id="rId29"/>
-    <p:sldId id="2401" r:id="rId30"/>
-    <p:sldId id="2402" r:id="rId31"/>
-    <p:sldId id="2403" r:id="rId32"/>
-    <p:sldId id="2404" r:id="rId33"/>
-    <p:sldId id="2405" r:id="rId34"/>
-    <p:sldId id="1162" r:id="rId35"/>
+    <p:sldId id="2387" r:id="rId21"/>
+    <p:sldId id="2388" r:id="rId22"/>
+    <p:sldId id="2390" r:id="rId23"/>
+    <p:sldId id="2396" r:id="rId24"/>
+    <p:sldId id="2397" r:id="rId25"/>
+    <p:sldId id="2398" r:id="rId26"/>
+    <p:sldId id="2400" r:id="rId27"/>
+    <p:sldId id="2394" r:id="rId28"/>
+    <p:sldId id="2401" r:id="rId29"/>
+    <p:sldId id="2402" r:id="rId30"/>
+    <p:sldId id="2403" r:id="rId31"/>
+    <p:sldId id="2404" r:id="rId32"/>
+    <p:sldId id="2405" r:id="rId33"/>
+    <p:sldId id="2406" r:id="rId34"/>
+    <p:sldId id="2407" r:id="rId35"/>
+    <p:sldId id="1162" r:id="rId36"/>
   </p:sldIdLst>
   <p:sldSz cx="12192000" cy="6858000"/>
   <p:notesSz cx="6858000" cy="9144000"/>
@@ -170,7 +171,6 @@
             <p14:sldId id="1169"/>
             <p14:sldId id="2389"/>
             <p14:sldId id="2384"/>
-            <p14:sldId id="2386"/>
             <p14:sldId id="2387"/>
             <p14:sldId id="2388"/>
             <p14:sldId id="2390"/>
@@ -184,6 +184,8 @@
             <p14:sldId id="2403"/>
             <p14:sldId id="2404"/>
             <p14:sldId id="2405"/>
+            <p14:sldId id="2406"/>
+            <p14:sldId id="2407"/>
             <p14:sldId id="1162"/>
           </p14:sldIdLst>
         </p14:section>
@@ -891,7 +893,7 @@
           <a:p>
             <a:fld id="{4106F176-1BA7-4856-A54F-4D0748786C86}" type="slidenum">
               <a:rPr lang="zh-CN" altLang="en-US" smtClean="0"/>
-              <a:t>28</a:t>
+              <a:t>24</a:t>
             </a:fld>
             <a:endParaRPr lang="zh-CN" altLang="en-US"/>
           </a:p>
@@ -900,7 +902,7 @@
     </p:spTree>
     <p:extLst>
       <p:ext uri="{BB962C8B-B14F-4D97-AF65-F5344CB8AC3E}">
-        <p14:creationId xmlns:p14="http://schemas.microsoft.com/office/powerpoint/2010/main" val="1932090610"/>
+        <p14:creationId xmlns:p14="http://schemas.microsoft.com/office/powerpoint/2010/main" val="3645902959"/>
       </p:ext>
     </p:extLst>
   </p:cSld>
@@ -954,6 +956,204 @@
           <a:bodyPr/>
           <a:lstStyle/>
           <a:p>
+            <a:r>
+              <a:rPr lang="zh-CN" altLang="en-US" sz="1200" dirty="0">
+                <a:latin typeface="+mn-ea"/>
+              </a:rPr>
+              <a:t>获取邻居信息，初始设定搜索半径 </a:t>
+            </a:r>
+            <a:r>
+              <a:rPr lang="en-US" altLang="zh-CN" sz="1200" dirty="0">
+                <a:latin typeface="+mn-ea"/>
+              </a:rPr>
+              <a:t>r</a:t>
+            </a:r>
+            <a:r>
+              <a:rPr lang="zh-CN" altLang="en-US" sz="1200" dirty="0">
+                <a:latin typeface="+mn-ea"/>
+              </a:rPr>
+              <a:t>，判断初始起点位置周围的半径的 </a:t>
+            </a:r>
+            <a:r>
+              <a:rPr lang="en-US" altLang="zh-CN" sz="1200" dirty="0">
+                <a:latin typeface="+mn-ea"/>
+              </a:rPr>
+              <a:t>r </a:t>
+            </a:r>
+            <a:r>
+              <a:rPr lang="zh-CN" altLang="en-US" sz="1200" dirty="0">
+                <a:latin typeface="+mn-ea"/>
+              </a:rPr>
+              <a:t>圆是否进入了别的邻居区域，若进入，</a:t>
+            </a:r>
+            <a:endParaRPr lang="zh-CN" altLang="en-US" dirty="0"/>
+          </a:p>
+        </p:txBody>
+      </p:sp>
+      <p:sp>
+        <p:nvSpPr>
+          <p:cNvPr id="4" name="灯片编号占位符 3"/>
+          <p:cNvSpPr>
+            <a:spLocks noGrp="1"/>
+          </p:cNvSpPr>
+          <p:nvPr>
+            <p:ph type="sldNum" sz="quarter" idx="5"/>
+          </p:nvPr>
+        </p:nvSpPr>
+        <p:spPr/>
+        <p:txBody>
+          <a:bodyPr/>
+          <a:lstStyle/>
+          <a:p>
+            <a:fld id="{4106F176-1BA7-4856-A54F-4D0748786C86}" type="slidenum">
+              <a:rPr lang="zh-CN" altLang="en-US" smtClean="0"/>
+              <a:t>25</a:t>
+            </a:fld>
+            <a:endParaRPr lang="zh-CN" altLang="en-US"/>
+          </a:p>
+        </p:txBody>
+      </p:sp>
+    </p:spTree>
+    <p:extLst>
+      <p:ext uri="{BB962C8B-B14F-4D97-AF65-F5344CB8AC3E}">
+        <p14:creationId xmlns:p14="http://schemas.microsoft.com/office/powerpoint/2010/main" val="2106749317"/>
+      </p:ext>
+    </p:extLst>
+  </p:cSld>
+  <p:clrMapOvr>
+    <a:masterClrMapping/>
+  </p:clrMapOvr>
+</p:notes>
+</file>
+
+<file path=ppt/notesSlides/notesSlide12.xml><?xml version="1.0" encoding="utf-8"?>
+<p:notes xmlns:a="http://schemas.openxmlformats.org/drawingml/2006/main" xmlns:r="http://schemas.openxmlformats.org/officeDocument/2006/relationships" xmlns:p="http://schemas.openxmlformats.org/presentationml/2006/main">
+  <p:cSld>
+    <p:spTree>
+      <p:nvGrpSpPr>
+        <p:cNvPr id="1" name=""/>
+        <p:cNvGrpSpPr/>
+        <p:nvPr/>
+      </p:nvGrpSpPr>
+      <p:grpSpPr>
+        <a:xfrm>
+          <a:off x="0" y="0"/>
+          <a:ext cx="0" cy="0"/>
+          <a:chOff x="0" y="0"/>
+          <a:chExt cx="0" cy="0"/>
+        </a:xfrm>
+      </p:grpSpPr>
+      <p:sp>
+        <p:nvSpPr>
+          <p:cNvPr id="2" name="幻灯片图像占位符 1"/>
+          <p:cNvSpPr>
+            <a:spLocks noGrp="1" noRot="1" noChangeAspect="1"/>
+          </p:cNvSpPr>
+          <p:nvPr>
+            <p:ph type="sldImg"/>
+          </p:nvPr>
+        </p:nvSpPr>
+        <p:spPr/>
+      </p:sp>
+      <p:sp>
+        <p:nvSpPr>
+          <p:cNvPr id="3" name="备注占位符 2"/>
+          <p:cNvSpPr>
+            <a:spLocks noGrp="1"/>
+          </p:cNvSpPr>
+          <p:nvPr>
+            <p:ph type="body" idx="1"/>
+          </p:nvPr>
+        </p:nvSpPr>
+        <p:spPr/>
+        <p:txBody>
+          <a:bodyPr/>
+          <a:lstStyle/>
+          <a:p>
+            <a:endParaRPr lang="zh-CN" altLang="en-US" dirty="0"/>
+          </a:p>
+        </p:txBody>
+      </p:sp>
+      <p:sp>
+        <p:nvSpPr>
+          <p:cNvPr id="4" name="灯片编号占位符 3"/>
+          <p:cNvSpPr>
+            <a:spLocks noGrp="1"/>
+          </p:cNvSpPr>
+          <p:nvPr>
+            <p:ph type="sldNum" sz="quarter" idx="5"/>
+          </p:nvPr>
+        </p:nvSpPr>
+        <p:spPr/>
+        <p:txBody>
+          <a:bodyPr/>
+          <a:lstStyle/>
+          <a:p>
+            <a:fld id="{4106F176-1BA7-4856-A54F-4D0748786C86}" type="slidenum">
+              <a:rPr lang="zh-CN" altLang="en-US" smtClean="0"/>
+              <a:t>27</a:t>
+            </a:fld>
+            <a:endParaRPr lang="zh-CN" altLang="en-US"/>
+          </a:p>
+        </p:txBody>
+      </p:sp>
+    </p:spTree>
+    <p:extLst>
+      <p:ext uri="{BB962C8B-B14F-4D97-AF65-F5344CB8AC3E}">
+        <p14:creationId xmlns:p14="http://schemas.microsoft.com/office/powerpoint/2010/main" val="1932090610"/>
+      </p:ext>
+    </p:extLst>
+  </p:cSld>
+  <p:clrMapOvr>
+    <a:masterClrMapping/>
+  </p:clrMapOvr>
+</p:notes>
+</file>
+
+<file path=ppt/notesSlides/notesSlide13.xml><?xml version="1.0" encoding="utf-8"?>
+<p:notes xmlns:a="http://schemas.openxmlformats.org/drawingml/2006/main" xmlns:r="http://schemas.openxmlformats.org/officeDocument/2006/relationships" xmlns:p="http://schemas.openxmlformats.org/presentationml/2006/main">
+  <p:cSld>
+    <p:spTree>
+      <p:nvGrpSpPr>
+        <p:cNvPr id="1" name=""/>
+        <p:cNvGrpSpPr/>
+        <p:nvPr/>
+      </p:nvGrpSpPr>
+      <p:grpSpPr>
+        <a:xfrm>
+          <a:off x="0" y="0"/>
+          <a:ext cx="0" cy="0"/>
+          <a:chOff x="0" y="0"/>
+          <a:chExt cx="0" cy="0"/>
+        </a:xfrm>
+      </p:grpSpPr>
+      <p:sp>
+        <p:nvSpPr>
+          <p:cNvPr id="2" name="幻灯片图像占位符 1"/>
+          <p:cNvSpPr>
+            <a:spLocks noGrp="1" noRot="1" noChangeAspect="1"/>
+          </p:cNvSpPr>
+          <p:nvPr>
+            <p:ph type="sldImg"/>
+          </p:nvPr>
+        </p:nvSpPr>
+        <p:spPr/>
+      </p:sp>
+      <p:sp>
+        <p:nvSpPr>
+          <p:cNvPr id="3" name="备注占位符 2"/>
+          <p:cNvSpPr>
+            <a:spLocks noGrp="1"/>
+          </p:cNvSpPr>
+          <p:nvPr>
+            <p:ph type="body" idx="1"/>
+          </p:nvPr>
+        </p:nvSpPr>
+        <p:spPr/>
+        <p:txBody>
+          <a:bodyPr/>
+          <a:lstStyle/>
+          <a:p>
             <a:pPr algn="ctr">
               <a:lnSpc>
                 <a:spcPct val="130000"/>
@@ -989,7 +1189,7 @@
           <a:p>
             <a:fld id="{4106F176-1BA7-4856-A54F-4D0748786C86}" type="slidenum">
               <a:rPr lang="zh-CN" altLang="en-US" smtClean="0"/>
-              <a:t>32</a:t>
+              <a:t>31</a:t>
             </a:fld>
             <a:endParaRPr lang="zh-CN" altLang="en-US"/>
           </a:p>
@@ -999,6 +1199,258 @@
     <p:extLst>
       <p:ext uri="{BB962C8B-B14F-4D97-AF65-F5344CB8AC3E}">
         <p14:creationId xmlns:p14="http://schemas.microsoft.com/office/powerpoint/2010/main" val="1315827329"/>
+      </p:ext>
+    </p:extLst>
+  </p:cSld>
+  <p:clrMapOvr>
+    <a:masterClrMapping/>
+  </p:clrMapOvr>
+</p:notes>
+</file>
+
+<file path=ppt/notesSlides/notesSlide14.xml><?xml version="1.0" encoding="utf-8"?>
+<p:notes xmlns:a="http://schemas.openxmlformats.org/drawingml/2006/main" xmlns:r="http://schemas.openxmlformats.org/officeDocument/2006/relationships" xmlns:p="http://schemas.openxmlformats.org/presentationml/2006/main">
+  <p:cSld>
+    <p:spTree>
+      <p:nvGrpSpPr>
+        <p:cNvPr id="1" name=""/>
+        <p:cNvGrpSpPr/>
+        <p:nvPr/>
+      </p:nvGrpSpPr>
+      <p:grpSpPr>
+        <a:xfrm>
+          <a:off x="0" y="0"/>
+          <a:ext cx="0" cy="0"/>
+          <a:chOff x="0" y="0"/>
+          <a:chExt cx="0" cy="0"/>
+        </a:xfrm>
+      </p:grpSpPr>
+      <p:sp>
+        <p:nvSpPr>
+          <p:cNvPr id="2" name="幻灯片图像占位符 1"/>
+          <p:cNvSpPr>
+            <a:spLocks noGrp="1" noRot="1" noChangeAspect="1"/>
+          </p:cNvSpPr>
+          <p:nvPr>
+            <p:ph type="sldImg"/>
+          </p:nvPr>
+        </p:nvSpPr>
+        <p:spPr/>
+      </p:sp>
+      <p:sp>
+        <p:nvSpPr>
+          <p:cNvPr id="3" name="备注占位符 2"/>
+          <p:cNvSpPr>
+            <a:spLocks noGrp="1"/>
+          </p:cNvSpPr>
+          <p:nvPr>
+            <p:ph type="body" idx="1"/>
+          </p:nvPr>
+        </p:nvSpPr>
+        <p:spPr/>
+        <p:txBody>
+          <a:bodyPr/>
+          <a:lstStyle/>
+          <a:p>
+            <a:endParaRPr lang="zh-CN" altLang="en-US" dirty="0"/>
+          </a:p>
+        </p:txBody>
+      </p:sp>
+      <p:sp>
+        <p:nvSpPr>
+          <p:cNvPr id="4" name="灯片编号占位符 3"/>
+          <p:cNvSpPr>
+            <a:spLocks noGrp="1"/>
+          </p:cNvSpPr>
+          <p:nvPr>
+            <p:ph type="sldNum" sz="quarter" idx="5"/>
+          </p:nvPr>
+        </p:nvSpPr>
+        <p:spPr/>
+        <p:txBody>
+          <a:bodyPr/>
+          <a:lstStyle/>
+          <a:p>
+            <a:fld id="{4106F176-1BA7-4856-A54F-4D0748786C86}" type="slidenum">
+              <a:rPr lang="zh-CN" altLang="en-US" smtClean="0"/>
+              <a:t>32</a:t>
+            </a:fld>
+            <a:endParaRPr lang="zh-CN" altLang="en-US"/>
+          </a:p>
+        </p:txBody>
+      </p:sp>
+    </p:spTree>
+    <p:extLst>
+      <p:ext uri="{BB962C8B-B14F-4D97-AF65-F5344CB8AC3E}">
+        <p14:creationId xmlns:p14="http://schemas.microsoft.com/office/powerpoint/2010/main" val="29096492"/>
+      </p:ext>
+    </p:extLst>
+  </p:cSld>
+  <p:clrMapOvr>
+    <a:masterClrMapping/>
+  </p:clrMapOvr>
+</p:notes>
+</file>
+
+<file path=ppt/notesSlides/notesSlide15.xml><?xml version="1.0" encoding="utf-8"?>
+<p:notes xmlns:a="http://schemas.openxmlformats.org/drawingml/2006/main" xmlns:r="http://schemas.openxmlformats.org/officeDocument/2006/relationships" xmlns:p="http://schemas.openxmlformats.org/presentationml/2006/main">
+  <p:cSld>
+    <p:spTree>
+      <p:nvGrpSpPr>
+        <p:cNvPr id="1" name=""/>
+        <p:cNvGrpSpPr/>
+        <p:nvPr/>
+      </p:nvGrpSpPr>
+      <p:grpSpPr>
+        <a:xfrm>
+          <a:off x="0" y="0"/>
+          <a:ext cx="0" cy="0"/>
+          <a:chOff x="0" y="0"/>
+          <a:chExt cx="0" cy="0"/>
+        </a:xfrm>
+      </p:grpSpPr>
+      <p:sp>
+        <p:nvSpPr>
+          <p:cNvPr id="2" name="幻灯片图像占位符 1"/>
+          <p:cNvSpPr>
+            <a:spLocks noGrp="1" noRot="1" noChangeAspect="1"/>
+          </p:cNvSpPr>
+          <p:nvPr>
+            <p:ph type="sldImg"/>
+          </p:nvPr>
+        </p:nvSpPr>
+        <p:spPr/>
+      </p:sp>
+      <p:sp>
+        <p:nvSpPr>
+          <p:cNvPr id="3" name="备注占位符 2"/>
+          <p:cNvSpPr>
+            <a:spLocks noGrp="1"/>
+          </p:cNvSpPr>
+          <p:nvPr>
+            <p:ph type="body" idx="1"/>
+          </p:nvPr>
+        </p:nvSpPr>
+        <p:spPr/>
+        <p:txBody>
+          <a:bodyPr/>
+          <a:lstStyle/>
+          <a:p>
+            <a:endParaRPr lang="zh-CN" altLang="en-US" dirty="0"/>
+          </a:p>
+        </p:txBody>
+      </p:sp>
+      <p:sp>
+        <p:nvSpPr>
+          <p:cNvPr id="4" name="灯片编号占位符 3"/>
+          <p:cNvSpPr>
+            <a:spLocks noGrp="1"/>
+          </p:cNvSpPr>
+          <p:nvPr>
+            <p:ph type="sldNum" sz="quarter" idx="5"/>
+          </p:nvPr>
+        </p:nvSpPr>
+        <p:spPr/>
+        <p:txBody>
+          <a:bodyPr/>
+          <a:lstStyle/>
+          <a:p>
+            <a:fld id="{4106F176-1BA7-4856-A54F-4D0748786C86}" type="slidenum">
+              <a:rPr lang="zh-CN" altLang="en-US" smtClean="0"/>
+              <a:t>33</a:t>
+            </a:fld>
+            <a:endParaRPr lang="zh-CN" altLang="en-US"/>
+          </a:p>
+        </p:txBody>
+      </p:sp>
+    </p:spTree>
+    <p:extLst>
+      <p:ext uri="{BB962C8B-B14F-4D97-AF65-F5344CB8AC3E}">
+        <p14:creationId xmlns:p14="http://schemas.microsoft.com/office/powerpoint/2010/main" val="3041241221"/>
+      </p:ext>
+    </p:extLst>
+  </p:cSld>
+  <p:clrMapOvr>
+    <a:masterClrMapping/>
+  </p:clrMapOvr>
+</p:notes>
+</file>
+
+<file path=ppt/notesSlides/notesSlide16.xml><?xml version="1.0" encoding="utf-8"?>
+<p:notes xmlns:a="http://schemas.openxmlformats.org/drawingml/2006/main" xmlns:r="http://schemas.openxmlformats.org/officeDocument/2006/relationships" xmlns:p="http://schemas.openxmlformats.org/presentationml/2006/main">
+  <p:cSld>
+    <p:spTree>
+      <p:nvGrpSpPr>
+        <p:cNvPr id="1" name=""/>
+        <p:cNvGrpSpPr/>
+        <p:nvPr/>
+      </p:nvGrpSpPr>
+      <p:grpSpPr>
+        <a:xfrm>
+          <a:off x="0" y="0"/>
+          <a:ext cx="0" cy="0"/>
+          <a:chOff x="0" y="0"/>
+          <a:chExt cx="0" cy="0"/>
+        </a:xfrm>
+      </p:grpSpPr>
+      <p:sp>
+        <p:nvSpPr>
+          <p:cNvPr id="2" name="幻灯片图像占位符 1"/>
+          <p:cNvSpPr>
+            <a:spLocks noGrp="1" noRot="1" noChangeAspect="1"/>
+          </p:cNvSpPr>
+          <p:nvPr>
+            <p:ph type="sldImg"/>
+          </p:nvPr>
+        </p:nvSpPr>
+        <p:spPr/>
+      </p:sp>
+      <p:sp>
+        <p:nvSpPr>
+          <p:cNvPr id="3" name="备注占位符 2"/>
+          <p:cNvSpPr>
+            <a:spLocks noGrp="1"/>
+          </p:cNvSpPr>
+          <p:nvPr>
+            <p:ph type="body" idx="1"/>
+          </p:nvPr>
+        </p:nvSpPr>
+        <p:spPr/>
+        <p:txBody>
+          <a:bodyPr/>
+          <a:lstStyle/>
+          <a:p>
+            <a:endParaRPr lang="zh-CN" altLang="en-US" dirty="0"/>
+          </a:p>
+        </p:txBody>
+      </p:sp>
+      <p:sp>
+        <p:nvSpPr>
+          <p:cNvPr id="4" name="灯片编号占位符 3"/>
+          <p:cNvSpPr>
+            <a:spLocks noGrp="1"/>
+          </p:cNvSpPr>
+          <p:nvPr>
+            <p:ph type="sldNum" sz="quarter" idx="5"/>
+          </p:nvPr>
+        </p:nvSpPr>
+        <p:spPr/>
+        <p:txBody>
+          <a:bodyPr/>
+          <a:lstStyle/>
+          <a:p>
+            <a:fld id="{4106F176-1BA7-4856-A54F-4D0748786C86}" type="slidenum">
+              <a:rPr lang="zh-CN" altLang="en-US" smtClean="0"/>
+              <a:t>34</a:t>
+            </a:fld>
+            <a:endParaRPr lang="zh-CN" altLang="en-US"/>
+          </a:p>
+        </p:txBody>
+      </p:sp>
+    </p:spTree>
+    <p:extLst>
+      <p:ext uri="{BB962C8B-B14F-4D97-AF65-F5344CB8AC3E}">
+        <p14:creationId xmlns:p14="http://schemas.microsoft.com/office/powerpoint/2010/main" val="2702511469"/>
       </p:ext>
     </p:extLst>
   </p:cSld>
@@ -1230,42 +1682,6 @@
           <a:bodyPr/>
           <a:lstStyle/>
           <a:p>
-            <a:pPr marL="0" marR="0" lvl="0" indent="0" algn="l" defTabSz="914400" rtl="0" eaLnBrk="1" fontAlgn="auto" latinLnBrk="0" hangingPunct="1">
-              <a:lnSpc>
-                <a:spcPct val="100000"/>
-              </a:lnSpc>
-              <a:spcBef>
-                <a:spcPts val="0"/>
-              </a:spcBef>
-              <a:spcAft>
-                <a:spcPts val="0"/>
-              </a:spcAft>
-              <a:buClrTx/>
-              <a:buSzTx/>
-              <a:buFontTx/>
-              <a:buNone/>
-              <a:tabLst/>
-              <a:defRPr/>
-            </a:pPr>
-            <a:r>
-              <a:rPr lang="zh-CN" altLang="en-US" sz="1600" dirty="0">
-                <a:solidFill>
-                  <a:schemeClr val="tx1"/>
-                </a:solidFill>
-                <a:latin typeface="+mn-ea"/>
-                <a:cs typeface="Times New Roman" panose="02020603050405020304" pitchFamily="18" charset="0"/>
-              </a:rPr>
-              <a:t>在树状区块链中，同一个账户同时只允许在一条子链中有资产余额，此时该链便被称为该账户的活跃链。</a:t>
-            </a:r>
-            <a:endParaRPr lang="en-US" altLang="zh-CN" sz="1600" dirty="0">
-              <a:solidFill>
-                <a:schemeClr val="tx1"/>
-              </a:solidFill>
-              <a:latin typeface="+mn-ea"/>
-              <a:cs typeface="Times New Roman" panose="02020603050405020304" pitchFamily="18" charset="0"/>
-            </a:endParaRPr>
-          </a:p>
-          <a:p>
             <a:endParaRPr lang="zh-CN" altLang="en-US" dirty="0"/>
           </a:p>
         </p:txBody>
@@ -1287,7 +1703,7 @@
           <a:p>
             <a:fld id="{4106F176-1BA7-4856-A54F-4D0748786C86}" type="slidenum">
               <a:rPr lang="zh-CN" altLang="en-US" smtClean="0"/>
-              <a:t>18</a:t>
+              <a:t>14</a:t>
             </a:fld>
             <a:endParaRPr lang="zh-CN" altLang="en-US"/>
           </a:p>
@@ -1296,7 +1712,7 @@
     </p:spTree>
     <p:extLst>
       <p:ext uri="{BB962C8B-B14F-4D97-AF65-F5344CB8AC3E}">
-        <p14:creationId xmlns:p14="http://schemas.microsoft.com/office/powerpoint/2010/main" val="3936056109"/>
+        <p14:creationId xmlns:p14="http://schemas.microsoft.com/office/powerpoint/2010/main" val="3807692503"/>
       </p:ext>
     </p:extLst>
   </p:cSld>
@@ -1351,74 +1767,10 @@
           <a:lstStyle/>
           <a:p>
             <a:r>
-              <a:rPr lang="zh-CN" altLang="en-US" sz="1200" dirty="0">
-                <a:solidFill>
-                  <a:schemeClr val="tx1"/>
-                </a:solidFill>
+              <a:rPr lang="zh-CN" altLang="en-US" dirty="0">
                 <a:latin typeface="+mn-ea"/>
-                <a:cs typeface="Times New Roman" panose="02020603050405020304" pitchFamily="18" charset="0"/>
               </a:rPr>
-              <a:t>构建一条主链记为 </a:t>
-            </a:r>
-            <a:r>
-              <a:rPr lang="en-US" altLang="zh-CN" sz="1200" dirty="0">
-                <a:solidFill>
-                  <a:schemeClr val="tx1"/>
-                </a:solidFill>
-                <a:latin typeface="+mn-ea"/>
-                <a:cs typeface="Times New Roman" panose="02020603050405020304" pitchFamily="18" charset="0"/>
-              </a:rPr>
-              <a:t>w1</a:t>
-            </a:r>
-            <a:r>
-              <a:rPr lang="zh-CN" altLang="en-US" sz="1200" dirty="0">
-                <a:solidFill>
-                  <a:schemeClr val="tx1"/>
-                </a:solidFill>
-                <a:latin typeface="+mn-ea"/>
-                <a:cs typeface="Times New Roman" panose="02020603050405020304" pitchFamily="18" charset="0"/>
-              </a:rPr>
-              <a:t>，其下有两条子链分别记为 </a:t>
-            </a:r>
-            <a:r>
-              <a:rPr lang="en-US" altLang="zh-CN" sz="1200" dirty="0">
-                <a:solidFill>
-                  <a:schemeClr val="tx1"/>
-                </a:solidFill>
-                <a:latin typeface="+mn-ea"/>
-                <a:cs typeface="Times New Roman" panose="02020603050405020304" pitchFamily="18" charset="0"/>
-              </a:rPr>
-              <a:t>w11 </a:t>
-            </a:r>
-            <a:r>
-              <a:rPr lang="zh-CN" altLang="en-US" sz="1200" dirty="0">
-                <a:solidFill>
-                  <a:schemeClr val="tx1"/>
-                </a:solidFill>
-                <a:latin typeface="+mn-ea"/>
-                <a:cs typeface="Times New Roman" panose="02020603050405020304" pitchFamily="18" charset="0"/>
-              </a:rPr>
-              <a:t>和 </a:t>
-            </a:r>
-            <a:r>
-              <a:rPr lang="en-US" altLang="zh-CN" sz="1200" dirty="0">
-                <a:solidFill>
-                  <a:schemeClr val="tx1"/>
-                </a:solidFill>
-                <a:latin typeface="+mn-ea"/>
-                <a:cs typeface="Times New Roman" panose="02020603050405020304" pitchFamily="18" charset="0"/>
-              </a:rPr>
-              <a:t>w12</a:t>
-            </a:r>
-            <a:r>
-              <a:rPr lang="zh-CN" altLang="en-US" sz="1200" dirty="0">
-                <a:solidFill>
-                  <a:schemeClr val="tx1"/>
-                </a:solidFill>
-                <a:latin typeface="+mn-ea"/>
-                <a:cs typeface="Times New Roman" panose="02020603050405020304" pitchFamily="18" charset="0"/>
-              </a:rPr>
-              <a:t>。</a:t>
+              <a:t>在后续的应用中，需要充分考虑机器的硬件配置、网络带宽、存储能力等方面对系统的影响。</a:t>
             </a:r>
             <a:endParaRPr lang="zh-CN" altLang="en-US" dirty="0"/>
           </a:p>
@@ -1441,7 +1793,7 @@
           <a:p>
             <a:fld id="{4106F176-1BA7-4856-A54F-4D0748786C86}" type="slidenum">
               <a:rPr lang="zh-CN" altLang="en-US" smtClean="0"/>
-              <a:t>19</a:t>
+              <a:t>16</a:t>
             </a:fld>
             <a:endParaRPr lang="zh-CN" altLang="en-US"/>
           </a:p>
@@ -1450,7 +1802,7 @@
     </p:spTree>
     <p:extLst>
       <p:ext uri="{BB962C8B-B14F-4D97-AF65-F5344CB8AC3E}">
-        <p14:creationId xmlns:p14="http://schemas.microsoft.com/office/powerpoint/2010/main" val="2179825916"/>
+        <p14:creationId xmlns:p14="http://schemas.microsoft.com/office/powerpoint/2010/main" val="2595428024"/>
       </p:ext>
     </p:extLst>
   </p:cSld>
@@ -1504,6 +1856,42 @@
           <a:bodyPr/>
           <a:lstStyle/>
           <a:p>
+            <a:pPr marL="0" marR="0" lvl="0" indent="0" algn="l" defTabSz="914400" rtl="0" eaLnBrk="1" fontAlgn="auto" latinLnBrk="0" hangingPunct="1">
+              <a:lnSpc>
+                <a:spcPct val="100000"/>
+              </a:lnSpc>
+              <a:spcBef>
+                <a:spcPts val="0"/>
+              </a:spcBef>
+              <a:spcAft>
+                <a:spcPts val="0"/>
+              </a:spcAft>
+              <a:buClrTx/>
+              <a:buSzTx/>
+              <a:buFontTx/>
+              <a:buNone/>
+              <a:tabLst/>
+              <a:defRPr/>
+            </a:pPr>
+            <a:r>
+              <a:rPr lang="zh-CN" altLang="en-US" sz="1600" dirty="0">
+                <a:solidFill>
+                  <a:schemeClr val="tx1"/>
+                </a:solidFill>
+                <a:latin typeface="+mn-ea"/>
+                <a:cs typeface="Times New Roman" panose="02020603050405020304" pitchFamily="18" charset="0"/>
+              </a:rPr>
+              <a:t>在树状区块链中，同一个账户同时只允许在一条子链中有资产余额，此时该链便被称为该账户的活跃链。</a:t>
+            </a:r>
+            <a:endParaRPr lang="en-US" altLang="zh-CN" sz="1600" dirty="0">
+              <a:solidFill>
+                <a:schemeClr val="tx1"/>
+              </a:solidFill>
+              <a:latin typeface="+mn-ea"/>
+              <a:cs typeface="Times New Roman" panose="02020603050405020304" pitchFamily="18" charset="0"/>
+            </a:endParaRPr>
+          </a:p>
+          <a:p>
             <a:endParaRPr lang="zh-CN" altLang="en-US" dirty="0"/>
           </a:p>
         </p:txBody>
@@ -1525,7 +1913,7 @@
           <a:p>
             <a:fld id="{4106F176-1BA7-4856-A54F-4D0748786C86}" type="slidenum">
               <a:rPr lang="zh-CN" altLang="en-US" smtClean="0"/>
-              <a:t>20</a:t>
+              <a:t>18</a:t>
             </a:fld>
             <a:endParaRPr lang="zh-CN" altLang="en-US"/>
           </a:p>
@@ -1534,7 +1922,7 @@
     </p:spTree>
     <p:extLst>
       <p:ext uri="{BB962C8B-B14F-4D97-AF65-F5344CB8AC3E}">
-        <p14:creationId xmlns:p14="http://schemas.microsoft.com/office/powerpoint/2010/main" val="631736064"/>
+        <p14:creationId xmlns:p14="http://schemas.microsoft.com/office/powerpoint/2010/main" val="3936056109"/>
       </p:ext>
     </p:extLst>
   </p:cSld>
@@ -1590,9 +1978,73 @@
           <a:p>
             <a:r>
               <a:rPr lang="zh-CN" altLang="en-US" sz="1200" dirty="0">
+                <a:solidFill>
+                  <a:schemeClr val="tx1"/>
+                </a:solidFill>
                 <a:latin typeface="+mn-ea"/>
+                <a:cs typeface="Times New Roman" panose="02020603050405020304" pitchFamily="18" charset="0"/>
               </a:rPr>
-              <a:t>从原理实现的角度来看，树状区块链的分支区块在处理跨链资产转移请求时，需要串行的处理并验证转账过程中相互通信的交易信息，由于跨链资产转移操作的通信过程所发送的交易信息有着严格的先后顺序，因此整个过程对外可以大致认为是一个原子性操作。</a:t>
+              <a:t>构建一条主链记为 </a:t>
+            </a:r>
+            <a:r>
+              <a:rPr lang="en-US" altLang="zh-CN" sz="1200" dirty="0">
+                <a:solidFill>
+                  <a:schemeClr val="tx1"/>
+                </a:solidFill>
+                <a:latin typeface="+mn-ea"/>
+                <a:cs typeface="Times New Roman" panose="02020603050405020304" pitchFamily="18" charset="0"/>
+              </a:rPr>
+              <a:t>w1</a:t>
+            </a:r>
+            <a:r>
+              <a:rPr lang="zh-CN" altLang="en-US" sz="1200" dirty="0">
+                <a:solidFill>
+                  <a:schemeClr val="tx1"/>
+                </a:solidFill>
+                <a:latin typeface="+mn-ea"/>
+                <a:cs typeface="Times New Roman" panose="02020603050405020304" pitchFamily="18" charset="0"/>
+              </a:rPr>
+              <a:t>，其下有两条子链分别记为 </a:t>
+            </a:r>
+            <a:r>
+              <a:rPr lang="en-US" altLang="zh-CN" sz="1200" dirty="0">
+                <a:solidFill>
+                  <a:schemeClr val="tx1"/>
+                </a:solidFill>
+                <a:latin typeface="+mn-ea"/>
+                <a:cs typeface="Times New Roman" panose="02020603050405020304" pitchFamily="18" charset="0"/>
+              </a:rPr>
+              <a:t>w11 </a:t>
+            </a:r>
+            <a:r>
+              <a:rPr lang="zh-CN" altLang="en-US" sz="1200" dirty="0">
+                <a:solidFill>
+                  <a:schemeClr val="tx1"/>
+                </a:solidFill>
+                <a:latin typeface="+mn-ea"/>
+                <a:cs typeface="Times New Roman" panose="02020603050405020304" pitchFamily="18" charset="0"/>
+              </a:rPr>
+              <a:t>和 </a:t>
+            </a:r>
+            <a:r>
+              <a:rPr lang="en-US" altLang="zh-CN" sz="1200" dirty="0">
+                <a:solidFill>
+                  <a:schemeClr val="tx1"/>
+                </a:solidFill>
+                <a:latin typeface="+mn-ea"/>
+                <a:cs typeface="Times New Roman" panose="02020603050405020304" pitchFamily="18" charset="0"/>
+              </a:rPr>
+              <a:t>w12</a:t>
+            </a:r>
+            <a:r>
+              <a:rPr lang="zh-CN" altLang="en-US" sz="1200" dirty="0">
+                <a:solidFill>
+                  <a:schemeClr val="tx1"/>
+                </a:solidFill>
+                <a:latin typeface="+mn-ea"/>
+                <a:cs typeface="Times New Roman" panose="02020603050405020304" pitchFamily="18" charset="0"/>
+              </a:rPr>
+              <a:t>。</a:t>
             </a:r>
             <a:endParaRPr lang="zh-CN" altLang="en-US" dirty="0"/>
           </a:p>
@@ -1615,7 +2067,7 @@
           <a:p>
             <a:fld id="{4106F176-1BA7-4856-A54F-4D0748786C86}" type="slidenum">
               <a:rPr lang="zh-CN" altLang="en-US" smtClean="0"/>
-              <a:t>22</a:t>
+              <a:t>19</a:t>
             </a:fld>
             <a:endParaRPr lang="zh-CN" altLang="en-US"/>
           </a:p>
@@ -1624,7 +2076,7 @@
     </p:spTree>
     <p:extLst>
       <p:ext uri="{BB962C8B-B14F-4D97-AF65-F5344CB8AC3E}">
-        <p14:creationId xmlns:p14="http://schemas.microsoft.com/office/powerpoint/2010/main" val="1345148597"/>
+        <p14:creationId xmlns:p14="http://schemas.microsoft.com/office/powerpoint/2010/main" val="2179825916"/>
       </p:ext>
     </p:extLst>
   </p:cSld>
@@ -1680,13 +2132,9 @@
           <a:p>
             <a:r>
               <a:rPr lang="zh-CN" altLang="en-US" sz="1200" dirty="0">
-                <a:solidFill>
-                  <a:schemeClr val="tx1"/>
-                </a:solidFill>
                 <a:latin typeface="+mn-ea"/>
-                <a:cs typeface="Times New Roman" panose="02020603050405020304" pitchFamily="18" charset="0"/>
               </a:rPr>
-              <a:t>本章的内容主要就是围绕如何实现出租车调度系统的跨区域（跨子链）交易来展开</a:t>
+              <a:t>从原理实现的角度来看，树状区块链的分支区块在处理跨链资产转移请求时，需要串行的处理并验证转账过程中相互通信的交易信息，由于跨链资产转移操作的通信过程所发送的交易信息有着严格的先后顺序，因此整个过程对外可以大致认为是一个原子性操作。</a:t>
             </a:r>
             <a:endParaRPr lang="zh-CN" altLang="en-US" dirty="0"/>
           </a:p>
@@ -1709,7 +2157,7 @@
           <a:p>
             <a:fld id="{4106F176-1BA7-4856-A54F-4D0748786C86}" type="slidenum">
               <a:rPr lang="zh-CN" altLang="en-US" smtClean="0"/>
-              <a:t>24</a:t>
+              <a:t>21</a:t>
             </a:fld>
             <a:endParaRPr lang="zh-CN" altLang="en-US"/>
           </a:p>
@@ -1718,7 +2166,7 @@
     </p:spTree>
     <p:extLst>
       <p:ext uri="{BB962C8B-B14F-4D97-AF65-F5344CB8AC3E}">
-        <p14:creationId xmlns:p14="http://schemas.microsoft.com/office/powerpoint/2010/main" val="1833655024"/>
+        <p14:creationId xmlns:p14="http://schemas.microsoft.com/office/powerpoint/2010/main" val="1345148597"/>
       </p:ext>
     </p:extLst>
   </p:cSld>
@@ -1772,6 +2220,16 @@
           <a:bodyPr/>
           <a:lstStyle/>
           <a:p>
+            <a:r>
+              <a:rPr lang="zh-CN" altLang="en-US" sz="1200" dirty="0">
+                <a:solidFill>
+                  <a:schemeClr val="tx1"/>
+                </a:solidFill>
+                <a:latin typeface="+mn-ea"/>
+                <a:cs typeface="Times New Roman" panose="02020603050405020304" pitchFamily="18" charset="0"/>
+              </a:rPr>
+              <a:t>本章的内容主要就是围绕如何实现出租车调度系统的跨区域（跨子链）交易来展开</a:t>
+            </a:r>
             <a:endParaRPr lang="zh-CN" altLang="en-US" dirty="0"/>
           </a:p>
         </p:txBody>
@@ -1793,7 +2251,7 @@
           <a:p>
             <a:fld id="{4106F176-1BA7-4856-A54F-4D0748786C86}" type="slidenum">
               <a:rPr lang="zh-CN" altLang="en-US" smtClean="0"/>
-              <a:t>25</a:t>
+              <a:t>23</a:t>
             </a:fld>
             <a:endParaRPr lang="zh-CN" altLang="en-US"/>
           </a:p>
@@ -1802,7 +2260,7 @@
     </p:spTree>
     <p:extLst>
       <p:ext uri="{BB962C8B-B14F-4D97-AF65-F5344CB8AC3E}">
-        <p14:creationId xmlns:p14="http://schemas.microsoft.com/office/powerpoint/2010/main" val="3645902959"/>
+        <p14:creationId xmlns:p14="http://schemas.microsoft.com/office/powerpoint/2010/main" val="1833655024"/>
       </p:ext>
     </p:extLst>
   </p:cSld>
@@ -6860,7 +7318,7 @@
           <a:p>
             <a:r>
               <a:rPr kumimoji="1" lang="zh-CN" altLang="en-US" sz="4400" b="1" dirty="0"/>
-              <a:t>出租车调度系统中的树状区块链的跨链操作的设计研究</a:t>
+              <a:t>出租车调度系统中的树状区块链的跨区域操作的设计研究</a:t>
             </a:r>
           </a:p>
         </p:txBody>
@@ -6969,7 +7427,42 @@
               <a:rPr lang="zh-CN" altLang="en-US" sz="2200" dirty="0">
                 <a:latin typeface="+mn-ea"/>
               </a:rPr>
-              <a:t>节点连接问题：无法建立多节点的连接；解决方案：确保多节点之间有着相同的账户信息，在初始的创世块中也应初始化相同的账户信息</a:t>
+              <a:t>节点连接问题：无法建立多节点的连接；</a:t>
+            </a:r>
+            <a:endParaRPr lang="en-US" altLang="zh-CN" sz="2200" dirty="0">
+              <a:latin typeface="+mn-ea"/>
+            </a:endParaRPr>
+          </a:p>
+          <a:p>
+            <a:pPr marL="323992" lvl="1" indent="0">
+              <a:lnSpc>
+                <a:spcPct val="150000"/>
+              </a:lnSpc>
+              <a:buNone/>
+            </a:pPr>
+            <a:r>
+              <a:rPr lang="en-US" altLang="zh-CN" sz="2000" dirty="0">
+                <a:latin typeface="+mn-ea"/>
+              </a:rPr>
+              <a:t>	</a:t>
+            </a:r>
+            <a:r>
+              <a:rPr lang="zh-CN" altLang="en-US" sz="2000" dirty="0">
+                <a:latin typeface="+mn-ea"/>
+              </a:rPr>
+              <a:t>解决方案：确保多节点之间有着相同的账户信息，在初始的创世块中也应初始化相同的</a:t>
+            </a:r>
+            <a:r>
+              <a:rPr lang="en-US" altLang="zh-CN" sz="2000" dirty="0">
+                <a:latin typeface="+mn-ea"/>
+              </a:rPr>
+              <a:t>	</a:t>
+            </a:r>
+            <a:r>
+              <a:rPr lang="zh-CN" altLang="en-US" sz="2000" dirty="0">
+                <a:latin typeface="+mn-ea"/>
+              </a:rPr>
+              <a:t>账户信息</a:t>
             </a:r>
             <a:endParaRPr lang="en-US" altLang="zh-CN" sz="2200" dirty="0">
               <a:latin typeface="+mn-ea"/>
@@ -6981,47 +7474,78 @@
                 <a:spcPct val="150000"/>
               </a:lnSpc>
             </a:pPr>
+            <a:r>
+              <a:rPr lang="zh-CN" altLang="en-US" sz="2200" dirty="0">
+                <a:latin typeface="+mn-ea"/>
+              </a:rPr>
+              <a:t>合约有关问题：合约编译部署和调用中的错误：</a:t>
+            </a:r>
             <a:endParaRPr lang="en-US" altLang="zh-CN" sz="2200" dirty="0">
               <a:latin typeface="+mn-ea"/>
             </a:endParaRPr>
           </a:p>
           <a:p>
-            <a:pPr>
+            <a:pPr marL="323992" lvl="1" indent="0">
               <a:lnSpc>
                 <a:spcPct val="150000"/>
               </a:lnSpc>
+              <a:buNone/>
             </a:pPr>
             <a:r>
-              <a:rPr lang="zh-CN" altLang="en-US" sz="2200" dirty="0">
+              <a:rPr lang="en-US" altLang="zh-CN" sz="2000" dirty="0">
                 <a:latin typeface="+mn-ea"/>
               </a:rPr>
-              <a:t>合约有关问题：合约编译部署和调用中的错误：解决方案：针对合约中易遇到的问题，本人将问题进行了汇总并给出了解决方法，记录于论文的</a:t>
-            </a:r>
-            <a:r>
-              <a:rPr lang="en-US" altLang="zh-CN" sz="2200" dirty="0">
+              <a:t>	</a:t>
+            </a:r>
+            <a:r>
+              <a:rPr lang="zh-CN" altLang="en-US" sz="2000" dirty="0">
                 <a:latin typeface="+mn-ea"/>
               </a:rPr>
-              <a:t>3.3.2.3《</a:t>
-            </a:r>
-            <a:r>
-              <a:rPr lang="zh-CN" altLang="en-US" sz="2200" dirty="0">
+              <a:t>解决方案：编译合约时，更新</a:t>
+            </a:r>
+            <a:r>
+              <a:rPr lang="en-US" altLang="zh-CN" sz="2000" dirty="0" err="1">
                 <a:latin typeface="+mn-ea"/>
               </a:rPr>
-              <a:t>合约的错误总结</a:t>
-            </a:r>
-            <a:r>
-              <a:rPr lang="en-US" altLang="zh-CN" sz="2200" dirty="0">
+              <a:t>ContractAbi</a:t>
+            </a:r>
+            <a:r>
+              <a:rPr lang="en-US" altLang="zh-CN" sz="2000" dirty="0">
                 <a:latin typeface="+mn-ea"/>
               </a:rPr>
-              <a:t>》</a:t>
-            </a:r>
-            <a:r>
-              <a:rPr lang="zh-CN" altLang="en-US" sz="2200" dirty="0">
+              <a:t> </a:t>
+            </a:r>
+            <a:r>
+              <a:rPr lang="zh-CN" altLang="en-US" sz="2000" dirty="0">
                 <a:latin typeface="+mn-ea"/>
               </a:rPr>
-              <a:t>小节</a:t>
-            </a:r>
-            <a:endParaRPr lang="en-US" altLang="zh-CN" sz="2200" dirty="0">
+              <a:t>文件；部署合约时注意</a:t>
+            </a:r>
+            <a:r>
+              <a:rPr lang="en-US" altLang="zh-CN" sz="2000" dirty="0">
+                <a:latin typeface="+mn-ea"/>
+              </a:rPr>
+              <a:t>position </a:t>
+            </a:r>
+            <a:r>
+              <a:rPr lang="zh-CN" altLang="en-US" sz="2000" dirty="0">
+                <a:latin typeface="+mn-ea"/>
+              </a:rPr>
+              <a:t>满足子链</a:t>
+            </a:r>
+            <a:r>
+              <a:rPr lang="en-US" altLang="zh-CN" sz="2000" dirty="0">
+                <a:latin typeface="+mn-ea"/>
+              </a:rPr>
+              <a:t>	</a:t>
+            </a:r>
+            <a:r>
+              <a:rPr lang="zh-CN" altLang="en-US" sz="2000" dirty="0">
+                <a:latin typeface="+mn-ea"/>
+              </a:rPr>
+              <a:t>范围</a:t>
+            </a:r>
+            <a:endParaRPr lang="en-US" altLang="zh-CN" sz="2000" dirty="0">
               <a:latin typeface="+mn-ea"/>
             </a:endParaRPr>
           </a:p>
@@ -7461,7 +7985,7 @@
                 <a:latin typeface="+mn-ea"/>
                 <a:cs typeface="Times New Roman" panose="02020603050405020304" pitchFamily="18" charset="0"/>
               </a:rPr>
-              <a:t>如图所示，本实验中树状区块链的</a:t>
+              <a:t>本实验中树状区块链的</a:t>
             </a:r>
             <a:r>
               <a:rPr lang="en-US" altLang="zh-CN" sz="2000" dirty="0">
@@ -7863,41 +8387,6 @@
           <a:chExt cx="0" cy="0"/>
         </a:xfrm>
       </p:grpSpPr>
-      <p:pic>
-        <p:nvPicPr>
-          <p:cNvPr id="3" name="内容占位符 2">
-            <a:extLst>
-              <a:ext uri="{FF2B5EF4-FFF2-40B4-BE49-F238E27FC236}">
-                <a16:creationId xmlns:a16="http://schemas.microsoft.com/office/drawing/2014/main" id="{0B7DAE17-C8EA-48E3-E5D7-73BD3454D0BF}"/>
-              </a:ext>
-            </a:extLst>
-          </p:cNvPr>
-          <p:cNvPicPr>
-            <a:picLocks noGrp="1" noChangeAspect="1"/>
-          </p:cNvPicPr>
-          <p:nvPr>
-            <p:ph idx="1"/>
-          </p:nvPr>
-        </p:nvPicPr>
-        <p:blipFill>
-          <a:blip r:embed="rId2">
-            <a:extLst>
-              <a:ext uri="{28A0092B-C50C-407E-A947-70E740481C1C}">
-                <a14:useLocalDpi xmlns:a14="http://schemas.microsoft.com/office/drawing/2010/main" val="0"/>
-              </a:ext>
-            </a:extLst>
-          </a:blip>
-          <a:stretch>
-            <a:fillRect/>
-          </a:stretch>
-        </p:blipFill>
-        <p:spPr>
-          <a:xfrm>
-            <a:off x="2920308" y="1281565"/>
-            <a:ext cx="5591500" cy="5463619"/>
-          </a:xfrm>
-        </p:spPr>
-      </p:pic>
       <p:sp>
         <p:nvSpPr>
           <p:cNvPr id="4" name="标题 3">
@@ -7957,8 +8446,8 @@
         </p:nvSpPr>
         <p:spPr>
           <a:xfrm>
-            <a:off x="1062962" y="1884598"/>
-            <a:ext cx="1745553" cy="861774"/>
+            <a:off x="835306" y="1578489"/>
+            <a:ext cx="1745553" cy="615553"/>
           </a:xfrm>
           <a:prstGeom prst="rect">
             <a:avLst/>
@@ -8099,7 +8588,7 @@
           <a:p>
             <a:pPr algn="ctr"/>
             <a:r>
-              <a:rPr lang="zh-CN" altLang="en-US" sz="2800" b="1" dirty="0">
+              <a:rPr lang="zh-CN" altLang="en-US" sz="2000" b="1" dirty="0">
                 <a:solidFill>
                   <a:schemeClr val="bg1"/>
                 </a:solidFill>
@@ -8108,7 +8597,7 @@
               <a:t>乘客</a:t>
             </a:r>
             <a:r>
-              <a:rPr lang="zh-CN" altLang="en-US" sz="2800" b="1" dirty="0">
+              <a:rPr lang="zh-CN" altLang="en-US" sz="2000" b="1" dirty="0">
                 <a:solidFill>
                   <a:schemeClr val="bg1"/>
                 </a:solidFill>
@@ -8121,7 +8610,7 @@
           <a:p>
             <a:pPr algn="ctr"/>
             <a:r>
-              <a:rPr lang="zh-CN" altLang="en-US" sz="2800" b="1" dirty="0">
+              <a:rPr lang="zh-CN" altLang="en-US" sz="2000" b="1" dirty="0">
                 <a:solidFill>
                   <a:schemeClr val="bg1"/>
                 </a:solidFill>
@@ -8147,8 +8636,8 @@
         </p:nvSpPr>
         <p:spPr>
           <a:xfrm>
-            <a:off x="8682978" y="1884598"/>
-            <a:ext cx="1745553" cy="861774"/>
+            <a:off x="9707917" y="1578488"/>
+            <a:ext cx="1745553" cy="615553"/>
           </a:xfrm>
           <a:prstGeom prst="rect">
             <a:avLst/>
@@ -8289,7 +8778,7 @@
           <a:p>
             <a:pPr algn="ctr"/>
             <a:r>
-              <a:rPr lang="zh-CN" altLang="en-US" sz="2800" b="1" dirty="0">
+              <a:rPr lang="zh-CN" altLang="en-US" sz="2000" b="1" dirty="0">
                 <a:solidFill>
                   <a:schemeClr val="bg1"/>
                 </a:solidFill>
@@ -8302,7 +8791,7 @@
           <a:p>
             <a:pPr algn="ctr"/>
             <a:r>
-              <a:rPr lang="zh-CN" altLang="en-US" sz="2800" b="1" dirty="0">
+              <a:rPr lang="zh-CN" altLang="en-US" sz="2000" b="1" dirty="0">
                 <a:solidFill>
                   <a:schemeClr val="bg1"/>
                 </a:solidFill>
@@ -8340,6 +8829,345 @@
               <a:t>14</a:t>
             </a:fld>
             <a:endParaRPr kumimoji="1" lang="zh-CN" altLang="en-US"/>
+          </a:p>
+        </p:txBody>
+      </p:sp>
+      <p:sp>
+        <p:nvSpPr>
+          <p:cNvPr id="6" name="内容占位符 5">
+            <a:extLst>
+              <a:ext uri="{FF2B5EF4-FFF2-40B4-BE49-F238E27FC236}">
+                <a16:creationId xmlns:a16="http://schemas.microsoft.com/office/drawing/2014/main" id="{3DBE4DB8-20BC-CFB1-D53A-3BA0AEC6EA28}"/>
+              </a:ext>
+            </a:extLst>
+          </p:cNvPr>
+          <p:cNvSpPr>
+            <a:spLocks noGrp="1"/>
+          </p:cNvSpPr>
+          <p:nvPr>
+            <p:ph idx="1"/>
+          </p:nvPr>
+        </p:nvSpPr>
+        <p:spPr>
+          <a:xfrm>
+            <a:off x="835306" y="2560631"/>
+            <a:ext cx="2071188" cy="2741126"/>
+          </a:xfrm>
+        </p:spPr>
+        <p:txBody>
+          <a:bodyPr/>
+          <a:lstStyle/>
+          <a:p>
+            <a:r>
+              <a:rPr lang="zh-CN" altLang="en-US" dirty="0"/>
+              <a:t>查询车辆</a:t>
+            </a:r>
+            <a:endParaRPr lang="en-US" altLang="zh-CN" dirty="0"/>
+          </a:p>
+          <a:p>
+            <a:r>
+              <a:rPr lang="zh-CN" altLang="en-US" dirty="0"/>
+              <a:t>乘车请求</a:t>
+            </a:r>
+            <a:endParaRPr lang="en-US" altLang="zh-CN" dirty="0"/>
+          </a:p>
+          <a:p>
+            <a:r>
+              <a:rPr lang="zh-CN" altLang="en-US" dirty="0"/>
+              <a:t>上车启程</a:t>
+            </a:r>
+            <a:endParaRPr lang="en-US" altLang="zh-CN" dirty="0"/>
+          </a:p>
+          <a:p>
+            <a:r>
+              <a:rPr lang="zh-CN" altLang="en-US" dirty="0"/>
+              <a:t>支付订单</a:t>
+            </a:r>
+          </a:p>
+        </p:txBody>
+      </p:sp>
+      <p:pic>
+        <p:nvPicPr>
+          <p:cNvPr id="7" name="内容占位符 2">
+            <a:extLst>
+              <a:ext uri="{FF2B5EF4-FFF2-40B4-BE49-F238E27FC236}">
+                <a16:creationId xmlns:a16="http://schemas.microsoft.com/office/drawing/2014/main" id="{AC58C2CF-FFB4-9F8C-B7C1-9F6315731475}"/>
+              </a:ext>
+            </a:extLst>
+          </p:cNvPr>
+          <p:cNvPicPr>
+            <a:picLocks noChangeAspect="1"/>
+          </p:cNvPicPr>
+          <p:nvPr/>
+        </p:nvPicPr>
+        <p:blipFill>
+          <a:blip r:embed="rId3">
+            <a:extLst>
+              <a:ext uri="{28A0092B-C50C-407E-A947-70E740481C1C}">
+                <a14:useLocalDpi xmlns:a14="http://schemas.microsoft.com/office/drawing/2010/main" val="0"/>
+              </a:ext>
+            </a:extLst>
+          </a:blip>
+          <a:stretch>
+            <a:fillRect/>
+          </a:stretch>
+        </p:blipFill>
+        <p:spPr>
+          <a:xfrm>
+            <a:off x="3064426" y="245533"/>
+            <a:ext cx="6159924" cy="6019043"/>
+          </a:xfrm>
+          <a:prstGeom prst="rect">
+            <a:avLst/>
+          </a:prstGeom>
+        </p:spPr>
+      </p:pic>
+      <p:sp>
+        <p:nvSpPr>
+          <p:cNvPr id="8" name="内容占位符 5">
+            <a:extLst>
+              <a:ext uri="{FF2B5EF4-FFF2-40B4-BE49-F238E27FC236}">
+                <a16:creationId xmlns:a16="http://schemas.microsoft.com/office/drawing/2014/main" id="{52A3F8F7-F271-E21E-33C2-52B28A6CD95A}"/>
+              </a:ext>
+            </a:extLst>
+          </p:cNvPr>
+          <p:cNvSpPr txBox="1">
+            <a:spLocks/>
+          </p:cNvSpPr>
+          <p:nvPr/>
+        </p:nvSpPr>
+        <p:spPr>
+          <a:xfrm>
+            <a:off x="9707917" y="2560631"/>
+            <a:ext cx="2071188" cy="2741126"/>
+          </a:xfrm>
+          <a:prstGeom prst="rect">
+            <a:avLst/>
+          </a:prstGeom>
+        </p:spPr>
+        <p:txBody>
+          <a:bodyPr vert="horz" lIns="91440" tIns="45720" rIns="91440" bIns="45720" rtlCol="0" anchor="t">
+            <a:normAutofit/>
+          </a:bodyPr>
+          <a:lstStyle>
+            <a:lvl1pPr marL="305992" indent="-305992" algn="l" defTabSz="457189" rtl="0" eaLnBrk="1" latinLnBrk="0" hangingPunct="1">
+              <a:spcBef>
+                <a:spcPct val="20000"/>
+              </a:spcBef>
+              <a:spcAft>
+                <a:spcPts val="600"/>
+              </a:spcAft>
+              <a:buClr>
+                <a:schemeClr val="accent2"/>
+              </a:buClr>
+              <a:buSzPct val="92000"/>
+              <a:buFont typeface="Wingdings 2" panose="05020102010507070707" pitchFamily="18" charset="2"/>
+              <a:buChar char=""/>
+              <a:defRPr sz="1800" kern="1200">
+                <a:solidFill>
+                  <a:schemeClr val="tx2"/>
+                </a:solidFill>
+                <a:latin typeface="+mn-lt"/>
+                <a:ea typeface="+mn-ea"/>
+                <a:cs typeface="+mn-cs"/>
+              </a:defRPr>
+            </a:lvl1pPr>
+            <a:lvl2pPr marL="629984" indent="-305992" algn="l" defTabSz="457189" rtl="0" eaLnBrk="1" latinLnBrk="0" hangingPunct="1">
+              <a:spcBef>
+                <a:spcPct val="20000"/>
+              </a:spcBef>
+              <a:spcAft>
+                <a:spcPts val="600"/>
+              </a:spcAft>
+              <a:buClr>
+                <a:schemeClr val="accent2"/>
+              </a:buClr>
+              <a:buSzPct val="92000"/>
+              <a:buFont typeface="Wingdings 2" panose="05020102010507070707" pitchFamily="18" charset="2"/>
+              <a:buChar char=""/>
+              <a:defRPr sz="1600" kern="1200">
+                <a:solidFill>
+                  <a:schemeClr val="tx2"/>
+                </a:solidFill>
+                <a:latin typeface="+mn-lt"/>
+                <a:ea typeface="+mn-ea"/>
+                <a:cs typeface="+mn-cs"/>
+              </a:defRPr>
+            </a:lvl2pPr>
+            <a:lvl3pPr marL="899978" indent="-269993" algn="l" defTabSz="457189" rtl="0" eaLnBrk="1" latinLnBrk="0" hangingPunct="1">
+              <a:spcBef>
+                <a:spcPct val="20000"/>
+              </a:spcBef>
+              <a:spcAft>
+                <a:spcPts val="600"/>
+              </a:spcAft>
+              <a:buClr>
+                <a:schemeClr val="accent2"/>
+              </a:buClr>
+              <a:buSzPct val="92000"/>
+              <a:buFont typeface="Wingdings 2" panose="05020102010507070707" pitchFamily="18" charset="2"/>
+              <a:buChar char=""/>
+              <a:defRPr sz="1400" kern="1200">
+                <a:solidFill>
+                  <a:schemeClr val="tx2"/>
+                </a:solidFill>
+                <a:latin typeface="+mn-lt"/>
+                <a:ea typeface="+mn-ea"/>
+                <a:cs typeface="+mn-cs"/>
+              </a:defRPr>
+            </a:lvl3pPr>
+            <a:lvl4pPr marL="1241969" indent="-233994" algn="l" defTabSz="457189" rtl="0" eaLnBrk="1" latinLnBrk="0" hangingPunct="1">
+              <a:spcBef>
+                <a:spcPct val="20000"/>
+              </a:spcBef>
+              <a:spcAft>
+                <a:spcPts val="600"/>
+              </a:spcAft>
+              <a:buClr>
+                <a:schemeClr val="accent2"/>
+              </a:buClr>
+              <a:buSzPct val="92000"/>
+              <a:buFont typeface="Wingdings 2" panose="05020102010507070707" pitchFamily="18" charset="2"/>
+              <a:buChar char=""/>
+              <a:defRPr sz="1200" kern="1200">
+                <a:solidFill>
+                  <a:schemeClr val="tx2"/>
+                </a:solidFill>
+                <a:latin typeface="+mn-lt"/>
+                <a:ea typeface="+mn-ea"/>
+                <a:cs typeface="+mn-cs"/>
+              </a:defRPr>
+            </a:lvl4pPr>
+            <a:lvl5pPr marL="1601960" indent="-233994" algn="l" defTabSz="457189" rtl="0" eaLnBrk="1" latinLnBrk="0" hangingPunct="1">
+              <a:spcBef>
+                <a:spcPct val="20000"/>
+              </a:spcBef>
+              <a:spcAft>
+                <a:spcPts val="600"/>
+              </a:spcAft>
+              <a:buClr>
+                <a:schemeClr val="accent2"/>
+              </a:buClr>
+              <a:buSzPct val="92000"/>
+              <a:buFont typeface="Wingdings 2" panose="05020102010507070707" pitchFamily="18" charset="2"/>
+              <a:buChar char=""/>
+              <a:defRPr sz="1200" kern="1200">
+                <a:solidFill>
+                  <a:schemeClr val="tx2"/>
+                </a:solidFill>
+                <a:latin typeface="+mn-lt"/>
+                <a:ea typeface="+mn-ea"/>
+                <a:cs typeface="+mn-cs"/>
+              </a:defRPr>
+            </a:lvl5pPr>
+            <a:lvl6pPr marL="1899953" indent="-228594" algn="l" defTabSz="457189" rtl="0" eaLnBrk="1" latinLnBrk="0" hangingPunct="1">
+              <a:spcBef>
+                <a:spcPct val="20000"/>
+              </a:spcBef>
+              <a:spcAft>
+                <a:spcPts val="600"/>
+              </a:spcAft>
+              <a:buClr>
+                <a:schemeClr val="accent2"/>
+              </a:buClr>
+              <a:buSzPct val="92000"/>
+              <a:buFont typeface="Wingdings 2" panose="05020102010507070707" pitchFamily="18" charset="2"/>
+              <a:buChar char=""/>
+              <a:defRPr sz="1200" kern="1200">
+                <a:solidFill>
+                  <a:schemeClr val="tx2"/>
+                </a:solidFill>
+                <a:latin typeface="+mn-lt"/>
+                <a:ea typeface="+mn-ea"/>
+                <a:cs typeface="+mn-cs"/>
+              </a:defRPr>
+            </a:lvl6pPr>
+            <a:lvl7pPr marL="2199945" indent="-228594" algn="l" defTabSz="457189" rtl="0" eaLnBrk="1" latinLnBrk="0" hangingPunct="1">
+              <a:spcBef>
+                <a:spcPct val="20000"/>
+              </a:spcBef>
+              <a:spcAft>
+                <a:spcPts val="600"/>
+              </a:spcAft>
+              <a:buClr>
+                <a:schemeClr val="accent2"/>
+              </a:buClr>
+              <a:buSzPct val="92000"/>
+              <a:buFont typeface="Wingdings 2" panose="05020102010507070707" pitchFamily="18" charset="2"/>
+              <a:buChar char=""/>
+              <a:defRPr sz="1200" kern="1200">
+                <a:solidFill>
+                  <a:schemeClr val="tx2"/>
+                </a:solidFill>
+                <a:latin typeface="+mn-lt"/>
+                <a:ea typeface="+mn-ea"/>
+                <a:cs typeface="+mn-cs"/>
+              </a:defRPr>
+            </a:lvl7pPr>
+            <a:lvl8pPr marL="2499938" indent="-228594" algn="l" defTabSz="457189" rtl="0" eaLnBrk="1" latinLnBrk="0" hangingPunct="1">
+              <a:spcBef>
+                <a:spcPct val="20000"/>
+              </a:spcBef>
+              <a:spcAft>
+                <a:spcPts val="600"/>
+              </a:spcAft>
+              <a:buClr>
+                <a:schemeClr val="accent2"/>
+              </a:buClr>
+              <a:buSzPct val="92000"/>
+              <a:buFont typeface="Wingdings 2" panose="05020102010507070707" pitchFamily="18" charset="2"/>
+              <a:buChar char=""/>
+              <a:defRPr sz="1200" kern="1200">
+                <a:solidFill>
+                  <a:schemeClr val="tx2"/>
+                </a:solidFill>
+                <a:latin typeface="+mn-lt"/>
+                <a:ea typeface="+mn-ea"/>
+                <a:cs typeface="+mn-cs"/>
+              </a:defRPr>
+            </a:lvl8pPr>
+            <a:lvl9pPr marL="2799930" indent="-228594" algn="l" defTabSz="457189" rtl="0" eaLnBrk="1" latinLnBrk="0" hangingPunct="1">
+              <a:spcBef>
+                <a:spcPct val="20000"/>
+              </a:spcBef>
+              <a:spcAft>
+                <a:spcPts val="600"/>
+              </a:spcAft>
+              <a:buClr>
+                <a:schemeClr val="accent2"/>
+              </a:buClr>
+              <a:buSzPct val="92000"/>
+              <a:buFont typeface="Wingdings 2" panose="05020102010507070707" pitchFamily="18" charset="2"/>
+              <a:buChar char=""/>
+              <a:defRPr sz="1200" kern="1200">
+                <a:solidFill>
+                  <a:schemeClr val="tx2"/>
+                </a:solidFill>
+                <a:latin typeface="+mn-lt"/>
+                <a:ea typeface="+mn-ea"/>
+                <a:cs typeface="+mn-cs"/>
+              </a:defRPr>
+            </a:lvl9pPr>
+          </a:lstStyle>
+          <a:p>
+            <a:r>
+              <a:rPr lang="zh-CN" altLang="en-US" dirty="0"/>
+              <a:t>导航</a:t>
+            </a:r>
+            <a:endParaRPr lang="en-US" altLang="zh-CN" dirty="0"/>
+          </a:p>
+          <a:p>
+            <a:r>
+              <a:rPr lang="zh-CN" altLang="en-US" dirty="0"/>
+              <a:t>等待乘客上车</a:t>
+            </a:r>
+            <a:endParaRPr lang="en-US" altLang="zh-CN" dirty="0"/>
+          </a:p>
+          <a:p>
+            <a:r>
+              <a:rPr lang="zh-CN" altLang="en-US" dirty="0"/>
+              <a:t>确认订单</a:t>
+            </a:r>
           </a:p>
         </p:txBody>
       </p:sp>
@@ -8402,56 +9230,56 @@
           <a:lstStyle/>
           <a:p>
             <a:r>
-              <a:rPr lang="zh-CN" altLang="en-US" sz="2400" b="1" dirty="0">
+              <a:rPr lang="zh-CN" altLang="en-US" sz="2800" b="1" dirty="0">
                 <a:latin typeface="+mn-ea"/>
               </a:rPr>
               <a:t>准备司乘数据</a:t>
             </a:r>
-            <a:endParaRPr lang="en-US" altLang="zh-CN" sz="2400" b="1" dirty="0">
+            <a:endParaRPr lang="en-US" altLang="zh-CN" sz="2800" b="1" dirty="0">
               <a:latin typeface="+mn-ea"/>
             </a:endParaRPr>
           </a:p>
           <a:p>
             <a:r>
-              <a:rPr lang="zh-CN" altLang="en-US" sz="2400" b="1" dirty="0">
+              <a:rPr lang="zh-CN" altLang="en-US" sz="2800" b="1" dirty="0">
                 <a:latin typeface="+mn-ea"/>
               </a:rPr>
               <a:t>初始化并启动树状区块链四条子链</a:t>
             </a:r>
-            <a:endParaRPr lang="en-US" altLang="zh-CN" sz="2400" b="1" dirty="0">
+            <a:endParaRPr lang="en-US" altLang="zh-CN" sz="2800" b="1" dirty="0">
               <a:latin typeface="+mn-ea"/>
             </a:endParaRPr>
           </a:p>
           <a:p>
             <a:r>
-              <a:rPr lang="zh-CN" altLang="en-US" sz="2400" b="1" dirty="0">
+              <a:rPr lang="zh-CN" altLang="en-US" sz="2800" b="1" dirty="0">
                 <a:latin typeface="+mn-ea"/>
               </a:rPr>
               <a:t>部署合约</a:t>
             </a:r>
-            <a:endParaRPr lang="en-US" altLang="zh-CN" sz="2400" b="1" dirty="0">
+            <a:endParaRPr lang="en-US" altLang="zh-CN" sz="2800" b="1" dirty="0">
               <a:latin typeface="+mn-ea"/>
             </a:endParaRPr>
           </a:p>
           <a:p>
             <a:r>
-              <a:rPr lang="zh-CN" altLang="en-US" sz="2400" b="1" dirty="0">
+              <a:rPr lang="zh-CN" altLang="en-US" sz="2800" b="1" dirty="0">
                 <a:latin typeface="+mn-ea"/>
               </a:rPr>
               <a:t>上传地图</a:t>
             </a:r>
-            <a:endParaRPr lang="en-US" altLang="zh-CN" sz="2400" b="1" dirty="0">
+            <a:endParaRPr lang="en-US" altLang="zh-CN" sz="2800" b="1" dirty="0">
               <a:latin typeface="+mn-ea"/>
             </a:endParaRPr>
           </a:p>
           <a:p>
             <a:r>
-              <a:rPr lang="zh-CN" altLang="en-US" sz="2400" b="1" dirty="0">
+              <a:rPr lang="zh-CN" altLang="en-US" sz="2800" b="1" dirty="0">
                 <a:latin typeface="+mn-ea"/>
               </a:rPr>
               <a:t>启动实验</a:t>
             </a:r>
-            <a:endParaRPr lang="en-US" altLang="zh-CN" sz="2400" b="1" dirty="0">
+            <a:endParaRPr lang="en-US" altLang="zh-CN" sz="2800" b="1" dirty="0">
               <a:latin typeface="+mn-ea"/>
             </a:endParaRPr>
           </a:p>
@@ -8615,43 +9443,7 @@
               <a:rPr lang="zh-CN" altLang="en-US" dirty="0">
                 <a:latin typeface="+mn-ea"/>
               </a:rPr>
-              <a:t>分析图中结果可以看出，考虑单个链中的 </a:t>
-            </a:r>
-            <a:r>
-              <a:rPr lang="en-US" altLang="zh-CN" dirty="0">
-                <a:latin typeface="+mn-ea"/>
-              </a:rPr>
-              <a:t>48 </a:t>
-            </a:r>
-            <a:r>
-              <a:rPr lang="zh-CN" altLang="en-US" dirty="0">
-                <a:latin typeface="+mn-ea"/>
-              </a:rPr>
-              <a:t>个账户（</a:t>
-            </a:r>
-            <a:r>
-              <a:rPr lang="en-US" altLang="zh-CN" dirty="0">
-                <a:latin typeface="+mn-ea"/>
-              </a:rPr>
-              <a:t>16 </a:t>
-            </a:r>
-            <a:r>
-              <a:rPr lang="zh-CN" altLang="en-US" dirty="0">
-                <a:latin typeface="+mn-ea"/>
-              </a:rPr>
-              <a:t>个司机与 </a:t>
-            </a:r>
-            <a:r>
-              <a:rPr lang="en-US" altLang="zh-CN" dirty="0">
-                <a:latin typeface="+mn-ea"/>
-              </a:rPr>
-              <a:t>32 </a:t>
-            </a:r>
-            <a:r>
-              <a:rPr lang="zh-CN" altLang="en-US" dirty="0">
-                <a:latin typeface="+mn-ea"/>
-              </a:rPr>
-              <a:t>个乘客账户）的总耗时情况时，</a:t>
+              <a:t>多链并行运行相较于全部调度均在单链中运行而言，</a:t>
             </a:r>
             <a:r>
               <a:rPr lang="zh-CN" altLang="en-US" dirty="0">
@@ -8686,9 +9478,27 @@
             </a:pPr>
             <a:r>
               <a:rPr lang="zh-CN" altLang="en-US" dirty="0">
+                <a:solidFill>
+                  <a:srgbClr val="FF0000"/>
+                </a:solidFill>
                 <a:latin typeface="+mn-ea"/>
               </a:rPr>
-              <a:t>并行运作时平均单次调度的耗时相较于单链时增多，多链同时运行所产生的开销，也会制约树状区块链的综合性能。在后续的应用中，需要充分考虑机器的硬件配置、网络带宽、存储能力等方面对系统的影响。</a:t>
+              <a:t>并行运行时平均单次调度的耗时相较于单链的平均单次调度耗时增多</a:t>
+            </a:r>
+            <a:r>
+              <a:rPr lang="zh-CN" altLang="en-US" dirty="0">
+                <a:solidFill>
+                  <a:schemeClr val="tx1"/>
+                </a:solidFill>
+                <a:latin typeface="+mn-ea"/>
+              </a:rPr>
+              <a:t>。</a:t>
+            </a:r>
+            <a:r>
+              <a:rPr lang="zh-CN" altLang="en-US" dirty="0">
+                <a:latin typeface="+mn-ea"/>
+              </a:rPr>
+              <a:t>多链同时运行所产生的开销，也会制约树状区块链的综合性能。</a:t>
             </a:r>
             <a:endParaRPr lang="en-US" altLang="zh-CN" dirty="0">
               <a:latin typeface="+mn-ea"/>
@@ -8743,42 +9553,6 @@
           </a:p>
         </p:txBody>
       </p:sp>
-      <p:pic>
-        <p:nvPicPr>
-          <p:cNvPr id="3" name="图片 2">
-            <a:extLst>
-              <a:ext uri="{FF2B5EF4-FFF2-40B4-BE49-F238E27FC236}">
-                <a16:creationId xmlns:a16="http://schemas.microsoft.com/office/drawing/2014/main" id="{7A2A2612-841F-A0B6-161F-B69859D79CBD}"/>
-              </a:ext>
-            </a:extLst>
-          </p:cNvPr>
-          <p:cNvPicPr>
-            <a:picLocks noChangeAspect="1"/>
-          </p:cNvPicPr>
-          <p:nvPr/>
-        </p:nvPicPr>
-        <p:blipFill>
-          <a:blip r:embed="rId2">
-            <a:extLst>
-              <a:ext uri="{28A0092B-C50C-407E-A947-70E740481C1C}">
-                <a14:useLocalDpi xmlns:a14="http://schemas.microsoft.com/office/drawing/2010/main" val="0"/>
-              </a:ext>
-            </a:extLst>
-          </a:blip>
-          <a:stretch>
-            <a:fillRect/>
-          </a:stretch>
-        </p:blipFill>
-        <p:spPr>
-          <a:xfrm>
-            <a:off x="782000" y="1608624"/>
-            <a:ext cx="4678085" cy="3533392"/>
-          </a:xfrm>
-          <a:prstGeom prst="rect">
-            <a:avLst/>
-          </a:prstGeom>
-        </p:spPr>
-      </p:pic>
       <p:sp>
         <p:nvSpPr>
           <p:cNvPr id="2" name="灯片编号占位符 1">
@@ -8808,6 +9582,41 @@
           </a:p>
         </p:txBody>
       </p:sp>
+      <p:pic>
+        <p:nvPicPr>
+          <p:cNvPr id="7" name="图片 6">
+            <a:extLst>
+              <a:ext uri="{FF2B5EF4-FFF2-40B4-BE49-F238E27FC236}">
+                <a16:creationId xmlns:a16="http://schemas.microsoft.com/office/drawing/2014/main" id="{6817FE87-C4EC-5D49-652A-B94AC84D04C9}"/>
+              </a:ext>
+            </a:extLst>
+          </p:cNvPr>
+          <p:cNvPicPr>
+            <a:picLocks noChangeAspect="1"/>
+          </p:cNvPicPr>
+          <p:nvPr/>
+        </p:nvPicPr>
+        <p:blipFill rotWithShape="1">
+          <a:blip r:embed="rId3">
+            <a:extLst>
+              <a:ext uri="{28A0092B-C50C-407E-A947-70E740481C1C}">
+                <a14:useLocalDpi xmlns:a14="http://schemas.microsoft.com/office/drawing/2010/main" val="0"/>
+              </a:ext>
+            </a:extLst>
+          </a:blip>
+          <a:srcRect r="5337"/>
+          <a:stretch/>
+        </p:blipFill>
+        <p:spPr>
+          <a:xfrm>
+            <a:off x="835306" y="1608624"/>
+            <a:ext cx="4678085" cy="3511139"/>
+          </a:xfrm>
+          <a:prstGeom prst="rect">
+            <a:avLst/>
+          </a:prstGeom>
+        </p:spPr>
+      </p:pic>
     </p:spTree>
     <p:extLst>
       <p:ext uri="{BB962C8B-B14F-4D97-AF65-F5344CB8AC3E}">
@@ -8994,7 +9803,7 @@
                 <a:latin typeface="+mn-ea"/>
                 <a:cs typeface="Times New Roman" panose="02020603050405020304" pitchFamily="18" charset="0"/>
               </a:rPr>
-              <a:t>车辆具有移动性，存在从一个区域进入到另一个子链所管辖的区域的这种实际情况。车辆账户进入到了新的一条子链当中，这条新的子链目前并不具备车辆账户的各种信息记录，且车辆账户在新链中资产为 </a:t>
+              <a:t>车辆具有移动性，车辆可能会存在从一个区域进入到另一个子链所管辖的区域。车辆账户进入到了新的一条子链当中，这条新的子链目前并不具备该账户的各种信息记录，且车辆账户在新链中资产为 </a:t>
             </a:r>
             <a:r>
               <a:rPr lang="en-US" altLang="zh-CN" sz="2000" dirty="0">
@@ -9267,14 +10076,14 @@
               </a:lnSpc>
             </a:pPr>
             <a:r>
-              <a:rPr lang="zh-CN" altLang="en-US" sz="2000" dirty="0">
+              <a:rPr lang="zh-CN" altLang="en-US" sz="2000">
                 <a:solidFill>
                   <a:schemeClr val="tx1"/>
                 </a:solidFill>
                 <a:latin typeface="+mn-ea"/>
                 <a:cs typeface="Times New Roman" panose="02020603050405020304" pitchFamily="18" charset="0"/>
               </a:rPr>
-              <a:t>如图所示，在 </a:t>
+              <a:t>在 </a:t>
             </a:r>
             <a:r>
               <a:rPr lang="en-US" altLang="zh-CN" sz="2000" dirty="0">
@@ -9314,7 +10123,7 @@
                 <a:latin typeface="+mn-ea"/>
                 <a:cs typeface="Times New Roman" panose="02020603050405020304" pitchFamily="18" charset="0"/>
               </a:rPr>
-              <a:t>的两条链中初始化相同的账户，各包含三个预分配账户以及 </a:t>
+              <a:t>的两条链中初始化相同的账户，各包含</a:t>
             </a:r>
             <a:r>
               <a:rPr lang="en-US" altLang="zh-CN" sz="2000" dirty="0">
@@ -9438,7 +10247,7 @@
                 <a:latin typeface="+mn-ea"/>
                 <a:cs typeface="Times New Roman" panose="02020603050405020304" pitchFamily="18" charset="0"/>
               </a:rPr>
-              <a:t>希望模拟在账户位置进行从 </a:t>
+              <a:t>实验希望模拟在账户位置进行从 </a:t>
             </a:r>
             <a:r>
               <a:rPr lang="en-US" altLang="zh-CN" sz="2000" dirty="0">
@@ -9894,6 +10703,92 @@
       </p:grpSpPr>
       <p:sp>
         <p:nvSpPr>
+          <p:cNvPr id="5" name="内容占位符 4">
+            <a:extLst>
+              <a:ext uri="{FF2B5EF4-FFF2-40B4-BE49-F238E27FC236}">
+                <a16:creationId xmlns:a16="http://schemas.microsoft.com/office/drawing/2014/main" id="{DD553D6F-BC1A-435F-9D69-C092A92466AA}"/>
+              </a:ext>
+            </a:extLst>
+          </p:cNvPr>
+          <p:cNvSpPr>
+            <a:spLocks noGrp="1"/>
+          </p:cNvSpPr>
+          <p:nvPr>
+            <p:ph idx="1"/>
+          </p:nvPr>
+        </p:nvSpPr>
+        <p:spPr>
+          <a:xfrm>
+            <a:off x="835307" y="1608624"/>
+            <a:ext cx="10357187" cy="3954966"/>
+          </a:xfrm>
+        </p:spPr>
+        <p:txBody>
+          <a:bodyPr>
+            <a:normAutofit/>
+          </a:bodyPr>
+          <a:lstStyle/>
+          <a:p>
+            <a:r>
+              <a:rPr lang="zh-CN" altLang="en-US" sz="2800" b="1" dirty="0">
+                <a:latin typeface="+mn-ea"/>
+              </a:rPr>
+              <a:t>初始化并启动树状区块链</a:t>
+            </a:r>
+            <a:endParaRPr lang="en-US" altLang="zh-CN" sz="2800" b="1" dirty="0">
+              <a:latin typeface="+mn-ea"/>
+            </a:endParaRPr>
+          </a:p>
+          <a:p>
+            <a:r>
+              <a:rPr lang="zh-CN" altLang="en-US" sz="2800" b="1" dirty="0">
+                <a:latin typeface="+mn-ea"/>
+              </a:rPr>
+              <a:t>启动节点</a:t>
+            </a:r>
+            <a:endParaRPr lang="en-US" altLang="zh-CN" sz="2800" b="1" dirty="0">
+              <a:latin typeface="+mn-ea"/>
+            </a:endParaRPr>
+          </a:p>
+          <a:p>
+            <a:r>
+              <a:rPr lang="zh-CN" altLang="en-US" sz="2800" b="1" dirty="0">
+                <a:latin typeface="+mn-ea"/>
+              </a:rPr>
+              <a:t>运行测试脚本</a:t>
+            </a:r>
+            <a:endParaRPr lang="en-US" altLang="zh-CN" sz="2800" b="1" dirty="0">
+              <a:latin typeface="+mn-ea"/>
+            </a:endParaRPr>
+          </a:p>
+          <a:p>
+            <a:r>
+              <a:rPr lang="zh-CN" altLang="en-US" sz="2800" b="1" dirty="0">
+                <a:latin typeface="+mn-ea"/>
+              </a:rPr>
+              <a:t>查验资产转移结果</a:t>
+            </a:r>
+            <a:endParaRPr lang="en-US" altLang="zh-CN" sz="2800" b="1" dirty="0">
+              <a:latin typeface="+mn-ea"/>
+            </a:endParaRPr>
+          </a:p>
+          <a:p>
+            <a:endParaRPr lang="en-US" altLang="zh-CN" sz="2400" b="1" dirty="0">
+              <a:latin typeface="+mn-ea"/>
+            </a:endParaRPr>
+          </a:p>
+          <a:p>
+            <a:pPr marL="0" indent="0">
+              <a:buNone/>
+            </a:pPr>
+            <a:endParaRPr lang="en-US" altLang="zh-CN" sz="2200" dirty="0">
+              <a:latin typeface="+mn-ea"/>
+            </a:endParaRPr>
+          </a:p>
+        </p:txBody>
+      </p:sp>
+      <p:sp>
+        <p:nvSpPr>
           <p:cNvPr id="4" name="标题 3">
             <a:extLst>
               <a:ext uri="{FF2B5EF4-FFF2-40B4-BE49-F238E27FC236}">
@@ -9920,217 +10815,16 @@
               <a:t>跨子链资产转移 </a:t>
             </a:r>
             <a:r>
-              <a:rPr lang="en-US" altLang="zh-CN" sz="2800" dirty="0">
-                <a:sym typeface="+mn-ea"/>
+              <a:rPr lang="en-US" altLang="zh-CN" dirty="0">
+                <a:latin typeface="+mj-ea"/>
               </a:rPr>
               <a:t>- </a:t>
             </a:r>
             <a:r>
-              <a:rPr lang="zh-CN" altLang="en-US" sz="2800" dirty="0">
-                <a:sym typeface="+mn-ea"/>
+              <a:rPr lang="zh-CN" altLang="en-US" dirty="0">
+                <a:latin typeface="+mj-ea"/>
               </a:rPr>
-              <a:t>测试设计思路</a:t>
-            </a:r>
-            <a:endParaRPr lang="zh-CN" altLang="en-US" dirty="0"/>
-          </a:p>
-        </p:txBody>
-      </p:sp>
-      <p:sp>
-        <p:nvSpPr>
-          <p:cNvPr id="5" name="内容占位符 4">
-            <a:extLst>
-              <a:ext uri="{FF2B5EF4-FFF2-40B4-BE49-F238E27FC236}">
-                <a16:creationId xmlns:a16="http://schemas.microsoft.com/office/drawing/2014/main" id="{23C83703-2BE9-CBB2-1E67-A7C94B1F1DE6}"/>
-              </a:ext>
-            </a:extLst>
-          </p:cNvPr>
-          <p:cNvSpPr>
-            <a:spLocks noGrp="1"/>
-          </p:cNvSpPr>
-          <p:nvPr>
-            <p:ph idx="1"/>
-          </p:nvPr>
-        </p:nvSpPr>
-        <p:spPr>
-          <a:xfrm>
-            <a:off x="835306" y="1487821"/>
-            <a:ext cx="10521387" cy="4776755"/>
-          </a:xfrm>
-        </p:spPr>
-        <p:txBody>
-          <a:bodyPr>
-            <a:normAutofit fontScale="92500" lnSpcReduction="10000"/>
-          </a:bodyPr>
-          <a:lstStyle/>
-          <a:p>
-            <a:pPr>
-              <a:lnSpc>
-                <a:spcPct val="150000"/>
-              </a:lnSpc>
-            </a:pPr>
-            <a:r>
-              <a:rPr lang="en-US" altLang="zh-CN" sz="2000" dirty="0"/>
-              <a:t>1.</a:t>
-            </a:r>
-            <a:r>
-              <a:rPr lang="zh-CN" altLang="en-US" sz="2000" dirty="0"/>
-              <a:t>跨区域资产转移请求交易事件</a:t>
-            </a:r>
-            <a:r>
-              <a:rPr lang="en-US" altLang="zh-CN" sz="2000" dirty="0" err="1"/>
-              <a:t>Tx_request</a:t>
-            </a:r>
-            <a:r>
-              <a:rPr lang="zh-CN" altLang="en-US" sz="2000" dirty="0"/>
-              <a:t>：</a:t>
-            </a:r>
-            <a:endParaRPr lang="en-US" altLang="zh-CN" sz="2000" dirty="0"/>
-          </a:p>
-          <a:p>
-            <a:pPr marL="0" indent="0">
-              <a:lnSpc>
-                <a:spcPct val="150000"/>
-              </a:lnSpc>
-              <a:buNone/>
-            </a:pPr>
-            <a:r>
-              <a:rPr lang="en-US" altLang="zh-CN" sz="2000" dirty="0"/>
-              <a:t>	</a:t>
-            </a:r>
-            <a:r>
-              <a:rPr lang="zh-CN" altLang="en-US" dirty="0"/>
-              <a:t>待转账账户在新进入一个子链后，需要待转入账户主动向父链的资产管理账户发起跨区域资产转移请求</a:t>
-            </a:r>
-            <a:r>
-              <a:rPr lang="en-US" altLang="zh-CN" dirty="0"/>
-              <a:t>	</a:t>
-            </a:r>
-            <a:r>
-              <a:rPr lang="zh-CN" altLang="en-US" dirty="0"/>
-              <a:t>交易 </a:t>
-            </a:r>
-            <a:endParaRPr lang="en-US" altLang="zh-CN" dirty="0"/>
-          </a:p>
-          <a:p>
-            <a:pPr>
-              <a:lnSpc>
-                <a:spcPct val="150000"/>
-              </a:lnSpc>
-            </a:pPr>
-            <a:r>
-              <a:rPr lang="en-US" altLang="zh-CN" sz="2000" dirty="0"/>
-              <a:t>2. </a:t>
-            </a:r>
-            <a:r>
-              <a:rPr lang="zh-CN" altLang="en-US" sz="2000" dirty="0"/>
-              <a:t>资产转出交易事件</a:t>
-            </a:r>
-            <a:r>
-              <a:rPr lang="en-US" altLang="zh-CN" sz="2000" dirty="0" err="1"/>
-              <a:t>Tx_out</a:t>
-            </a:r>
-            <a:r>
-              <a:rPr lang="zh-CN" altLang="en-US" sz="2000" dirty="0"/>
-              <a:t>：</a:t>
-            </a:r>
-            <a:endParaRPr lang="en-US" altLang="zh-CN" sz="2000" dirty="0"/>
-          </a:p>
-          <a:p>
-            <a:pPr marL="0" indent="0">
-              <a:lnSpc>
-                <a:spcPct val="150000"/>
-              </a:lnSpc>
-              <a:buNone/>
-            </a:pPr>
-            <a:r>
-              <a:rPr lang="en-US" altLang="zh-CN" dirty="0"/>
-              <a:t>	</a:t>
-            </a:r>
-            <a:r>
-              <a:rPr lang="zh-CN" altLang="en-US" dirty="0"/>
-              <a:t>账户来源链需要向父链的资产管理账户发出资产转出交易</a:t>
-            </a:r>
-            <a:endParaRPr lang="en-US" altLang="zh-CN" dirty="0"/>
-          </a:p>
-          <a:p>
-            <a:pPr>
-              <a:lnSpc>
-                <a:spcPct val="150000"/>
-              </a:lnSpc>
-            </a:pPr>
-            <a:r>
-              <a:rPr lang="en-US" altLang="zh-CN" sz="2000" dirty="0"/>
-              <a:t>3. </a:t>
-            </a:r>
-            <a:r>
-              <a:rPr lang="zh-CN" altLang="en-US" sz="2000" dirty="0"/>
-              <a:t>资产转入交易事件</a:t>
-            </a:r>
-            <a:r>
-              <a:rPr lang="en-US" altLang="zh-CN" sz="2000" dirty="0" err="1"/>
-              <a:t>Tx_in</a:t>
-            </a:r>
-            <a:r>
-              <a:rPr lang="zh-CN" altLang="en-US" sz="2000" dirty="0"/>
-              <a:t>：</a:t>
-            </a:r>
-            <a:endParaRPr lang="en-US" altLang="zh-CN" sz="2000" dirty="0"/>
-          </a:p>
-          <a:p>
-            <a:pPr marL="0" indent="0">
-              <a:lnSpc>
-                <a:spcPct val="150000"/>
-              </a:lnSpc>
-              <a:buNone/>
-            </a:pPr>
-            <a:r>
-              <a:rPr lang="en-US" altLang="zh-CN" sz="2000" dirty="0"/>
-              <a:t>	</a:t>
-            </a:r>
-            <a:r>
-              <a:rPr lang="zh-CN" altLang="en-US" dirty="0"/>
-              <a:t>在上一步验证成功之后，在新的目标链中，由资产管理账户向该账户发送资产转入交易</a:t>
-            </a:r>
-            <a:endParaRPr lang="en-US" altLang="zh-CN" dirty="0"/>
-          </a:p>
-          <a:p>
-            <a:pPr>
-              <a:lnSpc>
-                <a:spcPct val="150000"/>
-              </a:lnSpc>
-            </a:pPr>
-            <a:r>
-              <a:rPr lang="en-US" altLang="zh-CN" sz="2000" dirty="0"/>
-              <a:t>4. </a:t>
-            </a:r>
-            <a:r>
-              <a:rPr lang="zh-CN" altLang="en-US" sz="2000" dirty="0"/>
-              <a:t>资产转移状态记录事件</a:t>
-            </a:r>
-            <a:r>
-              <a:rPr lang="en-US" altLang="zh-CN" sz="2000" dirty="0" err="1"/>
-              <a:t>Tx_result</a:t>
-            </a:r>
-            <a:r>
-              <a:rPr lang="zh-CN" altLang="en-US" sz="2000" dirty="0"/>
-              <a:t>：</a:t>
-            </a:r>
-            <a:endParaRPr lang="en-US" altLang="zh-CN" sz="2000" dirty="0"/>
-          </a:p>
-          <a:p>
-            <a:pPr marL="0" indent="0">
-              <a:lnSpc>
-                <a:spcPct val="150000"/>
-              </a:lnSpc>
-              <a:buNone/>
-            </a:pPr>
-            <a:r>
-              <a:rPr lang="en-US" altLang="zh-CN" sz="2000" dirty="0"/>
-              <a:t>	</a:t>
-            </a:r>
-            <a:r>
-              <a:rPr lang="zh-CN" altLang="en-US" dirty="0"/>
-              <a:t>若成功完成上述资产转移过程，则此时，在来源链中由资产管理账户向该账户发送交易记录</a:t>
+              <a:t>实验流程</a:t>
             </a:r>
           </a:p>
         </p:txBody>
@@ -10140,7 +10834,7 @@
           <p:cNvPr id="2" name="灯片编号占位符 1">
             <a:extLst>
               <a:ext uri="{FF2B5EF4-FFF2-40B4-BE49-F238E27FC236}">
-                <a16:creationId xmlns:a16="http://schemas.microsoft.com/office/drawing/2014/main" id="{C8E83039-6B0C-7914-CDA9-FA679459E347}"/>
+                <a16:creationId xmlns:a16="http://schemas.microsoft.com/office/drawing/2014/main" id="{49AD7E35-B582-7742-4D69-1F35A5B1197E}"/>
               </a:ext>
             </a:extLst>
           </p:cNvPr>
@@ -10167,7 +10861,7 @@
     </p:spTree>
     <p:extLst>
       <p:ext uri="{BB962C8B-B14F-4D97-AF65-F5344CB8AC3E}">
-        <p14:creationId xmlns:p14="http://schemas.microsoft.com/office/powerpoint/2010/main" val="702481305"/>
+        <p14:creationId xmlns:p14="http://schemas.microsoft.com/office/powerpoint/2010/main" val="3008305088"/>
       </p:ext>
     </p:extLst>
   </p:cSld>
@@ -10212,8 +10906,8 @@
         </p:nvSpPr>
         <p:spPr>
           <a:xfrm>
-            <a:off x="835307" y="1608624"/>
-            <a:ext cx="10357187" cy="3954966"/>
+            <a:off x="5240391" y="1537372"/>
+            <a:ext cx="6216733" cy="4435917"/>
           </a:xfrm>
         </p:spPr>
         <p:txBody>
@@ -10222,248 +10916,61 @@
           </a:bodyPr>
           <a:lstStyle/>
           <a:p>
-            <a:r>
-              <a:rPr lang="zh-CN" altLang="en-US" sz="2400" b="1" dirty="0">
-                <a:latin typeface="+mn-ea"/>
-              </a:rPr>
-              <a:t>初始化并启动树状区块链</a:t>
-            </a:r>
-            <a:endParaRPr lang="en-US" altLang="zh-CN" sz="2400" b="1" dirty="0">
-              <a:latin typeface="+mn-ea"/>
-            </a:endParaRPr>
-          </a:p>
-          <a:p>
-            <a:r>
-              <a:rPr lang="zh-CN" altLang="en-US" sz="2400" b="1" dirty="0">
-                <a:latin typeface="+mn-ea"/>
-              </a:rPr>
-              <a:t>启动节点</a:t>
-            </a:r>
-            <a:endParaRPr lang="en-US" altLang="zh-CN" sz="2400" b="1" dirty="0">
-              <a:latin typeface="+mn-ea"/>
-            </a:endParaRPr>
-          </a:p>
-          <a:p>
-            <a:r>
-              <a:rPr lang="zh-CN" altLang="en-US" sz="2400" b="1" dirty="0">
-                <a:latin typeface="+mn-ea"/>
-              </a:rPr>
-              <a:t>运行测试脚本</a:t>
-            </a:r>
-            <a:endParaRPr lang="en-US" altLang="zh-CN" sz="2400" b="1" dirty="0">
-              <a:latin typeface="+mn-ea"/>
-            </a:endParaRPr>
-          </a:p>
-          <a:p>
-            <a:r>
-              <a:rPr lang="zh-CN" altLang="en-US" sz="2400" b="1" dirty="0">
-                <a:latin typeface="+mn-ea"/>
-              </a:rPr>
-              <a:t>查验资产转移结果</a:t>
-            </a:r>
-            <a:endParaRPr lang="en-US" altLang="zh-CN" sz="2400" b="1" dirty="0">
-              <a:latin typeface="+mn-ea"/>
-            </a:endParaRPr>
-          </a:p>
-          <a:p>
-            <a:endParaRPr lang="en-US" altLang="zh-CN" sz="2400" b="1" dirty="0">
-              <a:latin typeface="+mn-ea"/>
-            </a:endParaRPr>
-          </a:p>
-          <a:p>
-            <a:pPr marL="0" indent="0">
-              <a:buNone/>
-            </a:pPr>
-            <a:endParaRPr lang="en-US" altLang="zh-CN" sz="2200" dirty="0">
-              <a:latin typeface="+mn-ea"/>
-            </a:endParaRPr>
-          </a:p>
-        </p:txBody>
-      </p:sp>
-      <p:sp>
-        <p:nvSpPr>
-          <p:cNvPr id="4" name="标题 3">
-            <a:extLst>
-              <a:ext uri="{FF2B5EF4-FFF2-40B4-BE49-F238E27FC236}">
-                <a16:creationId xmlns:a16="http://schemas.microsoft.com/office/drawing/2014/main" id="{CB335FAB-FA8F-41FD-B41F-E4213D79D779}"/>
-              </a:ext>
-            </a:extLst>
-          </p:cNvPr>
-          <p:cNvSpPr>
-            <a:spLocks noGrp="1"/>
-          </p:cNvSpPr>
-          <p:nvPr>
-            <p:ph type="title"/>
-          </p:nvPr>
-        </p:nvSpPr>
-        <p:spPr/>
-        <p:txBody>
-          <a:bodyPr>
-            <a:normAutofit/>
-          </a:bodyPr>
-          <a:lstStyle/>
-          <a:p>
-            <a:r>
-              <a:rPr kumimoji="1" lang="zh-CN" altLang="en-US" sz="2800" dirty="0"/>
-              <a:t>跨子链资产转移 </a:t>
-            </a:r>
-            <a:r>
-              <a:rPr lang="en-US" altLang="zh-CN" dirty="0">
-                <a:latin typeface="+mj-ea"/>
-              </a:rPr>
-              <a:t>- </a:t>
-            </a:r>
-            <a:r>
-              <a:rPr lang="zh-CN" altLang="en-US" dirty="0">
-                <a:latin typeface="+mj-ea"/>
-              </a:rPr>
-              <a:t>实验流程</a:t>
-            </a:r>
-          </a:p>
-        </p:txBody>
-      </p:sp>
-      <p:sp>
-        <p:nvSpPr>
-          <p:cNvPr id="2" name="灯片编号占位符 1">
-            <a:extLst>
-              <a:ext uri="{FF2B5EF4-FFF2-40B4-BE49-F238E27FC236}">
-                <a16:creationId xmlns:a16="http://schemas.microsoft.com/office/drawing/2014/main" id="{49AD7E35-B582-7742-4D69-1F35A5B1197E}"/>
-              </a:ext>
-            </a:extLst>
-          </p:cNvPr>
-          <p:cNvSpPr>
-            <a:spLocks noGrp="1"/>
-          </p:cNvSpPr>
-          <p:nvPr>
-            <p:ph type="sldNum" sz="quarter" idx="12"/>
-          </p:nvPr>
-        </p:nvSpPr>
-        <p:spPr/>
-        <p:txBody>
-          <a:bodyPr/>
-          <a:lstStyle/>
-          <a:p>
-            <a:fld id="{977BA8E6-E826-B147-AA17-E3D76A29629C}" type="slidenum">
-              <a:rPr kumimoji="1" lang="zh-CN" altLang="en-US" smtClean="0"/>
-              <a:t>21</a:t>
-            </a:fld>
-            <a:endParaRPr kumimoji="1" lang="zh-CN" altLang="en-US"/>
-          </a:p>
-        </p:txBody>
-      </p:sp>
-    </p:spTree>
-    <p:extLst>
-      <p:ext uri="{BB962C8B-B14F-4D97-AF65-F5344CB8AC3E}">
-        <p14:creationId xmlns:p14="http://schemas.microsoft.com/office/powerpoint/2010/main" val="3008305088"/>
-      </p:ext>
-    </p:extLst>
-  </p:cSld>
-  <p:clrMapOvr>
-    <a:masterClrMapping/>
-  </p:clrMapOvr>
-</p:sld>
-</file>
-
-<file path=ppt/slides/slide22.xml><?xml version="1.0" encoding="utf-8"?>
-<p:sld xmlns:a="http://schemas.openxmlformats.org/drawingml/2006/main" xmlns:r="http://schemas.openxmlformats.org/officeDocument/2006/relationships" xmlns:p="http://schemas.openxmlformats.org/presentationml/2006/main">
-  <p:cSld>
-    <p:spTree>
-      <p:nvGrpSpPr>
-        <p:cNvPr id="1" name=""/>
-        <p:cNvGrpSpPr/>
-        <p:nvPr/>
-      </p:nvGrpSpPr>
-      <p:grpSpPr>
-        <a:xfrm>
-          <a:off x="0" y="0"/>
-          <a:ext cx="0" cy="0"/>
-          <a:chOff x="0" y="0"/>
-          <a:chExt cx="0" cy="0"/>
-        </a:xfrm>
-      </p:grpSpPr>
-      <p:sp>
-        <p:nvSpPr>
-          <p:cNvPr id="5" name="内容占位符 4">
-            <a:extLst>
-              <a:ext uri="{FF2B5EF4-FFF2-40B4-BE49-F238E27FC236}">
-                <a16:creationId xmlns:a16="http://schemas.microsoft.com/office/drawing/2014/main" id="{DD553D6F-BC1A-435F-9D69-C092A92466AA}"/>
-              </a:ext>
-            </a:extLst>
-          </p:cNvPr>
-          <p:cNvSpPr>
-            <a:spLocks noGrp="1"/>
-          </p:cNvSpPr>
-          <p:nvPr>
-            <p:ph idx="1"/>
-          </p:nvPr>
-        </p:nvSpPr>
-        <p:spPr>
-          <a:xfrm>
-            <a:off x="5240391" y="1537372"/>
-            <a:ext cx="6216733" cy="4435917"/>
-          </a:xfrm>
-        </p:spPr>
-        <p:txBody>
-          <a:bodyPr>
-            <a:normAutofit fontScale="25000" lnSpcReduction="20000"/>
-          </a:bodyPr>
-          <a:lstStyle/>
-          <a:p>
             <a:pPr>
               <a:lnSpc>
                 <a:spcPct val="170000"/>
               </a:lnSpc>
             </a:pPr>
             <a:r>
-              <a:rPr lang="zh-CN" altLang="en-US" sz="7200" dirty="0">
+              <a:rPr lang="zh-CN" altLang="en-US" sz="2400" dirty="0">
                 <a:latin typeface="+mn-ea"/>
               </a:rPr>
-              <a:t>实验结果显示，原链 </a:t>
-            </a:r>
-            <a:r>
-              <a:rPr lang="en-US" altLang="zh-CN" sz="7200" dirty="0">
+              <a:t>原链 </a:t>
+            </a:r>
+            <a:r>
+              <a:rPr lang="en-US" altLang="zh-CN" sz="2400" dirty="0">
                 <a:latin typeface="+mn-ea"/>
               </a:rPr>
               <a:t>w11 </a:t>
             </a:r>
             <a:r>
-              <a:rPr lang="zh-CN" altLang="en-US" sz="7200" dirty="0">
+              <a:rPr lang="zh-CN" altLang="en-US" sz="2400" dirty="0">
                 <a:latin typeface="+mn-ea"/>
               </a:rPr>
               <a:t>中各账户的余额均为 </a:t>
             </a:r>
             <a:r>
-              <a:rPr lang="en-US" altLang="zh-CN" sz="7200" dirty="0">
+              <a:rPr lang="en-US" altLang="zh-CN" sz="2400" dirty="0">
                 <a:latin typeface="+mn-ea"/>
               </a:rPr>
               <a:t>0</a:t>
             </a:r>
             <a:r>
-              <a:rPr lang="zh-CN" altLang="en-US" sz="7200" dirty="0">
+              <a:rPr lang="zh-CN" altLang="en-US" sz="2400" dirty="0">
                 <a:latin typeface="+mn-ea"/>
               </a:rPr>
               <a:t>，而链 </a:t>
             </a:r>
             <a:r>
-              <a:rPr lang="en-US" altLang="zh-CN" sz="7200" dirty="0">
+              <a:rPr lang="en-US" altLang="zh-CN" sz="2400" dirty="0">
                 <a:latin typeface="+mn-ea"/>
               </a:rPr>
               <a:t>w12 </a:t>
             </a:r>
             <a:r>
-              <a:rPr lang="zh-CN" altLang="en-US" sz="7200" dirty="0">
+              <a:rPr lang="zh-CN" altLang="en-US" sz="2400" dirty="0">
                 <a:latin typeface="+mn-ea"/>
               </a:rPr>
               <a:t>中的对应账户余额为 </a:t>
             </a:r>
             <a:r>
-              <a:rPr lang="en-US" altLang="zh-CN" sz="7200" dirty="0">
+              <a:rPr lang="en-US" altLang="zh-CN" sz="2400" dirty="0">
                 <a:latin typeface="+mn-ea"/>
               </a:rPr>
               <a:t>10000 </a:t>
             </a:r>
             <a:r>
-              <a:rPr lang="zh-CN" altLang="en-US" sz="7200" dirty="0">
+              <a:rPr lang="zh-CN" altLang="en-US" sz="2400" dirty="0">
                 <a:latin typeface="+mn-ea"/>
               </a:rPr>
               <a:t>单位，证明了跨子链转账功能的正确性。</a:t>
@@ -10476,12 +10983,12 @@
               </a:lnSpc>
             </a:pPr>
             <a:r>
-              <a:rPr lang="zh-CN" altLang="en-US" sz="7200" dirty="0">
+              <a:rPr lang="zh-CN" altLang="en-US" sz="2400" dirty="0">
                 <a:latin typeface="+mn-ea"/>
               </a:rPr>
-              <a:t>账户所消耗的时间与账户的数目大致呈线性正相关。树状区块链的分支区块在处理跨链资产转移请求时，需要串行的处理并验证转账过程中相互通信的交易信息，由于跨链资产转移操作的通信过程所发送的交易信息有着严格的先后顺序，因此整个过程对外可以大致认为是一个原子性操作。</a:t>
-            </a:r>
-            <a:endParaRPr lang="en-US" altLang="zh-CN" sz="2200" dirty="0">
+              <a:t>账户所消耗的时间与账户的数目大致呈线性正相关。</a:t>
+            </a:r>
+            <a:endParaRPr lang="en-US" altLang="zh-CN" sz="700" dirty="0">
               <a:latin typeface="+mn-ea"/>
             </a:endParaRPr>
           </a:p>
@@ -10591,7 +11098,7 @@
           <a:p>
             <a:fld id="{977BA8E6-E826-B147-AA17-E3D76A29629C}" type="slidenum">
               <a:rPr kumimoji="1" lang="zh-CN" altLang="en-US" smtClean="0"/>
-              <a:t>22</a:t>
+              <a:t>21</a:t>
             </a:fld>
             <a:endParaRPr kumimoji="1" lang="zh-CN" altLang="en-US"/>
           </a:p>
@@ -10610,7 +11117,7 @@
 </p:sld>
 </file>
 
-<file path=ppt/slides/slide23.xml><?xml version="1.0" encoding="utf-8"?>
+<file path=ppt/slides/slide22.xml><?xml version="1.0" encoding="utf-8"?>
 <p:sld xmlns:a="http://schemas.openxmlformats.org/drawingml/2006/main" xmlns:r="http://schemas.openxmlformats.org/officeDocument/2006/relationships" xmlns:p="http://schemas.openxmlformats.org/presentationml/2006/main">
   <p:cSld>
     <p:spTree>
@@ -10711,7 +11218,7 @@
           <a:p>
             <a:fld id="{977BA8E6-E826-B147-AA17-E3D76A29629C}" type="slidenum">
               <a:rPr kumimoji="1" lang="zh-CN" altLang="en-US" smtClean="0"/>
-              <a:t>23</a:t>
+              <a:t>22</a:t>
             </a:fld>
             <a:endParaRPr kumimoji="1" lang="zh-CN" altLang="en-US"/>
           </a:p>
@@ -10730,7 +11237,7 @@
 </p:sld>
 </file>
 
-<file path=ppt/slides/slide24.xml><?xml version="1.0" encoding="utf-8"?>
+<file path=ppt/slides/slide23.xml><?xml version="1.0" encoding="utf-8"?>
 <p:sld xmlns:a="http://schemas.openxmlformats.org/drawingml/2006/main" xmlns:r="http://schemas.openxmlformats.org/officeDocument/2006/relationships" xmlns:p="http://schemas.openxmlformats.org/presentationml/2006/main">
   <p:cSld>
     <p:spTree>
@@ -10812,7 +11319,7 @@
                 <a:latin typeface="+mn-ea"/>
                 <a:cs typeface="Times New Roman" panose="02020603050405020304" pitchFamily="18" charset="0"/>
               </a:rPr>
-              <a:t>在本章中，笔者给出了跨区域交易的较为完整的逻辑架构，但是由于时间有限，笔者重点完成了跨子链转账的实现，将转账过程通过合约的事件交互实现。</a:t>
+              <a:t>本章给出了跨区域交易的较为完整的逻辑架构，由于时间有限，重点完成了跨子链转账的实现，将转账过程通过合约的事件交互实现。</a:t>
             </a:r>
             <a:endParaRPr lang="en-US" altLang="zh-CN" sz="2400" dirty="0">
               <a:solidFill>
@@ -10886,7 +11393,7 @@
           <a:p>
             <a:fld id="{977BA8E6-E826-B147-AA17-E3D76A29629C}" type="slidenum">
               <a:rPr kumimoji="1" lang="zh-CN" altLang="en-US" smtClean="0"/>
-              <a:t>24</a:t>
+              <a:t>23</a:t>
             </a:fld>
             <a:endParaRPr kumimoji="1" lang="zh-CN" altLang="en-US"/>
           </a:p>
@@ -10905,7 +11412,7 @@
 </p:sld>
 </file>
 
-<file path=ppt/slides/slide25.xml><?xml version="1.0" encoding="utf-8"?>
+<file path=ppt/slides/slide24.xml><?xml version="1.0" encoding="utf-8"?>
 <p:sld xmlns:a="http://schemas.openxmlformats.org/drawingml/2006/main" xmlns:r="http://schemas.openxmlformats.org/officeDocument/2006/relationships" xmlns:p="http://schemas.openxmlformats.org/presentationml/2006/main">
   <p:cSld>
     <p:spTree>
@@ -10979,8 +11486,8 @@
         </p:nvSpPr>
         <p:spPr>
           <a:xfrm>
-            <a:off x="1062962" y="1884598"/>
-            <a:ext cx="1745553" cy="861774"/>
+            <a:off x="835306" y="1787311"/>
+            <a:ext cx="1745553" cy="615553"/>
           </a:xfrm>
           <a:prstGeom prst="rect">
             <a:avLst/>
@@ -11121,7 +11628,7 @@
           <a:p>
             <a:pPr algn="ctr"/>
             <a:r>
-              <a:rPr lang="zh-CN" altLang="en-US" sz="2800" b="1" dirty="0">
+              <a:rPr lang="zh-CN" altLang="en-US" sz="2000" b="1" dirty="0">
                 <a:solidFill>
                   <a:schemeClr val="bg1"/>
                 </a:solidFill>
@@ -11130,7 +11637,7 @@
               <a:t>乘客</a:t>
             </a:r>
             <a:r>
-              <a:rPr lang="zh-CN" altLang="en-US" sz="2800" b="1" dirty="0">
+              <a:rPr lang="zh-CN" altLang="en-US" sz="2000" b="1" dirty="0">
                 <a:solidFill>
                   <a:schemeClr val="bg1"/>
                 </a:solidFill>
@@ -11143,7 +11650,7 @@
           <a:p>
             <a:pPr algn="ctr"/>
             <a:r>
-              <a:rPr lang="zh-CN" altLang="en-US" sz="2800" b="1" dirty="0">
+              <a:rPr lang="zh-CN" altLang="en-US" sz="2000" b="1" dirty="0">
                 <a:solidFill>
                   <a:schemeClr val="bg1"/>
                 </a:solidFill>
@@ -11169,8 +11676,8 @@
         </p:nvSpPr>
         <p:spPr>
           <a:xfrm>
-            <a:off x="8682978" y="1884598"/>
-            <a:ext cx="1745553" cy="861774"/>
+            <a:off x="9007575" y="1787310"/>
+            <a:ext cx="1745553" cy="615553"/>
           </a:xfrm>
           <a:prstGeom prst="rect">
             <a:avLst/>
@@ -11311,7 +11818,7 @@
           <a:p>
             <a:pPr algn="ctr"/>
             <a:r>
-              <a:rPr lang="zh-CN" altLang="en-US" sz="2800" b="1" dirty="0">
+              <a:rPr lang="zh-CN" altLang="en-US" sz="2000" b="1" dirty="0">
                 <a:solidFill>
                   <a:schemeClr val="bg1"/>
                 </a:solidFill>
@@ -11324,7 +11831,7 @@
           <a:p>
             <a:pPr algn="ctr"/>
             <a:r>
-              <a:rPr lang="zh-CN" altLang="en-US" sz="2800" b="1" dirty="0">
+              <a:rPr lang="zh-CN" altLang="en-US" sz="2000" b="1" dirty="0">
                 <a:solidFill>
                   <a:schemeClr val="bg1"/>
                 </a:solidFill>
@@ -11395,7 +11902,7 @@
           <a:p>
             <a:fld id="{977BA8E6-E826-B147-AA17-E3D76A29629C}" type="slidenum">
               <a:rPr kumimoji="1" lang="zh-CN" altLang="en-US" smtClean="0"/>
-              <a:t>25</a:t>
+              <a:t>24</a:t>
             </a:fld>
             <a:endParaRPr kumimoji="1" lang="zh-CN" altLang="en-US"/>
           </a:p>
@@ -11629,10 +12136,1090 @@
           </a:fontRef>
         </p:style>
       </p:cxnSp>
+      <p:sp>
+        <p:nvSpPr>
+          <p:cNvPr id="3" name="内容占位符 5">
+            <a:extLst>
+              <a:ext uri="{FF2B5EF4-FFF2-40B4-BE49-F238E27FC236}">
+                <a16:creationId xmlns:a16="http://schemas.microsoft.com/office/drawing/2014/main" id="{D08D4D9A-1673-4EAE-086F-86F02E82B528}"/>
+              </a:ext>
+            </a:extLst>
+          </p:cNvPr>
+          <p:cNvSpPr>
+            <a:spLocks noGrp="1"/>
+          </p:cNvSpPr>
+          <p:nvPr>
+            <p:ph idx="1"/>
+          </p:nvPr>
+        </p:nvSpPr>
+        <p:spPr>
+          <a:xfrm>
+            <a:off x="9007575" y="2560631"/>
+            <a:ext cx="2071188" cy="2741126"/>
+          </a:xfrm>
+        </p:spPr>
+        <p:txBody>
+          <a:bodyPr/>
+          <a:lstStyle/>
+          <a:p>
+            <a:r>
+              <a:rPr lang="zh-CN" altLang="en-US" dirty="0">
+                <a:solidFill>
+                  <a:srgbClr val="FF0000"/>
+                </a:solidFill>
+              </a:rPr>
+              <a:t>接收跨链转账</a:t>
+            </a:r>
+            <a:endParaRPr lang="en-US" altLang="zh-CN" dirty="0">
+              <a:solidFill>
+                <a:srgbClr val="FF0000"/>
+              </a:solidFill>
+            </a:endParaRPr>
+          </a:p>
+          <a:p>
+            <a:r>
+              <a:rPr lang="zh-CN" altLang="en-US" dirty="0"/>
+              <a:t>导航</a:t>
+            </a:r>
+            <a:endParaRPr lang="en-US" altLang="zh-CN" dirty="0"/>
+          </a:p>
+          <a:p>
+            <a:r>
+              <a:rPr lang="zh-CN" altLang="en-US" dirty="0">
+                <a:solidFill>
+                  <a:srgbClr val="FF0000"/>
+                </a:solidFill>
+              </a:rPr>
+              <a:t>资产转移</a:t>
+            </a:r>
+            <a:endParaRPr lang="en-US" altLang="zh-CN" dirty="0">
+              <a:solidFill>
+                <a:srgbClr val="FF0000"/>
+              </a:solidFill>
+            </a:endParaRPr>
+          </a:p>
+          <a:p>
+            <a:r>
+              <a:rPr lang="zh-CN" altLang="en-US" dirty="0"/>
+              <a:t>等待乘客上车</a:t>
+            </a:r>
+            <a:endParaRPr lang="en-US" altLang="zh-CN" dirty="0"/>
+          </a:p>
+          <a:p>
+            <a:r>
+              <a:rPr lang="zh-CN" altLang="en-US" dirty="0"/>
+              <a:t>确认订单</a:t>
+            </a:r>
+          </a:p>
+        </p:txBody>
+      </p:sp>
+      <p:sp>
+        <p:nvSpPr>
+          <p:cNvPr id="6" name="内容占位符 5">
+            <a:extLst>
+              <a:ext uri="{FF2B5EF4-FFF2-40B4-BE49-F238E27FC236}">
+                <a16:creationId xmlns:a16="http://schemas.microsoft.com/office/drawing/2014/main" id="{FA58FE84-287A-6FA0-708B-FD9439169CE0}"/>
+              </a:ext>
+            </a:extLst>
+          </p:cNvPr>
+          <p:cNvSpPr txBox="1">
+            <a:spLocks/>
+          </p:cNvSpPr>
+          <p:nvPr/>
+        </p:nvSpPr>
+        <p:spPr>
+          <a:xfrm>
+            <a:off x="835306" y="2560631"/>
+            <a:ext cx="2071188" cy="2741126"/>
+          </a:xfrm>
+          <a:prstGeom prst="rect">
+            <a:avLst/>
+          </a:prstGeom>
+        </p:spPr>
+        <p:txBody>
+          <a:bodyPr vert="horz" lIns="91440" tIns="45720" rIns="91440" bIns="45720" rtlCol="0" anchor="t">
+            <a:normAutofit/>
+          </a:bodyPr>
+          <a:lstStyle>
+            <a:lvl1pPr marL="305992" indent="-305992" algn="l" defTabSz="457189" rtl="0" eaLnBrk="1" latinLnBrk="0" hangingPunct="1">
+              <a:spcBef>
+                <a:spcPct val="20000"/>
+              </a:spcBef>
+              <a:spcAft>
+                <a:spcPts val="600"/>
+              </a:spcAft>
+              <a:buClr>
+                <a:schemeClr val="accent2"/>
+              </a:buClr>
+              <a:buSzPct val="92000"/>
+              <a:buFont typeface="Wingdings 2" panose="05020102010507070707" pitchFamily="18" charset="2"/>
+              <a:buChar char=""/>
+              <a:defRPr sz="1800" kern="1200">
+                <a:solidFill>
+                  <a:schemeClr val="tx2"/>
+                </a:solidFill>
+                <a:latin typeface="+mn-lt"/>
+                <a:ea typeface="+mn-ea"/>
+                <a:cs typeface="+mn-cs"/>
+              </a:defRPr>
+            </a:lvl1pPr>
+            <a:lvl2pPr marL="629984" indent="-305992" algn="l" defTabSz="457189" rtl="0" eaLnBrk="1" latinLnBrk="0" hangingPunct="1">
+              <a:spcBef>
+                <a:spcPct val="20000"/>
+              </a:spcBef>
+              <a:spcAft>
+                <a:spcPts val="600"/>
+              </a:spcAft>
+              <a:buClr>
+                <a:schemeClr val="accent2"/>
+              </a:buClr>
+              <a:buSzPct val="92000"/>
+              <a:buFont typeface="Wingdings 2" panose="05020102010507070707" pitchFamily="18" charset="2"/>
+              <a:buChar char=""/>
+              <a:defRPr sz="1600" kern="1200">
+                <a:solidFill>
+                  <a:schemeClr val="tx2"/>
+                </a:solidFill>
+                <a:latin typeface="+mn-lt"/>
+                <a:ea typeface="+mn-ea"/>
+                <a:cs typeface="+mn-cs"/>
+              </a:defRPr>
+            </a:lvl2pPr>
+            <a:lvl3pPr marL="899978" indent="-269993" algn="l" defTabSz="457189" rtl="0" eaLnBrk="1" latinLnBrk="0" hangingPunct="1">
+              <a:spcBef>
+                <a:spcPct val="20000"/>
+              </a:spcBef>
+              <a:spcAft>
+                <a:spcPts val="600"/>
+              </a:spcAft>
+              <a:buClr>
+                <a:schemeClr val="accent2"/>
+              </a:buClr>
+              <a:buSzPct val="92000"/>
+              <a:buFont typeface="Wingdings 2" panose="05020102010507070707" pitchFamily="18" charset="2"/>
+              <a:buChar char=""/>
+              <a:defRPr sz="1400" kern="1200">
+                <a:solidFill>
+                  <a:schemeClr val="tx2"/>
+                </a:solidFill>
+                <a:latin typeface="+mn-lt"/>
+                <a:ea typeface="+mn-ea"/>
+                <a:cs typeface="+mn-cs"/>
+              </a:defRPr>
+            </a:lvl3pPr>
+            <a:lvl4pPr marL="1241969" indent="-233994" algn="l" defTabSz="457189" rtl="0" eaLnBrk="1" latinLnBrk="0" hangingPunct="1">
+              <a:spcBef>
+                <a:spcPct val="20000"/>
+              </a:spcBef>
+              <a:spcAft>
+                <a:spcPts val="600"/>
+              </a:spcAft>
+              <a:buClr>
+                <a:schemeClr val="accent2"/>
+              </a:buClr>
+              <a:buSzPct val="92000"/>
+              <a:buFont typeface="Wingdings 2" panose="05020102010507070707" pitchFamily="18" charset="2"/>
+              <a:buChar char=""/>
+              <a:defRPr sz="1200" kern="1200">
+                <a:solidFill>
+                  <a:schemeClr val="tx2"/>
+                </a:solidFill>
+                <a:latin typeface="+mn-lt"/>
+                <a:ea typeface="+mn-ea"/>
+                <a:cs typeface="+mn-cs"/>
+              </a:defRPr>
+            </a:lvl4pPr>
+            <a:lvl5pPr marL="1601960" indent="-233994" algn="l" defTabSz="457189" rtl="0" eaLnBrk="1" latinLnBrk="0" hangingPunct="1">
+              <a:spcBef>
+                <a:spcPct val="20000"/>
+              </a:spcBef>
+              <a:spcAft>
+                <a:spcPts val="600"/>
+              </a:spcAft>
+              <a:buClr>
+                <a:schemeClr val="accent2"/>
+              </a:buClr>
+              <a:buSzPct val="92000"/>
+              <a:buFont typeface="Wingdings 2" panose="05020102010507070707" pitchFamily="18" charset="2"/>
+              <a:buChar char=""/>
+              <a:defRPr sz="1200" kern="1200">
+                <a:solidFill>
+                  <a:schemeClr val="tx2"/>
+                </a:solidFill>
+                <a:latin typeface="+mn-lt"/>
+                <a:ea typeface="+mn-ea"/>
+                <a:cs typeface="+mn-cs"/>
+              </a:defRPr>
+            </a:lvl5pPr>
+            <a:lvl6pPr marL="1899953" indent="-228594" algn="l" defTabSz="457189" rtl="0" eaLnBrk="1" latinLnBrk="0" hangingPunct="1">
+              <a:spcBef>
+                <a:spcPct val="20000"/>
+              </a:spcBef>
+              <a:spcAft>
+                <a:spcPts val="600"/>
+              </a:spcAft>
+              <a:buClr>
+                <a:schemeClr val="accent2"/>
+              </a:buClr>
+              <a:buSzPct val="92000"/>
+              <a:buFont typeface="Wingdings 2" panose="05020102010507070707" pitchFamily="18" charset="2"/>
+              <a:buChar char=""/>
+              <a:defRPr sz="1200" kern="1200">
+                <a:solidFill>
+                  <a:schemeClr val="tx2"/>
+                </a:solidFill>
+                <a:latin typeface="+mn-lt"/>
+                <a:ea typeface="+mn-ea"/>
+                <a:cs typeface="+mn-cs"/>
+              </a:defRPr>
+            </a:lvl6pPr>
+            <a:lvl7pPr marL="2199945" indent="-228594" algn="l" defTabSz="457189" rtl="0" eaLnBrk="1" latinLnBrk="0" hangingPunct="1">
+              <a:spcBef>
+                <a:spcPct val="20000"/>
+              </a:spcBef>
+              <a:spcAft>
+                <a:spcPts val="600"/>
+              </a:spcAft>
+              <a:buClr>
+                <a:schemeClr val="accent2"/>
+              </a:buClr>
+              <a:buSzPct val="92000"/>
+              <a:buFont typeface="Wingdings 2" panose="05020102010507070707" pitchFamily="18" charset="2"/>
+              <a:buChar char=""/>
+              <a:defRPr sz="1200" kern="1200">
+                <a:solidFill>
+                  <a:schemeClr val="tx2"/>
+                </a:solidFill>
+                <a:latin typeface="+mn-lt"/>
+                <a:ea typeface="+mn-ea"/>
+                <a:cs typeface="+mn-cs"/>
+              </a:defRPr>
+            </a:lvl7pPr>
+            <a:lvl8pPr marL="2499938" indent="-228594" algn="l" defTabSz="457189" rtl="0" eaLnBrk="1" latinLnBrk="0" hangingPunct="1">
+              <a:spcBef>
+                <a:spcPct val="20000"/>
+              </a:spcBef>
+              <a:spcAft>
+                <a:spcPts val="600"/>
+              </a:spcAft>
+              <a:buClr>
+                <a:schemeClr val="accent2"/>
+              </a:buClr>
+              <a:buSzPct val="92000"/>
+              <a:buFont typeface="Wingdings 2" panose="05020102010507070707" pitchFamily="18" charset="2"/>
+              <a:buChar char=""/>
+              <a:defRPr sz="1200" kern="1200">
+                <a:solidFill>
+                  <a:schemeClr val="tx2"/>
+                </a:solidFill>
+                <a:latin typeface="+mn-lt"/>
+                <a:ea typeface="+mn-ea"/>
+                <a:cs typeface="+mn-cs"/>
+              </a:defRPr>
+            </a:lvl8pPr>
+            <a:lvl9pPr marL="2799930" indent="-228594" algn="l" defTabSz="457189" rtl="0" eaLnBrk="1" latinLnBrk="0" hangingPunct="1">
+              <a:spcBef>
+                <a:spcPct val="20000"/>
+              </a:spcBef>
+              <a:spcAft>
+                <a:spcPts val="600"/>
+              </a:spcAft>
+              <a:buClr>
+                <a:schemeClr val="accent2"/>
+              </a:buClr>
+              <a:buSzPct val="92000"/>
+              <a:buFont typeface="Wingdings 2" panose="05020102010507070707" pitchFamily="18" charset="2"/>
+              <a:buChar char=""/>
+              <a:defRPr sz="1200" kern="1200">
+                <a:solidFill>
+                  <a:schemeClr val="tx2"/>
+                </a:solidFill>
+                <a:latin typeface="+mn-lt"/>
+                <a:ea typeface="+mn-ea"/>
+                <a:cs typeface="+mn-cs"/>
+              </a:defRPr>
+            </a:lvl9pPr>
+          </a:lstStyle>
+          <a:p>
+            <a:r>
+              <a:rPr lang="zh-CN" altLang="en-US" dirty="0">
+                <a:solidFill>
+                  <a:srgbClr val="FF0000"/>
+                </a:solidFill>
+              </a:rPr>
+              <a:t>跨区域</a:t>
+            </a:r>
+            <a:r>
+              <a:rPr lang="zh-CN" altLang="en-US" dirty="0"/>
+              <a:t>车辆</a:t>
+            </a:r>
+            <a:endParaRPr lang="en-US" altLang="zh-CN" dirty="0"/>
+          </a:p>
+          <a:p>
+            <a:r>
+              <a:rPr lang="zh-CN" altLang="en-US" dirty="0"/>
+              <a:t>乘车请求</a:t>
+            </a:r>
+            <a:endParaRPr lang="en-US" altLang="zh-CN" dirty="0"/>
+          </a:p>
+          <a:p>
+            <a:r>
+              <a:rPr lang="zh-CN" altLang="en-US" dirty="0">
+                <a:solidFill>
+                  <a:srgbClr val="FF0000"/>
+                </a:solidFill>
+              </a:rPr>
+              <a:t>跨链转账</a:t>
+            </a:r>
+            <a:endParaRPr lang="en-US" altLang="zh-CN" dirty="0">
+              <a:solidFill>
+                <a:srgbClr val="FF0000"/>
+              </a:solidFill>
+            </a:endParaRPr>
+          </a:p>
+          <a:p>
+            <a:pPr marL="0" indent="0">
+              <a:buNone/>
+            </a:pPr>
+            <a:r>
+              <a:rPr lang="en-US" altLang="zh-CN" dirty="0">
+                <a:solidFill>
+                  <a:srgbClr val="FF0000"/>
+                </a:solidFill>
+              </a:rPr>
+              <a:t>  </a:t>
+            </a:r>
+            <a:r>
+              <a:rPr lang="zh-CN" altLang="en-US" dirty="0">
+                <a:solidFill>
+                  <a:srgbClr val="FF0000"/>
+                </a:solidFill>
+              </a:rPr>
+              <a:t>（资产回退）</a:t>
+            </a:r>
+            <a:endParaRPr lang="en-US" altLang="zh-CN" dirty="0">
+              <a:solidFill>
+                <a:srgbClr val="FF0000"/>
+              </a:solidFill>
+            </a:endParaRPr>
+          </a:p>
+          <a:p>
+            <a:r>
+              <a:rPr lang="zh-CN" altLang="en-US" dirty="0"/>
+              <a:t>上车启程</a:t>
+            </a:r>
+            <a:endParaRPr lang="en-US" altLang="zh-CN" dirty="0"/>
+          </a:p>
+          <a:p>
+            <a:r>
+              <a:rPr lang="zh-CN" altLang="en-US" dirty="0"/>
+              <a:t>确认订单</a:t>
+            </a:r>
+          </a:p>
+        </p:txBody>
+      </p:sp>
+      <p:cxnSp>
+        <p:nvCxnSpPr>
+          <p:cNvPr id="8" name="直接箭头连接符 7">
+            <a:extLst>
+              <a:ext uri="{FF2B5EF4-FFF2-40B4-BE49-F238E27FC236}">
+                <a16:creationId xmlns:a16="http://schemas.microsoft.com/office/drawing/2014/main" id="{2D139CB1-558C-91EB-183E-3E30EAED2917}"/>
+              </a:ext>
+            </a:extLst>
+          </p:cNvPr>
+          <p:cNvCxnSpPr/>
+          <p:nvPr/>
+        </p:nvCxnSpPr>
+        <p:spPr>
+          <a:xfrm flipV="1">
+            <a:off x="2407024" y="1143000"/>
+            <a:ext cx="1748117" cy="1603372"/>
+          </a:xfrm>
+          <a:prstGeom prst="straightConnector1">
+            <a:avLst/>
+          </a:prstGeom>
+          <a:ln>
+            <a:solidFill>
+              <a:srgbClr val="00B0F0"/>
+            </a:solidFill>
+            <a:tailEnd type="triangle"/>
+          </a:ln>
+        </p:spPr>
+        <p:style>
+          <a:lnRef idx="1">
+            <a:schemeClr val="accent1"/>
+          </a:lnRef>
+          <a:fillRef idx="0">
+            <a:schemeClr val="accent1"/>
+          </a:fillRef>
+          <a:effectRef idx="0">
+            <a:schemeClr val="accent1"/>
+          </a:effectRef>
+          <a:fontRef idx="minor">
+            <a:schemeClr val="tx1"/>
+          </a:fontRef>
+        </p:style>
+      </p:cxnSp>
+      <p:cxnSp>
+        <p:nvCxnSpPr>
+          <p:cNvPr id="14" name="直接箭头连接符 13">
+            <a:extLst>
+              <a:ext uri="{FF2B5EF4-FFF2-40B4-BE49-F238E27FC236}">
+                <a16:creationId xmlns:a16="http://schemas.microsoft.com/office/drawing/2014/main" id="{3C693BA6-00D3-D57E-8BFB-D9ED4CBBF25D}"/>
+              </a:ext>
+            </a:extLst>
+          </p:cNvPr>
+          <p:cNvCxnSpPr/>
+          <p:nvPr/>
+        </p:nvCxnSpPr>
+        <p:spPr>
+          <a:xfrm flipV="1">
+            <a:off x="2299447" y="3328147"/>
+            <a:ext cx="568686" cy="410135"/>
+          </a:xfrm>
+          <a:prstGeom prst="straightConnector1">
+            <a:avLst/>
+          </a:prstGeom>
+          <a:ln>
+            <a:solidFill>
+              <a:srgbClr val="00B0F0"/>
+            </a:solidFill>
+            <a:tailEnd type="triangle"/>
+          </a:ln>
+        </p:spPr>
+        <p:style>
+          <a:lnRef idx="1">
+            <a:schemeClr val="accent1"/>
+          </a:lnRef>
+          <a:fillRef idx="0">
+            <a:schemeClr val="accent1"/>
+          </a:fillRef>
+          <a:effectRef idx="0">
+            <a:schemeClr val="accent1"/>
+          </a:effectRef>
+          <a:fontRef idx="minor">
+            <a:schemeClr val="tx1"/>
+          </a:fontRef>
+        </p:style>
+      </p:cxnSp>
+      <p:cxnSp>
+        <p:nvCxnSpPr>
+          <p:cNvPr id="17" name="直接箭头连接符 16">
+            <a:extLst>
+              <a:ext uri="{FF2B5EF4-FFF2-40B4-BE49-F238E27FC236}">
+                <a16:creationId xmlns:a16="http://schemas.microsoft.com/office/drawing/2014/main" id="{8AE07551-E739-6237-9018-D4B12AE015C3}"/>
+              </a:ext>
+            </a:extLst>
+          </p:cNvPr>
+          <p:cNvCxnSpPr>
+            <a:cxnSpLocks/>
+          </p:cNvCxnSpPr>
+          <p:nvPr/>
+        </p:nvCxnSpPr>
+        <p:spPr>
+          <a:xfrm flipH="1" flipV="1">
+            <a:off x="7342094" y="2474259"/>
+            <a:ext cx="1788459" cy="272113"/>
+          </a:xfrm>
+          <a:prstGeom prst="straightConnector1">
+            <a:avLst/>
+          </a:prstGeom>
+          <a:ln>
+            <a:solidFill>
+              <a:srgbClr val="00B0F0"/>
+            </a:solidFill>
+            <a:tailEnd type="triangle"/>
+          </a:ln>
+        </p:spPr>
+        <p:style>
+          <a:lnRef idx="1">
+            <a:schemeClr val="accent1"/>
+          </a:lnRef>
+          <a:fillRef idx="0">
+            <a:schemeClr val="accent1"/>
+          </a:fillRef>
+          <a:effectRef idx="0">
+            <a:schemeClr val="accent1"/>
+          </a:effectRef>
+          <a:fontRef idx="minor">
+            <a:schemeClr val="tx1"/>
+          </a:fontRef>
+        </p:style>
+      </p:cxnSp>
+      <p:cxnSp>
+        <p:nvCxnSpPr>
+          <p:cNvPr id="19" name="直接箭头连接符 18">
+            <a:extLst>
+              <a:ext uri="{FF2B5EF4-FFF2-40B4-BE49-F238E27FC236}">
+                <a16:creationId xmlns:a16="http://schemas.microsoft.com/office/drawing/2014/main" id="{9CACD8F5-53AB-7613-23DA-C3B726C27D2D}"/>
+              </a:ext>
+            </a:extLst>
+          </p:cNvPr>
+          <p:cNvCxnSpPr>
+            <a:cxnSpLocks/>
+          </p:cNvCxnSpPr>
+          <p:nvPr/>
+        </p:nvCxnSpPr>
+        <p:spPr>
+          <a:xfrm flipH="1">
+            <a:off x="8337176" y="3563471"/>
+            <a:ext cx="793377" cy="107576"/>
+          </a:xfrm>
+          <a:prstGeom prst="straightConnector1">
+            <a:avLst/>
+          </a:prstGeom>
+          <a:ln>
+            <a:solidFill>
+              <a:srgbClr val="00B0F0"/>
+            </a:solidFill>
+            <a:tailEnd type="triangle"/>
+          </a:ln>
+        </p:spPr>
+        <p:style>
+          <a:lnRef idx="1">
+            <a:schemeClr val="accent1"/>
+          </a:lnRef>
+          <a:fillRef idx="0">
+            <a:schemeClr val="accent1"/>
+          </a:fillRef>
+          <a:effectRef idx="0">
+            <a:schemeClr val="accent1"/>
+          </a:effectRef>
+          <a:fontRef idx="minor">
+            <a:schemeClr val="tx1"/>
+          </a:fontRef>
+        </p:style>
+      </p:cxnSp>
     </p:spTree>
     <p:extLst>
       <p:ext uri="{BB962C8B-B14F-4D97-AF65-F5344CB8AC3E}">
         <p14:creationId xmlns:p14="http://schemas.microsoft.com/office/powerpoint/2010/main" val="602691656"/>
+      </p:ext>
+    </p:extLst>
+  </p:cSld>
+  <p:clrMapOvr>
+    <a:masterClrMapping/>
+  </p:clrMapOvr>
+  <p:timing>
+    <p:tnLst>
+      <p:par>
+        <p:cTn id="1" dur="indefinite" restart="never" nodeType="tmRoot">
+          <p:childTnLst>
+            <p:seq concurrent="1" nextAc="seek">
+              <p:cTn id="2" dur="indefinite" nodeType="mainSeq">
+                <p:childTnLst>
+                  <p:par>
+                    <p:cTn id="3" fill="hold">
+                      <p:stCondLst>
+                        <p:cond delay="indefinite"/>
+                      </p:stCondLst>
+                      <p:childTnLst>
+                        <p:par>
+                          <p:cTn id="4" fill="hold">
+                            <p:stCondLst>
+                              <p:cond delay="0"/>
+                            </p:stCondLst>
+                            <p:childTnLst>
+                              <p:par>
+                                <p:cTn id="5" presetID="1" presetClass="entr" presetSubtype="0" fill="hold" nodeType="clickEffect">
+                                  <p:stCondLst>
+                                    <p:cond delay="0"/>
+                                  </p:stCondLst>
+                                  <p:childTnLst>
+                                    <p:set>
+                                      <p:cBhvr>
+                                        <p:cTn id="6" dur="1" fill="hold">
+                                          <p:stCondLst>
+                                            <p:cond delay="0"/>
+                                          </p:stCondLst>
+                                        </p:cTn>
+                                        <p:tgtEl>
+                                          <p:spTgt spid="8"/>
+                                        </p:tgtEl>
+                                        <p:attrNameLst>
+                                          <p:attrName>style.visibility</p:attrName>
+                                        </p:attrNameLst>
+                                      </p:cBhvr>
+                                      <p:to>
+                                        <p:strVal val="visible"/>
+                                      </p:to>
+                                    </p:set>
+                                  </p:childTnLst>
+                                </p:cTn>
+                              </p:par>
+                              <p:par>
+                                <p:cTn id="7" presetID="1" presetClass="entr" presetSubtype="0" fill="hold" grpId="0" nodeType="withEffect">
+                                  <p:stCondLst>
+                                    <p:cond delay="0"/>
+                                  </p:stCondLst>
+                                  <p:childTnLst>
+                                    <p:set>
+                                      <p:cBhvr>
+                                        <p:cTn id="8" dur="1" fill="hold">
+                                          <p:stCondLst>
+                                            <p:cond delay="0"/>
+                                          </p:stCondLst>
+                                        </p:cTn>
+                                        <p:tgtEl>
+                                          <p:spTgt spid="5"/>
+                                        </p:tgtEl>
+                                        <p:attrNameLst>
+                                          <p:attrName>style.visibility</p:attrName>
+                                        </p:attrNameLst>
+                                      </p:cBhvr>
+                                      <p:to>
+                                        <p:strVal val="visible"/>
+                                      </p:to>
+                                    </p:set>
+                                  </p:childTnLst>
+                                </p:cTn>
+                              </p:par>
+                            </p:childTnLst>
+                          </p:cTn>
+                        </p:par>
+                      </p:childTnLst>
+                    </p:cTn>
+                  </p:par>
+                  <p:par>
+                    <p:cTn id="9" fill="hold">
+                      <p:stCondLst>
+                        <p:cond delay="indefinite"/>
+                      </p:stCondLst>
+                      <p:childTnLst>
+                        <p:par>
+                          <p:cTn id="10" fill="hold">
+                            <p:stCondLst>
+                              <p:cond delay="0"/>
+                            </p:stCondLst>
+                            <p:childTnLst>
+                              <p:par>
+                                <p:cTn id="11" presetID="1" presetClass="entr" presetSubtype="0" fill="hold" nodeType="clickEffect">
+                                  <p:stCondLst>
+                                    <p:cond delay="0"/>
+                                  </p:stCondLst>
+                                  <p:childTnLst>
+                                    <p:set>
+                                      <p:cBhvr>
+                                        <p:cTn id="12" dur="1" fill="hold">
+                                          <p:stCondLst>
+                                            <p:cond delay="0"/>
+                                          </p:stCondLst>
+                                        </p:cTn>
+                                        <p:tgtEl>
+                                          <p:spTgt spid="14"/>
+                                        </p:tgtEl>
+                                        <p:attrNameLst>
+                                          <p:attrName>style.visibility</p:attrName>
+                                        </p:attrNameLst>
+                                      </p:cBhvr>
+                                      <p:to>
+                                        <p:strVal val="visible"/>
+                                      </p:to>
+                                    </p:set>
+                                  </p:childTnLst>
+                                </p:cTn>
+                              </p:par>
+                              <p:par>
+                                <p:cTn id="13" presetID="1" presetClass="entr" presetSubtype="0" fill="hold" nodeType="withEffect">
+                                  <p:stCondLst>
+                                    <p:cond delay="0"/>
+                                  </p:stCondLst>
+                                  <p:childTnLst>
+                                    <p:set>
+                                      <p:cBhvr>
+                                        <p:cTn id="14" dur="1" fill="hold">
+                                          <p:stCondLst>
+                                            <p:cond delay="0"/>
+                                          </p:stCondLst>
+                                        </p:cTn>
+                                        <p:tgtEl>
+                                          <p:spTgt spid="27"/>
+                                        </p:tgtEl>
+                                        <p:attrNameLst>
+                                          <p:attrName>style.visibility</p:attrName>
+                                        </p:attrNameLst>
+                                      </p:cBhvr>
+                                      <p:to>
+                                        <p:strVal val="visible"/>
+                                      </p:to>
+                                    </p:set>
+                                  </p:childTnLst>
+                                </p:cTn>
+                              </p:par>
+                              <p:par>
+                                <p:cTn id="15" presetID="1" presetClass="entr" presetSubtype="0" fill="hold" nodeType="withEffect">
+                                  <p:stCondLst>
+                                    <p:cond delay="0"/>
+                                  </p:stCondLst>
+                                  <p:childTnLst>
+                                    <p:set>
+                                      <p:cBhvr>
+                                        <p:cTn id="16" dur="1" fill="hold">
+                                          <p:stCondLst>
+                                            <p:cond delay="0"/>
+                                          </p:stCondLst>
+                                        </p:cTn>
+                                        <p:tgtEl>
+                                          <p:spTgt spid="29"/>
+                                        </p:tgtEl>
+                                        <p:attrNameLst>
+                                          <p:attrName>style.visibility</p:attrName>
+                                        </p:attrNameLst>
+                                      </p:cBhvr>
+                                      <p:to>
+                                        <p:strVal val="visible"/>
+                                      </p:to>
+                                    </p:set>
+                                  </p:childTnLst>
+                                </p:cTn>
+                              </p:par>
+                              <p:par>
+                                <p:cTn id="17" presetID="1" presetClass="entr" presetSubtype="0" fill="hold" nodeType="withEffect">
+                                  <p:stCondLst>
+                                    <p:cond delay="0"/>
+                                  </p:stCondLst>
+                                  <p:childTnLst>
+                                    <p:set>
+                                      <p:cBhvr>
+                                        <p:cTn id="18" dur="1" fill="hold">
+                                          <p:stCondLst>
+                                            <p:cond delay="0"/>
+                                          </p:stCondLst>
+                                        </p:cTn>
+                                        <p:tgtEl>
+                                          <p:spTgt spid="12"/>
+                                        </p:tgtEl>
+                                        <p:attrNameLst>
+                                          <p:attrName>style.visibility</p:attrName>
+                                        </p:attrNameLst>
+                                      </p:cBhvr>
+                                      <p:to>
+                                        <p:strVal val="visible"/>
+                                      </p:to>
+                                    </p:set>
+                                  </p:childTnLst>
+                                </p:cTn>
+                              </p:par>
+                              <p:par>
+                                <p:cTn id="19" presetID="1" presetClass="entr" presetSubtype="0" fill="hold" nodeType="withEffect">
+                                  <p:stCondLst>
+                                    <p:cond delay="0"/>
+                                  </p:stCondLst>
+                                  <p:childTnLst>
+                                    <p:set>
+                                      <p:cBhvr>
+                                        <p:cTn id="20" dur="1" fill="hold">
+                                          <p:stCondLst>
+                                            <p:cond delay="0"/>
+                                          </p:stCondLst>
+                                        </p:cTn>
+                                        <p:tgtEl>
+                                          <p:spTgt spid="16"/>
+                                        </p:tgtEl>
+                                        <p:attrNameLst>
+                                          <p:attrName>style.visibility</p:attrName>
+                                        </p:attrNameLst>
+                                      </p:cBhvr>
+                                      <p:to>
+                                        <p:strVal val="visible"/>
+                                      </p:to>
+                                    </p:set>
+                                  </p:childTnLst>
+                                </p:cTn>
+                              </p:par>
+                              <p:par>
+                                <p:cTn id="21" presetID="1" presetClass="entr" presetSubtype="0" fill="hold" nodeType="withEffect">
+                                  <p:stCondLst>
+                                    <p:cond delay="0"/>
+                                  </p:stCondLst>
+                                  <p:childTnLst>
+                                    <p:set>
+                                      <p:cBhvr>
+                                        <p:cTn id="22" dur="1" fill="hold">
+                                          <p:stCondLst>
+                                            <p:cond delay="0"/>
+                                          </p:stCondLst>
+                                        </p:cTn>
+                                        <p:tgtEl>
+                                          <p:spTgt spid="17"/>
+                                        </p:tgtEl>
+                                        <p:attrNameLst>
+                                          <p:attrName>style.visibility</p:attrName>
+                                        </p:attrNameLst>
+                                      </p:cBhvr>
+                                      <p:to>
+                                        <p:strVal val="visible"/>
+                                      </p:to>
+                                    </p:set>
+                                  </p:childTnLst>
+                                </p:cTn>
+                              </p:par>
+                            </p:childTnLst>
+                          </p:cTn>
+                        </p:par>
+                      </p:childTnLst>
+                    </p:cTn>
+                  </p:par>
+                  <p:par>
+                    <p:cTn id="23" fill="hold">
+                      <p:stCondLst>
+                        <p:cond delay="indefinite"/>
+                      </p:stCondLst>
+                      <p:childTnLst>
+                        <p:par>
+                          <p:cTn id="24" fill="hold">
+                            <p:stCondLst>
+                              <p:cond delay="0"/>
+                            </p:stCondLst>
+                            <p:childTnLst>
+                              <p:par>
+                                <p:cTn id="25" presetID="1" presetClass="entr" presetSubtype="0" fill="hold" nodeType="clickEffect">
+                                  <p:stCondLst>
+                                    <p:cond delay="0"/>
+                                  </p:stCondLst>
+                                  <p:childTnLst>
+                                    <p:set>
+                                      <p:cBhvr>
+                                        <p:cTn id="26" dur="1" fill="hold">
+                                          <p:stCondLst>
+                                            <p:cond delay="0"/>
+                                          </p:stCondLst>
+                                        </p:cTn>
+                                        <p:tgtEl>
+                                          <p:spTgt spid="19"/>
+                                        </p:tgtEl>
+                                        <p:attrNameLst>
+                                          <p:attrName>style.visibility</p:attrName>
+                                        </p:attrNameLst>
+                                      </p:cBhvr>
+                                      <p:to>
+                                        <p:strVal val="visible"/>
+                                      </p:to>
+                                    </p:set>
+                                  </p:childTnLst>
+                                </p:cTn>
+                              </p:par>
+                            </p:childTnLst>
+                          </p:cTn>
+                        </p:par>
+                      </p:childTnLst>
+                    </p:cTn>
+                  </p:par>
+                </p:childTnLst>
+              </p:cTn>
+              <p:prevCondLst>
+                <p:cond evt="onPrev" delay="0">
+                  <p:tgtEl>
+                    <p:sldTgt/>
+                  </p:tgtEl>
+                </p:cond>
+              </p:prevCondLst>
+              <p:nextCondLst>
+                <p:cond evt="onNext" delay="0">
+                  <p:tgtEl>
+                    <p:sldTgt/>
+                  </p:tgtEl>
+                </p:cond>
+              </p:nextCondLst>
+            </p:seq>
+          </p:childTnLst>
+        </p:cTn>
+      </p:par>
+    </p:tnLst>
+    <p:bldLst>
+      <p:bldP spid="5" grpId="0" animBg="1"/>
+    </p:bldLst>
+  </p:timing>
+</p:sld>
+</file>
+
+<file path=ppt/slides/slide25.xml><?xml version="1.0" encoding="utf-8"?>
+<p:sld xmlns:a="http://schemas.openxmlformats.org/drawingml/2006/main" xmlns:r="http://schemas.openxmlformats.org/officeDocument/2006/relationships" xmlns:p="http://schemas.openxmlformats.org/presentationml/2006/main">
+  <p:cSld>
+    <p:spTree>
+      <p:nvGrpSpPr>
+        <p:cNvPr id="1" name=""/>
+        <p:cNvGrpSpPr/>
+        <p:nvPr/>
+      </p:nvGrpSpPr>
+      <p:grpSpPr>
+        <a:xfrm>
+          <a:off x="0" y="0"/>
+          <a:ext cx="0" cy="0"/>
+          <a:chOff x="0" y="0"/>
+          <a:chExt cx="0" cy="0"/>
+        </a:xfrm>
+      </p:grpSpPr>
+      <p:sp>
+        <p:nvSpPr>
+          <p:cNvPr id="5" name="内容占位符 4">
+            <a:extLst>
+              <a:ext uri="{FF2B5EF4-FFF2-40B4-BE49-F238E27FC236}">
+                <a16:creationId xmlns:a16="http://schemas.microsoft.com/office/drawing/2014/main" id="{DD553D6F-BC1A-435F-9D69-C092A92466AA}"/>
+              </a:ext>
+            </a:extLst>
+          </p:cNvPr>
+          <p:cNvSpPr>
+            <a:spLocks noGrp="1"/>
+          </p:cNvSpPr>
+          <p:nvPr>
+            <p:ph idx="1"/>
+          </p:nvPr>
+        </p:nvSpPr>
+        <p:spPr>
+          <a:xfrm>
+            <a:off x="835307" y="1608623"/>
+            <a:ext cx="10357187" cy="4086205"/>
+          </a:xfrm>
+        </p:spPr>
+        <p:txBody>
+          <a:bodyPr>
+            <a:normAutofit/>
+          </a:bodyPr>
+          <a:lstStyle/>
+          <a:p>
+            <a:pPr>
+              <a:lnSpc>
+                <a:spcPct val="150000"/>
+              </a:lnSpc>
+            </a:pPr>
+            <a:r>
+              <a:rPr lang="zh-CN" altLang="en-US" sz="2400" dirty="0">
+                <a:latin typeface="+mn-ea"/>
+              </a:rPr>
+              <a:t>修改整体测试代码的逻辑架构，通过邻居的合约地址，按顺序调用合约的 </a:t>
+            </a:r>
+            <a:r>
+              <a:rPr lang="en-US" altLang="zh-CN" sz="2400" dirty="0" err="1">
+                <a:latin typeface="+mn-ea"/>
+              </a:rPr>
+              <a:t>getVehicle</a:t>
+            </a:r>
+            <a:r>
+              <a:rPr lang="en-US" altLang="zh-CN" sz="2400" dirty="0">
+                <a:latin typeface="+mn-ea"/>
+              </a:rPr>
+              <a:t> </a:t>
+            </a:r>
+            <a:r>
+              <a:rPr lang="zh-CN" altLang="en-US" sz="2400" dirty="0">
+                <a:latin typeface="+mn-ea"/>
+              </a:rPr>
+              <a:t>函数，得到最近的车辆及其账户。</a:t>
+            </a:r>
+            <a:endParaRPr lang="en-US" altLang="zh-CN" sz="2400" dirty="0">
+              <a:latin typeface="+mn-ea"/>
+            </a:endParaRPr>
+          </a:p>
+          <a:p>
+            <a:pPr>
+              <a:lnSpc>
+                <a:spcPct val="150000"/>
+              </a:lnSpc>
+            </a:pPr>
+            <a:r>
+              <a:rPr lang="zh-CN" altLang="en-US" sz="2400" dirty="0">
+                <a:latin typeface="+mn-ea"/>
+              </a:rPr>
+              <a:t>选择车辆等待确认（这一步触发异步机制，同时只有同一个乘客可以选择一个车辆），若车辆已被占用，则等待一段时间后再次重复上述步骤。</a:t>
+            </a:r>
+            <a:endParaRPr lang="en-US" altLang="zh-CN" sz="2400" dirty="0">
+              <a:latin typeface="+mn-ea"/>
+            </a:endParaRPr>
+          </a:p>
+          <a:p>
+            <a:pPr>
+              <a:lnSpc>
+                <a:spcPct val="150000"/>
+              </a:lnSpc>
+            </a:pPr>
+            <a:r>
+              <a:rPr lang="zh-CN" altLang="en-US" sz="2400" dirty="0">
+                <a:latin typeface="+mn-ea"/>
+              </a:rPr>
+              <a:t>经实验验证跨链搜索可以正确运行</a:t>
+            </a:r>
+            <a:endParaRPr lang="en-US" altLang="zh-CN" sz="2400" b="1" dirty="0">
+              <a:latin typeface="+mn-ea"/>
+            </a:endParaRPr>
+          </a:p>
+        </p:txBody>
+      </p:sp>
+      <p:sp>
+        <p:nvSpPr>
+          <p:cNvPr id="4" name="标题 3">
+            <a:extLst>
+              <a:ext uri="{FF2B5EF4-FFF2-40B4-BE49-F238E27FC236}">
+                <a16:creationId xmlns:a16="http://schemas.microsoft.com/office/drawing/2014/main" id="{CB335FAB-FA8F-41FD-B41F-E4213D79D779}"/>
+              </a:ext>
+            </a:extLst>
+          </p:cNvPr>
+          <p:cNvSpPr>
+            <a:spLocks noGrp="1"/>
+          </p:cNvSpPr>
+          <p:nvPr>
+            <p:ph type="title"/>
+          </p:nvPr>
+        </p:nvSpPr>
+        <p:spPr/>
+        <p:txBody>
+          <a:bodyPr>
+            <a:normAutofit/>
+          </a:bodyPr>
+          <a:lstStyle/>
+          <a:p>
+            <a:r>
+              <a:rPr kumimoji="1" lang="zh-CN" altLang="en-US" sz="2800" dirty="0"/>
+              <a:t>跨区域交易 </a:t>
+            </a:r>
+            <a:r>
+              <a:rPr lang="en-US" altLang="zh-CN" dirty="0">
+                <a:latin typeface="+mj-ea"/>
+              </a:rPr>
+              <a:t>- </a:t>
+            </a:r>
+            <a:r>
+              <a:rPr lang="zh-CN" altLang="en-US" dirty="0">
+                <a:latin typeface="+mj-ea"/>
+              </a:rPr>
+              <a:t>完成跨地区之间的车辆搜索</a:t>
+            </a:r>
+          </a:p>
+        </p:txBody>
+      </p:sp>
+      <p:sp>
+        <p:nvSpPr>
+          <p:cNvPr id="2" name="灯片编号占位符 1">
+            <a:extLst>
+              <a:ext uri="{FF2B5EF4-FFF2-40B4-BE49-F238E27FC236}">
+                <a16:creationId xmlns:a16="http://schemas.microsoft.com/office/drawing/2014/main" id="{D882A700-AF91-FAFF-FBEB-6C9A537BEC55}"/>
+              </a:ext>
+            </a:extLst>
+          </p:cNvPr>
+          <p:cNvSpPr>
+            <a:spLocks noGrp="1"/>
+          </p:cNvSpPr>
+          <p:nvPr>
+            <p:ph type="sldNum" sz="quarter" idx="12"/>
+          </p:nvPr>
+        </p:nvSpPr>
+        <p:spPr/>
+        <p:txBody>
+          <a:bodyPr/>
+          <a:lstStyle/>
+          <a:p>
+            <a:fld id="{977BA8E6-E826-B147-AA17-E3D76A29629C}" type="slidenum">
+              <a:rPr kumimoji="1" lang="zh-CN" altLang="en-US" smtClean="0"/>
+              <a:t>25</a:t>
+            </a:fld>
+            <a:endParaRPr kumimoji="1" lang="zh-CN" altLang="en-US"/>
+          </a:p>
+        </p:txBody>
+      </p:sp>
+    </p:spTree>
+    <p:extLst>
+      <p:ext uri="{BB962C8B-B14F-4D97-AF65-F5344CB8AC3E}">
+        <p14:creationId xmlns:p14="http://schemas.microsoft.com/office/powerpoint/2010/main" val="574947871"/>
       </p:ext>
     </p:extLst>
   </p:cSld>
@@ -11677,102 +13264,95 @@
         </p:nvSpPr>
         <p:spPr>
           <a:xfrm>
-            <a:off x="835307" y="1608623"/>
-            <a:ext cx="10357187" cy="4086205"/>
+            <a:off x="6876381" y="4309779"/>
+            <a:ext cx="4530071" cy="1779295"/>
           </a:xfrm>
         </p:spPr>
         <p:txBody>
           <a:bodyPr>
-            <a:normAutofit lnSpcReduction="10000"/>
+            <a:noAutofit/>
           </a:bodyPr>
           <a:lstStyle/>
           <a:p>
-            <a:pPr>
+            <a:pPr marL="0" indent="0">
               <a:lnSpc>
                 <a:spcPct val="150000"/>
               </a:lnSpc>
+              <a:buNone/>
             </a:pPr>
             <a:r>
-              <a:rPr lang="zh-CN" altLang="en-US" sz="2400" dirty="0">
+              <a:rPr lang="en-US" altLang="zh-CN" dirty="0">
                 <a:latin typeface="+mn-ea"/>
               </a:rPr>
-              <a:t>修改整体测试代码的逻辑架构，获取邻居信息，初始设定搜索半径 </a:t>
-            </a:r>
-            <a:r>
-              <a:rPr lang="en-US" altLang="zh-CN" sz="2400" dirty="0">
+              <a:t>3.</a:t>
+            </a:r>
+            <a:r>
+              <a:rPr lang="zh-CN" altLang="en-US" dirty="0">
                 <a:latin typeface="+mn-ea"/>
               </a:rPr>
-              <a:t>r</a:t>
-            </a:r>
-            <a:r>
-              <a:rPr lang="zh-CN" altLang="en-US" sz="2400" dirty="0">
+              <a:t>父链的资产管理账户会向车辆端发送一个 </a:t>
+            </a:r>
+            <a:r>
+              <a:rPr lang="en-US" altLang="zh-CN" dirty="0" err="1">
                 <a:latin typeface="+mn-ea"/>
               </a:rPr>
-              <a:t>，判断初始起点位置周围的半径的 </a:t>
-            </a:r>
-            <a:r>
-              <a:rPr lang="en-US" altLang="zh-CN" sz="2400" dirty="0">
-                <a:latin typeface="+mn-ea"/>
-              </a:rPr>
-              <a:t>r </a:t>
-            </a:r>
-            <a:r>
-              <a:rPr lang="zh-CN" altLang="en-US" sz="2400" dirty="0">
-                <a:latin typeface="+mn-ea"/>
-              </a:rPr>
-              <a:t>圆是否进入了别的邻居区域，若进入，通过邻居的合约地址，按顺序调用合约的 </a:t>
-            </a:r>
-            <a:r>
-              <a:rPr lang="en-US" altLang="zh-CN" sz="2400" dirty="0" err="1">
-                <a:latin typeface="+mn-ea"/>
-              </a:rPr>
-              <a:t>getVehicle</a:t>
-            </a:r>
-            <a:r>
-              <a:rPr lang="en-US" altLang="zh-CN" sz="2400" dirty="0">
+              <a:t>matchin</a:t>
+            </a:r>
+            <a:r>
+              <a:rPr lang="en-US" altLang="zh-CN" dirty="0">
                 <a:latin typeface="+mn-ea"/>
               </a:rPr>
               <a:t> </a:t>
             </a:r>
             <a:r>
-              <a:rPr lang="zh-CN" altLang="en-US" sz="2400" dirty="0">
+              <a:rPr lang="zh-CN" altLang="en-US" dirty="0">
                 <a:latin typeface="+mn-ea"/>
               </a:rPr>
-              <a:t>函数，得到最近的车辆及其账户。</a:t>
-            </a:r>
-            <a:endParaRPr lang="en-US" altLang="zh-CN" sz="2400" dirty="0">
-              <a:latin typeface="+mn-ea"/>
-            </a:endParaRPr>
-          </a:p>
-          <a:p>
-            <a:pPr>
-              <a:lnSpc>
-                <a:spcPct val="150000"/>
-              </a:lnSpc>
-            </a:pPr>
-            <a:r>
-              <a:rPr lang="zh-CN" altLang="en-US" sz="2400" dirty="0">
+              <a:t>转账请求，分支区块会将此 </a:t>
+            </a:r>
+            <a:r>
+              <a:rPr lang="en-US" altLang="zh-CN" dirty="0" err="1">
                 <a:latin typeface="+mn-ea"/>
               </a:rPr>
-              <a:t>选择车辆等待确认（这一步触发异步机制，同时只有同一个乘客可以选择一个车辆），若车辆已被占用，则等待一段时间后再次重复上述步骤。</a:t>
-            </a:r>
-            <a:endParaRPr lang="en-US" altLang="zh-CN" sz="2400" dirty="0">
-              <a:latin typeface="+mn-ea"/>
-            </a:endParaRPr>
-          </a:p>
-          <a:p>
-            <a:pPr>
-              <a:lnSpc>
-                <a:spcPct val="150000"/>
-              </a:lnSpc>
-            </a:pPr>
-            <a:r>
-              <a:rPr lang="zh-CN" altLang="en-US" sz="2400" dirty="0">
+              <a:t>matchin</a:t>
+            </a:r>
+            <a:r>
+              <a:rPr lang="en-US" altLang="zh-CN" dirty="0">
                 <a:latin typeface="+mn-ea"/>
               </a:rPr>
-              <a:t>经实验验证跨链搜索可以正确运行</a:t>
-            </a:r>
-            <a:endParaRPr lang="en-US" altLang="zh-CN" sz="2400" b="1" dirty="0">
+              <a:t> </a:t>
+            </a:r>
+            <a:r>
+              <a:rPr lang="zh-CN" altLang="en-US" dirty="0">
+                <a:latin typeface="+mn-ea"/>
+              </a:rPr>
+              <a:t>与 </a:t>
+            </a:r>
+            <a:r>
+              <a:rPr lang="en-US" altLang="zh-CN" dirty="0">
+                <a:latin typeface="+mn-ea"/>
+              </a:rPr>
+              <a:t>request </a:t>
+            </a:r>
+            <a:r>
+              <a:rPr lang="zh-CN" altLang="en-US" dirty="0">
+                <a:latin typeface="+mn-ea"/>
+              </a:rPr>
+              <a:t>请求进行匹配，注意对应的交易 </a:t>
+            </a:r>
+            <a:r>
+              <a:rPr lang="en-US" altLang="zh-CN" dirty="0">
+                <a:latin typeface="+mn-ea"/>
+              </a:rPr>
+              <a:t>hash </a:t>
+            </a:r>
+            <a:r>
+              <a:rPr lang="zh-CN" altLang="en-US" dirty="0">
+                <a:latin typeface="+mn-ea"/>
+              </a:rPr>
+              <a:t>值也应匹配。</a:t>
+            </a:r>
+            <a:endParaRPr lang="en-US" altLang="zh-CN" dirty="0">
               <a:latin typeface="+mn-ea"/>
             </a:endParaRPr>
           </a:p>
@@ -11802,391 +13382,17 @@
           <a:lstStyle/>
           <a:p>
             <a:r>
-              <a:rPr kumimoji="1" lang="zh-CN" altLang="en-US" sz="2800" dirty="0"/>
+              <a:rPr kumimoji="1" lang="zh-CN" altLang="en-US" sz="2000" dirty="0"/>
               <a:t>跨区域交易 </a:t>
             </a:r>
             <a:r>
-              <a:rPr lang="en-US" altLang="zh-CN" dirty="0">
+              <a:rPr lang="en-US" altLang="zh-CN" sz="2000" dirty="0">
                 <a:latin typeface="+mj-ea"/>
               </a:rPr>
               <a:t>- </a:t>
             </a:r>
             <a:r>
-              <a:rPr lang="zh-CN" altLang="en-US" dirty="0">
-                <a:latin typeface="+mj-ea"/>
-              </a:rPr>
-              <a:t>完成跨地区之间的车辆搜索</a:t>
-            </a:r>
-          </a:p>
-        </p:txBody>
-      </p:sp>
-      <p:sp>
-        <p:nvSpPr>
-          <p:cNvPr id="2" name="灯片编号占位符 1">
-            <a:extLst>
-              <a:ext uri="{FF2B5EF4-FFF2-40B4-BE49-F238E27FC236}">
-                <a16:creationId xmlns:a16="http://schemas.microsoft.com/office/drawing/2014/main" id="{D882A700-AF91-FAFF-FBEB-6C9A537BEC55}"/>
-              </a:ext>
-            </a:extLst>
-          </p:cNvPr>
-          <p:cNvSpPr>
-            <a:spLocks noGrp="1"/>
-          </p:cNvSpPr>
-          <p:nvPr>
-            <p:ph type="sldNum" sz="quarter" idx="12"/>
-          </p:nvPr>
-        </p:nvSpPr>
-        <p:spPr/>
-        <p:txBody>
-          <a:bodyPr/>
-          <a:lstStyle/>
-          <a:p>
-            <a:fld id="{977BA8E6-E826-B147-AA17-E3D76A29629C}" type="slidenum">
-              <a:rPr kumimoji="1" lang="zh-CN" altLang="en-US" smtClean="0"/>
-              <a:t>26</a:t>
-            </a:fld>
-            <a:endParaRPr kumimoji="1" lang="zh-CN" altLang="en-US"/>
-          </a:p>
-        </p:txBody>
-      </p:sp>
-    </p:spTree>
-    <p:extLst>
-      <p:ext uri="{BB962C8B-B14F-4D97-AF65-F5344CB8AC3E}">
-        <p14:creationId xmlns:p14="http://schemas.microsoft.com/office/powerpoint/2010/main" val="574947871"/>
-      </p:ext>
-    </p:extLst>
-  </p:cSld>
-  <p:clrMapOvr>
-    <a:masterClrMapping/>
-  </p:clrMapOvr>
-</p:sld>
-</file>
-
-<file path=ppt/slides/slide27.xml><?xml version="1.0" encoding="utf-8"?>
-<p:sld xmlns:a="http://schemas.openxmlformats.org/drawingml/2006/main" xmlns:r="http://schemas.openxmlformats.org/officeDocument/2006/relationships" xmlns:p="http://schemas.openxmlformats.org/presentationml/2006/main">
-  <p:cSld>
-    <p:spTree>
-      <p:nvGrpSpPr>
-        <p:cNvPr id="1" name=""/>
-        <p:cNvGrpSpPr/>
-        <p:nvPr/>
-      </p:nvGrpSpPr>
-      <p:grpSpPr>
-        <a:xfrm>
-          <a:off x="0" y="0"/>
-          <a:ext cx="0" cy="0"/>
-          <a:chOff x="0" y="0"/>
-          <a:chExt cx="0" cy="0"/>
-        </a:xfrm>
-      </p:grpSpPr>
-      <p:sp>
-        <p:nvSpPr>
-          <p:cNvPr id="5" name="内容占位符 4">
-            <a:extLst>
-              <a:ext uri="{FF2B5EF4-FFF2-40B4-BE49-F238E27FC236}">
-                <a16:creationId xmlns:a16="http://schemas.microsoft.com/office/drawing/2014/main" id="{DD553D6F-BC1A-435F-9D69-C092A92466AA}"/>
-              </a:ext>
-            </a:extLst>
-          </p:cNvPr>
-          <p:cNvSpPr>
-            <a:spLocks noGrp="1"/>
-          </p:cNvSpPr>
-          <p:nvPr>
-            <p:ph idx="1"/>
-          </p:nvPr>
-        </p:nvSpPr>
-        <p:spPr>
-          <a:xfrm>
-            <a:off x="835306" y="3123350"/>
-            <a:ext cx="10915328" cy="3734650"/>
-          </a:xfrm>
-        </p:spPr>
-        <p:txBody>
-          <a:bodyPr>
-            <a:noAutofit/>
-          </a:bodyPr>
-          <a:lstStyle/>
-          <a:p>
-            <a:pPr>
-              <a:lnSpc>
-                <a:spcPct val="150000"/>
-              </a:lnSpc>
-            </a:pPr>
-            <a:r>
-              <a:rPr lang="en-US" altLang="zh-CN" dirty="0">
-                <a:latin typeface="+mn-ea"/>
-              </a:rPr>
-              <a:t>1.</a:t>
-            </a:r>
-            <a:r>
-              <a:rPr lang="zh-CN" altLang="en-US" dirty="0">
-                <a:latin typeface="+mn-ea"/>
-              </a:rPr>
-              <a:t>车辆账户需要向父链的资产管理账户发送一个 </a:t>
-            </a:r>
-            <a:r>
-              <a:rPr lang="en-US" altLang="zh-CN" dirty="0">
-                <a:latin typeface="+mn-ea"/>
-              </a:rPr>
-              <a:t>request </a:t>
-            </a:r>
-            <a:r>
-              <a:rPr lang="zh-CN" altLang="en-US" dirty="0">
-                <a:latin typeface="+mn-ea"/>
-              </a:rPr>
-              <a:t>请求，记录 </a:t>
-            </a:r>
-            <a:r>
-              <a:rPr lang="en-US" altLang="zh-CN" dirty="0">
-                <a:latin typeface="+mn-ea"/>
-              </a:rPr>
-              <a:t>request </a:t>
-            </a:r>
-            <a:r>
-              <a:rPr lang="zh-CN" altLang="en-US" dirty="0">
-                <a:latin typeface="+mn-ea"/>
-              </a:rPr>
-              <a:t>请求产生的 </a:t>
-            </a:r>
-            <a:r>
-              <a:rPr lang="en-US" altLang="zh-CN" dirty="0">
-                <a:latin typeface="+mn-ea"/>
-              </a:rPr>
-              <a:t>hash </a:t>
-            </a:r>
-            <a:r>
-              <a:rPr lang="zh-CN" altLang="en-US" dirty="0">
-                <a:latin typeface="+mn-ea"/>
-              </a:rPr>
-              <a:t>值</a:t>
-            </a:r>
-            <a:endParaRPr lang="en-US" altLang="zh-CN" dirty="0">
-              <a:latin typeface="+mn-ea"/>
-            </a:endParaRPr>
-          </a:p>
-          <a:p>
-            <a:pPr>
-              <a:lnSpc>
-                <a:spcPct val="150000"/>
-              </a:lnSpc>
-            </a:pPr>
-            <a:r>
-              <a:rPr lang="en-US" altLang="zh-CN" dirty="0">
-                <a:latin typeface="+mn-ea"/>
-              </a:rPr>
-              <a:t>2.</a:t>
-            </a:r>
-            <a:r>
-              <a:rPr lang="zh-CN" altLang="en-US" dirty="0">
-                <a:latin typeface="+mn-ea"/>
-              </a:rPr>
-              <a:t>乘客端会向父链的资产管理账户发送一个 </a:t>
-            </a:r>
-            <a:r>
-              <a:rPr lang="en-US" altLang="zh-CN" dirty="0" err="1">
-                <a:latin typeface="+mn-ea"/>
-              </a:rPr>
-              <a:t>matchout</a:t>
-            </a:r>
-            <a:r>
-              <a:rPr lang="en-US" altLang="zh-CN" dirty="0">
-                <a:latin typeface="+mn-ea"/>
-              </a:rPr>
-              <a:t> </a:t>
-            </a:r>
-            <a:r>
-              <a:rPr lang="zh-CN" altLang="en-US" dirty="0">
-                <a:latin typeface="+mn-ea"/>
-              </a:rPr>
-              <a:t>转账请求，记录 </a:t>
-            </a:r>
-            <a:r>
-              <a:rPr lang="en-US" altLang="zh-CN" dirty="0" err="1">
-                <a:latin typeface="+mn-ea"/>
-              </a:rPr>
-              <a:t>matchout</a:t>
-            </a:r>
-            <a:r>
-              <a:rPr lang="en-US" altLang="zh-CN" dirty="0">
-                <a:latin typeface="+mn-ea"/>
-              </a:rPr>
-              <a:t> </a:t>
-            </a:r>
-            <a:r>
-              <a:rPr lang="zh-CN" altLang="en-US" dirty="0">
-                <a:latin typeface="+mn-ea"/>
-              </a:rPr>
-              <a:t>请求产生的 </a:t>
-            </a:r>
-            <a:r>
-              <a:rPr lang="en-US" altLang="zh-CN" dirty="0">
-                <a:latin typeface="+mn-ea"/>
-              </a:rPr>
-              <a:t>hash</a:t>
-            </a:r>
-            <a:r>
-              <a:rPr lang="zh-CN" altLang="en-US" dirty="0">
-                <a:latin typeface="+mn-ea"/>
-              </a:rPr>
-              <a:t>值。</a:t>
-            </a:r>
-            <a:endParaRPr lang="en-US" altLang="zh-CN" dirty="0">
-              <a:latin typeface="+mn-ea"/>
-            </a:endParaRPr>
-          </a:p>
-          <a:p>
-            <a:pPr>
-              <a:lnSpc>
-                <a:spcPct val="150000"/>
-              </a:lnSpc>
-            </a:pPr>
-            <a:r>
-              <a:rPr lang="en-US" altLang="zh-CN" dirty="0">
-                <a:latin typeface="+mn-ea"/>
-              </a:rPr>
-              <a:t>3.</a:t>
-            </a:r>
-            <a:r>
-              <a:rPr lang="zh-CN" altLang="en-US" dirty="0">
-                <a:latin typeface="+mn-ea"/>
-              </a:rPr>
-              <a:t>父链的资产管理账户会向车辆端发送一个 </a:t>
-            </a:r>
-            <a:r>
-              <a:rPr lang="en-US" altLang="zh-CN" dirty="0" err="1">
-                <a:latin typeface="+mn-ea"/>
-              </a:rPr>
-              <a:t>matchin</a:t>
-            </a:r>
-            <a:r>
-              <a:rPr lang="en-US" altLang="zh-CN" dirty="0">
-                <a:latin typeface="+mn-ea"/>
-              </a:rPr>
-              <a:t> </a:t>
-            </a:r>
-            <a:r>
-              <a:rPr lang="zh-CN" altLang="en-US" dirty="0">
-                <a:latin typeface="+mn-ea"/>
-              </a:rPr>
-              <a:t>转账请求，经过对于源码的研究，这一步操作分支区块会将此 </a:t>
-            </a:r>
-            <a:r>
-              <a:rPr lang="en-US" altLang="zh-CN" dirty="0" err="1">
-                <a:latin typeface="+mn-ea"/>
-              </a:rPr>
-              <a:t>matchin</a:t>
-            </a:r>
-            <a:r>
-              <a:rPr lang="en-US" altLang="zh-CN" dirty="0">
-                <a:latin typeface="+mn-ea"/>
-              </a:rPr>
-              <a:t> </a:t>
-            </a:r>
-            <a:r>
-              <a:rPr lang="zh-CN" altLang="en-US" dirty="0">
-                <a:latin typeface="+mn-ea"/>
-              </a:rPr>
-              <a:t>与 </a:t>
-            </a:r>
-            <a:r>
-              <a:rPr lang="en-US" altLang="zh-CN" dirty="0">
-                <a:latin typeface="+mn-ea"/>
-              </a:rPr>
-              <a:t>request </a:t>
-            </a:r>
-            <a:r>
-              <a:rPr lang="zh-CN" altLang="en-US" dirty="0">
-                <a:latin typeface="+mn-ea"/>
-              </a:rPr>
-              <a:t>请求进行匹配，注意对应的交易 </a:t>
-            </a:r>
-            <a:r>
-              <a:rPr lang="en-US" altLang="zh-CN" dirty="0">
-                <a:latin typeface="+mn-ea"/>
-              </a:rPr>
-              <a:t>hash </a:t>
-            </a:r>
-            <a:r>
-              <a:rPr lang="zh-CN" altLang="en-US" dirty="0">
-                <a:latin typeface="+mn-ea"/>
-              </a:rPr>
-              <a:t>值也应匹配。</a:t>
-            </a:r>
-            <a:endParaRPr lang="en-US" altLang="zh-CN" dirty="0">
-              <a:latin typeface="+mn-ea"/>
-            </a:endParaRPr>
-          </a:p>
-          <a:p>
-            <a:pPr>
-              <a:lnSpc>
-                <a:spcPct val="150000"/>
-              </a:lnSpc>
-            </a:pPr>
-            <a:r>
-              <a:rPr lang="en-US" altLang="zh-CN" dirty="0">
-                <a:latin typeface="+mn-ea"/>
-              </a:rPr>
-              <a:t>4.</a:t>
-            </a:r>
-            <a:r>
-              <a:rPr lang="zh-CN" altLang="en-US" dirty="0">
-                <a:latin typeface="+mn-ea"/>
-              </a:rPr>
-              <a:t>上述工作均完成后，父链的资产管理账户会向乘客端发送一个 </a:t>
-            </a:r>
-            <a:r>
-              <a:rPr lang="en-US" altLang="zh-CN" dirty="0">
-                <a:latin typeface="+mn-ea"/>
-              </a:rPr>
-              <a:t>return-result </a:t>
-            </a:r>
-            <a:r>
-              <a:rPr lang="zh-CN" altLang="en-US" dirty="0">
-                <a:latin typeface="+mn-ea"/>
-              </a:rPr>
-              <a:t>请求，记录并验证交易结果。</a:t>
-            </a:r>
-            <a:endParaRPr lang="en-US" altLang="zh-CN" b="1" dirty="0">
-              <a:latin typeface="+mn-ea"/>
-            </a:endParaRPr>
-          </a:p>
-        </p:txBody>
-      </p:sp>
-      <p:sp>
-        <p:nvSpPr>
-          <p:cNvPr id="4" name="标题 3">
-            <a:extLst>
-              <a:ext uri="{FF2B5EF4-FFF2-40B4-BE49-F238E27FC236}">
-                <a16:creationId xmlns:a16="http://schemas.microsoft.com/office/drawing/2014/main" id="{CB335FAB-FA8F-41FD-B41F-E4213D79D779}"/>
-              </a:ext>
-            </a:extLst>
-          </p:cNvPr>
-          <p:cNvSpPr>
-            <a:spLocks noGrp="1"/>
-          </p:cNvSpPr>
-          <p:nvPr>
-            <p:ph type="title"/>
-          </p:nvPr>
-        </p:nvSpPr>
-        <p:spPr/>
-        <p:txBody>
-          <a:bodyPr>
-            <a:normAutofit/>
-          </a:bodyPr>
-          <a:lstStyle/>
-          <a:p>
-            <a:r>
-              <a:rPr kumimoji="1" lang="zh-CN" altLang="en-US" sz="2800" dirty="0"/>
-              <a:t>跨区域交易 </a:t>
-            </a:r>
-            <a:r>
-              <a:rPr lang="en-US" altLang="zh-CN" dirty="0">
-                <a:latin typeface="+mj-ea"/>
-              </a:rPr>
-              <a:t>- </a:t>
-            </a:r>
-            <a:r>
-              <a:rPr lang="zh-CN" altLang="en-US" dirty="0">
+              <a:rPr lang="zh-CN" altLang="en-US" sz="2000" dirty="0">
                 <a:latin typeface="+mj-ea"/>
               </a:rPr>
               <a:t>实现跨区域的交易转账</a:t>
@@ -12222,8 +13428,8 @@
         </p:blipFill>
         <p:spPr>
           <a:xfrm>
-            <a:off x="979102" y="1608623"/>
-            <a:ext cx="5877057" cy="1461147"/>
+            <a:off x="2997544" y="2671294"/>
+            <a:ext cx="6196912" cy="1603409"/>
           </a:xfrm>
           <a:prstGeom prst="rect">
             <a:avLst/>
@@ -12253,9 +13459,1049 @@
           <a:p>
             <a:fld id="{977BA8E6-E826-B147-AA17-E3D76A29629C}" type="slidenum">
               <a:rPr kumimoji="1" lang="zh-CN" altLang="en-US" smtClean="0"/>
-              <a:t>27</a:t>
+              <a:t>26</a:t>
             </a:fld>
             <a:endParaRPr kumimoji="1" lang="zh-CN" altLang="en-US"/>
+          </a:p>
+        </p:txBody>
+      </p:sp>
+      <p:sp>
+        <p:nvSpPr>
+          <p:cNvPr id="6" name="内容占位符 4">
+            <a:extLst>
+              <a:ext uri="{FF2B5EF4-FFF2-40B4-BE49-F238E27FC236}">
+                <a16:creationId xmlns:a16="http://schemas.microsoft.com/office/drawing/2014/main" id="{C08B353D-B0C7-20EF-8FB2-78A7E23EA984}"/>
+              </a:ext>
+            </a:extLst>
+          </p:cNvPr>
+          <p:cNvSpPr txBox="1">
+            <a:spLocks/>
+          </p:cNvSpPr>
+          <p:nvPr/>
+        </p:nvSpPr>
+        <p:spPr>
+          <a:xfrm>
+            <a:off x="781516" y="1344424"/>
+            <a:ext cx="4530072" cy="1282872"/>
+          </a:xfrm>
+          <a:prstGeom prst="rect">
+            <a:avLst/>
+          </a:prstGeom>
+        </p:spPr>
+        <p:txBody>
+          <a:bodyPr vert="horz" lIns="91440" tIns="45720" rIns="91440" bIns="45720" rtlCol="0" anchor="t">
+            <a:noAutofit/>
+          </a:bodyPr>
+          <a:lstStyle>
+            <a:lvl1pPr marL="305992" indent="-305992" algn="l" defTabSz="457189" rtl="0" eaLnBrk="1" latinLnBrk="0" hangingPunct="1">
+              <a:spcBef>
+                <a:spcPct val="20000"/>
+              </a:spcBef>
+              <a:spcAft>
+                <a:spcPts val="600"/>
+              </a:spcAft>
+              <a:buClr>
+                <a:schemeClr val="accent2"/>
+              </a:buClr>
+              <a:buSzPct val="92000"/>
+              <a:buFont typeface="Wingdings 2" panose="05020102010507070707" pitchFamily="18" charset="2"/>
+              <a:buChar char=""/>
+              <a:defRPr sz="1800" kern="1200">
+                <a:solidFill>
+                  <a:schemeClr val="tx2"/>
+                </a:solidFill>
+                <a:latin typeface="+mn-lt"/>
+                <a:ea typeface="+mn-ea"/>
+                <a:cs typeface="+mn-cs"/>
+              </a:defRPr>
+            </a:lvl1pPr>
+            <a:lvl2pPr marL="629984" indent="-305992" algn="l" defTabSz="457189" rtl="0" eaLnBrk="1" latinLnBrk="0" hangingPunct="1">
+              <a:spcBef>
+                <a:spcPct val="20000"/>
+              </a:spcBef>
+              <a:spcAft>
+                <a:spcPts val="600"/>
+              </a:spcAft>
+              <a:buClr>
+                <a:schemeClr val="accent2"/>
+              </a:buClr>
+              <a:buSzPct val="92000"/>
+              <a:buFont typeface="Wingdings 2" panose="05020102010507070707" pitchFamily="18" charset="2"/>
+              <a:buChar char=""/>
+              <a:defRPr sz="1600" kern="1200">
+                <a:solidFill>
+                  <a:schemeClr val="tx2"/>
+                </a:solidFill>
+                <a:latin typeface="+mn-lt"/>
+                <a:ea typeface="+mn-ea"/>
+                <a:cs typeface="+mn-cs"/>
+              </a:defRPr>
+            </a:lvl2pPr>
+            <a:lvl3pPr marL="899978" indent="-269993" algn="l" defTabSz="457189" rtl="0" eaLnBrk="1" latinLnBrk="0" hangingPunct="1">
+              <a:spcBef>
+                <a:spcPct val="20000"/>
+              </a:spcBef>
+              <a:spcAft>
+                <a:spcPts val="600"/>
+              </a:spcAft>
+              <a:buClr>
+                <a:schemeClr val="accent2"/>
+              </a:buClr>
+              <a:buSzPct val="92000"/>
+              <a:buFont typeface="Wingdings 2" panose="05020102010507070707" pitchFamily="18" charset="2"/>
+              <a:buChar char=""/>
+              <a:defRPr sz="1400" kern="1200">
+                <a:solidFill>
+                  <a:schemeClr val="tx2"/>
+                </a:solidFill>
+                <a:latin typeface="+mn-lt"/>
+                <a:ea typeface="+mn-ea"/>
+                <a:cs typeface="+mn-cs"/>
+              </a:defRPr>
+            </a:lvl3pPr>
+            <a:lvl4pPr marL="1241969" indent="-233994" algn="l" defTabSz="457189" rtl="0" eaLnBrk="1" latinLnBrk="0" hangingPunct="1">
+              <a:spcBef>
+                <a:spcPct val="20000"/>
+              </a:spcBef>
+              <a:spcAft>
+                <a:spcPts val="600"/>
+              </a:spcAft>
+              <a:buClr>
+                <a:schemeClr val="accent2"/>
+              </a:buClr>
+              <a:buSzPct val="92000"/>
+              <a:buFont typeface="Wingdings 2" panose="05020102010507070707" pitchFamily="18" charset="2"/>
+              <a:buChar char=""/>
+              <a:defRPr sz="1200" kern="1200">
+                <a:solidFill>
+                  <a:schemeClr val="tx2"/>
+                </a:solidFill>
+                <a:latin typeface="+mn-lt"/>
+                <a:ea typeface="+mn-ea"/>
+                <a:cs typeface="+mn-cs"/>
+              </a:defRPr>
+            </a:lvl4pPr>
+            <a:lvl5pPr marL="1601960" indent="-233994" algn="l" defTabSz="457189" rtl="0" eaLnBrk="1" latinLnBrk="0" hangingPunct="1">
+              <a:spcBef>
+                <a:spcPct val="20000"/>
+              </a:spcBef>
+              <a:spcAft>
+                <a:spcPts val="600"/>
+              </a:spcAft>
+              <a:buClr>
+                <a:schemeClr val="accent2"/>
+              </a:buClr>
+              <a:buSzPct val="92000"/>
+              <a:buFont typeface="Wingdings 2" panose="05020102010507070707" pitchFamily="18" charset="2"/>
+              <a:buChar char=""/>
+              <a:defRPr sz="1200" kern="1200">
+                <a:solidFill>
+                  <a:schemeClr val="tx2"/>
+                </a:solidFill>
+                <a:latin typeface="+mn-lt"/>
+                <a:ea typeface="+mn-ea"/>
+                <a:cs typeface="+mn-cs"/>
+              </a:defRPr>
+            </a:lvl5pPr>
+            <a:lvl6pPr marL="1899953" indent="-228594" algn="l" defTabSz="457189" rtl="0" eaLnBrk="1" latinLnBrk="0" hangingPunct="1">
+              <a:spcBef>
+                <a:spcPct val="20000"/>
+              </a:spcBef>
+              <a:spcAft>
+                <a:spcPts val="600"/>
+              </a:spcAft>
+              <a:buClr>
+                <a:schemeClr val="accent2"/>
+              </a:buClr>
+              <a:buSzPct val="92000"/>
+              <a:buFont typeface="Wingdings 2" panose="05020102010507070707" pitchFamily="18" charset="2"/>
+              <a:buChar char=""/>
+              <a:defRPr sz="1200" kern="1200">
+                <a:solidFill>
+                  <a:schemeClr val="tx2"/>
+                </a:solidFill>
+                <a:latin typeface="+mn-lt"/>
+                <a:ea typeface="+mn-ea"/>
+                <a:cs typeface="+mn-cs"/>
+              </a:defRPr>
+            </a:lvl6pPr>
+            <a:lvl7pPr marL="2199945" indent="-228594" algn="l" defTabSz="457189" rtl="0" eaLnBrk="1" latinLnBrk="0" hangingPunct="1">
+              <a:spcBef>
+                <a:spcPct val="20000"/>
+              </a:spcBef>
+              <a:spcAft>
+                <a:spcPts val="600"/>
+              </a:spcAft>
+              <a:buClr>
+                <a:schemeClr val="accent2"/>
+              </a:buClr>
+              <a:buSzPct val="92000"/>
+              <a:buFont typeface="Wingdings 2" panose="05020102010507070707" pitchFamily="18" charset="2"/>
+              <a:buChar char=""/>
+              <a:defRPr sz="1200" kern="1200">
+                <a:solidFill>
+                  <a:schemeClr val="tx2"/>
+                </a:solidFill>
+                <a:latin typeface="+mn-lt"/>
+                <a:ea typeface="+mn-ea"/>
+                <a:cs typeface="+mn-cs"/>
+              </a:defRPr>
+            </a:lvl7pPr>
+            <a:lvl8pPr marL="2499938" indent="-228594" algn="l" defTabSz="457189" rtl="0" eaLnBrk="1" latinLnBrk="0" hangingPunct="1">
+              <a:spcBef>
+                <a:spcPct val="20000"/>
+              </a:spcBef>
+              <a:spcAft>
+                <a:spcPts val="600"/>
+              </a:spcAft>
+              <a:buClr>
+                <a:schemeClr val="accent2"/>
+              </a:buClr>
+              <a:buSzPct val="92000"/>
+              <a:buFont typeface="Wingdings 2" panose="05020102010507070707" pitchFamily="18" charset="2"/>
+              <a:buChar char=""/>
+              <a:defRPr sz="1200" kern="1200">
+                <a:solidFill>
+                  <a:schemeClr val="tx2"/>
+                </a:solidFill>
+                <a:latin typeface="+mn-lt"/>
+                <a:ea typeface="+mn-ea"/>
+                <a:cs typeface="+mn-cs"/>
+              </a:defRPr>
+            </a:lvl8pPr>
+            <a:lvl9pPr marL="2799930" indent="-228594" algn="l" defTabSz="457189" rtl="0" eaLnBrk="1" latinLnBrk="0" hangingPunct="1">
+              <a:spcBef>
+                <a:spcPct val="20000"/>
+              </a:spcBef>
+              <a:spcAft>
+                <a:spcPts val="600"/>
+              </a:spcAft>
+              <a:buClr>
+                <a:schemeClr val="accent2"/>
+              </a:buClr>
+              <a:buSzPct val="92000"/>
+              <a:buFont typeface="Wingdings 2" panose="05020102010507070707" pitchFamily="18" charset="2"/>
+              <a:buChar char=""/>
+              <a:defRPr sz="1200" kern="1200">
+                <a:solidFill>
+                  <a:schemeClr val="tx2"/>
+                </a:solidFill>
+                <a:latin typeface="+mn-lt"/>
+                <a:ea typeface="+mn-ea"/>
+                <a:cs typeface="+mn-cs"/>
+              </a:defRPr>
+            </a:lvl9pPr>
+          </a:lstStyle>
+          <a:p>
+            <a:pPr marL="0" indent="0">
+              <a:lnSpc>
+                <a:spcPct val="150000"/>
+              </a:lnSpc>
+              <a:buNone/>
+            </a:pPr>
+            <a:r>
+              <a:rPr lang="en-US" altLang="zh-CN" dirty="0">
+                <a:latin typeface="+mn-ea"/>
+              </a:rPr>
+              <a:t>2.</a:t>
+            </a:r>
+            <a:r>
+              <a:rPr lang="zh-CN" altLang="en-US" dirty="0">
+                <a:latin typeface="+mn-ea"/>
+              </a:rPr>
+              <a:t>乘客账户向父链的资产管理账户发送一个 </a:t>
+            </a:r>
+            <a:r>
+              <a:rPr lang="en-US" altLang="zh-CN" dirty="0" err="1">
+                <a:latin typeface="+mn-ea"/>
+              </a:rPr>
+              <a:t>matchout</a:t>
+            </a:r>
+            <a:r>
+              <a:rPr lang="en-US" altLang="zh-CN" dirty="0">
+                <a:latin typeface="+mn-ea"/>
+              </a:rPr>
+              <a:t> </a:t>
+            </a:r>
+            <a:r>
+              <a:rPr lang="zh-CN" altLang="en-US" dirty="0">
+                <a:latin typeface="+mn-ea"/>
+              </a:rPr>
+              <a:t>转账请求，记录 </a:t>
+            </a:r>
+            <a:r>
+              <a:rPr lang="en-US" altLang="zh-CN" dirty="0" err="1">
+                <a:latin typeface="+mn-ea"/>
+              </a:rPr>
+              <a:t>matchout</a:t>
+            </a:r>
+            <a:r>
+              <a:rPr lang="en-US" altLang="zh-CN" dirty="0">
+                <a:latin typeface="+mn-ea"/>
+              </a:rPr>
+              <a:t> </a:t>
+            </a:r>
+            <a:r>
+              <a:rPr lang="zh-CN" altLang="en-US" dirty="0">
+                <a:latin typeface="+mn-ea"/>
+              </a:rPr>
+              <a:t>请求产生的 </a:t>
+            </a:r>
+            <a:r>
+              <a:rPr lang="en-US" altLang="zh-CN" dirty="0">
+                <a:latin typeface="+mn-ea"/>
+              </a:rPr>
+              <a:t>hash</a:t>
+            </a:r>
+            <a:r>
+              <a:rPr lang="zh-CN" altLang="en-US" dirty="0">
+                <a:latin typeface="+mn-ea"/>
+              </a:rPr>
+              <a:t>值。</a:t>
+            </a:r>
+            <a:endParaRPr lang="en-US" altLang="zh-CN" dirty="0">
+              <a:latin typeface="+mn-ea"/>
+            </a:endParaRPr>
+          </a:p>
+        </p:txBody>
+      </p:sp>
+      <p:sp>
+        <p:nvSpPr>
+          <p:cNvPr id="7" name="内容占位符 4">
+            <a:extLst>
+              <a:ext uri="{FF2B5EF4-FFF2-40B4-BE49-F238E27FC236}">
+                <a16:creationId xmlns:a16="http://schemas.microsoft.com/office/drawing/2014/main" id="{D021CA7E-D465-2D2B-A121-501176BD1A57}"/>
+              </a:ext>
+            </a:extLst>
+          </p:cNvPr>
+          <p:cNvSpPr txBox="1">
+            <a:spLocks/>
+          </p:cNvSpPr>
+          <p:nvPr/>
+        </p:nvSpPr>
+        <p:spPr>
+          <a:xfrm>
+            <a:off x="781517" y="4309781"/>
+            <a:ext cx="4530070" cy="1779293"/>
+          </a:xfrm>
+          <a:prstGeom prst="rect">
+            <a:avLst/>
+          </a:prstGeom>
+        </p:spPr>
+        <p:txBody>
+          <a:bodyPr vert="horz" lIns="91440" tIns="45720" rIns="91440" bIns="45720" rtlCol="0" anchor="t">
+            <a:noAutofit/>
+          </a:bodyPr>
+          <a:lstStyle>
+            <a:lvl1pPr marL="305992" indent="-305992" algn="l" defTabSz="457189" rtl="0" eaLnBrk="1" latinLnBrk="0" hangingPunct="1">
+              <a:spcBef>
+                <a:spcPct val="20000"/>
+              </a:spcBef>
+              <a:spcAft>
+                <a:spcPts val="600"/>
+              </a:spcAft>
+              <a:buClr>
+                <a:schemeClr val="accent2"/>
+              </a:buClr>
+              <a:buSzPct val="92000"/>
+              <a:buFont typeface="Wingdings 2" panose="05020102010507070707" pitchFamily="18" charset="2"/>
+              <a:buChar char=""/>
+              <a:defRPr sz="1800" kern="1200">
+                <a:solidFill>
+                  <a:schemeClr val="tx2"/>
+                </a:solidFill>
+                <a:latin typeface="+mn-lt"/>
+                <a:ea typeface="+mn-ea"/>
+                <a:cs typeface="+mn-cs"/>
+              </a:defRPr>
+            </a:lvl1pPr>
+            <a:lvl2pPr marL="629984" indent="-305992" algn="l" defTabSz="457189" rtl="0" eaLnBrk="1" latinLnBrk="0" hangingPunct="1">
+              <a:spcBef>
+                <a:spcPct val="20000"/>
+              </a:spcBef>
+              <a:spcAft>
+                <a:spcPts val="600"/>
+              </a:spcAft>
+              <a:buClr>
+                <a:schemeClr val="accent2"/>
+              </a:buClr>
+              <a:buSzPct val="92000"/>
+              <a:buFont typeface="Wingdings 2" panose="05020102010507070707" pitchFamily="18" charset="2"/>
+              <a:buChar char=""/>
+              <a:defRPr sz="1600" kern="1200">
+                <a:solidFill>
+                  <a:schemeClr val="tx2"/>
+                </a:solidFill>
+                <a:latin typeface="+mn-lt"/>
+                <a:ea typeface="+mn-ea"/>
+                <a:cs typeface="+mn-cs"/>
+              </a:defRPr>
+            </a:lvl2pPr>
+            <a:lvl3pPr marL="899978" indent="-269993" algn="l" defTabSz="457189" rtl="0" eaLnBrk="1" latinLnBrk="0" hangingPunct="1">
+              <a:spcBef>
+                <a:spcPct val="20000"/>
+              </a:spcBef>
+              <a:spcAft>
+                <a:spcPts val="600"/>
+              </a:spcAft>
+              <a:buClr>
+                <a:schemeClr val="accent2"/>
+              </a:buClr>
+              <a:buSzPct val="92000"/>
+              <a:buFont typeface="Wingdings 2" panose="05020102010507070707" pitchFamily="18" charset="2"/>
+              <a:buChar char=""/>
+              <a:defRPr sz="1400" kern="1200">
+                <a:solidFill>
+                  <a:schemeClr val="tx2"/>
+                </a:solidFill>
+                <a:latin typeface="+mn-lt"/>
+                <a:ea typeface="+mn-ea"/>
+                <a:cs typeface="+mn-cs"/>
+              </a:defRPr>
+            </a:lvl3pPr>
+            <a:lvl4pPr marL="1241969" indent="-233994" algn="l" defTabSz="457189" rtl="0" eaLnBrk="1" latinLnBrk="0" hangingPunct="1">
+              <a:spcBef>
+                <a:spcPct val="20000"/>
+              </a:spcBef>
+              <a:spcAft>
+                <a:spcPts val="600"/>
+              </a:spcAft>
+              <a:buClr>
+                <a:schemeClr val="accent2"/>
+              </a:buClr>
+              <a:buSzPct val="92000"/>
+              <a:buFont typeface="Wingdings 2" panose="05020102010507070707" pitchFamily="18" charset="2"/>
+              <a:buChar char=""/>
+              <a:defRPr sz="1200" kern="1200">
+                <a:solidFill>
+                  <a:schemeClr val="tx2"/>
+                </a:solidFill>
+                <a:latin typeface="+mn-lt"/>
+                <a:ea typeface="+mn-ea"/>
+                <a:cs typeface="+mn-cs"/>
+              </a:defRPr>
+            </a:lvl4pPr>
+            <a:lvl5pPr marL="1601960" indent="-233994" algn="l" defTabSz="457189" rtl="0" eaLnBrk="1" latinLnBrk="0" hangingPunct="1">
+              <a:spcBef>
+                <a:spcPct val="20000"/>
+              </a:spcBef>
+              <a:spcAft>
+                <a:spcPts val="600"/>
+              </a:spcAft>
+              <a:buClr>
+                <a:schemeClr val="accent2"/>
+              </a:buClr>
+              <a:buSzPct val="92000"/>
+              <a:buFont typeface="Wingdings 2" panose="05020102010507070707" pitchFamily="18" charset="2"/>
+              <a:buChar char=""/>
+              <a:defRPr sz="1200" kern="1200">
+                <a:solidFill>
+                  <a:schemeClr val="tx2"/>
+                </a:solidFill>
+                <a:latin typeface="+mn-lt"/>
+                <a:ea typeface="+mn-ea"/>
+                <a:cs typeface="+mn-cs"/>
+              </a:defRPr>
+            </a:lvl5pPr>
+            <a:lvl6pPr marL="1899953" indent="-228594" algn="l" defTabSz="457189" rtl="0" eaLnBrk="1" latinLnBrk="0" hangingPunct="1">
+              <a:spcBef>
+                <a:spcPct val="20000"/>
+              </a:spcBef>
+              <a:spcAft>
+                <a:spcPts val="600"/>
+              </a:spcAft>
+              <a:buClr>
+                <a:schemeClr val="accent2"/>
+              </a:buClr>
+              <a:buSzPct val="92000"/>
+              <a:buFont typeface="Wingdings 2" panose="05020102010507070707" pitchFamily="18" charset="2"/>
+              <a:buChar char=""/>
+              <a:defRPr sz="1200" kern="1200">
+                <a:solidFill>
+                  <a:schemeClr val="tx2"/>
+                </a:solidFill>
+                <a:latin typeface="+mn-lt"/>
+                <a:ea typeface="+mn-ea"/>
+                <a:cs typeface="+mn-cs"/>
+              </a:defRPr>
+            </a:lvl6pPr>
+            <a:lvl7pPr marL="2199945" indent="-228594" algn="l" defTabSz="457189" rtl="0" eaLnBrk="1" latinLnBrk="0" hangingPunct="1">
+              <a:spcBef>
+                <a:spcPct val="20000"/>
+              </a:spcBef>
+              <a:spcAft>
+                <a:spcPts val="600"/>
+              </a:spcAft>
+              <a:buClr>
+                <a:schemeClr val="accent2"/>
+              </a:buClr>
+              <a:buSzPct val="92000"/>
+              <a:buFont typeface="Wingdings 2" panose="05020102010507070707" pitchFamily="18" charset="2"/>
+              <a:buChar char=""/>
+              <a:defRPr sz="1200" kern="1200">
+                <a:solidFill>
+                  <a:schemeClr val="tx2"/>
+                </a:solidFill>
+                <a:latin typeface="+mn-lt"/>
+                <a:ea typeface="+mn-ea"/>
+                <a:cs typeface="+mn-cs"/>
+              </a:defRPr>
+            </a:lvl7pPr>
+            <a:lvl8pPr marL="2499938" indent="-228594" algn="l" defTabSz="457189" rtl="0" eaLnBrk="1" latinLnBrk="0" hangingPunct="1">
+              <a:spcBef>
+                <a:spcPct val="20000"/>
+              </a:spcBef>
+              <a:spcAft>
+                <a:spcPts val="600"/>
+              </a:spcAft>
+              <a:buClr>
+                <a:schemeClr val="accent2"/>
+              </a:buClr>
+              <a:buSzPct val="92000"/>
+              <a:buFont typeface="Wingdings 2" panose="05020102010507070707" pitchFamily="18" charset="2"/>
+              <a:buChar char=""/>
+              <a:defRPr sz="1200" kern="1200">
+                <a:solidFill>
+                  <a:schemeClr val="tx2"/>
+                </a:solidFill>
+                <a:latin typeface="+mn-lt"/>
+                <a:ea typeface="+mn-ea"/>
+                <a:cs typeface="+mn-cs"/>
+              </a:defRPr>
+            </a:lvl8pPr>
+            <a:lvl9pPr marL="2799930" indent="-228594" algn="l" defTabSz="457189" rtl="0" eaLnBrk="1" latinLnBrk="0" hangingPunct="1">
+              <a:spcBef>
+                <a:spcPct val="20000"/>
+              </a:spcBef>
+              <a:spcAft>
+                <a:spcPts val="600"/>
+              </a:spcAft>
+              <a:buClr>
+                <a:schemeClr val="accent2"/>
+              </a:buClr>
+              <a:buSzPct val="92000"/>
+              <a:buFont typeface="Wingdings 2" panose="05020102010507070707" pitchFamily="18" charset="2"/>
+              <a:buChar char=""/>
+              <a:defRPr sz="1200" kern="1200">
+                <a:solidFill>
+                  <a:schemeClr val="tx2"/>
+                </a:solidFill>
+                <a:latin typeface="+mn-lt"/>
+                <a:ea typeface="+mn-ea"/>
+                <a:cs typeface="+mn-cs"/>
+              </a:defRPr>
+            </a:lvl9pPr>
+          </a:lstStyle>
+          <a:p>
+            <a:pPr marL="0" indent="0">
+              <a:lnSpc>
+                <a:spcPct val="150000"/>
+              </a:lnSpc>
+              <a:buNone/>
+            </a:pPr>
+            <a:r>
+              <a:rPr lang="en-US" altLang="zh-CN" dirty="0">
+                <a:latin typeface="+mn-ea"/>
+              </a:rPr>
+              <a:t>4.</a:t>
+            </a:r>
+            <a:r>
+              <a:rPr lang="zh-CN" altLang="en-US" dirty="0">
+                <a:latin typeface="+mn-ea"/>
+              </a:rPr>
+              <a:t>上述工作均完成后，父链的资产管理账户会向乘客端发送一个 </a:t>
+            </a:r>
+            <a:r>
+              <a:rPr lang="en-US" altLang="zh-CN" dirty="0">
+                <a:latin typeface="+mn-ea"/>
+              </a:rPr>
+              <a:t>return-result </a:t>
+            </a:r>
+            <a:r>
+              <a:rPr lang="zh-CN" altLang="en-US" dirty="0">
+                <a:latin typeface="+mn-ea"/>
+              </a:rPr>
+              <a:t>请求，记录并验证交易结果。</a:t>
+            </a:r>
+            <a:endParaRPr lang="en-US" altLang="zh-CN" b="1" dirty="0">
+              <a:latin typeface="+mn-ea"/>
+            </a:endParaRPr>
+          </a:p>
+        </p:txBody>
+      </p:sp>
+      <p:sp>
+        <p:nvSpPr>
+          <p:cNvPr id="8" name="内容占位符 4">
+            <a:extLst>
+              <a:ext uri="{FF2B5EF4-FFF2-40B4-BE49-F238E27FC236}">
+                <a16:creationId xmlns:a16="http://schemas.microsoft.com/office/drawing/2014/main" id="{14A72591-D0C2-D8C4-D468-F08234A54916}"/>
+              </a:ext>
+            </a:extLst>
+          </p:cNvPr>
+          <p:cNvSpPr txBox="1">
+            <a:spLocks/>
+          </p:cNvSpPr>
+          <p:nvPr/>
+        </p:nvSpPr>
+        <p:spPr>
+          <a:xfrm>
+            <a:off x="6876381" y="1344423"/>
+            <a:ext cx="4530072" cy="1282872"/>
+          </a:xfrm>
+          <a:prstGeom prst="rect">
+            <a:avLst/>
+          </a:prstGeom>
+        </p:spPr>
+        <p:txBody>
+          <a:bodyPr vert="horz" lIns="91440" tIns="45720" rIns="91440" bIns="45720" rtlCol="0" anchor="t">
+            <a:noAutofit/>
+          </a:bodyPr>
+          <a:lstStyle>
+            <a:lvl1pPr marL="305992" indent="-305992" algn="l" defTabSz="457189" rtl="0" eaLnBrk="1" latinLnBrk="0" hangingPunct="1">
+              <a:spcBef>
+                <a:spcPct val="20000"/>
+              </a:spcBef>
+              <a:spcAft>
+                <a:spcPts val="600"/>
+              </a:spcAft>
+              <a:buClr>
+                <a:schemeClr val="accent2"/>
+              </a:buClr>
+              <a:buSzPct val="92000"/>
+              <a:buFont typeface="Wingdings 2" panose="05020102010507070707" pitchFamily="18" charset="2"/>
+              <a:buChar char=""/>
+              <a:defRPr sz="1800" kern="1200">
+                <a:solidFill>
+                  <a:schemeClr val="tx2"/>
+                </a:solidFill>
+                <a:latin typeface="+mn-lt"/>
+                <a:ea typeface="+mn-ea"/>
+                <a:cs typeface="+mn-cs"/>
+              </a:defRPr>
+            </a:lvl1pPr>
+            <a:lvl2pPr marL="629984" indent="-305992" algn="l" defTabSz="457189" rtl="0" eaLnBrk="1" latinLnBrk="0" hangingPunct="1">
+              <a:spcBef>
+                <a:spcPct val="20000"/>
+              </a:spcBef>
+              <a:spcAft>
+                <a:spcPts val="600"/>
+              </a:spcAft>
+              <a:buClr>
+                <a:schemeClr val="accent2"/>
+              </a:buClr>
+              <a:buSzPct val="92000"/>
+              <a:buFont typeface="Wingdings 2" panose="05020102010507070707" pitchFamily="18" charset="2"/>
+              <a:buChar char=""/>
+              <a:defRPr sz="1600" kern="1200">
+                <a:solidFill>
+                  <a:schemeClr val="tx2"/>
+                </a:solidFill>
+                <a:latin typeface="+mn-lt"/>
+                <a:ea typeface="+mn-ea"/>
+                <a:cs typeface="+mn-cs"/>
+              </a:defRPr>
+            </a:lvl2pPr>
+            <a:lvl3pPr marL="899978" indent="-269993" algn="l" defTabSz="457189" rtl="0" eaLnBrk="1" latinLnBrk="0" hangingPunct="1">
+              <a:spcBef>
+                <a:spcPct val="20000"/>
+              </a:spcBef>
+              <a:spcAft>
+                <a:spcPts val="600"/>
+              </a:spcAft>
+              <a:buClr>
+                <a:schemeClr val="accent2"/>
+              </a:buClr>
+              <a:buSzPct val="92000"/>
+              <a:buFont typeface="Wingdings 2" panose="05020102010507070707" pitchFamily="18" charset="2"/>
+              <a:buChar char=""/>
+              <a:defRPr sz="1400" kern="1200">
+                <a:solidFill>
+                  <a:schemeClr val="tx2"/>
+                </a:solidFill>
+                <a:latin typeface="+mn-lt"/>
+                <a:ea typeface="+mn-ea"/>
+                <a:cs typeface="+mn-cs"/>
+              </a:defRPr>
+            </a:lvl3pPr>
+            <a:lvl4pPr marL="1241969" indent="-233994" algn="l" defTabSz="457189" rtl="0" eaLnBrk="1" latinLnBrk="0" hangingPunct="1">
+              <a:spcBef>
+                <a:spcPct val="20000"/>
+              </a:spcBef>
+              <a:spcAft>
+                <a:spcPts val="600"/>
+              </a:spcAft>
+              <a:buClr>
+                <a:schemeClr val="accent2"/>
+              </a:buClr>
+              <a:buSzPct val="92000"/>
+              <a:buFont typeface="Wingdings 2" panose="05020102010507070707" pitchFamily="18" charset="2"/>
+              <a:buChar char=""/>
+              <a:defRPr sz="1200" kern="1200">
+                <a:solidFill>
+                  <a:schemeClr val="tx2"/>
+                </a:solidFill>
+                <a:latin typeface="+mn-lt"/>
+                <a:ea typeface="+mn-ea"/>
+                <a:cs typeface="+mn-cs"/>
+              </a:defRPr>
+            </a:lvl4pPr>
+            <a:lvl5pPr marL="1601960" indent="-233994" algn="l" defTabSz="457189" rtl="0" eaLnBrk="1" latinLnBrk="0" hangingPunct="1">
+              <a:spcBef>
+                <a:spcPct val="20000"/>
+              </a:spcBef>
+              <a:spcAft>
+                <a:spcPts val="600"/>
+              </a:spcAft>
+              <a:buClr>
+                <a:schemeClr val="accent2"/>
+              </a:buClr>
+              <a:buSzPct val="92000"/>
+              <a:buFont typeface="Wingdings 2" panose="05020102010507070707" pitchFamily="18" charset="2"/>
+              <a:buChar char=""/>
+              <a:defRPr sz="1200" kern="1200">
+                <a:solidFill>
+                  <a:schemeClr val="tx2"/>
+                </a:solidFill>
+                <a:latin typeface="+mn-lt"/>
+                <a:ea typeface="+mn-ea"/>
+                <a:cs typeface="+mn-cs"/>
+              </a:defRPr>
+            </a:lvl5pPr>
+            <a:lvl6pPr marL="1899953" indent="-228594" algn="l" defTabSz="457189" rtl="0" eaLnBrk="1" latinLnBrk="0" hangingPunct="1">
+              <a:spcBef>
+                <a:spcPct val="20000"/>
+              </a:spcBef>
+              <a:spcAft>
+                <a:spcPts val="600"/>
+              </a:spcAft>
+              <a:buClr>
+                <a:schemeClr val="accent2"/>
+              </a:buClr>
+              <a:buSzPct val="92000"/>
+              <a:buFont typeface="Wingdings 2" panose="05020102010507070707" pitchFamily="18" charset="2"/>
+              <a:buChar char=""/>
+              <a:defRPr sz="1200" kern="1200">
+                <a:solidFill>
+                  <a:schemeClr val="tx2"/>
+                </a:solidFill>
+                <a:latin typeface="+mn-lt"/>
+                <a:ea typeface="+mn-ea"/>
+                <a:cs typeface="+mn-cs"/>
+              </a:defRPr>
+            </a:lvl6pPr>
+            <a:lvl7pPr marL="2199945" indent="-228594" algn="l" defTabSz="457189" rtl="0" eaLnBrk="1" latinLnBrk="0" hangingPunct="1">
+              <a:spcBef>
+                <a:spcPct val="20000"/>
+              </a:spcBef>
+              <a:spcAft>
+                <a:spcPts val="600"/>
+              </a:spcAft>
+              <a:buClr>
+                <a:schemeClr val="accent2"/>
+              </a:buClr>
+              <a:buSzPct val="92000"/>
+              <a:buFont typeface="Wingdings 2" panose="05020102010507070707" pitchFamily="18" charset="2"/>
+              <a:buChar char=""/>
+              <a:defRPr sz="1200" kern="1200">
+                <a:solidFill>
+                  <a:schemeClr val="tx2"/>
+                </a:solidFill>
+                <a:latin typeface="+mn-lt"/>
+                <a:ea typeface="+mn-ea"/>
+                <a:cs typeface="+mn-cs"/>
+              </a:defRPr>
+            </a:lvl7pPr>
+            <a:lvl8pPr marL="2499938" indent="-228594" algn="l" defTabSz="457189" rtl="0" eaLnBrk="1" latinLnBrk="0" hangingPunct="1">
+              <a:spcBef>
+                <a:spcPct val="20000"/>
+              </a:spcBef>
+              <a:spcAft>
+                <a:spcPts val="600"/>
+              </a:spcAft>
+              <a:buClr>
+                <a:schemeClr val="accent2"/>
+              </a:buClr>
+              <a:buSzPct val="92000"/>
+              <a:buFont typeface="Wingdings 2" panose="05020102010507070707" pitchFamily="18" charset="2"/>
+              <a:buChar char=""/>
+              <a:defRPr sz="1200" kern="1200">
+                <a:solidFill>
+                  <a:schemeClr val="tx2"/>
+                </a:solidFill>
+                <a:latin typeface="+mn-lt"/>
+                <a:ea typeface="+mn-ea"/>
+                <a:cs typeface="+mn-cs"/>
+              </a:defRPr>
+            </a:lvl8pPr>
+            <a:lvl9pPr marL="2799930" indent="-228594" algn="l" defTabSz="457189" rtl="0" eaLnBrk="1" latinLnBrk="0" hangingPunct="1">
+              <a:spcBef>
+                <a:spcPct val="20000"/>
+              </a:spcBef>
+              <a:spcAft>
+                <a:spcPts val="600"/>
+              </a:spcAft>
+              <a:buClr>
+                <a:schemeClr val="accent2"/>
+              </a:buClr>
+              <a:buSzPct val="92000"/>
+              <a:buFont typeface="Wingdings 2" panose="05020102010507070707" pitchFamily="18" charset="2"/>
+              <a:buChar char=""/>
+              <a:defRPr sz="1200" kern="1200">
+                <a:solidFill>
+                  <a:schemeClr val="tx2"/>
+                </a:solidFill>
+                <a:latin typeface="+mn-lt"/>
+                <a:ea typeface="+mn-ea"/>
+                <a:cs typeface="+mn-cs"/>
+              </a:defRPr>
+            </a:lvl9pPr>
+          </a:lstStyle>
+          <a:p>
+            <a:pPr marL="0" indent="0">
+              <a:lnSpc>
+                <a:spcPct val="150000"/>
+              </a:lnSpc>
+              <a:buNone/>
+            </a:pPr>
+            <a:r>
+              <a:rPr lang="en-US" altLang="zh-CN" dirty="0">
+                <a:latin typeface="+mn-ea"/>
+              </a:rPr>
+              <a:t>1.</a:t>
+            </a:r>
+            <a:r>
+              <a:rPr lang="zh-CN" altLang="en-US" dirty="0">
+                <a:latin typeface="+mn-ea"/>
+              </a:rPr>
+              <a:t>车辆账户需要向父链的资产管理账户发送一个 </a:t>
+            </a:r>
+            <a:r>
+              <a:rPr lang="en-US" altLang="zh-CN" dirty="0">
+                <a:latin typeface="+mn-ea"/>
+              </a:rPr>
+              <a:t>request </a:t>
+            </a:r>
+            <a:r>
+              <a:rPr lang="zh-CN" altLang="en-US" dirty="0">
+                <a:latin typeface="+mn-ea"/>
+              </a:rPr>
+              <a:t>请求，记录 </a:t>
+            </a:r>
+            <a:r>
+              <a:rPr lang="en-US" altLang="zh-CN" dirty="0">
+                <a:latin typeface="+mn-ea"/>
+              </a:rPr>
+              <a:t>request </a:t>
+            </a:r>
+            <a:r>
+              <a:rPr lang="zh-CN" altLang="en-US" dirty="0">
+                <a:latin typeface="+mn-ea"/>
+              </a:rPr>
+              <a:t>请求产生的 </a:t>
+            </a:r>
+            <a:r>
+              <a:rPr lang="en-US" altLang="zh-CN" dirty="0">
+                <a:latin typeface="+mn-ea"/>
+              </a:rPr>
+              <a:t>hash </a:t>
+            </a:r>
+            <a:r>
+              <a:rPr lang="zh-CN" altLang="en-US" dirty="0">
+                <a:latin typeface="+mn-ea"/>
+              </a:rPr>
+              <a:t>值</a:t>
+            </a:r>
+            <a:endParaRPr lang="en-US" altLang="zh-CN" dirty="0">
+              <a:latin typeface="+mn-ea"/>
+            </a:endParaRPr>
+          </a:p>
+        </p:txBody>
+      </p:sp>
+      <p:sp>
+        <p:nvSpPr>
+          <p:cNvPr id="9" name="矩形: 圆角 8">
+            <a:extLst>
+              <a:ext uri="{FF2B5EF4-FFF2-40B4-BE49-F238E27FC236}">
+                <a16:creationId xmlns:a16="http://schemas.microsoft.com/office/drawing/2014/main" id="{FBCC2DBA-1803-E338-A11B-0431D4053445}"/>
+              </a:ext>
+            </a:extLst>
+          </p:cNvPr>
+          <p:cNvSpPr/>
+          <p:nvPr/>
+        </p:nvSpPr>
+        <p:spPr>
+          <a:xfrm>
+            <a:off x="6876381" y="1344423"/>
+            <a:ext cx="4530072" cy="1291796"/>
+          </a:xfrm>
+          <a:prstGeom prst="roundRect">
+            <a:avLst/>
+          </a:prstGeom>
+          <a:noFill/>
+        </p:spPr>
+        <p:style>
+          <a:lnRef idx="2">
+            <a:schemeClr val="accent1">
+              <a:shade val="50000"/>
+            </a:schemeClr>
+          </a:lnRef>
+          <a:fillRef idx="1">
+            <a:schemeClr val="accent1"/>
+          </a:fillRef>
+          <a:effectRef idx="0">
+            <a:schemeClr val="accent1"/>
+          </a:effectRef>
+          <a:fontRef idx="minor">
+            <a:schemeClr val="lt1"/>
+          </a:fontRef>
+        </p:style>
+        <p:txBody>
+          <a:bodyPr rtlCol="0" anchor="ctr"/>
+          <a:lstStyle/>
+          <a:p>
+            <a:pPr algn="ctr"/>
+            <a:endParaRPr lang="zh-CN" altLang="en-US"/>
+          </a:p>
+        </p:txBody>
+      </p:sp>
+      <p:sp>
+        <p:nvSpPr>
+          <p:cNvPr id="10" name="矩形: 圆角 9">
+            <a:extLst>
+              <a:ext uri="{FF2B5EF4-FFF2-40B4-BE49-F238E27FC236}">
+                <a16:creationId xmlns:a16="http://schemas.microsoft.com/office/drawing/2014/main" id="{F31ADD18-22DB-CF19-F506-B7AA4CC5FFEC}"/>
+              </a:ext>
+            </a:extLst>
+          </p:cNvPr>
+          <p:cNvSpPr/>
+          <p:nvPr/>
+        </p:nvSpPr>
+        <p:spPr>
+          <a:xfrm>
+            <a:off x="781516" y="1344423"/>
+            <a:ext cx="4530072" cy="1282872"/>
+          </a:xfrm>
+          <a:prstGeom prst="roundRect">
+            <a:avLst/>
+          </a:prstGeom>
+          <a:noFill/>
+        </p:spPr>
+        <p:style>
+          <a:lnRef idx="2">
+            <a:schemeClr val="accent1">
+              <a:shade val="50000"/>
+            </a:schemeClr>
+          </a:lnRef>
+          <a:fillRef idx="1">
+            <a:schemeClr val="accent1"/>
+          </a:fillRef>
+          <a:effectRef idx="0">
+            <a:schemeClr val="accent1"/>
+          </a:effectRef>
+          <a:fontRef idx="minor">
+            <a:schemeClr val="lt1"/>
+          </a:fontRef>
+        </p:style>
+        <p:txBody>
+          <a:bodyPr rtlCol="0" anchor="ctr"/>
+          <a:lstStyle/>
+          <a:p>
+            <a:pPr algn="ctr"/>
+            <a:endParaRPr lang="zh-CN" altLang="en-US"/>
+          </a:p>
+        </p:txBody>
+      </p:sp>
+      <p:sp>
+        <p:nvSpPr>
+          <p:cNvPr id="11" name="矩形: 圆角 10">
+            <a:extLst>
+              <a:ext uri="{FF2B5EF4-FFF2-40B4-BE49-F238E27FC236}">
+                <a16:creationId xmlns:a16="http://schemas.microsoft.com/office/drawing/2014/main" id="{1203C5F8-4681-F47A-24A3-978450737054}"/>
+              </a:ext>
+            </a:extLst>
+          </p:cNvPr>
+          <p:cNvSpPr/>
+          <p:nvPr/>
+        </p:nvSpPr>
+        <p:spPr>
+          <a:xfrm>
+            <a:off x="6876381" y="4309778"/>
+            <a:ext cx="4530071" cy="1779295"/>
+          </a:xfrm>
+          <a:prstGeom prst="roundRect">
+            <a:avLst/>
+          </a:prstGeom>
+          <a:noFill/>
+        </p:spPr>
+        <p:style>
+          <a:lnRef idx="2">
+            <a:schemeClr val="accent1">
+              <a:shade val="50000"/>
+            </a:schemeClr>
+          </a:lnRef>
+          <a:fillRef idx="1">
+            <a:schemeClr val="accent1"/>
+          </a:fillRef>
+          <a:effectRef idx="0">
+            <a:schemeClr val="accent1"/>
+          </a:effectRef>
+          <a:fontRef idx="minor">
+            <a:schemeClr val="lt1"/>
+          </a:fontRef>
+        </p:style>
+        <p:txBody>
+          <a:bodyPr rtlCol="0" anchor="ctr"/>
+          <a:lstStyle/>
+          <a:p>
+            <a:pPr algn="ctr"/>
+            <a:endParaRPr lang="zh-CN" altLang="en-US"/>
+          </a:p>
+        </p:txBody>
+      </p:sp>
+      <p:sp>
+        <p:nvSpPr>
+          <p:cNvPr id="12" name="矩形: 圆角 11">
+            <a:extLst>
+              <a:ext uri="{FF2B5EF4-FFF2-40B4-BE49-F238E27FC236}">
+                <a16:creationId xmlns:a16="http://schemas.microsoft.com/office/drawing/2014/main" id="{E9573FA9-BB9E-71F7-DEA4-97D0C70A4D0A}"/>
+              </a:ext>
+            </a:extLst>
+          </p:cNvPr>
+          <p:cNvSpPr/>
+          <p:nvPr/>
+        </p:nvSpPr>
+        <p:spPr>
+          <a:xfrm>
+            <a:off x="781516" y="4309781"/>
+            <a:ext cx="4530071" cy="1779292"/>
+          </a:xfrm>
+          <a:prstGeom prst="roundRect">
+            <a:avLst/>
+          </a:prstGeom>
+          <a:noFill/>
+        </p:spPr>
+        <p:style>
+          <a:lnRef idx="2">
+            <a:schemeClr val="accent1">
+              <a:shade val="50000"/>
+            </a:schemeClr>
+          </a:lnRef>
+          <a:fillRef idx="1">
+            <a:schemeClr val="accent1"/>
+          </a:fillRef>
+          <a:effectRef idx="0">
+            <a:schemeClr val="accent1"/>
+          </a:effectRef>
+          <a:fontRef idx="minor">
+            <a:schemeClr val="lt1"/>
+          </a:fontRef>
+        </p:style>
+        <p:txBody>
+          <a:bodyPr rtlCol="0" anchor="ctr"/>
+          <a:lstStyle/>
+          <a:p>
+            <a:pPr algn="ctr"/>
+            <a:endParaRPr lang="zh-CN" altLang="en-US"/>
           </a:p>
         </p:txBody>
       </p:sp>
@@ -12269,10 +14515,342 @@
   <p:clrMapOvr>
     <a:masterClrMapping/>
   </p:clrMapOvr>
+  <p:timing>
+    <p:tnLst>
+      <p:par>
+        <p:cTn id="1" dur="indefinite" restart="never" nodeType="tmRoot">
+          <p:childTnLst>
+            <p:seq concurrent="1" nextAc="seek">
+              <p:cTn id="2" dur="indefinite" nodeType="mainSeq">
+                <p:childTnLst>
+                  <p:par>
+                    <p:cTn id="3" fill="hold">
+                      <p:stCondLst>
+                        <p:cond delay="indefinite"/>
+                      </p:stCondLst>
+                      <p:childTnLst>
+                        <p:par>
+                          <p:cTn id="4" fill="hold">
+                            <p:stCondLst>
+                              <p:cond delay="0"/>
+                            </p:stCondLst>
+                            <p:childTnLst>
+                              <p:par>
+                                <p:cTn id="5" presetID="1" presetClass="entr" presetSubtype="0" fill="hold" grpId="0" nodeType="clickEffect">
+                                  <p:stCondLst>
+                                    <p:cond delay="0"/>
+                                  </p:stCondLst>
+                                  <p:childTnLst>
+                                    <p:set>
+                                      <p:cBhvr>
+                                        <p:cTn id="6" dur="1" fill="hold">
+                                          <p:stCondLst>
+                                            <p:cond delay="0"/>
+                                          </p:stCondLst>
+                                        </p:cTn>
+                                        <p:tgtEl>
+                                          <p:spTgt spid="8"/>
+                                        </p:tgtEl>
+                                        <p:attrNameLst>
+                                          <p:attrName>style.visibility</p:attrName>
+                                        </p:attrNameLst>
+                                      </p:cBhvr>
+                                      <p:to>
+                                        <p:strVal val="visible"/>
+                                      </p:to>
+                                    </p:set>
+                                  </p:childTnLst>
+                                </p:cTn>
+                              </p:par>
+                              <p:par>
+                                <p:cTn id="7" presetID="1" presetClass="entr" presetSubtype="0" fill="hold" grpId="0" nodeType="withEffect">
+                                  <p:stCondLst>
+                                    <p:cond delay="0"/>
+                                  </p:stCondLst>
+                                  <p:childTnLst>
+                                    <p:set>
+                                      <p:cBhvr>
+                                        <p:cTn id="8" dur="1" fill="hold">
+                                          <p:stCondLst>
+                                            <p:cond delay="0"/>
+                                          </p:stCondLst>
+                                        </p:cTn>
+                                        <p:tgtEl>
+                                          <p:spTgt spid="9"/>
+                                        </p:tgtEl>
+                                        <p:attrNameLst>
+                                          <p:attrName>style.visibility</p:attrName>
+                                        </p:attrNameLst>
+                                      </p:cBhvr>
+                                      <p:to>
+                                        <p:strVal val="visible"/>
+                                      </p:to>
+                                    </p:set>
+                                  </p:childTnLst>
+                                </p:cTn>
+                              </p:par>
+                            </p:childTnLst>
+                          </p:cTn>
+                        </p:par>
+                      </p:childTnLst>
+                    </p:cTn>
+                  </p:par>
+                  <p:par>
+                    <p:cTn id="9" fill="hold">
+                      <p:stCondLst>
+                        <p:cond delay="indefinite"/>
+                      </p:stCondLst>
+                      <p:childTnLst>
+                        <p:par>
+                          <p:cTn id="10" fill="hold">
+                            <p:stCondLst>
+                              <p:cond delay="0"/>
+                            </p:stCondLst>
+                            <p:childTnLst>
+                              <p:par>
+                                <p:cTn id="11" presetID="1" presetClass="entr" presetSubtype="0" fill="hold" grpId="0" nodeType="clickEffect">
+                                  <p:stCondLst>
+                                    <p:cond delay="0"/>
+                                  </p:stCondLst>
+                                  <p:childTnLst>
+                                    <p:set>
+                                      <p:cBhvr>
+                                        <p:cTn id="12" dur="1" fill="hold">
+                                          <p:stCondLst>
+                                            <p:cond delay="0"/>
+                                          </p:stCondLst>
+                                        </p:cTn>
+                                        <p:tgtEl>
+                                          <p:spTgt spid="6"/>
+                                        </p:tgtEl>
+                                        <p:attrNameLst>
+                                          <p:attrName>style.visibility</p:attrName>
+                                        </p:attrNameLst>
+                                      </p:cBhvr>
+                                      <p:to>
+                                        <p:strVal val="visible"/>
+                                      </p:to>
+                                    </p:set>
+                                  </p:childTnLst>
+                                </p:cTn>
+                              </p:par>
+                              <p:par>
+                                <p:cTn id="13" presetID="1" presetClass="entr" presetSubtype="0" fill="hold" grpId="0" nodeType="withEffect">
+                                  <p:stCondLst>
+                                    <p:cond delay="0"/>
+                                  </p:stCondLst>
+                                  <p:childTnLst>
+                                    <p:set>
+                                      <p:cBhvr>
+                                        <p:cTn id="14" dur="1" fill="hold">
+                                          <p:stCondLst>
+                                            <p:cond delay="0"/>
+                                          </p:stCondLst>
+                                        </p:cTn>
+                                        <p:tgtEl>
+                                          <p:spTgt spid="10"/>
+                                        </p:tgtEl>
+                                        <p:attrNameLst>
+                                          <p:attrName>style.visibility</p:attrName>
+                                        </p:attrNameLst>
+                                      </p:cBhvr>
+                                      <p:to>
+                                        <p:strVal val="visible"/>
+                                      </p:to>
+                                    </p:set>
+                                  </p:childTnLst>
+                                </p:cTn>
+                              </p:par>
+                            </p:childTnLst>
+                          </p:cTn>
+                        </p:par>
+                      </p:childTnLst>
+                    </p:cTn>
+                  </p:par>
+                  <p:par>
+                    <p:cTn id="15" fill="hold">
+                      <p:stCondLst>
+                        <p:cond delay="indefinite"/>
+                      </p:stCondLst>
+                      <p:childTnLst>
+                        <p:par>
+                          <p:cTn id="16" fill="hold">
+                            <p:stCondLst>
+                              <p:cond delay="0"/>
+                            </p:stCondLst>
+                            <p:childTnLst>
+                              <p:par>
+                                <p:cTn id="17" presetID="1" presetClass="entr" presetSubtype="0" fill="hold" grpId="0" nodeType="clickEffect">
+                                  <p:stCondLst>
+                                    <p:cond delay="0"/>
+                                  </p:stCondLst>
+                                  <p:childTnLst>
+                                    <p:set>
+                                      <p:cBhvr>
+                                        <p:cTn id="18" dur="1" fill="hold">
+                                          <p:stCondLst>
+                                            <p:cond delay="0"/>
+                                          </p:stCondLst>
+                                        </p:cTn>
+                                        <p:tgtEl>
+                                          <p:spTgt spid="5">
+                                            <p:txEl>
+                                              <p:pRg st="0" end="0"/>
+                                            </p:txEl>
+                                          </p:spTgt>
+                                        </p:tgtEl>
+                                        <p:attrNameLst>
+                                          <p:attrName>style.visibility</p:attrName>
+                                        </p:attrNameLst>
+                                      </p:cBhvr>
+                                      <p:to>
+                                        <p:strVal val="visible"/>
+                                      </p:to>
+                                    </p:set>
+                                  </p:childTnLst>
+                                </p:cTn>
+                              </p:par>
+                              <p:par>
+                                <p:cTn id="19" presetID="1" presetClass="entr" presetSubtype="0" fill="hold" grpId="0" nodeType="withEffect">
+                                  <p:stCondLst>
+                                    <p:cond delay="0"/>
+                                  </p:stCondLst>
+                                  <p:childTnLst>
+                                    <p:set>
+                                      <p:cBhvr>
+                                        <p:cTn id="20" dur="1" fill="hold">
+                                          <p:stCondLst>
+                                            <p:cond delay="0"/>
+                                          </p:stCondLst>
+                                        </p:cTn>
+                                        <p:tgtEl>
+                                          <p:spTgt spid="11"/>
+                                        </p:tgtEl>
+                                        <p:attrNameLst>
+                                          <p:attrName>style.visibility</p:attrName>
+                                        </p:attrNameLst>
+                                      </p:cBhvr>
+                                      <p:to>
+                                        <p:strVal val="visible"/>
+                                      </p:to>
+                                    </p:set>
+                                  </p:childTnLst>
+                                </p:cTn>
+                              </p:par>
+                            </p:childTnLst>
+                          </p:cTn>
+                        </p:par>
+                      </p:childTnLst>
+                    </p:cTn>
+                  </p:par>
+                  <p:par>
+                    <p:cTn id="21" fill="hold">
+                      <p:stCondLst>
+                        <p:cond delay="indefinite"/>
+                      </p:stCondLst>
+                      <p:childTnLst>
+                        <p:par>
+                          <p:cTn id="22" fill="hold">
+                            <p:stCondLst>
+                              <p:cond delay="0"/>
+                            </p:stCondLst>
+                            <p:childTnLst>
+                              <p:par>
+                                <p:cTn id="23" presetID="1" presetClass="entr" presetSubtype="0" fill="hold" grpId="0" nodeType="clickEffect">
+                                  <p:stCondLst>
+                                    <p:cond delay="0"/>
+                                  </p:stCondLst>
+                                  <p:childTnLst>
+                                    <p:set>
+                                      <p:cBhvr>
+                                        <p:cTn id="24" dur="1" fill="hold">
+                                          <p:stCondLst>
+                                            <p:cond delay="0"/>
+                                          </p:stCondLst>
+                                        </p:cTn>
+                                        <p:tgtEl>
+                                          <p:spTgt spid="7"/>
+                                        </p:tgtEl>
+                                        <p:attrNameLst>
+                                          <p:attrName>style.visibility</p:attrName>
+                                        </p:attrNameLst>
+                                      </p:cBhvr>
+                                      <p:to>
+                                        <p:strVal val="visible"/>
+                                      </p:to>
+                                    </p:set>
+                                  </p:childTnLst>
+                                </p:cTn>
+                              </p:par>
+                              <p:par>
+                                <p:cTn id="25" presetID="1" presetClass="entr" presetSubtype="0" fill="hold" grpId="0" nodeType="withEffect">
+                                  <p:stCondLst>
+                                    <p:cond delay="0"/>
+                                  </p:stCondLst>
+                                  <p:childTnLst>
+                                    <p:set>
+                                      <p:cBhvr>
+                                        <p:cTn id="26" dur="1" fill="hold">
+                                          <p:stCondLst>
+                                            <p:cond delay="0"/>
+                                          </p:stCondLst>
+                                        </p:cTn>
+                                        <p:tgtEl>
+                                          <p:spTgt spid="12"/>
+                                        </p:tgtEl>
+                                        <p:attrNameLst>
+                                          <p:attrName>style.visibility</p:attrName>
+                                        </p:attrNameLst>
+                                      </p:cBhvr>
+                                      <p:to>
+                                        <p:strVal val="visible"/>
+                                      </p:to>
+                                    </p:set>
+                                  </p:childTnLst>
+                                </p:cTn>
+                              </p:par>
+                            </p:childTnLst>
+                          </p:cTn>
+                        </p:par>
+                      </p:childTnLst>
+                    </p:cTn>
+                  </p:par>
+                </p:childTnLst>
+              </p:cTn>
+              <p:prevCondLst>
+                <p:cond evt="onPrev" delay="0">
+                  <p:tgtEl>
+                    <p:sldTgt/>
+                  </p:tgtEl>
+                </p:cond>
+              </p:prevCondLst>
+              <p:nextCondLst>
+                <p:cond evt="onNext" delay="0">
+                  <p:tgtEl>
+                    <p:sldTgt/>
+                  </p:tgtEl>
+                </p:cond>
+              </p:nextCondLst>
+            </p:seq>
+          </p:childTnLst>
+        </p:cTn>
+      </p:par>
+    </p:tnLst>
+    <p:bldLst>
+      <p:bldP spid="5" grpId="0" build="p"/>
+      <p:bldP spid="6" grpId="0"/>
+      <p:bldP spid="7" grpId="0"/>
+      <p:bldP spid="8" grpId="0"/>
+      <p:bldP spid="9" grpId="0" animBg="1"/>
+      <p:bldP spid="10" grpId="0" animBg="1"/>
+      <p:bldP spid="11" grpId="0" animBg="1"/>
+      <p:bldP spid="12" grpId="0" animBg="1"/>
+    </p:bldLst>
+  </p:timing>
 </p:sld>
 </file>
 
-<file path=ppt/slides/slide28.xml><?xml version="1.0" encoding="utf-8"?>
+<file path=ppt/slides/slide27.xml><?xml version="1.0" encoding="utf-8"?>
 <p:sld xmlns:a="http://schemas.openxmlformats.org/drawingml/2006/main" xmlns:r="http://schemas.openxmlformats.org/officeDocument/2006/relationships" xmlns:p="http://schemas.openxmlformats.org/presentationml/2006/main">
   <p:cSld>
     <p:spTree>
@@ -12413,7 +14991,7 @@
           <a:p>
             <a:fld id="{977BA8E6-E826-B147-AA17-E3D76A29629C}" type="slidenum">
               <a:rPr kumimoji="1" lang="zh-CN" altLang="en-US" smtClean="0"/>
-              <a:t>28</a:t>
+              <a:t>27</a:t>
             </a:fld>
             <a:endParaRPr kumimoji="1" lang="zh-CN" altLang="en-US"/>
           </a:p>
@@ -12433,16 +15011,15 @@
           </p:cNvPicPr>
           <p:nvPr/>
         </p:nvPicPr>
-        <p:blipFill>
+        <p:blipFill rotWithShape="1">
           <a:blip r:embed="rId3"/>
-          <a:stretch>
-            <a:fillRect/>
-          </a:stretch>
+          <a:srcRect t="47099"/>
+          <a:stretch/>
         </p:blipFill>
         <p:spPr>
           <a:xfrm>
-            <a:off x="835305" y="1294410"/>
-            <a:ext cx="6328970" cy="5160178"/>
+            <a:off x="835306" y="1608624"/>
+            <a:ext cx="6328970" cy="2729753"/>
           </a:xfrm>
           <a:prstGeom prst="rect">
             <a:avLst/>
@@ -12462,7 +15039,7 @@
 </p:sld>
 </file>
 
-<file path=ppt/slides/slide29.xml><?xml version="1.0" encoding="utf-8"?>
+<file path=ppt/slides/slide28.xml><?xml version="1.0" encoding="utf-8"?>
 <p:sld xmlns:a="http://schemas.openxmlformats.org/drawingml/2006/main" xmlns:r="http://schemas.openxmlformats.org/officeDocument/2006/relationships" xmlns:p="http://schemas.openxmlformats.org/presentationml/2006/main">
   <p:cSld>
     <p:spTree>
@@ -12653,7 +15230,7 @@
           <a:p>
             <a:fld id="{977BA8E6-E826-B147-AA17-E3D76A29629C}" type="slidenum">
               <a:rPr kumimoji="1" lang="zh-CN" altLang="en-US" smtClean="0"/>
-              <a:t>29</a:t>
+              <a:t>28</a:t>
             </a:fld>
             <a:endParaRPr kumimoji="1" lang="zh-CN" altLang="en-US"/>
           </a:p>
@@ -12672,122 +15249,7 @@
 </p:sld>
 </file>
 
-<file path=ppt/slides/slide3.xml><?xml version="1.0" encoding="utf-8"?>
-<p:sld xmlns:a="http://schemas.openxmlformats.org/drawingml/2006/main" xmlns:r="http://schemas.openxmlformats.org/officeDocument/2006/relationships" xmlns:p="http://schemas.openxmlformats.org/presentationml/2006/main">
-  <p:cSld>
-    <p:spTree>
-      <p:nvGrpSpPr>
-        <p:cNvPr id="1" name=""/>
-        <p:cNvGrpSpPr/>
-        <p:nvPr/>
-      </p:nvGrpSpPr>
-      <p:grpSpPr>
-        <a:xfrm>
-          <a:off x="0" y="0"/>
-          <a:ext cx="0" cy="0"/>
-          <a:chOff x="0" y="0"/>
-          <a:chExt cx="0" cy="0"/>
-        </a:xfrm>
-      </p:grpSpPr>
-      <p:sp>
-        <p:nvSpPr>
-          <p:cNvPr id="4" name="标题 3">
-            <a:extLst>
-              <a:ext uri="{FF2B5EF4-FFF2-40B4-BE49-F238E27FC236}">
-                <a16:creationId xmlns:a16="http://schemas.microsoft.com/office/drawing/2014/main" id="{CB335FAB-FA8F-41FD-B41F-E4213D79D779}"/>
-              </a:ext>
-            </a:extLst>
-          </p:cNvPr>
-          <p:cNvSpPr>
-            <a:spLocks noGrp="1"/>
-          </p:cNvSpPr>
-          <p:nvPr>
-            <p:ph type="ctrTitle"/>
-          </p:nvPr>
-        </p:nvSpPr>
-        <p:spPr/>
-        <p:txBody>
-          <a:bodyPr>
-            <a:normAutofit/>
-          </a:bodyPr>
-          <a:lstStyle/>
-          <a:p>
-            <a:r>
-              <a:rPr kumimoji="1" lang="zh-CN" altLang="en-US" sz="4400" dirty="0"/>
-              <a:t>一、研究背景</a:t>
-            </a:r>
-            <a:endParaRPr kumimoji="1" lang="en-US" altLang="zh-CN" sz="4400" dirty="0"/>
-          </a:p>
-        </p:txBody>
-      </p:sp>
-      <p:sp>
-        <p:nvSpPr>
-          <p:cNvPr id="2" name="副标题 1">
-            <a:extLst>
-              <a:ext uri="{FF2B5EF4-FFF2-40B4-BE49-F238E27FC236}">
-                <a16:creationId xmlns:a16="http://schemas.microsoft.com/office/drawing/2014/main" id="{A8F96AEE-70D8-4DDF-A547-45EB77DBE4EF}"/>
-              </a:ext>
-            </a:extLst>
-          </p:cNvPr>
-          <p:cNvSpPr>
-            <a:spLocks noGrp="1"/>
-          </p:cNvSpPr>
-          <p:nvPr>
-            <p:ph type="subTitle" idx="1"/>
-          </p:nvPr>
-        </p:nvSpPr>
-        <p:spPr/>
-        <p:txBody>
-          <a:bodyPr/>
-          <a:lstStyle/>
-          <a:p>
-            <a:endParaRPr lang="zh-CN" altLang="en-US" dirty="0"/>
-          </a:p>
-        </p:txBody>
-      </p:sp>
-      <p:sp>
-        <p:nvSpPr>
-          <p:cNvPr id="3" name="灯片编号占位符 2">
-            <a:extLst>
-              <a:ext uri="{FF2B5EF4-FFF2-40B4-BE49-F238E27FC236}">
-                <a16:creationId xmlns:a16="http://schemas.microsoft.com/office/drawing/2014/main" id="{6E0F9D5C-2C12-1F94-B8E3-8D9C0B54A5B2}"/>
-              </a:ext>
-            </a:extLst>
-          </p:cNvPr>
-          <p:cNvSpPr>
-            <a:spLocks noGrp="1"/>
-          </p:cNvSpPr>
-          <p:nvPr>
-            <p:ph type="sldNum" sz="quarter" idx="12"/>
-          </p:nvPr>
-        </p:nvSpPr>
-        <p:spPr/>
-        <p:txBody>
-          <a:bodyPr/>
-          <a:lstStyle/>
-          <a:p>
-            <a:fld id="{977BA8E6-E826-B147-AA17-E3D76A29629C}" type="slidenum">
-              <a:rPr kumimoji="1" lang="zh-CN" altLang="en-US" smtClean="0"/>
-              <a:t>3</a:t>
-            </a:fld>
-            <a:endParaRPr kumimoji="1" lang="zh-CN" altLang="en-US"/>
-          </a:p>
-        </p:txBody>
-      </p:sp>
-    </p:spTree>
-    <p:extLst>
-      <p:ext uri="{BB962C8B-B14F-4D97-AF65-F5344CB8AC3E}">
-        <p14:creationId xmlns:p14="http://schemas.microsoft.com/office/powerpoint/2010/main" val="2992569148"/>
-      </p:ext>
-    </p:extLst>
-  </p:cSld>
-  <p:clrMapOvr>
-    <a:masterClrMapping/>
-  </p:clrMapOvr>
-</p:sld>
-</file>
-
-<file path=ppt/slides/slide30.xml><?xml version="1.0" encoding="utf-8"?>
+<file path=ppt/slides/slide29.xml><?xml version="1.0" encoding="utf-8"?>
 <p:sld xmlns:a="http://schemas.openxmlformats.org/drawingml/2006/main" xmlns:r="http://schemas.openxmlformats.org/officeDocument/2006/relationships" xmlns:p="http://schemas.openxmlformats.org/presentationml/2006/main">
   <p:cSld>
     <p:spTree>
@@ -13173,7 +15635,7 @@
           <a:p>
             <a:fld id="{977BA8E6-E826-B147-AA17-E3D76A29629C}" type="slidenum">
               <a:rPr kumimoji="1" lang="zh-CN" altLang="en-US" smtClean="0"/>
-              <a:t>30</a:t>
+              <a:t>29</a:t>
             </a:fld>
             <a:endParaRPr kumimoji="1" lang="zh-CN" altLang="en-US"/>
           </a:p>
@@ -13252,7 +15714,122 @@
 </p:sld>
 </file>
 
-<file path=ppt/slides/slide31.xml><?xml version="1.0" encoding="utf-8"?>
+<file path=ppt/slides/slide3.xml><?xml version="1.0" encoding="utf-8"?>
+<p:sld xmlns:a="http://schemas.openxmlformats.org/drawingml/2006/main" xmlns:r="http://schemas.openxmlformats.org/officeDocument/2006/relationships" xmlns:p="http://schemas.openxmlformats.org/presentationml/2006/main">
+  <p:cSld>
+    <p:spTree>
+      <p:nvGrpSpPr>
+        <p:cNvPr id="1" name=""/>
+        <p:cNvGrpSpPr/>
+        <p:nvPr/>
+      </p:nvGrpSpPr>
+      <p:grpSpPr>
+        <a:xfrm>
+          <a:off x="0" y="0"/>
+          <a:ext cx="0" cy="0"/>
+          <a:chOff x="0" y="0"/>
+          <a:chExt cx="0" cy="0"/>
+        </a:xfrm>
+      </p:grpSpPr>
+      <p:sp>
+        <p:nvSpPr>
+          <p:cNvPr id="4" name="标题 3">
+            <a:extLst>
+              <a:ext uri="{FF2B5EF4-FFF2-40B4-BE49-F238E27FC236}">
+                <a16:creationId xmlns:a16="http://schemas.microsoft.com/office/drawing/2014/main" id="{CB335FAB-FA8F-41FD-B41F-E4213D79D779}"/>
+              </a:ext>
+            </a:extLst>
+          </p:cNvPr>
+          <p:cNvSpPr>
+            <a:spLocks noGrp="1"/>
+          </p:cNvSpPr>
+          <p:nvPr>
+            <p:ph type="ctrTitle"/>
+          </p:nvPr>
+        </p:nvSpPr>
+        <p:spPr/>
+        <p:txBody>
+          <a:bodyPr>
+            <a:normAutofit/>
+          </a:bodyPr>
+          <a:lstStyle/>
+          <a:p>
+            <a:r>
+              <a:rPr kumimoji="1" lang="zh-CN" altLang="en-US" sz="4400" dirty="0"/>
+              <a:t>一、研究背景</a:t>
+            </a:r>
+            <a:endParaRPr kumimoji="1" lang="en-US" altLang="zh-CN" sz="4400" dirty="0"/>
+          </a:p>
+        </p:txBody>
+      </p:sp>
+      <p:sp>
+        <p:nvSpPr>
+          <p:cNvPr id="2" name="副标题 1">
+            <a:extLst>
+              <a:ext uri="{FF2B5EF4-FFF2-40B4-BE49-F238E27FC236}">
+                <a16:creationId xmlns:a16="http://schemas.microsoft.com/office/drawing/2014/main" id="{A8F96AEE-70D8-4DDF-A547-45EB77DBE4EF}"/>
+              </a:ext>
+            </a:extLst>
+          </p:cNvPr>
+          <p:cNvSpPr>
+            <a:spLocks noGrp="1"/>
+          </p:cNvSpPr>
+          <p:nvPr>
+            <p:ph type="subTitle" idx="1"/>
+          </p:nvPr>
+        </p:nvSpPr>
+        <p:spPr/>
+        <p:txBody>
+          <a:bodyPr/>
+          <a:lstStyle/>
+          <a:p>
+            <a:endParaRPr lang="zh-CN" altLang="en-US" dirty="0"/>
+          </a:p>
+        </p:txBody>
+      </p:sp>
+      <p:sp>
+        <p:nvSpPr>
+          <p:cNvPr id="3" name="灯片编号占位符 2">
+            <a:extLst>
+              <a:ext uri="{FF2B5EF4-FFF2-40B4-BE49-F238E27FC236}">
+                <a16:creationId xmlns:a16="http://schemas.microsoft.com/office/drawing/2014/main" id="{6E0F9D5C-2C12-1F94-B8E3-8D9C0B54A5B2}"/>
+              </a:ext>
+            </a:extLst>
+          </p:cNvPr>
+          <p:cNvSpPr>
+            <a:spLocks noGrp="1"/>
+          </p:cNvSpPr>
+          <p:nvPr>
+            <p:ph type="sldNum" sz="quarter" idx="12"/>
+          </p:nvPr>
+        </p:nvSpPr>
+        <p:spPr/>
+        <p:txBody>
+          <a:bodyPr/>
+          <a:lstStyle/>
+          <a:p>
+            <a:fld id="{977BA8E6-E826-B147-AA17-E3D76A29629C}" type="slidenum">
+              <a:rPr kumimoji="1" lang="zh-CN" altLang="en-US" smtClean="0"/>
+              <a:t>3</a:t>
+            </a:fld>
+            <a:endParaRPr kumimoji="1" lang="zh-CN" altLang="en-US"/>
+          </a:p>
+        </p:txBody>
+      </p:sp>
+    </p:spTree>
+    <p:extLst>
+      <p:ext uri="{BB962C8B-B14F-4D97-AF65-F5344CB8AC3E}">
+        <p14:creationId xmlns:p14="http://schemas.microsoft.com/office/powerpoint/2010/main" val="2992569148"/>
+      </p:ext>
+    </p:extLst>
+  </p:cSld>
+  <p:clrMapOvr>
+    <a:masterClrMapping/>
+  </p:clrMapOvr>
+</p:sld>
+</file>
+
+<file path=ppt/slides/slide30.xml><?xml version="1.0" encoding="utf-8"?>
 <p:sld xmlns:a="http://schemas.openxmlformats.org/drawingml/2006/main" xmlns:r="http://schemas.openxmlformats.org/officeDocument/2006/relationships" xmlns:p="http://schemas.openxmlformats.org/presentationml/2006/main">
   <p:cSld>
     <p:spTree>
@@ -13353,7 +15930,7 @@
           <a:p>
             <a:fld id="{977BA8E6-E826-B147-AA17-E3D76A29629C}" type="slidenum">
               <a:rPr kumimoji="1" lang="zh-CN" altLang="en-US" smtClean="0"/>
-              <a:t>31</a:t>
+              <a:t>30</a:t>
             </a:fld>
             <a:endParaRPr kumimoji="1" lang="zh-CN" altLang="en-US"/>
           </a:p>
@@ -13372,7 +15949,7 @@
 </p:sld>
 </file>
 
-<file path=ppt/slides/slide32.xml><?xml version="1.0" encoding="utf-8"?>
+<file path=ppt/slides/slide31.xml><?xml version="1.0" encoding="utf-8"?>
 <p:sld xmlns:a="http://schemas.openxmlformats.org/drawingml/2006/main" xmlns:r="http://schemas.openxmlformats.org/officeDocument/2006/relationships" xmlns:p="http://schemas.openxmlformats.org/presentationml/2006/main">
   <p:cSld>
     <p:spTree>
@@ -17591,7 +20168,7 @@
           <a:p>
             <a:fld id="{977BA8E6-E826-B147-AA17-E3D76A29629C}" type="slidenum">
               <a:rPr kumimoji="1" lang="zh-CN" altLang="en-US" smtClean="0"/>
-              <a:t>32</a:t>
+              <a:t>31</a:t>
             </a:fld>
             <a:endParaRPr kumimoji="1" lang="zh-CN" altLang="en-US"/>
           </a:p>
@@ -17719,6 +20296,192 @@
 </p:sld>
 </file>
 
+<file path=ppt/slides/slide32.xml><?xml version="1.0" encoding="utf-8"?>
+<p:sld xmlns:a="http://schemas.openxmlformats.org/drawingml/2006/main" xmlns:r="http://schemas.openxmlformats.org/officeDocument/2006/relationships" xmlns:p="http://schemas.openxmlformats.org/presentationml/2006/main">
+  <p:cSld>
+    <p:spTree>
+      <p:nvGrpSpPr>
+        <p:cNvPr id="1" name=""/>
+        <p:cNvGrpSpPr/>
+        <p:nvPr/>
+      </p:nvGrpSpPr>
+      <p:grpSpPr>
+        <a:xfrm>
+          <a:off x="0" y="0"/>
+          <a:ext cx="0" cy="0"/>
+          <a:chOff x="0" y="0"/>
+          <a:chExt cx="0" cy="0"/>
+        </a:xfrm>
+      </p:grpSpPr>
+      <p:sp>
+        <p:nvSpPr>
+          <p:cNvPr id="4" name="标题 3">
+            <a:extLst>
+              <a:ext uri="{FF2B5EF4-FFF2-40B4-BE49-F238E27FC236}">
+                <a16:creationId xmlns:a16="http://schemas.microsoft.com/office/drawing/2014/main" id="{CB335FAB-FA8F-41FD-B41F-E4213D79D779}"/>
+              </a:ext>
+            </a:extLst>
+          </p:cNvPr>
+          <p:cNvSpPr>
+            <a:spLocks noGrp="1"/>
+          </p:cNvSpPr>
+          <p:nvPr>
+            <p:ph type="title"/>
+          </p:nvPr>
+        </p:nvSpPr>
+        <p:spPr/>
+        <p:txBody>
+          <a:bodyPr>
+            <a:normAutofit/>
+          </a:bodyPr>
+          <a:lstStyle/>
+          <a:p>
+            <a:r>
+              <a:rPr kumimoji="1" lang="zh-CN" altLang="en-US" sz="2800" dirty="0"/>
+              <a:t>总结与展望 </a:t>
+            </a:r>
+            <a:r>
+              <a:rPr kumimoji="1" lang="en-US" altLang="zh-CN" sz="2800" dirty="0"/>
+              <a:t>– </a:t>
+            </a:r>
+            <a:r>
+              <a:rPr kumimoji="1" lang="zh-CN" altLang="en-US" sz="2800" dirty="0"/>
+              <a:t>展望</a:t>
+            </a:r>
+            <a:endParaRPr lang="zh-CN" altLang="en-US" dirty="0"/>
+          </a:p>
+        </p:txBody>
+      </p:sp>
+      <p:sp>
+        <p:nvSpPr>
+          <p:cNvPr id="2" name="内容占位符 1">
+            <a:extLst>
+              <a:ext uri="{FF2B5EF4-FFF2-40B4-BE49-F238E27FC236}">
+                <a16:creationId xmlns:a16="http://schemas.microsoft.com/office/drawing/2014/main" id="{7A53D326-F606-164A-F920-B102840B320D}"/>
+              </a:ext>
+            </a:extLst>
+          </p:cNvPr>
+          <p:cNvSpPr>
+            <a:spLocks noGrp="1"/>
+          </p:cNvSpPr>
+          <p:nvPr>
+            <p:ph idx="1"/>
+          </p:nvPr>
+        </p:nvSpPr>
+        <p:spPr>
+          <a:xfrm>
+            <a:off x="835307" y="1608624"/>
+            <a:ext cx="10521387" cy="4250177"/>
+          </a:xfrm>
+        </p:spPr>
+        <p:txBody>
+          <a:bodyPr>
+            <a:normAutofit/>
+          </a:bodyPr>
+          <a:lstStyle/>
+          <a:p>
+            <a:pPr>
+              <a:lnSpc>
+                <a:spcPct val="160000"/>
+              </a:lnSpc>
+            </a:pPr>
+            <a:r>
+              <a:rPr lang="zh-CN" altLang="en-US" sz="2000" dirty="0"/>
+              <a:t>在本文工作的基础上，还有以下方面仍待完善：</a:t>
+            </a:r>
+          </a:p>
+          <a:p>
+            <a:pPr>
+              <a:lnSpc>
+                <a:spcPct val="160000"/>
+              </a:lnSpc>
+            </a:pPr>
+            <a:r>
+              <a:rPr lang="en-US" altLang="zh-CN" sz="2000" dirty="0"/>
+              <a:t>1. </a:t>
+            </a:r>
+            <a:r>
+              <a:rPr lang="zh-CN" altLang="en-US" sz="2000" dirty="0"/>
+              <a:t>搜索方面：修改获取邻居子链的合约地址方法；可以改进搜索算法，使得车辆匹配的过程更快</a:t>
+            </a:r>
+            <a:endParaRPr lang="en-US" altLang="zh-CN" sz="2000" dirty="0"/>
+          </a:p>
+          <a:p>
+            <a:pPr>
+              <a:lnSpc>
+                <a:spcPct val="160000"/>
+              </a:lnSpc>
+            </a:pPr>
+            <a:r>
+              <a:rPr lang="en-US" altLang="zh-CN" sz="2000" dirty="0"/>
+              <a:t>2. </a:t>
+            </a:r>
+            <a:r>
+              <a:rPr lang="zh-CN" altLang="en-US" sz="2000" dirty="0"/>
+              <a:t>车辆运行：可以添加车辆运行的实时路径的前端显示</a:t>
+            </a:r>
+            <a:endParaRPr lang="en-US" altLang="zh-CN" sz="2000" dirty="0"/>
+          </a:p>
+          <a:p>
+            <a:pPr>
+              <a:lnSpc>
+                <a:spcPct val="160000"/>
+              </a:lnSpc>
+            </a:pPr>
+            <a:r>
+              <a:rPr lang="en-US" altLang="zh-CN" sz="2000" dirty="0"/>
+              <a:t>3. </a:t>
+            </a:r>
+            <a:r>
+              <a:rPr lang="zh-CN" altLang="en-US" sz="2000" dirty="0"/>
+              <a:t>车乘跨链：考虑在车乘在调度系统中，跨链所需要的自身资产转移操作</a:t>
+            </a:r>
+            <a:endParaRPr lang="en-US" altLang="zh-CN" sz="2000" dirty="0"/>
+          </a:p>
+        </p:txBody>
+      </p:sp>
+      <p:sp>
+        <p:nvSpPr>
+          <p:cNvPr id="3" name="灯片编号占位符 2">
+            <a:extLst>
+              <a:ext uri="{FF2B5EF4-FFF2-40B4-BE49-F238E27FC236}">
+                <a16:creationId xmlns:a16="http://schemas.microsoft.com/office/drawing/2014/main" id="{EF15C6E8-95C4-3954-B27B-5CEF40642734}"/>
+              </a:ext>
+            </a:extLst>
+          </p:cNvPr>
+          <p:cNvSpPr>
+            <a:spLocks noGrp="1"/>
+          </p:cNvSpPr>
+          <p:nvPr>
+            <p:ph type="sldNum" sz="quarter" idx="12"/>
+          </p:nvPr>
+        </p:nvSpPr>
+        <p:spPr/>
+        <p:txBody>
+          <a:bodyPr/>
+          <a:lstStyle/>
+          <a:p>
+            <a:fld id="{977BA8E6-E826-B147-AA17-E3D76A29629C}" type="slidenum">
+              <a:rPr kumimoji="1" lang="zh-CN" altLang="en-US" smtClean="0"/>
+              <a:t>32</a:t>
+            </a:fld>
+            <a:endParaRPr kumimoji="1" lang="zh-CN" altLang="en-US"/>
+          </a:p>
+        </p:txBody>
+      </p:sp>
+    </p:spTree>
+    <p:extLst>
+      <p:ext uri="{BB962C8B-B14F-4D97-AF65-F5344CB8AC3E}">
+        <p14:creationId xmlns:p14="http://schemas.microsoft.com/office/powerpoint/2010/main" val="4187640501"/>
+      </p:ext>
+    </p:extLst>
+  </p:cSld>
+  <p:clrMapOvr>
+    <a:masterClrMapping/>
+  </p:clrMapOvr>
+</p:sld>
+</file>
+
 <file path=ppt/slides/slide33.xml><?xml version="1.0" encoding="utf-8"?>
 <p:sld xmlns:a="http://schemas.openxmlformats.org/drawingml/2006/main" xmlns:r="http://schemas.openxmlformats.org/officeDocument/2006/relationships" xmlns:p="http://schemas.openxmlformats.org/presentationml/2006/main">
   <p:cSld>
@@ -17769,7 +20532,7 @@
             </a:r>
             <a:r>
               <a:rPr kumimoji="1" lang="zh-CN" altLang="en-US" sz="2800" dirty="0"/>
-              <a:t>展望</a:t>
+              <a:t>开题目标的完成情况</a:t>
             </a:r>
             <a:endParaRPr lang="zh-CN" altLang="en-US" dirty="0"/>
           </a:p>
@@ -17810,8 +20573,9 @@
             </a:pPr>
             <a:r>
               <a:rPr lang="zh-CN" altLang="en-US" sz="2000" dirty="0"/>
-              <a:t>在本文工作的基础上，还有以下方面仍待完善：</a:t>
-            </a:r>
+              <a:t>开题目标：</a:t>
+            </a:r>
+            <a:endParaRPr lang="en-US" altLang="zh-CN" sz="2000" dirty="0"/>
           </a:p>
           <a:p>
             <a:pPr>
@@ -17820,12 +20584,16 @@
               </a:lnSpc>
             </a:pPr>
             <a:r>
+              <a:rPr lang="zh-CN" altLang="en-US" sz="2000" dirty="0"/>
+              <a:t>实现调度系统的跨区域交易 </a:t>
+            </a:r>
+            <a:r>
               <a:rPr lang="en-US" altLang="zh-CN" sz="2000" dirty="0"/>
-              <a:t>1. </a:t>
+              <a:t>				     </a:t>
             </a:r>
             <a:r>
               <a:rPr lang="zh-CN" altLang="en-US" sz="2000" dirty="0"/>
-              <a:t>搜索方面，修改获取邻居子链的合约地址方法；可以改进搜索算法，使得车辆匹配的过程更快</a:t>
+              <a:t>（初步实现）</a:t>
             </a:r>
             <a:endParaRPr lang="en-US" altLang="zh-CN" sz="2000" dirty="0"/>
           </a:p>
@@ -17836,12 +20604,16 @@
               </a:lnSpc>
             </a:pPr>
             <a:r>
+              <a:rPr lang="zh-CN" altLang="en-US" sz="2000" dirty="0"/>
+              <a:t>针对树状区块链的跨区域交易的性能测试实验</a:t>
+            </a:r>
+            <a:r>
               <a:rPr lang="en-US" altLang="zh-CN" sz="2000" dirty="0"/>
-              <a:t>2. </a:t>
+              <a:t>	</a:t>
             </a:r>
             <a:r>
               <a:rPr lang="zh-CN" altLang="en-US" sz="2000" dirty="0"/>
-              <a:t>车辆运行，可以添加车辆运行的实时路径的前端显示</a:t>
+              <a:t>（做了单链相较于多链并行的性能测试实验）</a:t>
             </a:r>
             <a:endParaRPr lang="en-US" altLang="zh-CN" sz="2000" dirty="0"/>
           </a:p>
@@ -17852,12 +20624,16 @@
               </a:lnSpc>
             </a:pPr>
             <a:r>
+              <a:rPr lang="zh-CN" altLang="en-US" sz="2000" dirty="0"/>
+              <a:t>研究新的合约</a:t>
+            </a:r>
+            <a:r>
               <a:rPr lang="en-US" altLang="zh-CN" sz="2000" dirty="0"/>
-              <a:t>3. </a:t>
+              <a:t>							     </a:t>
             </a:r>
             <a:r>
               <a:rPr lang="zh-CN" altLang="en-US" sz="2000" dirty="0"/>
-              <a:t>车乘跨链，考虑在车乘在调度系统中，跨链所需要的自身资产转移操作</a:t>
+              <a:t>（设计跨区域交易合约）</a:t>
             </a:r>
             <a:endParaRPr lang="en-US" altLang="zh-CN" sz="2000" dirty="0"/>
           </a:p>
@@ -17895,7 +20671,7 @@
     </p:spTree>
     <p:extLst>
       <p:ext uri="{BB962C8B-B14F-4D97-AF65-F5344CB8AC3E}">
-        <p14:creationId xmlns:p14="http://schemas.microsoft.com/office/powerpoint/2010/main" val="4187640501"/>
+        <p14:creationId xmlns:p14="http://schemas.microsoft.com/office/powerpoint/2010/main" val="3907986986"/>
       </p:ext>
     </p:extLst>
   </p:cSld>
@@ -17906,6 +20682,336 @@
 </file>
 
 <file path=ppt/slides/slide34.xml><?xml version="1.0" encoding="utf-8"?>
+<p:sld xmlns:a="http://schemas.openxmlformats.org/drawingml/2006/main" xmlns:r="http://schemas.openxmlformats.org/officeDocument/2006/relationships" xmlns:p="http://schemas.openxmlformats.org/presentationml/2006/main">
+  <p:cSld>
+    <p:spTree>
+      <p:nvGrpSpPr>
+        <p:cNvPr id="1" name=""/>
+        <p:cNvGrpSpPr/>
+        <p:nvPr/>
+      </p:nvGrpSpPr>
+      <p:grpSpPr>
+        <a:xfrm>
+          <a:off x="0" y="0"/>
+          <a:ext cx="0" cy="0"/>
+          <a:chOff x="0" y="0"/>
+          <a:chExt cx="0" cy="0"/>
+        </a:xfrm>
+      </p:grpSpPr>
+      <p:sp>
+        <p:nvSpPr>
+          <p:cNvPr id="2" name="内容占位符 1">
+            <a:extLst>
+              <a:ext uri="{FF2B5EF4-FFF2-40B4-BE49-F238E27FC236}">
+                <a16:creationId xmlns:a16="http://schemas.microsoft.com/office/drawing/2014/main" id="{829BBE59-3EBF-E6DE-7242-0125CBDB551E}"/>
+              </a:ext>
+            </a:extLst>
+          </p:cNvPr>
+          <p:cNvSpPr>
+            <a:spLocks noGrp="1"/>
+          </p:cNvSpPr>
+          <p:nvPr>
+            <p:ph idx="1"/>
+          </p:nvPr>
+        </p:nvSpPr>
+        <p:spPr>
+          <a:xfrm>
+            <a:off x="833377" y="1947615"/>
+            <a:ext cx="10521387" cy="3678303"/>
+          </a:xfrm>
+        </p:spPr>
+        <p:txBody>
+          <a:bodyPr>
+            <a:normAutofit/>
+          </a:bodyPr>
+          <a:lstStyle/>
+          <a:p>
+            <a:pPr marL="305992" marR="0" lvl="0" indent="-305992" algn="l" defTabSz="457189" rtl="0" eaLnBrk="1" fontAlgn="auto" latinLnBrk="0" hangingPunct="1">
+              <a:lnSpc>
+                <a:spcPct val="160000"/>
+              </a:lnSpc>
+              <a:spcBef>
+                <a:spcPct val="20000"/>
+              </a:spcBef>
+              <a:spcAft>
+                <a:spcPts val="600"/>
+              </a:spcAft>
+              <a:buClr>
+                <a:srgbClr val="5C2F7D"/>
+              </a:buClr>
+              <a:buSzPct val="92000"/>
+              <a:buFont typeface="Wingdings 2" panose="05020102010507070707" pitchFamily="18" charset="2"/>
+              <a:buChar char=""/>
+              <a:tabLst/>
+              <a:defRPr/>
+            </a:pPr>
+            <a:r>
+              <a:rPr kumimoji="0" lang="en-US" altLang="zh-CN" sz="2400" b="0" i="0" u="none" strike="noStrike" kern="1200" cap="none" spc="0" normalizeH="0" baseline="0" noProof="0" dirty="0">
+                <a:ln>
+                  <a:noFill/>
+                </a:ln>
+                <a:solidFill>
+                  <a:srgbClr val="3D3D3D"/>
+                </a:solidFill>
+                <a:effectLst/>
+                <a:uLnTx/>
+                <a:uFillTx/>
+                <a:latin typeface="Gill Sans MT" panose="020B0502020104020203"/>
+                <a:ea typeface="华文中宋" panose="02010600040101010101" pitchFamily="2" charset="-122"/>
+                <a:cs typeface="+mn-cs"/>
+              </a:rPr>
+              <a:t>1. </a:t>
+            </a:r>
+            <a:r>
+              <a:rPr kumimoji="0" lang="zh-CN" altLang="en-US" sz="2400" b="0" i="0" u="none" strike="noStrike" kern="1200" cap="none" spc="0" normalizeH="0" baseline="0" noProof="0" dirty="0">
+                <a:ln>
+                  <a:noFill/>
+                </a:ln>
+                <a:solidFill>
+                  <a:schemeClr val="accent1"/>
+                </a:solidFill>
+                <a:effectLst/>
+                <a:uLnTx/>
+                <a:uFillTx/>
+                <a:latin typeface="Gill Sans MT" panose="020B0502020104020203"/>
+                <a:ea typeface="华文中宋" panose="02010600040101010101" pitchFamily="2" charset="-122"/>
+                <a:cs typeface="+mn-cs"/>
+                <a:hlinkClick r:id="rId3" action="ppaction://hlinkfile">
+                  <a:extLst>
+                    <a:ext uri="{A12FA001-AC4F-418D-AE19-62706E023703}">
+                      <ahyp:hlinkClr xmlns:ahyp="http://schemas.microsoft.com/office/drawing/2018/hyperlinkcolor" val="tx"/>
+                    </a:ext>
+                  </a:extLst>
+                </a:hlinkClick>
+              </a:rPr>
+              <a:t>树状区块链多链并行实验</a:t>
+            </a:r>
+            <a:endParaRPr kumimoji="0" lang="en-US" altLang="zh-CN" sz="2400" b="0" i="0" u="none" strike="noStrike" kern="1200" cap="none" spc="0" normalizeH="0" baseline="0" noProof="0" dirty="0">
+              <a:ln>
+                <a:noFill/>
+              </a:ln>
+              <a:solidFill>
+                <a:schemeClr val="accent1"/>
+              </a:solidFill>
+              <a:effectLst/>
+              <a:uLnTx/>
+              <a:uFillTx/>
+              <a:latin typeface="Gill Sans MT" panose="020B0502020104020203"/>
+              <a:ea typeface="华文中宋" panose="02010600040101010101" pitchFamily="2" charset="-122"/>
+              <a:cs typeface="+mn-cs"/>
+            </a:endParaRPr>
+          </a:p>
+          <a:p>
+            <a:pPr marL="305992" marR="0" lvl="0" indent="-305992" algn="l" defTabSz="457189" rtl="0" eaLnBrk="1" fontAlgn="auto" latinLnBrk="0" hangingPunct="1">
+              <a:lnSpc>
+                <a:spcPct val="160000"/>
+              </a:lnSpc>
+              <a:spcBef>
+                <a:spcPct val="20000"/>
+              </a:spcBef>
+              <a:spcAft>
+                <a:spcPts val="600"/>
+              </a:spcAft>
+              <a:buClr>
+                <a:srgbClr val="5C2F7D"/>
+              </a:buClr>
+              <a:buSzPct val="92000"/>
+              <a:buFont typeface="Wingdings 2" panose="05020102010507070707" pitchFamily="18" charset="2"/>
+              <a:buChar char=""/>
+              <a:tabLst/>
+              <a:defRPr/>
+            </a:pPr>
+            <a:r>
+              <a:rPr lang="en-US" altLang="zh-CN" sz="2400" dirty="0">
+                <a:solidFill>
+                  <a:srgbClr val="3D3D3D"/>
+                </a:solidFill>
+                <a:latin typeface="Gill Sans MT" panose="020B0502020104020203"/>
+                <a:ea typeface="华文中宋" panose="02010600040101010101" pitchFamily="2" charset="-122"/>
+              </a:rPr>
+              <a:t>2. </a:t>
+            </a:r>
+            <a:r>
+              <a:rPr lang="zh-CN" altLang="en-US" sz="2400" dirty="0">
+                <a:solidFill>
+                  <a:schemeClr val="accent1"/>
+                </a:solidFill>
+                <a:latin typeface="Gill Sans MT" panose="020B0502020104020203"/>
+                <a:ea typeface="华文中宋" panose="02010600040101010101" pitchFamily="2" charset="-122"/>
+                <a:hlinkClick r:id="rId4" action="ppaction://hlinkfile">
+                  <a:extLst>
+                    <a:ext uri="{A12FA001-AC4F-418D-AE19-62706E023703}">
+                      <ahyp:hlinkClr xmlns:ahyp="http://schemas.microsoft.com/office/drawing/2018/hyperlinkcolor" val="tx"/>
+                    </a:ext>
+                  </a:extLst>
+                </a:hlinkClick>
+              </a:rPr>
+              <a:t>跨子链资产转移实验</a:t>
+            </a:r>
+            <a:endParaRPr lang="en-US" altLang="zh-CN" sz="2400" dirty="0">
+              <a:solidFill>
+                <a:schemeClr val="accent1"/>
+              </a:solidFill>
+              <a:latin typeface="Gill Sans MT" panose="020B0502020104020203"/>
+              <a:ea typeface="华文中宋" panose="02010600040101010101" pitchFamily="2" charset="-122"/>
+            </a:endParaRPr>
+          </a:p>
+          <a:p>
+            <a:pPr marL="305992" marR="0" lvl="0" indent="-305992" algn="l" defTabSz="457189" rtl="0" eaLnBrk="1" fontAlgn="auto" latinLnBrk="0" hangingPunct="1">
+              <a:lnSpc>
+                <a:spcPct val="160000"/>
+              </a:lnSpc>
+              <a:spcBef>
+                <a:spcPct val="20000"/>
+              </a:spcBef>
+              <a:spcAft>
+                <a:spcPts val="600"/>
+              </a:spcAft>
+              <a:buClr>
+                <a:srgbClr val="5C2F7D"/>
+              </a:buClr>
+              <a:buSzPct val="92000"/>
+              <a:buFont typeface="Wingdings 2" panose="05020102010507070707" pitchFamily="18" charset="2"/>
+              <a:buChar char=""/>
+              <a:tabLst/>
+              <a:defRPr/>
+            </a:pPr>
+            <a:r>
+              <a:rPr kumimoji="0" lang="en-US" altLang="zh-CN" sz="2400" b="0" i="0" u="none" strike="noStrike" kern="1200" cap="none" spc="0" normalizeH="0" baseline="0" noProof="0" dirty="0">
+                <a:ln>
+                  <a:noFill/>
+                </a:ln>
+                <a:solidFill>
+                  <a:srgbClr val="3D3D3D"/>
+                </a:solidFill>
+                <a:effectLst/>
+                <a:uLnTx/>
+                <a:uFillTx/>
+                <a:latin typeface="Gill Sans MT" panose="020B0502020104020203"/>
+                <a:ea typeface="华文中宋" panose="02010600040101010101" pitchFamily="2" charset="-122"/>
+                <a:cs typeface="+mn-cs"/>
+              </a:rPr>
+              <a:t>3. </a:t>
+            </a:r>
+            <a:r>
+              <a:rPr kumimoji="0" lang="zh-CN" altLang="en-US" sz="2400" b="0" i="0" u="none" strike="noStrike" kern="1200" cap="none" spc="0" normalizeH="0" baseline="0" noProof="0" dirty="0">
+                <a:ln>
+                  <a:noFill/>
+                </a:ln>
+                <a:solidFill>
+                  <a:schemeClr val="accent1"/>
+                </a:solidFill>
+                <a:effectLst/>
+                <a:uLnTx/>
+                <a:uFillTx/>
+                <a:latin typeface="Gill Sans MT" panose="020B0502020104020203"/>
+                <a:ea typeface="华文中宋" panose="02010600040101010101" pitchFamily="2" charset="-122"/>
+                <a:cs typeface="+mn-cs"/>
+                <a:hlinkClick r:id="rId5" action="ppaction://hlinkfile">
+                  <a:extLst>
+                    <a:ext uri="{A12FA001-AC4F-418D-AE19-62706E023703}">
+                      <ahyp:hlinkClr xmlns:ahyp="http://schemas.microsoft.com/office/drawing/2018/hyperlinkcolor" val="tx"/>
+                    </a:ext>
+                  </a:extLst>
+                </a:hlinkClick>
+              </a:rPr>
+              <a:t>跨区域交易实验</a:t>
+            </a:r>
+            <a:endParaRPr kumimoji="0" lang="en-US" altLang="zh-CN" sz="2400" b="0" i="0" u="none" strike="noStrike" kern="1200" cap="none" spc="0" normalizeH="0" baseline="0" noProof="0" dirty="0">
+              <a:ln>
+                <a:noFill/>
+              </a:ln>
+              <a:solidFill>
+                <a:schemeClr val="accent1"/>
+              </a:solidFill>
+              <a:effectLst/>
+              <a:uLnTx/>
+              <a:uFillTx/>
+              <a:latin typeface="Gill Sans MT" panose="020B0502020104020203"/>
+              <a:ea typeface="华文中宋" panose="02010600040101010101" pitchFamily="2" charset="-122"/>
+              <a:cs typeface="+mn-cs"/>
+            </a:endParaRPr>
+          </a:p>
+          <a:p>
+            <a:pPr marL="0" indent="0">
+              <a:buNone/>
+            </a:pPr>
+            <a:endParaRPr lang="zh-CN" altLang="en-US" dirty="0"/>
+          </a:p>
+        </p:txBody>
+      </p:sp>
+      <p:sp>
+        <p:nvSpPr>
+          <p:cNvPr id="3" name="标题 2">
+            <a:extLst>
+              <a:ext uri="{FF2B5EF4-FFF2-40B4-BE49-F238E27FC236}">
+                <a16:creationId xmlns:a16="http://schemas.microsoft.com/office/drawing/2014/main" id="{F7A22C6C-0768-A2B1-F33D-F08B1F91C4F6}"/>
+              </a:ext>
+            </a:extLst>
+          </p:cNvPr>
+          <p:cNvSpPr>
+            <a:spLocks noGrp="1"/>
+          </p:cNvSpPr>
+          <p:nvPr>
+            <p:ph type="title"/>
+          </p:nvPr>
+        </p:nvSpPr>
+        <p:spPr/>
+        <p:txBody>
+          <a:bodyPr/>
+          <a:lstStyle/>
+          <a:p>
+            <a:r>
+              <a:rPr lang="zh-CN" altLang="en-US" dirty="0"/>
+              <a:t>实验演示</a:t>
+            </a:r>
+          </a:p>
+        </p:txBody>
+      </p:sp>
+      <p:sp>
+        <p:nvSpPr>
+          <p:cNvPr id="4" name="灯片编号占位符 3">
+            <a:extLst>
+              <a:ext uri="{FF2B5EF4-FFF2-40B4-BE49-F238E27FC236}">
+                <a16:creationId xmlns:a16="http://schemas.microsoft.com/office/drawing/2014/main" id="{D3E4EBEE-784D-7274-B561-BCE29A4E5EE6}"/>
+              </a:ext>
+            </a:extLst>
+          </p:cNvPr>
+          <p:cNvSpPr>
+            <a:spLocks noGrp="1"/>
+          </p:cNvSpPr>
+          <p:nvPr>
+            <p:ph type="sldNum" sz="quarter" idx="12"/>
+          </p:nvPr>
+        </p:nvSpPr>
+        <p:spPr/>
+        <p:txBody>
+          <a:bodyPr/>
+          <a:lstStyle/>
+          <a:p>
+            <a:fld id="{977BA8E6-E826-B147-AA17-E3D76A29629C}" type="slidenum">
+              <a:rPr kumimoji="1" lang="zh-CN" altLang="en-US" smtClean="0"/>
+              <a:pPr/>
+              <a:t>34</a:t>
+            </a:fld>
+            <a:endParaRPr kumimoji="1" lang="zh-CN" altLang="en-US" dirty="0"/>
+          </a:p>
+        </p:txBody>
+      </p:sp>
+    </p:spTree>
+    <p:extLst>
+      <p:ext uri="{BB962C8B-B14F-4D97-AF65-F5344CB8AC3E}">
+        <p14:creationId xmlns:p14="http://schemas.microsoft.com/office/powerpoint/2010/main" val="2487911178"/>
+      </p:ext>
+    </p:extLst>
+  </p:cSld>
+  <p:clrMapOvr>
+    <a:masterClrMapping/>
+  </p:clrMapOvr>
+</p:sld>
+</file>
+
+<file path=ppt/slides/slide35.xml><?xml version="1.0" encoding="utf-8"?>
 <p:sld xmlns:a="http://schemas.openxmlformats.org/drawingml/2006/main" xmlns:r="http://schemas.openxmlformats.org/officeDocument/2006/relationships" xmlns:p="http://schemas.openxmlformats.org/presentationml/2006/main">
   <p:cSld>
     <p:spTree>
@@ -18510,7 +21616,7 @@
           <a:p>
             <a:fld id="{977BA8E6-E826-B147-AA17-E3D76A29629C}" type="slidenum">
               <a:rPr kumimoji="1" lang="zh-CN" altLang="en-US" smtClean="0"/>
-              <a:t>34</a:t>
+              <a:t>35</a:t>
             </a:fld>
             <a:endParaRPr kumimoji="1" lang="zh-CN" altLang="en-US"/>
           </a:p>
@@ -22304,7 +25410,7 @@
         <p:spPr>
           <a:xfrm>
             <a:off x="835306" y="1608623"/>
-            <a:ext cx="10588756" cy="4760534"/>
+            <a:ext cx="10588756" cy="4206536"/>
           </a:xfrm>
           <a:prstGeom prst="rect">
             <a:avLst/>
@@ -22382,7 +25488,7 @@
                 <a:latin typeface="+mn-ea"/>
                 <a:sym typeface="+mn-ea"/>
               </a:rPr>
-              <a:t>中应用区块链技术能够消除中介，允许乘客与司机的直接交流与交易，同时由于区块链平台数据的透明性，能够为双方提供更为可信的验证，降低了信任成本。在网络出租车服务中使用区块链技术有助于所有的利益参与方关系更加紧密。</a:t>
+              <a:t>中应用区块链技术能够消除中介，允许乘客与司机的直接交流与交易，能够为双方提供更为可信的验证，降低了信任成本。在网络出租车服务中使用区块链技术有助于所有的利益参与方关系更加紧密。</a:t>
             </a:r>
             <a:endParaRPr lang="en-US" altLang="zh-CN" sz="2400" noProof="0" dirty="0">
               <a:ln>
@@ -22425,7 +25531,7 @@
                 <a:latin typeface="+mn-ea"/>
                 <a:sym typeface="+mn-ea"/>
               </a:rPr>
-              <a:t>现有的出租车调度系统仅支持一个子链内部的交易，但在实际应用场景中，乘客与车辆分处不同区域（不同子链）的概率非常大，针对这样的现实情况，本文尝试对现有的出租车调度系统进行改进使其支持跨区域的交易操作</a:t>
+              <a:t>现有的出租车调度系统仅支持一个子链内部的交易，但在实际应用场景中，乘客与车辆可能会分处不同区域。针对这样的现实情况，本文尝试对现有的出租车调度系统进行改进使其支持跨区域的交易操作</a:t>
             </a:r>
             <a:endParaRPr lang="en-US" altLang="zh-CN" sz="2400" dirty="0">
               <a:solidFill>
@@ -26169,56 +29275,56 @@
           <a:lstStyle/>
           <a:p>
             <a:r>
-              <a:rPr lang="zh-CN" altLang="en-US" sz="2400" b="1" dirty="0">
+              <a:rPr lang="zh-CN" altLang="en-US" sz="2800" b="1" dirty="0">
                 <a:latin typeface="+mn-ea"/>
               </a:rPr>
               <a:t>初始化并启动区域索引区块链</a:t>
             </a:r>
-            <a:endParaRPr lang="en-US" altLang="zh-CN" sz="2400" b="1" dirty="0">
+            <a:endParaRPr lang="en-US" altLang="zh-CN" sz="2800" b="1" dirty="0">
               <a:latin typeface="+mn-ea"/>
             </a:endParaRPr>
           </a:p>
           <a:p>
             <a:r>
-              <a:rPr lang="zh-CN" altLang="en-US" sz="2400" b="1" dirty="0">
+              <a:rPr lang="zh-CN" altLang="en-US" sz="2800" b="1" dirty="0">
                 <a:latin typeface="+mn-ea"/>
               </a:rPr>
               <a:t>部署合约</a:t>
             </a:r>
-            <a:endParaRPr lang="en-US" altLang="zh-CN" sz="2400" b="1" dirty="0">
+            <a:endParaRPr lang="en-US" altLang="zh-CN" sz="2800" b="1" dirty="0">
               <a:latin typeface="+mn-ea"/>
             </a:endParaRPr>
           </a:p>
           <a:p>
             <a:r>
-              <a:rPr lang="zh-CN" altLang="en-US" sz="2400" b="1" dirty="0">
+              <a:rPr lang="zh-CN" altLang="en-US" sz="2800" b="1" dirty="0">
                 <a:latin typeface="+mn-ea"/>
               </a:rPr>
               <a:t>上传地图</a:t>
             </a:r>
-            <a:endParaRPr lang="en-US" altLang="zh-CN" sz="2400" b="1" dirty="0">
+            <a:endParaRPr lang="en-US" altLang="zh-CN" sz="2800" b="1" dirty="0">
               <a:latin typeface="+mn-ea"/>
             </a:endParaRPr>
           </a:p>
           <a:p>
             <a:r>
-              <a:rPr lang="zh-CN" altLang="en-US" sz="2400" b="1" dirty="0">
+              <a:rPr lang="zh-CN" altLang="en-US" sz="2800" b="1" dirty="0">
                 <a:latin typeface="+mn-ea"/>
               </a:rPr>
               <a:t>更改文件以加入账户信息</a:t>
             </a:r>
-            <a:endParaRPr lang="en-US" altLang="zh-CN" sz="2400" b="1" dirty="0">
+            <a:endParaRPr lang="en-US" altLang="zh-CN" sz="2800" b="1" dirty="0">
               <a:latin typeface="+mn-ea"/>
             </a:endParaRPr>
           </a:p>
           <a:p>
             <a:r>
-              <a:rPr lang="zh-CN" altLang="en-US" sz="2400" b="1" dirty="0">
+              <a:rPr lang="zh-CN" altLang="en-US" sz="2800" b="1" dirty="0">
                 <a:latin typeface="+mn-ea"/>
               </a:rPr>
               <a:t>启动实验</a:t>
             </a:r>
-            <a:endParaRPr lang="en-US" altLang="zh-CN" sz="2400" b="1" dirty="0">
+            <a:endParaRPr lang="en-US" altLang="zh-CN" sz="2800" b="1" dirty="0">
               <a:latin typeface="+mn-ea"/>
             </a:endParaRPr>
           </a:p>
